--- a/Documents/Slides.pptx
+++ b/Documents/Slides.pptx
@@ -296,7 +296,7 @@
                 <a:latin typeface="Calibri" pitchFamily="34" charset="0"/>
               </a:rPr>
               <a:pPr/>
-              <a:t>7/21/14</a:t>
+              <a:t>7/22/14</a:t>
             </a:fld>
             <a:endParaRPr lang="en-US" dirty="0">
               <a:latin typeface="Calibri" pitchFamily="34" charset="0"/>
@@ -509,7 +509,7 @@
             <a:fld id="{7C3FBCD4-166E-446F-AF18-7D4A0CF9AEF6}" type="datetimeFigureOut">
               <a:rPr lang="en-US" smtClean="0"/>
               <a:pPr/>
-              <a:t>7/21/14</a:t>
+              <a:t>7/22/14</a:t>
             </a:fld>
             <a:endParaRPr lang="en-US" dirty="0"/>
           </a:p>
@@ -913,7 +913,7 @@
             <a:fld id="{81331B57-0BE5-4F82-AA58-76F53EFF3ADA}" type="datetime8">
               <a:rPr lang="en-US" smtClean="0"/>
               <a:pPr/>
-              <a:t>7/21/14 20:33</a:t>
+              <a:t>7/22/14 21:49</a:t>
             </a:fld>
             <a:endParaRPr lang="en-US"/>
           </a:p>
@@ -1086,7 +1086,7 @@
             <a:fld id="{81331B57-0BE5-4F82-AA58-76F53EFF3ADA}" type="datetime8">
               <a:rPr lang="en-US" smtClean="0"/>
               <a:pPr/>
-              <a:t>7/21/14 20:33</a:t>
+              <a:t>7/22/14 21:49</a:t>
             </a:fld>
             <a:endParaRPr lang="en-US"/>
           </a:p>
@@ -1259,7 +1259,7 @@
             <a:fld id="{81331B57-0BE5-4F82-AA58-76F53EFF3ADA}" type="datetime8">
               <a:rPr lang="en-US" smtClean="0"/>
               <a:pPr/>
-              <a:t>7/21/14 20:33</a:t>
+              <a:t>7/22/14 21:49</a:t>
             </a:fld>
             <a:endParaRPr lang="en-US"/>
           </a:p>
@@ -1432,7 +1432,7 @@
             <a:fld id="{81331B57-0BE5-4F82-AA58-76F53EFF3ADA}" type="datetime8">
               <a:rPr lang="en-US" smtClean="0"/>
               <a:pPr/>
-              <a:t>7/21/14 20:33</a:t>
+              <a:t>7/22/14 21:49</a:t>
             </a:fld>
             <a:endParaRPr lang="en-US"/>
           </a:p>
@@ -1605,7 +1605,7 @@
             <a:fld id="{81331B57-0BE5-4F82-AA58-76F53EFF3ADA}" type="datetime8">
               <a:rPr lang="en-US" smtClean="0"/>
               <a:pPr/>
-              <a:t>7/21/14 20:33</a:t>
+              <a:t>7/22/14 21:49</a:t>
             </a:fld>
             <a:endParaRPr lang="en-US"/>
           </a:p>
@@ -2238,7 +2238,7 @@
             <a:fld id="{81331B57-0BE5-4F82-AA58-76F53EFF3ADA}" type="datetime8">
               <a:rPr lang="en-US" smtClean="0"/>
               <a:pPr/>
-              <a:t>7/21/14 20:33</a:t>
+              <a:t>7/22/14 21:49</a:t>
             </a:fld>
             <a:endParaRPr lang="en-US"/>
           </a:p>
@@ -2411,7 +2411,7 @@
             <a:fld id="{81331B57-0BE5-4F82-AA58-76F53EFF3ADA}" type="datetime8">
               <a:rPr lang="en-US" smtClean="0"/>
               <a:pPr/>
-              <a:t>7/21/14 20:33</a:t>
+              <a:t>7/22/14 21:49</a:t>
             </a:fld>
             <a:endParaRPr lang="en-US"/>
           </a:p>
@@ -4909,44 +4909,12 @@
           <a:lstStyle/>
           <a:p>
             <a:r>
-              <a:rPr lang="en-US" sz="3600" dirty="0">
+              <a:rPr lang="en-US" sz="3600" dirty="0" smtClean="0">
                 <a:solidFill>
                   <a:schemeClr val="accent1"/>
                 </a:solidFill>
               </a:rPr>
-              <a:t>If a home , auto and personal loan are taken out by </a:t>
-            </a:r>
-            <a:r>
-              <a:rPr lang="en-US" sz="3600" dirty="0" smtClean="0">
-                <a:solidFill>
-                  <a:schemeClr val="accent1"/>
-                </a:solidFill>
-              </a:rPr>
-              <a:t>Tom</a:t>
-            </a:r>
-            <a:r>
-              <a:rPr lang="en-US" sz="3600" dirty="0">
-                <a:solidFill>
-                  <a:schemeClr val="accent1"/>
-                </a:solidFill>
-              </a:rPr>
-              <a:t>, 3 versions of </a:t>
-            </a:r>
-            <a:r>
-              <a:rPr lang="en-US" sz="3600" dirty="0" smtClean="0">
-                <a:solidFill>
-                  <a:schemeClr val="accent1"/>
-                </a:solidFill>
-              </a:rPr>
-              <a:t>Tom </a:t>
-            </a:r>
-            <a:r>
-              <a:rPr lang="en-US" sz="3600" dirty="0">
-                <a:solidFill>
-                  <a:schemeClr val="accent1"/>
-                </a:solidFill>
-              </a:rPr>
-              <a:t>appear in the database.</a:t>
+              <a:t>If a home , auto and personal loan are taken out by Tom, 3 versions of Tom appear in the database.</a:t>
             </a:r>
             <a:endParaRPr lang="en-US" sz="3600" dirty="0"/>
           </a:p>
@@ -12092,60 +12060,676 @@
           <a:chExt cx="0" cy="0"/>
         </a:xfrm>
       </p:grpSpPr>
-      <p:pic>
-        <p:nvPicPr>
-          <p:cNvPr id="6" name="Picture 1"/>
-          <p:cNvPicPr>
-            <a:picLocks noChangeAspect="1" noChangeArrowheads="1"/>
-          </p:cNvPicPr>
+      <p:sp>
+        <p:nvSpPr>
+          <p:cNvPr id="3" name="TextBox 2"/>
+          <p:cNvSpPr txBox="1"/>
           <p:nvPr/>
-        </p:nvPicPr>
-        <p:blipFill>
-          <a:blip r:embed="rId3">
-            <a:extLst>
-              <a:ext uri="{28A0092B-C50C-407E-A947-70E740481C1C}">
-                <a14:useLocalDpi xmlns:a14="http://schemas.microsoft.com/office/drawing/2010/main" val="0"/>
-              </a:ext>
-            </a:extLst>
-          </a:blip>
-          <a:srcRect/>
-          <a:stretch>
-            <a:fillRect/>
-          </a:stretch>
-        </p:blipFill>
-        <p:spPr bwMode="auto">
+        </p:nvSpPr>
+        <p:spPr>
           <a:xfrm>
-            <a:off x="1078111" y="1639155"/>
-            <a:ext cx="6697266" cy="1945556"/>
+            <a:off x="42333" y="1136952"/>
+            <a:ext cx="9053286" cy="3323987"/>
           </a:xfrm>
           <a:prstGeom prst="rect">
             <a:avLst/>
           </a:prstGeom>
           <a:noFill/>
-          <a:ln>
-            <a:noFill/>
-          </a:ln>
-          <a:extLst>
-            <a:ext uri="{909E8E84-426E-40dd-AFC4-6F175D3DCCD1}">
-              <a14:hiddenFill xmlns:a14="http://schemas.microsoft.com/office/drawing/2010/main">
-                <a:solidFill>
-                  <a:srgbClr val="FFFFFF"/>
-                </a:solidFill>
-              </a14:hiddenFill>
-            </a:ext>
-            <a:ext uri="{91240B29-F687-4f45-9708-019B960494DF}">
-              <a14:hiddenLine xmlns:a14="http://schemas.microsoft.com/office/drawing/2010/main" w="12700" cap="flat">
-                <a:solidFill>
-                  <a:schemeClr val="tx1"/>
-                </a:solidFill>
-                <a:round/>
-                <a:headEnd/>
-                <a:tailEnd/>
-              </a14:hiddenLine>
-            </a:ext>
-          </a:extLst>
         </p:spPr>
-      </p:pic>
+        <p:txBody>
+          <a:bodyPr wrap="square" rtlCol="0">
+            <a:spAutoFit/>
+          </a:bodyPr>
+          <a:lstStyle/>
+          <a:p>
+            <a:r>
+              <a:rPr lang="en-US" sz="1400" dirty="0">
+                <a:solidFill>
+                  <a:srgbClr val="931968"/>
+                </a:solidFill>
+                <a:latin typeface="Monaco"/>
+                <a:ea typeface="Monaco"/>
+                <a:cs typeface="Monaco"/>
+              </a:rPr>
+              <a:t>public</a:t>
+            </a:r>
+            <a:r>
+              <a:rPr lang="en-US" sz="1400" dirty="0">
+                <a:solidFill>
+                  <a:srgbClr val="000000"/>
+                </a:solidFill>
+                <a:latin typeface="Monaco"/>
+                <a:ea typeface="Monaco"/>
+                <a:cs typeface="Monaco"/>
+              </a:rPr>
+              <a:t> </a:t>
+            </a:r>
+            <a:r>
+              <a:rPr lang="en-US" sz="1400" dirty="0">
+                <a:solidFill>
+                  <a:srgbClr val="931968"/>
+                </a:solidFill>
+                <a:latin typeface="Monaco"/>
+                <a:ea typeface="Monaco"/>
+                <a:cs typeface="Monaco"/>
+              </a:rPr>
+              <a:t>double</a:t>
+            </a:r>
+            <a:r>
+              <a:rPr lang="en-US" sz="1400" dirty="0">
+                <a:solidFill>
+                  <a:srgbClr val="000000"/>
+                </a:solidFill>
+                <a:latin typeface="Monaco"/>
+                <a:ea typeface="Monaco"/>
+                <a:cs typeface="Monaco"/>
+              </a:rPr>
+              <a:t> </a:t>
+            </a:r>
+            <a:r>
+              <a:rPr lang="en-US" sz="1400" dirty="0" err="1">
+                <a:solidFill>
+                  <a:srgbClr val="000000"/>
+                </a:solidFill>
+                <a:latin typeface="Monaco"/>
+                <a:ea typeface="Monaco"/>
+                <a:cs typeface="Monaco"/>
+              </a:rPr>
+              <a:t>calculateTotalMortgage</a:t>
+            </a:r>
+            <a:r>
+              <a:rPr lang="en-US" sz="1400" dirty="0">
+                <a:solidFill>
+                  <a:srgbClr val="000000"/>
+                </a:solidFill>
+                <a:latin typeface="Monaco"/>
+                <a:ea typeface="Monaco"/>
+                <a:cs typeface="Monaco"/>
+              </a:rPr>
+              <a:t>(String name, Connection con)</a:t>
+            </a:r>
+          </a:p>
+          <a:p>
+            <a:r>
+              <a:rPr lang="en-US" sz="1400" dirty="0">
+                <a:solidFill>
+                  <a:srgbClr val="000000"/>
+                </a:solidFill>
+                <a:latin typeface="Monaco"/>
+                <a:ea typeface="Monaco"/>
+                <a:cs typeface="Monaco"/>
+              </a:rPr>
+              <a:t>{</a:t>
+            </a:r>
+          </a:p>
+          <a:p>
+            <a:r>
+              <a:rPr lang="en-US" sz="1400" dirty="0">
+                <a:solidFill>
+                  <a:srgbClr val="000000"/>
+                </a:solidFill>
+                <a:latin typeface="Monaco"/>
+                <a:ea typeface="Monaco"/>
+                <a:cs typeface="Monaco"/>
+              </a:rPr>
+              <a:t>  Person p = </a:t>
+            </a:r>
+            <a:r>
+              <a:rPr lang="en-US" sz="1400" dirty="0" err="1">
+                <a:solidFill>
+                  <a:srgbClr val="000000"/>
+                </a:solidFill>
+                <a:latin typeface="Monaco"/>
+                <a:ea typeface="Monaco"/>
+                <a:cs typeface="Monaco"/>
+              </a:rPr>
+              <a:t>Person.loadPersonByName</a:t>
+            </a:r>
+            <a:r>
+              <a:rPr lang="en-US" sz="1400" dirty="0">
+                <a:solidFill>
+                  <a:srgbClr val="000000"/>
+                </a:solidFill>
+                <a:latin typeface="Monaco"/>
+                <a:ea typeface="Monaco"/>
+                <a:cs typeface="Monaco"/>
+              </a:rPr>
+              <a:t>(name, con);</a:t>
+            </a:r>
+          </a:p>
+          <a:p>
+            <a:r>
+              <a:rPr lang="en-US" sz="1400" dirty="0">
+                <a:solidFill>
+                  <a:srgbClr val="000000"/>
+                </a:solidFill>
+                <a:latin typeface="Monaco"/>
+                <a:ea typeface="Monaco"/>
+                <a:cs typeface="Monaco"/>
+              </a:rPr>
+              <a:t>  </a:t>
+            </a:r>
+            <a:r>
+              <a:rPr lang="en-US" sz="1400" dirty="0">
+                <a:solidFill>
+                  <a:srgbClr val="931968"/>
+                </a:solidFill>
+                <a:latin typeface="Monaco"/>
+                <a:ea typeface="Monaco"/>
+                <a:cs typeface="Monaco"/>
+              </a:rPr>
+              <a:t>double</a:t>
+            </a:r>
+            <a:r>
+              <a:rPr lang="en-US" sz="1400" dirty="0">
+                <a:solidFill>
+                  <a:srgbClr val="000000"/>
+                </a:solidFill>
+                <a:latin typeface="Monaco"/>
+                <a:ea typeface="Monaco"/>
+                <a:cs typeface="Monaco"/>
+              </a:rPr>
+              <a:t> total = 0.00;</a:t>
+            </a:r>
+          </a:p>
+          <a:p>
+            <a:r>
+              <a:rPr lang="en-US" sz="1400" dirty="0">
+                <a:solidFill>
+                  <a:srgbClr val="000000"/>
+                </a:solidFill>
+                <a:latin typeface="Monaco"/>
+                <a:ea typeface="Monaco"/>
+                <a:cs typeface="Monaco"/>
+              </a:rPr>
+              <a:t>  </a:t>
+            </a:r>
+            <a:r>
+              <a:rPr lang="en-US" sz="1400" dirty="0">
+                <a:solidFill>
+                  <a:srgbClr val="931968"/>
+                </a:solidFill>
+                <a:latin typeface="Monaco"/>
+                <a:ea typeface="Monaco"/>
+                <a:cs typeface="Monaco"/>
+              </a:rPr>
+              <a:t>if</a:t>
+            </a:r>
+            <a:r>
+              <a:rPr lang="en-US" sz="1400" dirty="0">
+                <a:solidFill>
+                  <a:srgbClr val="000000"/>
+                </a:solidFill>
+                <a:latin typeface="Monaco"/>
+                <a:ea typeface="Monaco"/>
+                <a:cs typeface="Monaco"/>
+              </a:rPr>
+              <a:t> (</a:t>
+            </a:r>
+            <a:r>
+              <a:rPr lang="en-US" sz="1400" dirty="0" err="1">
+                <a:solidFill>
+                  <a:srgbClr val="000000"/>
+                </a:solidFill>
+                <a:latin typeface="Monaco"/>
+                <a:ea typeface="Monaco"/>
+                <a:cs typeface="Monaco"/>
+              </a:rPr>
+              <a:t>p.getFinancalInformation</a:t>
+            </a:r>
+            <a:r>
+              <a:rPr lang="en-US" sz="1400" dirty="0">
+                <a:solidFill>
+                  <a:srgbClr val="000000"/>
+                </a:solidFill>
+                <a:latin typeface="Monaco"/>
+                <a:ea typeface="Monaco"/>
+                <a:cs typeface="Monaco"/>
+              </a:rPr>
+              <a:t>().</a:t>
+            </a:r>
+            <a:r>
+              <a:rPr lang="en-US" sz="1400" dirty="0" err="1">
+                <a:solidFill>
+                  <a:srgbClr val="000000"/>
+                </a:solidFill>
+                <a:latin typeface="Monaco"/>
+                <a:ea typeface="Monaco"/>
+                <a:cs typeface="Monaco"/>
+              </a:rPr>
+              <a:t>getHomeEquityLoan</a:t>
+            </a:r>
+            <a:r>
+              <a:rPr lang="en-US" sz="1400" dirty="0">
+                <a:solidFill>
+                  <a:srgbClr val="000000"/>
+                </a:solidFill>
+                <a:latin typeface="Monaco"/>
+                <a:ea typeface="Monaco"/>
+                <a:cs typeface="Monaco"/>
+              </a:rPr>
+              <a:t>() != </a:t>
+            </a:r>
+            <a:r>
+              <a:rPr lang="en-US" sz="1400" dirty="0">
+                <a:solidFill>
+                  <a:srgbClr val="931968"/>
+                </a:solidFill>
+                <a:latin typeface="Monaco"/>
+                <a:ea typeface="Monaco"/>
+                <a:cs typeface="Monaco"/>
+              </a:rPr>
+              <a:t>null</a:t>
+            </a:r>
+            <a:r>
+              <a:rPr lang="en-US" sz="1400" dirty="0">
+                <a:solidFill>
+                  <a:srgbClr val="000000"/>
+                </a:solidFill>
+                <a:latin typeface="Monaco"/>
+                <a:ea typeface="Monaco"/>
+                <a:cs typeface="Monaco"/>
+              </a:rPr>
+              <a:t>)</a:t>
+            </a:r>
+          </a:p>
+          <a:p>
+            <a:r>
+              <a:rPr lang="en-US" sz="1400" dirty="0">
+                <a:solidFill>
+                  <a:srgbClr val="000000"/>
+                </a:solidFill>
+                <a:latin typeface="Monaco"/>
+                <a:ea typeface="Monaco"/>
+                <a:cs typeface="Monaco"/>
+              </a:rPr>
+              <a:t>  {</a:t>
+            </a:r>
+          </a:p>
+          <a:p>
+            <a:r>
+              <a:rPr lang="en-US" sz="1400" dirty="0">
+                <a:solidFill>
+                  <a:srgbClr val="000000"/>
+                </a:solidFill>
+                <a:latin typeface="Monaco"/>
+                <a:ea typeface="Monaco"/>
+                <a:cs typeface="Monaco"/>
+              </a:rPr>
+              <a:t>    total = </a:t>
+            </a:r>
+            <a:r>
+              <a:rPr lang="en-US" sz="1400" dirty="0" err="1">
+                <a:solidFill>
+                  <a:srgbClr val="000000"/>
+                </a:solidFill>
+                <a:latin typeface="Monaco"/>
+                <a:ea typeface="Monaco"/>
+                <a:cs typeface="Monaco"/>
+              </a:rPr>
+              <a:t>p.getFinancalInformation</a:t>
+            </a:r>
+            <a:r>
+              <a:rPr lang="en-US" sz="1400" dirty="0">
+                <a:solidFill>
+                  <a:srgbClr val="000000"/>
+                </a:solidFill>
+                <a:latin typeface="Monaco"/>
+                <a:ea typeface="Monaco"/>
+                <a:cs typeface="Monaco"/>
+              </a:rPr>
+              <a:t>().</a:t>
+            </a:r>
+            <a:r>
+              <a:rPr lang="en-US" sz="1400" dirty="0" err="1">
+                <a:solidFill>
+                  <a:srgbClr val="000000"/>
+                </a:solidFill>
+                <a:latin typeface="Monaco"/>
+                <a:ea typeface="Monaco"/>
+                <a:cs typeface="Monaco"/>
+              </a:rPr>
+              <a:t>getHomeEquityLoan</a:t>
+            </a:r>
+            <a:r>
+              <a:rPr lang="en-US" sz="1400" dirty="0">
+                <a:solidFill>
+                  <a:srgbClr val="000000"/>
+                </a:solidFill>
+                <a:latin typeface="Monaco"/>
+                <a:ea typeface="Monaco"/>
+                <a:cs typeface="Monaco"/>
+              </a:rPr>
+              <a:t>()</a:t>
+            </a:r>
+          </a:p>
+          <a:p>
+            <a:r>
+              <a:rPr lang="en-US" sz="1400" dirty="0">
+                <a:solidFill>
+                  <a:srgbClr val="000000"/>
+                </a:solidFill>
+                <a:latin typeface="Monaco"/>
+                <a:ea typeface="Monaco"/>
+                <a:cs typeface="Monaco"/>
+              </a:rPr>
+              <a:t>        + </a:t>
+            </a:r>
+            <a:r>
+              <a:rPr lang="en-US" sz="1400" dirty="0" err="1">
+                <a:solidFill>
+                  <a:srgbClr val="000000"/>
+                </a:solidFill>
+                <a:latin typeface="Monaco"/>
+                <a:ea typeface="Monaco"/>
+                <a:cs typeface="Monaco"/>
+              </a:rPr>
+              <a:t>p.getFinancalInformation</a:t>
+            </a:r>
+            <a:r>
+              <a:rPr lang="en-US" sz="1400" dirty="0">
+                <a:solidFill>
+                  <a:srgbClr val="000000"/>
+                </a:solidFill>
+                <a:latin typeface="Monaco"/>
+                <a:ea typeface="Monaco"/>
+                <a:cs typeface="Monaco"/>
+              </a:rPr>
+              <a:t>().</a:t>
+            </a:r>
+            <a:r>
+              <a:rPr lang="en-US" sz="1400" dirty="0" err="1">
+                <a:solidFill>
+                  <a:srgbClr val="000000"/>
+                </a:solidFill>
+                <a:latin typeface="Monaco"/>
+                <a:ea typeface="Monaco"/>
+                <a:cs typeface="Monaco"/>
+              </a:rPr>
+              <a:t>getFirstMortagePayment</a:t>
+            </a:r>
+            <a:r>
+              <a:rPr lang="en-US" sz="1400" dirty="0">
+                <a:solidFill>
+                  <a:srgbClr val="000000"/>
+                </a:solidFill>
+                <a:latin typeface="Monaco"/>
+                <a:ea typeface="Monaco"/>
+                <a:cs typeface="Monaco"/>
+              </a:rPr>
+              <a:t>();</a:t>
+            </a:r>
+          </a:p>
+          <a:p>
+            <a:r>
+              <a:rPr lang="en-US" sz="1400" dirty="0">
+                <a:solidFill>
+                  <a:srgbClr val="000000"/>
+                </a:solidFill>
+                <a:latin typeface="Monaco"/>
+                <a:ea typeface="Monaco"/>
+                <a:cs typeface="Monaco"/>
+              </a:rPr>
+              <a:t>  }</a:t>
+            </a:r>
+          </a:p>
+          <a:p>
+            <a:r>
+              <a:rPr lang="en-US" sz="1400" dirty="0">
+                <a:solidFill>
+                  <a:srgbClr val="000000"/>
+                </a:solidFill>
+                <a:latin typeface="Monaco"/>
+                <a:ea typeface="Monaco"/>
+                <a:cs typeface="Monaco"/>
+              </a:rPr>
+              <a:t>  </a:t>
+            </a:r>
+            <a:r>
+              <a:rPr lang="en-US" sz="1400" dirty="0">
+                <a:solidFill>
+                  <a:srgbClr val="931968"/>
+                </a:solidFill>
+                <a:latin typeface="Monaco"/>
+                <a:ea typeface="Monaco"/>
+                <a:cs typeface="Monaco"/>
+              </a:rPr>
+              <a:t>else</a:t>
+            </a:r>
+            <a:r>
+              <a:rPr lang="en-US" sz="1400" dirty="0">
+                <a:solidFill>
+                  <a:srgbClr val="000000"/>
+                </a:solidFill>
+                <a:latin typeface="Monaco"/>
+                <a:ea typeface="Monaco"/>
+                <a:cs typeface="Monaco"/>
+              </a:rPr>
+              <a:t> </a:t>
+            </a:r>
+            <a:r>
+              <a:rPr lang="en-US" sz="1400" dirty="0">
+                <a:solidFill>
+                  <a:srgbClr val="931968"/>
+                </a:solidFill>
+                <a:latin typeface="Monaco"/>
+                <a:ea typeface="Monaco"/>
+                <a:cs typeface="Monaco"/>
+              </a:rPr>
+              <a:t>if</a:t>
+            </a:r>
+            <a:r>
+              <a:rPr lang="en-US" sz="1400" dirty="0">
+                <a:solidFill>
+                  <a:srgbClr val="000000"/>
+                </a:solidFill>
+                <a:latin typeface="Monaco"/>
+                <a:ea typeface="Monaco"/>
+                <a:cs typeface="Monaco"/>
+              </a:rPr>
+              <a:t> (</a:t>
+            </a:r>
+            <a:r>
+              <a:rPr lang="en-US" sz="1400" dirty="0" err="1">
+                <a:solidFill>
+                  <a:srgbClr val="000000"/>
+                </a:solidFill>
+                <a:latin typeface="Monaco"/>
+                <a:ea typeface="Monaco"/>
+                <a:cs typeface="Monaco"/>
+              </a:rPr>
+              <a:t>p.getFinancalInformation</a:t>
+            </a:r>
+            <a:r>
+              <a:rPr lang="en-US" sz="1400" dirty="0">
+                <a:solidFill>
+                  <a:srgbClr val="000000"/>
+                </a:solidFill>
+                <a:latin typeface="Monaco"/>
+                <a:ea typeface="Monaco"/>
+                <a:cs typeface="Monaco"/>
+              </a:rPr>
+              <a:t>().</a:t>
+            </a:r>
+            <a:r>
+              <a:rPr lang="en-US" sz="1400" dirty="0" err="1">
+                <a:solidFill>
+                  <a:srgbClr val="000000"/>
+                </a:solidFill>
+                <a:latin typeface="Monaco"/>
+                <a:ea typeface="Monaco"/>
+                <a:cs typeface="Monaco"/>
+              </a:rPr>
+              <a:t>getFirstMortagePayment</a:t>
+            </a:r>
+            <a:r>
+              <a:rPr lang="en-US" sz="1400" dirty="0">
+                <a:solidFill>
+                  <a:srgbClr val="000000"/>
+                </a:solidFill>
+                <a:latin typeface="Monaco"/>
+                <a:ea typeface="Monaco"/>
+                <a:cs typeface="Monaco"/>
+              </a:rPr>
+              <a:t>() != </a:t>
+            </a:r>
+            <a:r>
+              <a:rPr lang="en-US" sz="1400" dirty="0">
+                <a:solidFill>
+                  <a:srgbClr val="931968"/>
+                </a:solidFill>
+                <a:latin typeface="Monaco"/>
+                <a:ea typeface="Monaco"/>
+                <a:cs typeface="Monaco"/>
+              </a:rPr>
+              <a:t>null</a:t>
+            </a:r>
+            <a:r>
+              <a:rPr lang="en-US" sz="1400" dirty="0">
+                <a:solidFill>
+                  <a:srgbClr val="000000"/>
+                </a:solidFill>
+                <a:latin typeface="Monaco"/>
+                <a:ea typeface="Monaco"/>
+                <a:cs typeface="Monaco"/>
+              </a:rPr>
+              <a:t>)</a:t>
+            </a:r>
+          </a:p>
+          <a:p>
+            <a:r>
+              <a:rPr lang="en-US" sz="1400" dirty="0">
+                <a:solidFill>
+                  <a:srgbClr val="000000"/>
+                </a:solidFill>
+                <a:latin typeface="Monaco"/>
+                <a:ea typeface="Monaco"/>
+                <a:cs typeface="Monaco"/>
+              </a:rPr>
+              <a:t>  {</a:t>
+            </a:r>
+          </a:p>
+          <a:p>
+            <a:r>
+              <a:rPr lang="en-US" sz="1400" dirty="0">
+                <a:solidFill>
+                  <a:srgbClr val="000000"/>
+                </a:solidFill>
+                <a:latin typeface="Monaco"/>
+                <a:ea typeface="Monaco"/>
+                <a:cs typeface="Monaco"/>
+              </a:rPr>
+              <a:t>    total = </a:t>
+            </a:r>
+            <a:r>
+              <a:rPr lang="en-US" sz="1400" dirty="0" err="1">
+                <a:solidFill>
+                  <a:srgbClr val="000000"/>
+                </a:solidFill>
+                <a:latin typeface="Monaco"/>
+                <a:ea typeface="Monaco"/>
+                <a:cs typeface="Monaco"/>
+              </a:rPr>
+              <a:t>p.getFinancalInformation</a:t>
+            </a:r>
+            <a:r>
+              <a:rPr lang="en-US" sz="1400" dirty="0">
+                <a:solidFill>
+                  <a:srgbClr val="000000"/>
+                </a:solidFill>
+                <a:latin typeface="Monaco"/>
+                <a:ea typeface="Monaco"/>
+                <a:cs typeface="Monaco"/>
+              </a:rPr>
+              <a:t>().</a:t>
+            </a:r>
+            <a:r>
+              <a:rPr lang="en-US" sz="1400" dirty="0" err="1">
+                <a:solidFill>
+                  <a:srgbClr val="000000"/>
+                </a:solidFill>
+                <a:latin typeface="Monaco"/>
+                <a:ea typeface="Monaco"/>
+                <a:cs typeface="Monaco"/>
+              </a:rPr>
+              <a:t>getFirstMortagePayment</a:t>
+            </a:r>
+            <a:r>
+              <a:rPr lang="en-US" sz="1400" dirty="0">
+                <a:solidFill>
+                  <a:srgbClr val="000000"/>
+                </a:solidFill>
+                <a:latin typeface="Monaco"/>
+                <a:ea typeface="Monaco"/>
+                <a:cs typeface="Monaco"/>
+              </a:rPr>
+              <a:t>();</a:t>
+            </a:r>
+          </a:p>
+          <a:p>
+            <a:r>
+              <a:rPr lang="en-US" sz="1400" dirty="0">
+                <a:solidFill>
+                  <a:srgbClr val="000000"/>
+                </a:solidFill>
+                <a:latin typeface="Monaco"/>
+                <a:ea typeface="Monaco"/>
+                <a:cs typeface="Monaco"/>
+              </a:rPr>
+              <a:t>  }</a:t>
+            </a:r>
+          </a:p>
+          <a:p>
+            <a:r>
+              <a:rPr lang="en-US" sz="1400" dirty="0">
+                <a:solidFill>
+                  <a:srgbClr val="000000"/>
+                </a:solidFill>
+                <a:latin typeface="Monaco"/>
+                <a:ea typeface="Monaco"/>
+                <a:cs typeface="Monaco"/>
+              </a:rPr>
+              <a:t>  </a:t>
+            </a:r>
+            <a:r>
+              <a:rPr lang="en-US" sz="1400" dirty="0">
+                <a:solidFill>
+                  <a:srgbClr val="931968"/>
+                </a:solidFill>
+                <a:latin typeface="Monaco"/>
+                <a:ea typeface="Monaco"/>
+                <a:cs typeface="Monaco"/>
+              </a:rPr>
+              <a:t>return</a:t>
+            </a:r>
+            <a:r>
+              <a:rPr lang="en-US" sz="1400" dirty="0">
+                <a:solidFill>
+                  <a:srgbClr val="000000"/>
+                </a:solidFill>
+                <a:latin typeface="Monaco"/>
+                <a:ea typeface="Monaco"/>
+                <a:cs typeface="Monaco"/>
+              </a:rPr>
+              <a:t> total;</a:t>
+            </a:r>
+          </a:p>
+          <a:p>
+            <a:r>
+              <a:rPr lang="en-US" sz="1400" dirty="0">
+                <a:solidFill>
+                  <a:srgbClr val="000000"/>
+                </a:solidFill>
+                <a:latin typeface="Monaco"/>
+                <a:ea typeface="Monaco"/>
+                <a:cs typeface="Monaco"/>
+              </a:rPr>
+              <a:t>}</a:t>
+            </a:r>
+            <a:endParaRPr lang="en-US" sz="1400" dirty="0"/>
+          </a:p>
+        </p:txBody>
+      </p:sp>
       <p:sp>
         <p:nvSpPr>
           <p:cNvPr id="7" name="Rectangle 2"/>
@@ -12156,8 +12740,8 @@
         </p:nvSpPr>
         <p:spPr bwMode="auto">
           <a:xfrm>
-            <a:off x="1377255" y="1937183"/>
-            <a:ext cx="3571875" cy="120551"/>
+            <a:off x="318921" y="1622707"/>
+            <a:ext cx="4954603" cy="215769"/>
           </a:xfrm>
           <a:prstGeom prst="rect">
             <a:avLst/>
@@ -12197,8 +12781,8 @@
         </p:nvSpPr>
         <p:spPr bwMode="auto">
           <a:xfrm>
-            <a:off x="1712119" y="2077826"/>
-            <a:ext cx="3554016" cy="120551"/>
+            <a:off x="768048" y="2044095"/>
+            <a:ext cx="4922761" cy="205620"/>
           </a:xfrm>
           <a:prstGeom prst="rect">
             <a:avLst/>
@@ -12238,8 +12822,8 @@
         </p:nvSpPr>
         <p:spPr bwMode="auto">
           <a:xfrm>
-            <a:off x="2203252" y="2352413"/>
-            <a:ext cx="3571875" cy="120551"/>
+            <a:off x="1362633" y="2467429"/>
+            <a:ext cx="4963177" cy="199571"/>
           </a:xfrm>
           <a:prstGeom prst="rect">
             <a:avLst/>
@@ -12279,8 +12863,8 @@
         </p:nvSpPr>
         <p:spPr bwMode="auto">
           <a:xfrm>
-            <a:off x="2203251" y="2493056"/>
-            <a:ext cx="3929063" cy="120551"/>
+            <a:off x="1185333" y="2697238"/>
+            <a:ext cx="5545667" cy="199572"/>
           </a:xfrm>
           <a:prstGeom prst="rect">
             <a:avLst/>
@@ -12320,8 +12904,8 @@
         </p:nvSpPr>
         <p:spPr bwMode="auto">
           <a:xfrm>
-            <a:off x="1703189" y="2767644"/>
-            <a:ext cx="3929063" cy="120551"/>
+            <a:off x="1291951" y="3106311"/>
+            <a:ext cx="5451144" cy="238022"/>
           </a:xfrm>
           <a:prstGeom prst="rect">
             <a:avLst/>
@@ -12361,8 +12945,8 @@
         </p:nvSpPr>
         <p:spPr bwMode="auto">
           <a:xfrm>
-            <a:off x="2203251" y="3028837"/>
-            <a:ext cx="3929063" cy="120551"/>
+            <a:off x="1398917" y="3536837"/>
+            <a:ext cx="5549797" cy="218734"/>
           </a:xfrm>
           <a:prstGeom prst="rect">
             <a:avLst/>
@@ -12733,60 +13317,756 @@
           <a:chExt cx="0" cy="0"/>
         </a:xfrm>
       </p:grpSpPr>
-      <p:pic>
-        <p:nvPicPr>
-          <p:cNvPr id="9" name="Picture 1"/>
-          <p:cNvPicPr>
-            <a:picLocks noChangeAspect="1" noChangeArrowheads="1"/>
-          </p:cNvPicPr>
+      <p:sp>
+        <p:nvSpPr>
+          <p:cNvPr id="6" name="TextBox 5"/>
+          <p:cNvSpPr txBox="1"/>
           <p:nvPr/>
-        </p:nvPicPr>
-        <p:blipFill>
-          <a:blip r:embed="rId3">
-            <a:extLst>
-              <a:ext uri="{28A0092B-C50C-407E-A947-70E740481C1C}">
-                <a14:useLocalDpi xmlns:a14="http://schemas.microsoft.com/office/drawing/2010/main" val="0"/>
-              </a:ext>
-            </a:extLst>
-          </a:blip>
-          <a:srcRect/>
-          <a:stretch>
-            <a:fillRect/>
-          </a:stretch>
-        </p:blipFill>
-        <p:spPr bwMode="auto">
+        </p:nvSpPr>
+        <p:spPr>
           <a:xfrm>
-            <a:off x="1202531" y="1379636"/>
-            <a:ext cx="6920508" cy="2779365"/>
+            <a:off x="0" y="839943"/>
+            <a:ext cx="9143999" cy="3970318"/>
           </a:xfrm>
           <a:prstGeom prst="rect">
             <a:avLst/>
           </a:prstGeom>
           <a:noFill/>
-          <a:ln>
-            <a:noFill/>
-          </a:ln>
-          <a:extLst>
-            <a:ext uri="{909E8E84-426E-40dd-AFC4-6F175D3DCCD1}">
-              <a14:hiddenFill xmlns:a14="http://schemas.microsoft.com/office/drawing/2010/main">
-                <a:solidFill>
-                  <a:srgbClr val="FFFFFF"/>
-                </a:solidFill>
-              </a14:hiddenFill>
-            </a:ext>
-            <a:ext uri="{91240B29-F687-4f45-9708-019B960494DF}">
-              <a14:hiddenLine xmlns:a14="http://schemas.microsoft.com/office/drawing/2010/main" w="12700" cap="flat">
-                <a:solidFill>
-                  <a:schemeClr val="tx1"/>
-                </a:solidFill>
-                <a:round/>
-                <a:headEnd/>
-                <a:tailEnd/>
-              </a14:hiddenLine>
-            </a:ext>
-          </a:extLst>
         </p:spPr>
-      </p:pic>
+        <p:txBody>
+          <a:bodyPr wrap="square" rtlCol="0">
+            <a:spAutoFit/>
+          </a:bodyPr>
+          <a:lstStyle/>
+          <a:p>
+            <a:r>
+              <a:rPr lang="en-US" sz="1400" dirty="0">
+                <a:solidFill>
+                  <a:srgbClr val="931968"/>
+                </a:solidFill>
+                <a:latin typeface="Monaco"/>
+                <a:ea typeface="Monaco"/>
+                <a:cs typeface="Monaco"/>
+              </a:rPr>
+              <a:t>public</a:t>
+            </a:r>
+            <a:r>
+              <a:rPr lang="en-US" sz="1400" dirty="0">
+                <a:solidFill>
+                  <a:srgbClr val="000000"/>
+                </a:solidFill>
+                <a:latin typeface="Monaco"/>
+                <a:ea typeface="Monaco"/>
+                <a:cs typeface="Monaco"/>
+              </a:rPr>
+              <a:t> </a:t>
+            </a:r>
+            <a:r>
+              <a:rPr lang="en-US" sz="1400" dirty="0">
+                <a:solidFill>
+                  <a:srgbClr val="931968"/>
+                </a:solidFill>
+                <a:latin typeface="Monaco"/>
+                <a:ea typeface="Monaco"/>
+                <a:cs typeface="Monaco"/>
+              </a:rPr>
+              <a:t>double</a:t>
+            </a:r>
+            <a:r>
+              <a:rPr lang="en-US" sz="1400" dirty="0">
+                <a:solidFill>
+                  <a:srgbClr val="000000"/>
+                </a:solidFill>
+                <a:latin typeface="Monaco"/>
+                <a:ea typeface="Monaco"/>
+                <a:cs typeface="Monaco"/>
+              </a:rPr>
+              <a:t> </a:t>
+            </a:r>
+            <a:r>
+              <a:rPr lang="en-US" sz="1400" dirty="0" err="1">
+                <a:solidFill>
+                  <a:srgbClr val="000000"/>
+                </a:solidFill>
+                <a:latin typeface="Monaco"/>
+                <a:ea typeface="Monaco"/>
+                <a:cs typeface="Monaco"/>
+              </a:rPr>
+              <a:t>calculateTotalMortgage</a:t>
+            </a:r>
+            <a:r>
+              <a:rPr lang="en-US" sz="1400" dirty="0">
+                <a:solidFill>
+                  <a:srgbClr val="000000"/>
+                </a:solidFill>
+                <a:latin typeface="Monaco"/>
+                <a:ea typeface="Monaco"/>
+                <a:cs typeface="Monaco"/>
+              </a:rPr>
+              <a:t>(String name, Connection con)</a:t>
+            </a:r>
+          </a:p>
+          <a:p>
+            <a:r>
+              <a:rPr lang="en-US" sz="1400" dirty="0">
+                <a:solidFill>
+                  <a:srgbClr val="000000"/>
+                </a:solidFill>
+                <a:latin typeface="Monaco"/>
+                <a:ea typeface="Monaco"/>
+                <a:cs typeface="Monaco"/>
+              </a:rPr>
+              <a:t>{</a:t>
+            </a:r>
+          </a:p>
+          <a:p>
+            <a:r>
+              <a:rPr lang="en-US" sz="1400" dirty="0">
+                <a:solidFill>
+                  <a:srgbClr val="000000"/>
+                </a:solidFill>
+                <a:latin typeface="Monaco"/>
+                <a:ea typeface="Monaco"/>
+                <a:cs typeface="Monaco"/>
+              </a:rPr>
+              <a:t>  Person p = </a:t>
+            </a:r>
+            <a:r>
+              <a:rPr lang="en-US" sz="1400" dirty="0" err="1">
+                <a:solidFill>
+                  <a:srgbClr val="000000"/>
+                </a:solidFill>
+                <a:latin typeface="Monaco"/>
+                <a:ea typeface="Monaco"/>
+                <a:cs typeface="Monaco"/>
+              </a:rPr>
+              <a:t>Person.loadPersonByName</a:t>
+            </a:r>
+            <a:r>
+              <a:rPr lang="en-US" sz="1400" dirty="0">
+                <a:solidFill>
+                  <a:srgbClr val="000000"/>
+                </a:solidFill>
+                <a:latin typeface="Monaco"/>
+                <a:ea typeface="Monaco"/>
+                <a:cs typeface="Monaco"/>
+              </a:rPr>
+              <a:t>(name, con);</a:t>
+            </a:r>
+          </a:p>
+          <a:p>
+            <a:r>
+              <a:rPr lang="en-US" sz="1400" dirty="0">
+                <a:solidFill>
+                  <a:srgbClr val="000000"/>
+                </a:solidFill>
+                <a:latin typeface="Monaco"/>
+                <a:ea typeface="Monaco"/>
+                <a:cs typeface="Monaco"/>
+              </a:rPr>
+              <a:t>  Double </a:t>
+            </a:r>
+            <a:r>
+              <a:rPr lang="en-US" sz="1400" dirty="0" err="1">
+                <a:solidFill>
+                  <a:srgbClr val="000000"/>
+                </a:solidFill>
+                <a:latin typeface="Monaco"/>
+                <a:ea typeface="Monaco"/>
+                <a:cs typeface="Monaco"/>
+              </a:rPr>
+              <a:t>homeEquityLoan</a:t>
+            </a:r>
+            <a:r>
+              <a:rPr lang="en-US" sz="1400" dirty="0">
+                <a:solidFill>
+                  <a:srgbClr val="000000"/>
+                </a:solidFill>
+                <a:latin typeface="Monaco"/>
+                <a:ea typeface="Monaco"/>
+                <a:cs typeface="Monaco"/>
+              </a:rPr>
+              <a:t> = </a:t>
+            </a:r>
+            <a:r>
+              <a:rPr lang="en-US" sz="1400" dirty="0" err="1">
+                <a:solidFill>
+                  <a:srgbClr val="000000"/>
+                </a:solidFill>
+                <a:latin typeface="Monaco"/>
+                <a:ea typeface="Monaco"/>
+                <a:cs typeface="Monaco"/>
+              </a:rPr>
+              <a:t>p.getFinancalInformation</a:t>
+            </a:r>
+            <a:r>
+              <a:rPr lang="en-US" sz="1400" dirty="0">
+                <a:solidFill>
+                  <a:srgbClr val="000000"/>
+                </a:solidFill>
+                <a:latin typeface="Monaco"/>
+                <a:ea typeface="Monaco"/>
+                <a:cs typeface="Monaco"/>
+              </a:rPr>
+              <a:t>().</a:t>
+            </a:r>
+            <a:r>
+              <a:rPr lang="en-US" sz="1400" dirty="0" err="1">
+                <a:solidFill>
+                  <a:srgbClr val="000000"/>
+                </a:solidFill>
+                <a:latin typeface="Monaco"/>
+                <a:ea typeface="Monaco"/>
+                <a:cs typeface="Monaco"/>
+              </a:rPr>
+              <a:t>getHomeEquityLoan</a:t>
+            </a:r>
+            <a:r>
+              <a:rPr lang="en-US" sz="1400" dirty="0">
+                <a:solidFill>
+                  <a:srgbClr val="000000"/>
+                </a:solidFill>
+                <a:latin typeface="Monaco"/>
+                <a:ea typeface="Monaco"/>
+                <a:cs typeface="Monaco"/>
+              </a:rPr>
+              <a:t>();</a:t>
+            </a:r>
+          </a:p>
+          <a:p>
+            <a:r>
+              <a:rPr lang="en-US" sz="1400" dirty="0">
+                <a:solidFill>
+                  <a:srgbClr val="000000"/>
+                </a:solidFill>
+                <a:latin typeface="Monaco"/>
+                <a:ea typeface="Monaco"/>
+                <a:cs typeface="Monaco"/>
+              </a:rPr>
+              <a:t>  Double </a:t>
+            </a:r>
+            <a:r>
+              <a:rPr lang="en-US" sz="1400" dirty="0" err="1">
+                <a:solidFill>
+                  <a:srgbClr val="000000"/>
+                </a:solidFill>
+                <a:latin typeface="Monaco"/>
+                <a:ea typeface="Monaco"/>
+                <a:cs typeface="Monaco"/>
+              </a:rPr>
+              <a:t>firstMortagePayment</a:t>
+            </a:r>
+            <a:r>
+              <a:rPr lang="en-US" sz="1400" dirty="0">
+                <a:solidFill>
+                  <a:srgbClr val="000000"/>
+                </a:solidFill>
+                <a:latin typeface="Monaco"/>
+                <a:ea typeface="Monaco"/>
+                <a:cs typeface="Monaco"/>
+              </a:rPr>
+              <a:t> </a:t>
+            </a:r>
+            <a:r>
+              <a:rPr lang="en-US" sz="1400" dirty="0" smtClean="0">
+                <a:solidFill>
+                  <a:srgbClr val="000000"/>
+                </a:solidFill>
+                <a:latin typeface="Monaco"/>
+                <a:ea typeface="Monaco"/>
+                <a:cs typeface="Monaco"/>
+              </a:rPr>
+              <a:t>=</a:t>
+            </a:r>
+            <a:r>
+              <a:rPr lang="en-US" sz="1400" dirty="0" err="1" smtClean="0">
+                <a:solidFill>
+                  <a:srgbClr val="000000"/>
+                </a:solidFill>
+                <a:latin typeface="Monaco"/>
+                <a:ea typeface="Monaco"/>
+                <a:cs typeface="Monaco"/>
+              </a:rPr>
+              <a:t>p.getFinancalInformation</a:t>
+            </a:r>
+            <a:r>
+              <a:rPr lang="en-US" sz="1400" dirty="0">
+                <a:solidFill>
+                  <a:srgbClr val="000000"/>
+                </a:solidFill>
+                <a:latin typeface="Monaco"/>
+                <a:ea typeface="Monaco"/>
+                <a:cs typeface="Monaco"/>
+              </a:rPr>
+              <a:t>().</a:t>
+            </a:r>
+            <a:r>
+              <a:rPr lang="en-US" sz="1400" dirty="0" err="1">
+                <a:solidFill>
+                  <a:srgbClr val="000000"/>
+                </a:solidFill>
+                <a:latin typeface="Monaco"/>
+                <a:ea typeface="Monaco"/>
+                <a:cs typeface="Monaco"/>
+              </a:rPr>
+              <a:t>getFirstMortagePayment</a:t>
+            </a:r>
+            <a:r>
+              <a:rPr lang="en-US" sz="1400" dirty="0">
+                <a:solidFill>
+                  <a:srgbClr val="000000"/>
+                </a:solidFill>
+                <a:latin typeface="Monaco"/>
+                <a:ea typeface="Monaco"/>
+                <a:cs typeface="Monaco"/>
+              </a:rPr>
+              <a:t>();</a:t>
+            </a:r>
+          </a:p>
+          <a:p>
+            <a:r>
+              <a:rPr lang="en-US" sz="1400" dirty="0">
+                <a:solidFill>
+                  <a:srgbClr val="000000"/>
+                </a:solidFill>
+                <a:latin typeface="Monaco"/>
+                <a:ea typeface="Monaco"/>
+                <a:cs typeface="Monaco"/>
+              </a:rPr>
+              <a:t>  </a:t>
+            </a:r>
+          </a:p>
+          <a:p>
+            <a:r>
+              <a:rPr lang="en-US" sz="1400" dirty="0">
+                <a:solidFill>
+                  <a:srgbClr val="000000"/>
+                </a:solidFill>
+                <a:latin typeface="Monaco"/>
+                <a:ea typeface="Monaco"/>
+                <a:cs typeface="Monaco"/>
+              </a:rPr>
+              <a:t>  </a:t>
+            </a:r>
+            <a:r>
+              <a:rPr lang="en-US" sz="1400" dirty="0">
+                <a:solidFill>
+                  <a:srgbClr val="931968"/>
+                </a:solidFill>
+                <a:latin typeface="Monaco"/>
+                <a:ea typeface="Monaco"/>
+                <a:cs typeface="Monaco"/>
+              </a:rPr>
+              <a:t>double</a:t>
+            </a:r>
+            <a:r>
+              <a:rPr lang="en-US" sz="1400" dirty="0">
+                <a:solidFill>
+                  <a:srgbClr val="000000"/>
+                </a:solidFill>
+                <a:latin typeface="Monaco"/>
+                <a:ea typeface="Monaco"/>
+                <a:cs typeface="Monaco"/>
+              </a:rPr>
+              <a:t> total = 0.00;</a:t>
+            </a:r>
+          </a:p>
+          <a:p>
+            <a:endParaRPr lang="en-US" sz="1400" dirty="0">
+              <a:solidFill>
+                <a:srgbClr val="000000"/>
+              </a:solidFill>
+              <a:latin typeface="Monaco"/>
+              <a:ea typeface="Monaco"/>
+              <a:cs typeface="Monaco"/>
+            </a:endParaRPr>
+          </a:p>
+          <a:p>
+            <a:r>
+              <a:rPr lang="en-US" sz="1400" dirty="0">
+                <a:solidFill>
+                  <a:srgbClr val="000000"/>
+                </a:solidFill>
+                <a:latin typeface="Monaco"/>
+                <a:ea typeface="Monaco"/>
+                <a:cs typeface="Monaco"/>
+              </a:rPr>
+              <a:t>  </a:t>
+            </a:r>
+            <a:r>
+              <a:rPr lang="en-US" sz="1400" dirty="0">
+                <a:solidFill>
+                  <a:srgbClr val="931968"/>
+                </a:solidFill>
+                <a:latin typeface="Monaco"/>
+                <a:ea typeface="Monaco"/>
+                <a:cs typeface="Monaco"/>
+              </a:rPr>
+              <a:t>if</a:t>
+            </a:r>
+            <a:r>
+              <a:rPr lang="en-US" sz="1400" dirty="0">
+                <a:solidFill>
+                  <a:srgbClr val="000000"/>
+                </a:solidFill>
+                <a:latin typeface="Monaco"/>
+                <a:ea typeface="Monaco"/>
+                <a:cs typeface="Monaco"/>
+              </a:rPr>
+              <a:t> (</a:t>
+            </a:r>
+            <a:r>
+              <a:rPr lang="en-US" sz="1400" dirty="0" err="1">
+                <a:solidFill>
+                  <a:srgbClr val="000000"/>
+                </a:solidFill>
+                <a:latin typeface="Monaco"/>
+                <a:ea typeface="Monaco"/>
+                <a:cs typeface="Monaco"/>
+              </a:rPr>
+              <a:t>homeEquityLoan</a:t>
+            </a:r>
+            <a:r>
+              <a:rPr lang="en-US" sz="1400" dirty="0">
+                <a:solidFill>
+                  <a:srgbClr val="000000"/>
+                </a:solidFill>
+                <a:latin typeface="Monaco"/>
+                <a:ea typeface="Monaco"/>
+                <a:cs typeface="Monaco"/>
+              </a:rPr>
+              <a:t> != </a:t>
+            </a:r>
+            <a:r>
+              <a:rPr lang="en-US" sz="1400" dirty="0">
+                <a:solidFill>
+                  <a:srgbClr val="931968"/>
+                </a:solidFill>
+                <a:latin typeface="Monaco"/>
+                <a:ea typeface="Monaco"/>
+                <a:cs typeface="Monaco"/>
+              </a:rPr>
+              <a:t>null</a:t>
+            </a:r>
+            <a:r>
+              <a:rPr lang="en-US" sz="1400" dirty="0">
+                <a:solidFill>
+                  <a:srgbClr val="000000"/>
+                </a:solidFill>
+                <a:latin typeface="Monaco"/>
+                <a:ea typeface="Monaco"/>
+                <a:cs typeface="Monaco"/>
+              </a:rPr>
+              <a:t>)</a:t>
+            </a:r>
+          </a:p>
+          <a:p>
+            <a:r>
+              <a:rPr lang="en-US" sz="1400" dirty="0">
+                <a:solidFill>
+                  <a:srgbClr val="000000"/>
+                </a:solidFill>
+                <a:latin typeface="Monaco"/>
+                <a:ea typeface="Monaco"/>
+                <a:cs typeface="Monaco"/>
+              </a:rPr>
+              <a:t>  {</a:t>
+            </a:r>
+          </a:p>
+          <a:p>
+            <a:r>
+              <a:rPr lang="en-US" sz="1400" dirty="0">
+                <a:solidFill>
+                  <a:srgbClr val="000000"/>
+                </a:solidFill>
+                <a:latin typeface="Monaco"/>
+                <a:ea typeface="Monaco"/>
+                <a:cs typeface="Monaco"/>
+              </a:rPr>
+              <a:t>    total = </a:t>
+            </a:r>
+            <a:r>
+              <a:rPr lang="en-US" sz="1400" dirty="0" err="1" smtClean="0">
+                <a:solidFill>
+                  <a:srgbClr val="000000"/>
+                </a:solidFill>
+                <a:latin typeface="Monaco"/>
+                <a:ea typeface="Monaco"/>
+                <a:cs typeface="Monaco"/>
+              </a:rPr>
+              <a:t>homeEquityLoan</a:t>
+            </a:r>
+            <a:r>
+              <a:rPr lang="en-US" sz="1400" dirty="0" smtClean="0">
+                <a:solidFill>
+                  <a:srgbClr val="000000"/>
+                </a:solidFill>
+                <a:latin typeface="Monaco"/>
+                <a:ea typeface="Monaco"/>
+                <a:cs typeface="Monaco"/>
+              </a:rPr>
+              <a:t> </a:t>
+            </a:r>
+            <a:r>
+              <a:rPr lang="en-US" sz="1400" dirty="0">
+                <a:solidFill>
+                  <a:srgbClr val="000000"/>
+                </a:solidFill>
+                <a:latin typeface="Monaco"/>
+                <a:ea typeface="Monaco"/>
+                <a:cs typeface="Monaco"/>
+              </a:rPr>
+              <a:t>+ </a:t>
+            </a:r>
+            <a:r>
+              <a:rPr lang="en-US" sz="1400" dirty="0" err="1">
+                <a:solidFill>
+                  <a:srgbClr val="000000"/>
+                </a:solidFill>
+                <a:latin typeface="Monaco"/>
+                <a:ea typeface="Monaco"/>
+                <a:cs typeface="Monaco"/>
+              </a:rPr>
+              <a:t>firstMortagePayment</a:t>
+            </a:r>
+            <a:r>
+              <a:rPr lang="en-US" sz="1400" dirty="0">
+                <a:solidFill>
+                  <a:srgbClr val="000000"/>
+                </a:solidFill>
+                <a:latin typeface="Monaco"/>
+                <a:ea typeface="Monaco"/>
+                <a:cs typeface="Monaco"/>
+              </a:rPr>
+              <a:t>;</a:t>
+            </a:r>
+          </a:p>
+          <a:p>
+            <a:r>
+              <a:rPr lang="en-US" sz="1400" dirty="0">
+                <a:solidFill>
+                  <a:srgbClr val="000000"/>
+                </a:solidFill>
+                <a:latin typeface="Monaco"/>
+                <a:ea typeface="Monaco"/>
+                <a:cs typeface="Monaco"/>
+              </a:rPr>
+              <a:t>  }</a:t>
+            </a:r>
+          </a:p>
+          <a:p>
+            <a:r>
+              <a:rPr lang="en-US" sz="1400" dirty="0">
+                <a:solidFill>
+                  <a:srgbClr val="000000"/>
+                </a:solidFill>
+                <a:latin typeface="Monaco"/>
+                <a:ea typeface="Monaco"/>
+                <a:cs typeface="Monaco"/>
+              </a:rPr>
+              <a:t>  </a:t>
+            </a:r>
+            <a:r>
+              <a:rPr lang="en-US" sz="1400" dirty="0">
+                <a:solidFill>
+                  <a:srgbClr val="931968"/>
+                </a:solidFill>
+                <a:latin typeface="Monaco"/>
+                <a:ea typeface="Monaco"/>
+                <a:cs typeface="Monaco"/>
+              </a:rPr>
+              <a:t>else</a:t>
+            </a:r>
+            <a:r>
+              <a:rPr lang="en-US" sz="1400" dirty="0">
+                <a:solidFill>
+                  <a:srgbClr val="000000"/>
+                </a:solidFill>
+                <a:latin typeface="Monaco"/>
+                <a:ea typeface="Monaco"/>
+                <a:cs typeface="Monaco"/>
+              </a:rPr>
+              <a:t> </a:t>
+            </a:r>
+            <a:r>
+              <a:rPr lang="en-US" sz="1400" dirty="0">
+                <a:solidFill>
+                  <a:srgbClr val="931968"/>
+                </a:solidFill>
+                <a:latin typeface="Monaco"/>
+                <a:ea typeface="Monaco"/>
+                <a:cs typeface="Monaco"/>
+              </a:rPr>
+              <a:t>if</a:t>
+            </a:r>
+            <a:r>
+              <a:rPr lang="en-US" sz="1400" dirty="0">
+                <a:solidFill>
+                  <a:srgbClr val="000000"/>
+                </a:solidFill>
+                <a:latin typeface="Monaco"/>
+                <a:ea typeface="Monaco"/>
+                <a:cs typeface="Monaco"/>
+              </a:rPr>
+              <a:t> (</a:t>
+            </a:r>
+            <a:r>
+              <a:rPr lang="en-US" sz="1400" dirty="0" err="1">
+                <a:solidFill>
+                  <a:srgbClr val="000000"/>
+                </a:solidFill>
+                <a:latin typeface="Monaco"/>
+                <a:ea typeface="Monaco"/>
+                <a:cs typeface="Monaco"/>
+              </a:rPr>
+              <a:t>firstMortagePayment</a:t>
+            </a:r>
+            <a:r>
+              <a:rPr lang="en-US" sz="1400" dirty="0">
+                <a:solidFill>
+                  <a:srgbClr val="000000"/>
+                </a:solidFill>
+                <a:latin typeface="Monaco"/>
+                <a:ea typeface="Monaco"/>
+                <a:cs typeface="Monaco"/>
+              </a:rPr>
+              <a:t> != </a:t>
+            </a:r>
+            <a:r>
+              <a:rPr lang="en-US" sz="1400" dirty="0">
+                <a:solidFill>
+                  <a:srgbClr val="931968"/>
+                </a:solidFill>
+                <a:latin typeface="Monaco"/>
+                <a:ea typeface="Monaco"/>
+                <a:cs typeface="Monaco"/>
+              </a:rPr>
+              <a:t>null</a:t>
+            </a:r>
+            <a:r>
+              <a:rPr lang="en-US" sz="1400" dirty="0">
+                <a:solidFill>
+                  <a:srgbClr val="000000"/>
+                </a:solidFill>
+                <a:latin typeface="Monaco"/>
+                <a:ea typeface="Monaco"/>
+                <a:cs typeface="Monaco"/>
+              </a:rPr>
+              <a:t>)</a:t>
+            </a:r>
+          </a:p>
+          <a:p>
+            <a:r>
+              <a:rPr lang="en-US" sz="1400" dirty="0">
+                <a:solidFill>
+                  <a:srgbClr val="000000"/>
+                </a:solidFill>
+                <a:latin typeface="Monaco"/>
+                <a:ea typeface="Monaco"/>
+                <a:cs typeface="Monaco"/>
+              </a:rPr>
+              <a:t>  {</a:t>
+            </a:r>
+          </a:p>
+          <a:p>
+            <a:r>
+              <a:rPr lang="en-US" sz="1400" dirty="0">
+                <a:solidFill>
+                  <a:srgbClr val="000000"/>
+                </a:solidFill>
+                <a:latin typeface="Monaco"/>
+                <a:ea typeface="Monaco"/>
+                <a:cs typeface="Monaco"/>
+              </a:rPr>
+              <a:t>    total = </a:t>
+            </a:r>
+            <a:r>
+              <a:rPr lang="en-US" sz="1400" dirty="0" err="1">
+                <a:solidFill>
+                  <a:srgbClr val="000000"/>
+                </a:solidFill>
+                <a:latin typeface="Monaco"/>
+                <a:ea typeface="Monaco"/>
+                <a:cs typeface="Monaco"/>
+              </a:rPr>
+              <a:t>firstMortagePayment</a:t>
+            </a:r>
+            <a:r>
+              <a:rPr lang="en-US" sz="1400" dirty="0">
+                <a:solidFill>
+                  <a:srgbClr val="000000"/>
+                </a:solidFill>
+                <a:latin typeface="Monaco"/>
+                <a:ea typeface="Monaco"/>
+                <a:cs typeface="Monaco"/>
+              </a:rPr>
+              <a:t>;</a:t>
+            </a:r>
+          </a:p>
+          <a:p>
+            <a:r>
+              <a:rPr lang="en-US" sz="1400" dirty="0">
+                <a:solidFill>
+                  <a:srgbClr val="000000"/>
+                </a:solidFill>
+                <a:latin typeface="Monaco"/>
+                <a:ea typeface="Monaco"/>
+                <a:cs typeface="Monaco"/>
+              </a:rPr>
+              <a:t>  }</a:t>
+            </a:r>
+          </a:p>
+          <a:p>
+            <a:r>
+              <a:rPr lang="en-US" sz="1400" dirty="0">
+                <a:solidFill>
+                  <a:srgbClr val="000000"/>
+                </a:solidFill>
+                <a:latin typeface="Monaco"/>
+                <a:ea typeface="Monaco"/>
+                <a:cs typeface="Monaco"/>
+              </a:rPr>
+              <a:t>  </a:t>
+            </a:r>
+            <a:r>
+              <a:rPr lang="en-US" sz="1400" dirty="0">
+                <a:solidFill>
+                  <a:srgbClr val="931968"/>
+                </a:solidFill>
+                <a:latin typeface="Monaco"/>
+                <a:ea typeface="Monaco"/>
+                <a:cs typeface="Monaco"/>
+              </a:rPr>
+              <a:t>return</a:t>
+            </a:r>
+            <a:r>
+              <a:rPr lang="en-US" sz="1400" dirty="0">
+                <a:solidFill>
+                  <a:srgbClr val="000000"/>
+                </a:solidFill>
+                <a:latin typeface="Monaco"/>
+                <a:ea typeface="Monaco"/>
+                <a:cs typeface="Monaco"/>
+              </a:rPr>
+              <a:t> total;</a:t>
+            </a:r>
+          </a:p>
+          <a:p>
+            <a:r>
+              <a:rPr lang="en-US" sz="1400" dirty="0">
+                <a:solidFill>
+                  <a:srgbClr val="000000"/>
+                </a:solidFill>
+                <a:latin typeface="Monaco"/>
+                <a:ea typeface="Monaco"/>
+                <a:cs typeface="Monaco"/>
+              </a:rPr>
+              <a:t>}</a:t>
+            </a:r>
+            <a:endParaRPr lang="en-US" sz="1400" dirty="0"/>
+          </a:p>
+        </p:txBody>
+      </p:sp>
       <p:sp>
         <p:nvSpPr>
           <p:cNvPr id="14" name="Rectangle 2"/>
@@ -12797,8 +14077,8 @@
         </p:nvSpPr>
         <p:spPr bwMode="auto">
           <a:xfrm>
-            <a:off x="1564481" y="1734591"/>
-            <a:ext cx="4625578" cy="160734"/>
+            <a:off x="270294" y="1299179"/>
+            <a:ext cx="4924615" cy="230885"/>
           </a:xfrm>
           <a:prstGeom prst="rect">
             <a:avLst/>
@@ -12838,8 +14118,8 @@
         </p:nvSpPr>
         <p:spPr bwMode="auto">
           <a:xfrm>
-            <a:off x="1564481" y="1922114"/>
-            <a:ext cx="6143625" cy="160734"/>
+            <a:off x="270294" y="1547179"/>
+            <a:ext cx="7627902" cy="200600"/>
           </a:xfrm>
           <a:prstGeom prst="rect">
             <a:avLst/>
@@ -12879,8 +14159,8 @@
         </p:nvSpPr>
         <p:spPr bwMode="auto">
           <a:xfrm>
-            <a:off x="1564481" y="2102940"/>
-            <a:ext cx="6465094" cy="154037"/>
+            <a:off x="270294" y="1758243"/>
+            <a:ext cx="8655995" cy="213298"/>
           </a:xfrm>
           <a:prstGeom prst="rect">
             <a:avLst/>
@@ -14417,60 +15697,531 @@
           <a:chExt cx="0" cy="0"/>
         </a:xfrm>
       </p:grpSpPr>
-      <p:pic>
-        <p:nvPicPr>
-          <p:cNvPr id="6" name="Picture 1"/>
-          <p:cNvPicPr>
-            <a:picLocks noChangeAspect="1" noChangeArrowheads="1"/>
-          </p:cNvPicPr>
+      <p:sp>
+        <p:nvSpPr>
+          <p:cNvPr id="2" name="TextBox 1"/>
+          <p:cNvSpPr txBox="1"/>
           <p:nvPr/>
-        </p:nvPicPr>
-        <p:blipFill>
-          <a:blip r:embed="rId3">
-            <a:extLst>
-              <a:ext uri="{28A0092B-C50C-407E-A947-70E740481C1C}">
-                <a14:useLocalDpi xmlns:a14="http://schemas.microsoft.com/office/drawing/2010/main" val="0"/>
-              </a:ext>
-            </a:extLst>
-          </a:blip>
-          <a:srcRect/>
-          <a:stretch>
-            <a:fillRect/>
-          </a:stretch>
-        </p:blipFill>
-        <p:spPr bwMode="auto">
+        </p:nvSpPr>
+        <p:spPr>
           <a:xfrm>
-            <a:off x="1491853" y="1526976"/>
-            <a:ext cx="6000750" cy="2437805"/>
+            <a:off x="0" y="901095"/>
+            <a:ext cx="9144000" cy="3539430"/>
           </a:xfrm>
           <a:prstGeom prst="rect">
             <a:avLst/>
           </a:prstGeom>
           <a:noFill/>
-          <a:ln>
-            <a:noFill/>
-          </a:ln>
-          <a:extLst>
-            <a:ext uri="{909E8E84-426E-40dd-AFC4-6F175D3DCCD1}">
-              <a14:hiddenFill xmlns:a14="http://schemas.microsoft.com/office/drawing/2010/main">
-                <a:solidFill>
-                  <a:srgbClr val="FFFFFF"/>
-                </a:solidFill>
-              </a14:hiddenFill>
-            </a:ext>
-            <a:ext uri="{91240B29-F687-4f45-9708-019B960494DF}">
-              <a14:hiddenLine xmlns:a14="http://schemas.microsoft.com/office/drawing/2010/main" w="12700" cap="flat">
-                <a:solidFill>
-                  <a:schemeClr val="tx1"/>
-                </a:solidFill>
-                <a:round/>
-                <a:headEnd/>
-                <a:tailEnd/>
-              </a14:hiddenLine>
-            </a:ext>
-          </a:extLst>
         </p:spPr>
-      </p:pic>
+        <p:txBody>
+          <a:bodyPr wrap="square" rtlCol="0">
+            <a:spAutoFit/>
+          </a:bodyPr>
+          <a:lstStyle/>
+          <a:p>
+            <a:r>
+              <a:rPr lang="en-US" sz="1600" dirty="0">
+                <a:solidFill>
+                  <a:srgbClr val="931968"/>
+                </a:solidFill>
+                <a:latin typeface="Monaco"/>
+                <a:ea typeface="Monaco"/>
+                <a:cs typeface="Monaco"/>
+              </a:rPr>
+              <a:t>public</a:t>
+            </a:r>
+            <a:r>
+              <a:rPr lang="en-US" sz="1600" dirty="0">
+                <a:solidFill>
+                  <a:srgbClr val="000000"/>
+                </a:solidFill>
+                <a:latin typeface="Monaco"/>
+                <a:ea typeface="Monaco"/>
+                <a:cs typeface="Monaco"/>
+              </a:rPr>
+              <a:t> </a:t>
+            </a:r>
+            <a:r>
+              <a:rPr lang="en-US" sz="1600" dirty="0">
+                <a:solidFill>
+                  <a:srgbClr val="931968"/>
+                </a:solidFill>
+                <a:latin typeface="Monaco"/>
+                <a:ea typeface="Monaco"/>
+                <a:cs typeface="Monaco"/>
+              </a:rPr>
+              <a:t>void</a:t>
+            </a:r>
+            <a:r>
+              <a:rPr lang="en-US" sz="1600" dirty="0">
+                <a:solidFill>
+                  <a:srgbClr val="000000"/>
+                </a:solidFill>
+                <a:latin typeface="Monaco"/>
+                <a:ea typeface="Monaco"/>
+                <a:cs typeface="Monaco"/>
+              </a:rPr>
+              <a:t> </a:t>
+            </a:r>
+            <a:r>
+              <a:rPr lang="en-US" sz="1600" dirty="0" err="1">
+                <a:solidFill>
+                  <a:srgbClr val="000000"/>
+                </a:solidFill>
+                <a:latin typeface="Monaco"/>
+                <a:ea typeface="Monaco"/>
+                <a:cs typeface="Monaco"/>
+              </a:rPr>
+              <a:t>escalateProblems</a:t>
+            </a:r>
+            <a:r>
+              <a:rPr lang="en-US" sz="1600" dirty="0">
+                <a:solidFill>
+                  <a:srgbClr val="000000"/>
+                </a:solidFill>
+                <a:latin typeface="Monaco"/>
+                <a:ea typeface="Monaco"/>
+                <a:cs typeface="Monaco"/>
+              </a:rPr>
+              <a:t>(Loan[] loans, Connection conn)</a:t>
+            </a:r>
+          </a:p>
+          <a:p>
+            <a:r>
+              <a:rPr lang="en-US" sz="1600" dirty="0">
+                <a:solidFill>
+                  <a:srgbClr val="000000"/>
+                </a:solidFill>
+                <a:latin typeface="Monaco"/>
+                <a:ea typeface="Monaco"/>
+                <a:cs typeface="Monaco"/>
+              </a:rPr>
+              <a:t>{</a:t>
+            </a:r>
+          </a:p>
+          <a:p>
+            <a:r>
+              <a:rPr lang="en-US" sz="1600" dirty="0">
+                <a:solidFill>
+                  <a:srgbClr val="000000"/>
+                </a:solidFill>
+                <a:latin typeface="Monaco"/>
+                <a:ea typeface="Monaco"/>
+                <a:cs typeface="Monaco"/>
+              </a:rPr>
+              <a:t>  </a:t>
+            </a:r>
+            <a:r>
+              <a:rPr lang="en-US" sz="1600" dirty="0">
+                <a:solidFill>
+                  <a:srgbClr val="931968"/>
+                </a:solidFill>
+                <a:latin typeface="Monaco"/>
+                <a:ea typeface="Monaco"/>
+                <a:cs typeface="Monaco"/>
+              </a:rPr>
+              <a:t>for</a:t>
+            </a:r>
+            <a:r>
+              <a:rPr lang="en-US" sz="1600" dirty="0">
+                <a:solidFill>
+                  <a:srgbClr val="000000"/>
+                </a:solidFill>
+                <a:latin typeface="Monaco"/>
+                <a:ea typeface="Monaco"/>
+                <a:cs typeface="Monaco"/>
+              </a:rPr>
+              <a:t> (Loan loan : loans)</a:t>
+            </a:r>
+          </a:p>
+          <a:p>
+            <a:r>
+              <a:rPr lang="en-US" sz="1600" dirty="0">
+                <a:solidFill>
+                  <a:srgbClr val="000000"/>
+                </a:solidFill>
+                <a:latin typeface="Monaco"/>
+                <a:ea typeface="Monaco"/>
+                <a:cs typeface="Monaco"/>
+              </a:rPr>
+              <a:t>  {</a:t>
+            </a:r>
+          </a:p>
+          <a:p>
+            <a:r>
+              <a:rPr lang="en-US" sz="1600" dirty="0">
+                <a:solidFill>
+                  <a:srgbClr val="000000"/>
+                </a:solidFill>
+                <a:latin typeface="Monaco"/>
+                <a:ea typeface="Monaco"/>
+                <a:cs typeface="Monaco"/>
+              </a:rPr>
+              <a:t>    </a:t>
+            </a:r>
+            <a:r>
+              <a:rPr lang="en-US" sz="1600" dirty="0">
+                <a:solidFill>
+                  <a:srgbClr val="931968"/>
+                </a:solidFill>
+                <a:latin typeface="Monaco"/>
+                <a:ea typeface="Monaco"/>
+                <a:cs typeface="Monaco"/>
+              </a:rPr>
+              <a:t>if</a:t>
+            </a:r>
+            <a:r>
+              <a:rPr lang="en-US" sz="1600" dirty="0">
+                <a:solidFill>
+                  <a:srgbClr val="000000"/>
+                </a:solidFill>
+                <a:latin typeface="Monaco"/>
+                <a:ea typeface="Monaco"/>
+                <a:cs typeface="Monaco"/>
+              </a:rPr>
+              <a:t> (</a:t>
+            </a:r>
+            <a:r>
+              <a:rPr lang="en-US" sz="1600" dirty="0" err="1">
+                <a:solidFill>
+                  <a:srgbClr val="000000"/>
+                </a:solidFill>
+                <a:latin typeface="Monaco"/>
+                <a:ea typeface="Monaco"/>
+                <a:cs typeface="Monaco"/>
+              </a:rPr>
+              <a:t>loan.isOverDue</a:t>
+            </a:r>
+            <a:r>
+              <a:rPr lang="en-US" sz="1600" dirty="0">
+                <a:solidFill>
+                  <a:srgbClr val="000000"/>
+                </a:solidFill>
+                <a:latin typeface="Monaco"/>
+                <a:ea typeface="Monaco"/>
+                <a:cs typeface="Monaco"/>
+              </a:rPr>
+              <a:t>() &amp;&amp; (</a:t>
+            </a:r>
+            <a:r>
+              <a:rPr lang="en-US" sz="1600" dirty="0" err="1">
+                <a:solidFill>
+                  <a:srgbClr val="000000"/>
+                </a:solidFill>
+                <a:latin typeface="Monaco"/>
+                <a:ea typeface="Monaco"/>
+                <a:cs typeface="Monaco"/>
+              </a:rPr>
+              <a:t>loan.getAmount</a:t>
+            </a:r>
+            <a:r>
+              <a:rPr lang="en-US" sz="1600" dirty="0">
+                <a:solidFill>
+                  <a:srgbClr val="000000"/>
+                </a:solidFill>
+                <a:latin typeface="Monaco"/>
+                <a:ea typeface="Monaco"/>
+                <a:cs typeface="Monaco"/>
+              </a:rPr>
+              <a:t>() &gt; 5000))</a:t>
+            </a:r>
+          </a:p>
+          <a:p>
+            <a:r>
+              <a:rPr lang="en-US" sz="1600" dirty="0">
+                <a:solidFill>
+                  <a:srgbClr val="000000"/>
+                </a:solidFill>
+                <a:latin typeface="Monaco"/>
+                <a:ea typeface="Monaco"/>
+                <a:cs typeface="Monaco"/>
+              </a:rPr>
+              <a:t>    {</a:t>
+            </a:r>
+          </a:p>
+          <a:p>
+            <a:r>
+              <a:rPr lang="en-US" sz="1600" dirty="0">
+                <a:solidFill>
+                  <a:srgbClr val="000000"/>
+                </a:solidFill>
+                <a:latin typeface="Monaco"/>
+                <a:ea typeface="Monaco"/>
+                <a:cs typeface="Monaco"/>
+              </a:rPr>
+              <a:t>      </a:t>
+            </a:r>
+            <a:r>
+              <a:rPr lang="en-US" sz="1600" dirty="0" err="1">
+                <a:solidFill>
+                  <a:srgbClr val="000000"/>
+                </a:solidFill>
+                <a:latin typeface="Monaco"/>
+                <a:ea typeface="Monaco"/>
+                <a:cs typeface="Monaco"/>
+              </a:rPr>
+              <a:t>loan.saveStatus</a:t>
+            </a:r>
+            <a:r>
+              <a:rPr lang="en-US" sz="1600" dirty="0">
+                <a:solidFill>
+                  <a:srgbClr val="000000"/>
+                </a:solidFill>
+                <a:latin typeface="Monaco"/>
+                <a:ea typeface="Monaco"/>
+                <a:cs typeface="Monaco"/>
+              </a:rPr>
+              <a:t>(</a:t>
+            </a:r>
+            <a:r>
+              <a:rPr lang="en-US" sz="1600" dirty="0">
+                <a:solidFill>
+                  <a:srgbClr val="3933FF"/>
+                </a:solidFill>
+                <a:latin typeface="Monaco"/>
+                <a:ea typeface="Monaco"/>
+                <a:cs typeface="Monaco"/>
+              </a:rPr>
+              <a:t>"Critical"</a:t>
+            </a:r>
+            <a:r>
+              <a:rPr lang="en-US" sz="1600" dirty="0">
+                <a:solidFill>
+                  <a:srgbClr val="000000"/>
+                </a:solidFill>
+                <a:latin typeface="Monaco"/>
+                <a:ea typeface="Monaco"/>
+                <a:cs typeface="Monaco"/>
+              </a:rPr>
+              <a:t>, conn);</a:t>
+            </a:r>
+          </a:p>
+          <a:p>
+            <a:r>
+              <a:rPr lang="en-US" sz="1600" dirty="0">
+                <a:solidFill>
+                  <a:srgbClr val="000000"/>
+                </a:solidFill>
+                <a:latin typeface="Monaco"/>
+                <a:ea typeface="Monaco"/>
+                <a:cs typeface="Monaco"/>
+              </a:rPr>
+              <a:t>    }</a:t>
+            </a:r>
+          </a:p>
+          <a:p>
+            <a:r>
+              <a:rPr lang="en-US" sz="1600" dirty="0">
+                <a:solidFill>
+                  <a:srgbClr val="000000"/>
+                </a:solidFill>
+                <a:latin typeface="Monaco"/>
+                <a:ea typeface="Monaco"/>
+                <a:cs typeface="Monaco"/>
+              </a:rPr>
+              <a:t>    </a:t>
+            </a:r>
+            <a:r>
+              <a:rPr lang="en-US" sz="1600" dirty="0">
+                <a:solidFill>
+                  <a:srgbClr val="931968"/>
+                </a:solidFill>
+                <a:latin typeface="Monaco"/>
+                <a:ea typeface="Monaco"/>
+                <a:cs typeface="Monaco"/>
+              </a:rPr>
+              <a:t>else</a:t>
+            </a:r>
+            <a:r>
+              <a:rPr lang="en-US" sz="1600" dirty="0">
+                <a:solidFill>
+                  <a:srgbClr val="000000"/>
+                </a:solidFill>
+                <a:latin typeface="Monaco"/>
+                <a:ea typeface="Monaco"/>
+                <a:cs typeface="Monaco"/>
+              </a:rPr>
+              <a:t> </a:t>
+            </a:r>
+            <a:r>
+              <a:rPr lang="en-US" sz="1600" dirty="0">
+                <a:solidFill>
+                  <a:srgbClr val="931968"/>
+                </a:solidFill>
+                <a:latin typeface="Monaco"/>
+                <a:ea typeface="Monaco"/>
+                <a:cs typeface="Monaco"/>
+              </a:rPr>
+              <a:t>if</a:t>
+            </a:r>
+            <a:r>
+              <a:rPr lang="en-US" sz="1600" dirty="0">
+                <a:solidFill>
+                  <a:srgbClr val="000000"/>
+                </a:solidFill>
+                <a:latin typeface="Monaco"/>
+                <a:ea typeface="Monaco"/>
+                <a:cs typeface="Monaco"/>
+              </a:rPr>
+              <a:t> (</a:t>
+            </a:r>
+            <a:r>
+              <a:rPr lang="en-US" sz="1600" dirty="0" err="1">
+                <a:solidFill>
+                  <a:srgbClr val="000000"/>
+                </a:solidFill>
+                <a:latin typeface="Monaco"/>
+                <a:ea typeface="Monaco"/>
+                <a:cs typeface="Monaco"/>
+              </a:rPr>
+              <a:t>loan.isOverDue</a:t>
+            </a:r>
+            <a:r>
+              <a:rPr lang="en-US" sz="1600" dirty="0">
+                <a:solidFill>
+                  <a:srgbClr val="000000"/>
+                </a:solidFill>
+                <a:latin typeface="Monaco"/>
+                <a:ea typeface="Monaco"/>
+                <a:cs typeface="Monaco"/>
+              </a:rPr>
+              <a:t>() &amp;&amp; (</a:t>
+            </a:r>
+            <a:r>
+              <a:rPr lang="en-US" sz="1600" dirty="0" err="1">
+                <a:solidFill>
+                  <a:srgbClr val="000000"/>
+                </a:solidFill>
+                <a:latin typeface="Monaco"/>
+                <a:ea typeface="Monaco"/>
+                <a:cs typeface="Monaco"/>
+              </a:rPr>
+              <a:t>loan.getAmount</a:t>
+            </a:r>
+            <a:r>
+              <a:rPr lang="en-US" sz="1600" dirty="0">
+                <a:solidFill>
+                  <a:srgbClr val="000000"/>
+                </a:solidFill>
+                <a:latin typeface="Monaco"/>
+                <a:ea typeface="Monaco"/>
+                <a:cs typeface="Monaco"/>
+              </a:rPr>
+              <a:t>() &gt; 50))</a:t>
+            </a:r>
+          </a:p>
+          <a:p>
+            <a:r>
+              <a:rPr lang="en-US" sz="1600" dirty="0">
+                <a:solidFill>
+                  <a:srgbClr val="000000"/>
+                </a:solidFill>
+                <a:latin typeface="Monaco"/>
+                <a:ea typeface="Monaco"/>
+                <a:cs typeface="Monaco"/>
+              </a:rPr>
+              <a:t>    {</a:t>
+            </a:r>
+          </a:p>
+          <a:p>
+            <a:r>
+              <a:rPr lang="en-US" sz="1600" dirty="0">
+                <a:solidFill>
+                  <a:srgbClr val="000000"/>
+                </a:solidFill>
+                <a:latin typeface="Monaco"/>
+                <a:ea typeface="Monaco"/>
+                <a:cs typeface="Monaco"/>
+              </a:rPr>
+              <a:t>      </a:t>
+            </a:r>
+            <a:r>
+              <a:rPr lang="en-US" sz="1600" dirty="0" err="1">
+                <a:solidFill>
+                  <a:srgbClr val="000000"/>
+                </a:solidFill>
+                <a:latin typeface="Monaco"/>
+                <a:ea typeface="Monaco"/>
+                <a:cs typeface="Monaco"/>
+              </a:rPr>
+              <a:t>loan.saveStatus</a:t>
+            </a:r>
+            <a:r>
+              <a:rPr lang="en-US" sz="1600" dirty="0">
+                <a:solidFill>
+                  <a:srgbClr val="000000"/>
+                </a:solidFill>
+                <a:latin typeface="Monaco"/>
+                <a:ea typeface="Monaco"/>
+                <a:cs typeface="Monaco"/>
+              </a:rPr>
+              <a:t>(</a:t>
+            </a:r>
+            <a:r>
+              <a:rPr lang="en-US" sz="1600" dirty="0">
+                <a:solidFill>
+                  <a:srgbClr val="3933FF"/>
+                </a:solidFill>
+                <a:latin typeface="Monaco"/>
+                <a:ea typeface="Monaco"/>
+                <a:cs typeface="Monaco"/>
+              </a:rPr>
+              <a:t>"Escalated"</a:t>
+            </a:r>
+            <a:r>
+              <a:rPr lang="en-US" sz="1600" dirty="0">
+                <a:solidFill>
+                  <a:srgbClr val="000000"/>
+                </a:solidFill>
+                <a:latin typeface="Monaco"/>
+                <a:ea typeface="Monaco"/>
+                <a:cs typeface="Monaco"/>
+              </a:rPr>
+              <a:t>, conn);</a:t>
+            </a:r>
+          </a:p>
+          <a:p>
+            <a:r>
+              <a:rPr lang="en-US" sz="1600" dirty="0">
+                <a:solidFill>
+                  <a:srgbClr val="000000"/>
+                </a:solidFill>
+                <a:latin typeface="Monaco"/>
+                <a:ea typeface="Monaco"/>
+                <a:cs typeface="Monaco"/>
+              </a:rPr>
+              <a:t>    }</a:t>
+            </a:r>
+          </a:p>
+          <a:p>
+            <a:r>
+              <a:rPr lang="en-US" sz="1600" dirty="0">
+                <a:solidFill>
+                  <a:srgbClr val="000000"/>
+                </a:solidFill>
+                <a:latin typeface="Monaco"/>
+                <a:ea typeface="Monaco"/>
+                <a:cs typeface="Monaco"/>
+              </a:rPr>
+              <a:t>  }</a:t>
+            </a:r>
+          </a:p>
+          <a:p>
+            <a:r>
+              <a:rPr lang="en-US" sz="1600" dirty="0">
+                <a:solidFill>
+                  <a:srgbClr val="000000"/>
+                </a:solidFill>
+                <a:latin typeface="Monaco"/>
+                <a:ea typeface="Monaco"/>
+                <a:cs typeface="Monaco"/>
+              </a:rPr>
+              <a:t>}</a:t>
+            </a:r>
+            <a:endParaRPr lang="en-US" sz="1600" dirty="0"/>
+          </a:p>
+        </p:txBody>
+      </p:sp>
       <p:sp>
         <p:nvSpPr>
           <p:cNvPr id="7" name="Rectangle 2"/>
@@ -14481,8 +16232,8 @@
         </p:nvSpPr>
         <p:spPr bwMode="auto">
           <a:xfrm>
-            <a:off x="2652713" y="2223492"/>
-            <a:ext cx="1535906" cy="180826"/>
+            <a:off x="1047515" y="1929190"/>
+            <a:ext cx="1979961" cy="239271"/>
           </a:xfrm>
           <a:prstGeom prst="rect">
             <a:avLst/>
@@ -14522,8 +16273,8 @@
         </p:nvSpPr>
         <p:spPr bwMode="auto">
           <a:xfrm>
-            <a:off x="4670822" y="2223492"/>
-            <a:ext cx="1535906" cy="180826"/>
+            <a:off x="3652243" y="1929190"/>
+            <a:ext cx="1979961" cy="239271"/>
           </a:xfrm>
           <a:prstGeom prst="rect">
             <a:avLst/>
@@ -14563,8 +16314,8 @@
         </p:nvSpPr>
         <p:spPr bwMode="auto">
           <a:xfrm>
-            <a:off x="2652712" y="2565053"/>
-            <a:ext cx="3178969" cy="180826"/>
+            <a:off x="838574" y="2427988"/>
+            <a:ext cx="4098060" cy="239271"/>
           </a:xfrm>
           <a:prstGeom prst="rect">
             <a:avLst/>
@@ -14590,7 +16341,7 @@
           <a:bodyPr lIns="0" tIns="0" rIns="0" bIns="0"/>
           <a:lstStyle/>
           <a:p>
-            <a:endParaRPr lang="en-US"/>
+            <a:endParaRPr lang="en-US" dirty="0"/>
           </a:p>
         </p:txBody>
       </p:sp>
@@ -14604,8 +16355,8 @@
         </p:nvSpPr>
         <p:spPr bwMode="auto">
           <a:xfrm>
-            <a:off x="3134916" y="2906613"/>
-            <a:ext cx="1535906" cy="180826"/>
+            <a:off x="1680908" y="2914692"/>
+            <a:ext cx="1979961" cy="239271"/>
           </a:xfrm>
           <a:prstGeom prst="rect">
             <a:avLst/>
@@ -14645,8 +16396,8 @@
         </p:nvSpPr>
         <p:spPr bwMode="auto">
           <a:xfrm>
-            <a:off x="5153025" y="2906613"/>
-            <a:ext cx="1535906" cy="180826"/>
+            <a:off x="4231208" y="2908644"/>
+            <a:ext cx="1979961" cy="239271"/>
           </a:xfrm>
           <a:prstGeom prst="rect">
             <a:avLst/>
@@ -14686,8 +16437,8 @@
         </p:nvSpPr>
         <p:spPr bwMode="auto">
           <a:xfrm>
-            <a:off x="2652712" y="3248174"/>
-            <a:ext cx="3268266" cy="180826"/>
+            <a:off x="812756" y="3395348"/>
+            <a:ext cx="4213174" cy="239271"/>
           </a:xfrm>
           <a:prstGeom prst="rect">
             <a:avLst/>
@@ -14727,8 +16478,8 @@
         </p:nvSpPr>
         <p:spPr bwMode="auto">
           <a:xfrm>
-            <a:off x="2652712" y="2223492"/>
-            <a:ext cx="410766" cy="180826"/>
+            <a:off x="1040191" y="1929190"/>
+            <a:ext cx="529525" cy="239271"/>
           </a:xfrm>
           <a:prstGeom prst="rect">
             <a:avLst/>
@@ -14768,8 +16519,8 @@
         </p:nvSpPr>
         <p:spPr bwMode="auto">
           <a:xfrm>
-            <a:off x="4670822" y="2223492"/>
-            <a:ext cx="410766" cy="180826"/>
+            <a:off x="3650967" y="1929190"/>
+            <a:ext cx="529525" cy="239271"/>
           </a:xfrm>
           <a:prstGeom prst="rect">
             <a:avLst/>
@@ -14809,8 +16560,8 @@
         </p:nvSpPr>
         <p:spPr bwMode="auto">
           <a:xfrm>
-            <a:off x="2652712" y="2565053"/>
-            <a:ext cx="410766" cy="180826"/>
+            <a:off x="840619" y="2415894"/>
+            <a:ext cx="529525" cy="239271"/>
           </a:xfrm>
           <a:prstGeom prst="rect">
             <a:avLst/>
@@ -14850,8 +16601,8 @@
         </p:nvSpPr>
         <p:spPr bwMode="auto">
           <a:xfrm>
-            <a:off x="3143845" y="2906613"/>
-            <a:ext cx="410766" cy="180826"/>
+            <a:off x="1676467" y="2914692"/>
+            <a:ext cx="529525" cy="239271"/>
           </a:xfrm>
           <a:prstGeom prst="rect">
             <a:avLst/>
@@ -14891,8 +16642,8 @@
         </p:nvSpPr>
         <p:spPr bwMode="auto">
           <a:xfrm>
-            <a:off x="5161955" y="2906613"/>
-            <a:ext cx="410766" cy="180826"/>
+            <a:off x="4232815" y="2908644"/>
+            <a:ext cx="529525" cy="239271"/>
           </a:xfrm>
           <a:prstGeom prst="rect">
             <a:avLst/>
@@ -14932,8 +16683,8 @@
         </p:nvSpPr>
         <p:spPr bwMode="auto">
           <a:xfrm>
-            <a:off x="2652712" y="3248174"/>
-            <a:ext cx="410766" cy="180826"/>
+            <a:off x="810382" y="3401396"/>
+            <a:ext cx="529525" cy="239271"/>
           </a:xfrm>
           <a:prstGeom prst="rect">
             <a:avLst/>

--- a/Documents/Slides.pptx
+++ b/Documents/Slides.pptx
@@ -5,10 +5,10 @@
     <p:sldMasterId id="2147483737" r:id="rId4"/>
   </p:sldMasterIdLst>
   <p:notesMasterIdLst>
-    <p:notesMasterId r:id="rId20"/>
+    <p:notesMasterId r:id="rId21"/>
   </p:notesMasterIdLst>
   <p:handoutMasterIdLst>
-    <p:handoutMasterId r:id="rId21"/>
+    <p:handoutMasterId r:id="rId22"/>
   </p:handoutMasterIdLst>
   <p:sldIdLst>
     <p:sldId id="311" r:id="rId5"/>
@@ -25,7 +25,8 @@
     <p:sldId id="353" r:id="rId16"/>
     <p:sldId id="354" r:id="rId17"/>
     <p:sldId id="355" r:id="rId18"/>
-    <p:sldId id="359" r:id="rId19"/>
+    <p:sldId id="362" r:id="rId19"/>
+    <p:sldId id="359" r:id="rId20"/>
   </p:sldIdLst>
   <p:sldSz cx="9144000" cy="5143500" type="screen16x9"/>
   <p:notesSz cx="6858000" cy="9144000"/>
@@ -126,7 +127,7 @@
   </p:defaultTextStyle>
   <p:extLst>
     <p:ext uri="{EFAFB233-063F-42B5-8137-9DF3F51BA10A}">
-      <p15:sldGuideLst xmlns:p15="http://schemas.microsoft.com/office/powerpoint/2012/main" xmlns="">
+      <p15:sldGuideLst xmlns="" xmlns:p15="http://schemas.microsoft.com/office/powerpoint/2012/main">
         <p15:guide id="1" orient="horz" pos="237">
           <p15:clr>
             <a:srgbClr val="A4A3A4"/>
@@ -185,7 +186,7 @@
       </p15:sldGuideLst>
     </p:ext>
     <p:ext uri="{2D200454-40CA-4A62-9FC3-DE9A4176ACB9}">
-      <p15:notesGuideLst xmlns:p15="http://schemas.microsoft.com/office/powerpoint/2012/main" xmlns="">
+      <p15:notesGuideLst xmlns="" xmlns:p15="http://schemas.microsoft.com/office/powerpoint/2012/main">
         <p15:guide id="1" orient="horz" pos="2880">
           <p15:clr>
             <a:srgbClr val="A4A3A4"/>
@@ -296,7 +297,7 @@
                 <a:latin typeface="Calibri" pitchFamily="34" charset="0"/>
               </a:rPr>
               <a:pPr/>
-              <a:t>7/22/14</a:t>
+              <a:t>7/27/14</a:t>
             </a:fld>
             <a:endParaRPr lang="en-US" dirty="0">
               <a:latin typeface="Calibri" pitchFamily="34" charset="0"/>
@@ -509,7 +510,7 @@
             <a:fld id="{7C3FBCD4-166E-446F-AF18-7D4A0CF9AEF6}" type="datetimeFigureOut">
               <a:rPr lang="en-US" smtClean="0"/>
               <a:pPr/>
-              <a:t>7/22/14</a:t>
+              <a:t>7/27/14</a:t>
             </a:fld>
             <a:endParaRPr lang="en-US" dirty="0"/>
           </a:p>
@@ -913,7 +914,7 @@
             <a:fld id="{81331B57-0BE5-4F82-AA58-76F53EFF3ADA}" type="datetime8">
               <a:rPr lang="en-US" smtClean="0"/>
               <a:pPr/>
-              <a:t>7/22/14 21:49</a:t>
+              <a:t>7/27/14 09:36</a:t>
             </a:fld>
             <a:endParaRPr lang="en-US"/>
           </a:p>
@@ -1086,7 +1087,7 @@
             <a:fld id="{81331B57-0BE5-4F82-AA58-76F53EFF3ADA}" type="datetime8">
               <a:rPr lang="en-US" smtClean="0"/>
               <a:pPr/>
-              <a:t>7/22/14 21:49</a:t>
+              <a:t>7/27/14 09:36</a:t>
             </a:fld>
             <a:endParaRPr lang="en-US"/>
           </a:p>
@@ -1259,7 +1260,7 @@
             <a:fld id="{81331B57-0BE5-4F82-AA58-76F53EFF3ADA}" type="datetime8">
               <a:rPr lang="en-US" smtClean="0"/>
               <a:pPr/>
-              <a:t>7/22/14 21:49</a:t>
+              <a:t>7/27/14 09:36</a:t>
             </a:fld>
             <a:endParaRPr lang="en-US"/>
           </a:p>
@@ -1432,7 +1433,7 @@
             <a:fld id="{81331B57-0BE5-4F82-AA58-76F53EFF3ADA}" type="datetime8">
               <a:rPr lang="en-US" smtClean="0"/>
               <a:pPr/>
-              <a:t>7/22/14 21:49</a:t>
+              <a:t>7/27/14 09:47</a:t>
             </a:fld>
             <a:endParaRPr lang="en-US"/>
           </a:p>
@@ -1495,6 +1496,179 @@
               <a:rPr lang="en-US" smtClean="0"/>
               <a:pPr/>
               <a:t>15</a:t>
+            </a:fld>
+            <a:endParaRPr lang="en-US" dirty="0"/>
+          </a:p>
+        </p:txBody>
+      </p:sp>
+      <p:sp>
+        <p:nvSpPr>
+          <p:cNvPr id="12" name="Slide Image Placeholder 11"/>
+          <p:cNvSpPr>
+            <a:spLocks noGrp="1" noRot="1" noChangeAspect="1"/>
+          </p:cNvSpPr>
+          <p:nvPr>
+            <p:ph type="sldImg"/>
+          </p:nvPr>
+        </p:nvSpPr>
+        <p:spPr>
+          <a:xfrm>
+            <a:off x="914400" y="457200"/>
+            <a:ext cx="4978400" cy="2801938"/>
+          </a:xfrm>
+        </p:spPr>
+      </p:sp>
+      <p:sp>
+        <p:nvSpPr>
+          <p:cNvPr id="13" name="Notes Placeholder 12"/>
+          <p:cNvSpPr>
+            <a:spLocks noGrp="1"/>
+          </p:cNvSpPr>
+          <p:nvPr>
+            <p:ph type="body" idx="1"/>
+          </p:nvPr>
+        </p:nvSpPr>
+        <p:spPr/>
+        <p:txBody>
+          <a:bodyPr>
+            <a:normAutofit/>
+          </a:bodyPr>
+          <a:lstStyle/>
+          <a:p>
+            <a:endParaRPr lang="en-US"/>
+          </a:p>
+        </p:txBody>
+      </p:sp>
+    </p:spTree>
+    <p:extLst>
+      <p:ext uri="{BB962C8B-B14F-4D97-AF65-F5344CB8AC3E}">
+        <p14:creationId xmlns:p14="http://schemas.microsoft.com/office/powerpoint/2010/main" val="3642150336"/>
+      </p:ext>
+    </p:extLst>
+  </p:cSld>
+  <p:clrMapOvr>
+    <a:masterClrMapping/>
+  </p:clrMapOvr>
+</p:notes>
+</file>
+
+<file path=ppt/notesSlides/notesSlide13.xml><?xml version="1.0" encoding="utf-8"?>
+<p:notes xmlns:a="http://schemas.openxmlformats.org/drawingml/2006/main" xmlns:r="http://schemas.openxmlformats.org/officeDocument/2006/relationships" xmlns:p="http://schemas.openxmlformats.org/presentationml/2006/main">
+  <p:cSld>
+    <p:spTree>
+      <p:nvGrpSpPr>
+        <p:cNvPr id="1" name=""/>
+        <p:cNvGrpSpPr/>
+        <p:nvPr/>
+      </p:nvGrpSpPr>
+      <p:grpSpPr>
+        <a:xfrm>
+          <a:off x="0" y="0"/>
+          <a:ext cx="0" cy="0"/>
+          <a:chOff x="0" y="0"/>
+          <a:chExt cx="0" cy="0"/>
+        </a:xfrm>
+      </p:grpSpPr>
+      <p:sp>
+        <p:nvSpPr>
+          <p:cNvPr id="4" name="Header Placeholder 3"/>
+          <p:cNvSpPr>
+            <a:spLocks noGrp="1"/>
+          </p:cNvSpPr>
+          <p:nvPr>
+            <p:ph type="hdr" sz="quarter" idx="10"/>
+          </p:nvPr>
+        </p:nvSpPr>
+        <p:spPr/>
+        <p:txBody>
+          <a:bodyPr/>
+          <a:lstStyle/>
+          <a:p>
+            <a:endParaRPr lang="en-US" dirty="0"/>
+          </a:p>
+        </p:txBody>
+      </p:sp>
+      <p:sp>
+        <p:nvSpPr>
+          <p:cNvPr id="5" name="Date Placeholder 4"/>
+          <p:cNvSpPr>
+            <a:spLocks noGrp="1"/>
+          </p:cNvSpPr>
+          <p:nvPr>
+            <p:ph type="dt" idx="11"/>
+          </p:nvPr>
+        </p:nvSpPr>
+        <p:spPr/>
+        <p:txBody>
+          <a:bodyPr/>
+          <a:lstStyle/>
+          <a:p>
+            <a:fld id="{81331B57-0BE5-4F82-AA58-76F53EFF3ADA}" type="datetime8">
+              <a:rPr lang="en-US" smtClean="0"/>
+              <a:pPr/>
+              <a:t>7/27/14 09:36</a:t>
+            </a:fld>
+            <a:endParaRPr lang="en-US"/>
+          </a:p>
+        </p:txBody>
+      </p:sp>
+      <p:sp>
+        <p:nvSpPr>
+          <p:cNvPr id="6" name="Footer Placeholder 5"/>
+          <p:cNvSpPr>
+            <a:spLocks noGrp="1"/>
+          </p:cNvSpPr>
+          <p:nvPr>
+            <p:ph type="ftr" sz="quarter" idx="12"/>
+          </p:nvPr>
+        </p:nvSpPr>
+        <p:spPr/>
+        <p:txBody>
+          <a:bodyPr/>
+          <a:lstStyle/>
+          <a:p>
+            <a:r>
+              <a:rPr lang="en-US" smtClean="0"/>
+              <a:t>© 2007 Microsoft Corporation. All rights reserved. Microsoft, Windows, Windows Vista and other product names are or may be registered trademarks and/or trademarks in the U.S. and/or other countries.</a:t>
+            </a:r>
+          </a:p>
+          <a:p>
+            <a:r>
+              <a:rPr lang="en-US" smtClean="0"/>
+              <a:t>The information herein is for informational purposes only and represents the current view of Microsoft Corporation as of the date of this presentation.  Because Microsoft must respond to changing market conditions, it should not be interpreted to be a commitment on the part of Microsoft, and Microsoft cannot guarantee the accuracy of any information provided after the date of this presentation.  </a:t>
+            </a:r>
+            <a:br>
+              <a:rPr lang="en-US" smtClean="0"/>
+            </a:br>
+            <a:r>
+              <a:rPr lang="en-US" smtClean="0"/>
+              <a:t>MICROSOFT MAKES NO WARRANTIES, EXPRESS, IMPLIED OR STATUTORY, AS TO THE INFORMATION IN THIS PRESENTATION.</a:t>
+            </a:r>
+          </a:p>
+          <a:p>
+            <a:endParaRPr lang="en-US" dirty="0"/>
+          </a:p>
+        </p:txBody>
+      </p:sp>
+      <p:sp>
+        <p:nvSpPr>
+          <p:cNvPr id="7" name="Slide Number Placeholder 6"/>
+          <p:cNvSpPr>
+            <a:spLocks noGrp="1"/>
+          </p:cNvSpPr>
+          <p:nvPr>
+            <p:ph type="sldNum" sz="quarter" idx="13"/>
+          </p:nvPr>
+        </p:nvSpPr>
+        <p:spPr/>
+        <p:txBody>
+          <a:bodyPr/>
+          <a:lstStyle/>
+          <a:p>
+            <a:fld id="{EC87E0CF-87F6-4B58-B8B8-DCAB2DAAF3CA}" type="slidenum">
+              <a:rPr lang="en-US" smtClean="0"/>
+              <a:pPr/>
+              <a:t>16</a:t>
             </a:fld>
             <a:endParaRPr lang="en-US" dirty="0"/>
           </a:p>
@@ -1605,7 +1779,7 @@
             <a:fld id="{81331B57-0BE5-4F82-AA58-76F53EFF3ADA}" type="datetime8">
               <a:rPr lang="en-US" smtClean="0"/>
               <a:pPr/>
-              <a:t>7/22/14 21:49</a:t>
+              <a:t>7/27/14 09:36</a:t>
             </a:fld>
             <a:endParaRPr lang="en-US"/>
           </a:p>
@@ -2238,7 +2412,7 @@
             <a:fld id="{81331B57-0BE5-4F82-AA58-76F53EFF3ADA}" type="datetime8">
               <a:rPr lang="en-US" smtClean="0"/>
               <a:pPr/>
-              <a:t>7/22/14 21:49</a:t>
+              <a:t>7/27/14 09:36</a:t>
             </a:fld>
             <a:endParaRPr lang="en-US"/>
           </a:p>
@@ -2411,7 +2585,7 @@
             <a:fld id="{81331B57-0BE5-4F82-AA58-76F53EFF3ADA}" type="datetime8">
               <a:rPr lang="en-US" smtClean="0"/>
               <a:pPr/>
-              <a:t>7/22/14 21:49</a:t>
+              <a:t>7/27/14 09:38</a:t>
             </a:fld>
             <a:endParaRPr lang="en-US"/>
           </a:p>
@@ -7737,7 +7911,11 @@
           <a:p>
             <a:r>
               <a:rPr lang="en-US" dirty="0"/>
-              <a:t>Pop Quiz C#: </a:t>
+              <a:t>Pop </a:t>
+            </a:r>
+            <a:r>
+              <a:rPr lang="en-US" dirty="0" smtClean="0"/>
+              <a:t>Quiz: </a:t>
             </a:r>
             <a:r>
               <a:rPr lang="en-US" dirty="0" smtClean="0"/>
@@ -8100,7 +8278,11 @@
           <a:p>
             <a:r>
               <a:rPr lang="en-US" dirty="0"/>
-              <a:t>Pop Quiz C#: </a:t>
+              <a:t>Pop </a:t>
+            </a:r>
+            <a:r>
+              <a:rPr lang="en-US" dirty="0" smtClean="0"/>
+              <a:t>Quiz: </a:t>
             </a:r>
             <a:r>
               <a:rPr lang="en-US" dirty="0" smtClean="0"/>
@@ -8146,7 +8328,7 @@
         <p:spPr>
           <a:xfrm>
             <a:off x="381000" y="1059656"/>
-            <a:ext cx="8382000" cy="2717667"/>
+            <a:ext cx="8382000" cy="2824875"/>
           </a:xfrm>
         </p:spPr>
         <p:txBody>
@@ -8180,7 +8362,7 @@
               <a:rPr lang="en-US" dirty="0" smtClean="0"/>
             </a:br>
             <a:r>
-              <a:rPr lang="en-US" u="sng" dirty="0" err="1">
+              <a:rPr lang="en-US" u="sng" dirty="0">
                 <a:solidFill>
                   <a:srgbClr val="FFFFFF"/>
                 </a:solidFill>
@@ -8236,7 +8418,7 @@
               <a:t>"</a:t>
             </a:r>
             <a:r>
-              <a:rPr lang="en-US" dirty="0">
+              <a:rPr lang="en-US" dirty="0" smtClean="0">
                 <a:solidFill>
                   <a:srgbClr val="FFFFFF"/>
                 </a:solidFill>
@@ -8246,6 +8428,8 @@
               </a:rPr>
               <a:t>]</a:t>
             </a:r>
+          </a:p>
+          <a:p>
             <a:endParaRPr lang="en-US" sz="600" dirty="0">
               <a:solidFill>
                 <a:srgbClr val="FFFFFF"/>
@@ -8353,7 +8537,11 @@
           <a:p>
             <a:r>
               <a:rPr lang="en-US" dirty="0"/>
-              <a:t>Pop Quiz C#: </a:t>
+              <a:t>Pop </a:t>
+            </a:r>
+            <a:r>
+              <a:rPr lang="en-US" dirty="0" smtClean="0"/>
+              <a:t>Quiz: </a:t>
             </a:r>
             <a:r>
               <a:rPr lang="en-US" dirty="0" smtClean="0"/>
@@ -8420,11 +8608,15 @@
               <a:rPr lang="en-US" dirty="0" smtClean="0"/>
               <a:t>how should you handle </a:t>
             </a:r>
+            <a:r>
+              <a:rPr lang="en-US" smtClean="0"/>
+              <a:t/>
+            </a:r>
             <a:br>
-              <a:rPr lang="en-US" dirty="0" smtClean="0"/>
+              <a:rPr lang="en-US" smtClean="0"/>
             </a:br>
             <a:r>
-              <a:rPr lang="en-US" sz="3000" dirty="0" err="1" smtClean="0">
+              <a:rPr lang="en-US" sz="3000" smtClean="0">
                 <a:solidFill>
                   <a:srgbClr val="92D050"/>
                 </a:solidFill>
@@ -8532,7 +8724,7 @@
 </file>
 
 <file path=ppt/slides/slide14.xml><?xml version="1.0" encoding="utf-8"?>
-<p:sld xmlns:a="http://schemas.openxmlformats.org/drawingml/2006/main" xmlns:r="http://schemas.openxmlformats.org/officeDocument/2006/relationships" xmlns:p="http://schemas.openxmlformats.org/presentationml/2006/main">
+<p:sld xmlns:a="http://schemas.openxmlformats.org/drawingml/2006/main" xmlns:r="http://schemas.openxmlformats.org/officeDocument/2006/relationships" xmlns:p="http://schemas.openxmlformats.org/presentationml/2006/main" show="0">
   <p:cSld>
     <p:spTree>
       <p:nvGrpSpPr>
@@ -8691,6 +8883,180 @@
 </file>
 
 <file path=ppt/slides/slide15.xml><?xml version="1.0" encoding="utf-8"?>
+<p:sld xmlns:a="http://schemas.openxmlformats.org/drawingml/2006/main" xmlns:r="http://schemas.openxmlformats.org/officeDocument/2006/relationships" xmlns:p="http://schemas.openxmlformats.org/presentationml/2006/main">
+  <p:cSld>
+    <p:spTree>
+      <p:nvGrpSpPr>
+        <p:cNvPr id="1" name=""/>
+        <p:cNvGrpSpPr/>
+        <p:nvPr/>
+      </p:nvGrpSpPr>
+      <p:grpSpPr>
+        <a:xfrm>
+          <a:off x="0" y="0"/>
+          <a:ext cx="0" cy="0"/>
+          <a:chOff x="0" y="0"/>
+          <a:chExt cx="0" cy="0"/>
+        </a:xfrm>
+      </p:grpSpPr>
+      <p:sp>
+        <p:nvSpPr>
+          <p:cNvPr id="2" name="Title 1"/>
+          <p:cNvSpPr>
+            <a:spLocks noGrp="1"/>
+          </p:cNvSpPr>
+          <p:nvPr>
+            <p:ph type="title"/>
+          </p:nvPr>
+        </p:nvSpPr>
+        <p:spPr>
+          <a:xfrm>
+            <a:off x="387054" y="171450"/>
+            <a:ext cx="8375946" cy="498598"/>
+          </a:xfrm>
+        </p:spPr>
+        <p:txBody>
+          <a:bodyPr/>
+          <a:lstStyle/>
+          <a:p>
+            <a:r>
+              <a:rPr lang="en-US" dirty="0" smtClean="0"/>
+              <a:t>Resources</a:t>
+            </a:r>
+            <a:endParaRPr sz="3600" dirty="0">
+              <a:solidFill>
+                <a:schemeClr val="accent1"/>
+              </a:solidFill>
+            </a:endParaRPr>
+          </a:p>
+        </p:txBody>
+      </p:sp>
+      <p:sp>
+        <p:nvSpPr>
+          <p:cNvPr id="3" name="Text Placeholder 2"/>
+          <p:cNvSpPr>
+            <a:spLocks noGrp="1"/>
+          </p:cNvSpPr>
+          <p:nvPr>
+            <p:ph idx="1"/>
+          </p:nvPr>
+        </p:nvSpPr>
+        <p:spPr>
+          <a:xfrm>
+            <a:off x="381000" y="1059656"/>
+            <a:ext cx="8382000" cy="2127249"/>
+          </a:xfrm>
+        </p:spPr>
+        <p:txBody>
+          <a:bodyPr/>
+          <a:lstStyle/>
+          <a:p>
+            <a:r>
+              <a:rPr lang="en-US" dirty="0" smtClean="0"/>
+              <a:t>Eclipse</a:t>
+            </a:r>
+            <a:r>
+              <a:rPr lang="en-US" dirty="0" smtClean="0"/>
+              <a:t>/ </a:t>
+            </a:r>
+            <a:r>
+              <a:rPr lang="en-US" dirty="0" err="1" smtClean="0"/>
+              <a:t>Junit</a:t>
+            </a:r>
+            <a:r>
+              <a:rPr lang="en-US" dirty="0" smtClean="0"/>
+              <a:t> </a:t>
+            </a:r>
+            <a:endParaRPr lang="en-US" dirty="0"/>
+          </a:p>
+          <a:p>
+            <a:r>
+              <a:rPr lang="en-US" dirty="0" err="1" smtClean="0"/>
+              <a:t>EclEmma</a:t>
+            </a:r>
+            <a:r>
+              <a:rPr lang="en-US" dirty="0" smtClean="0"/>
+              <a:t> Code Coverage</a:t>
+            </a:r>
+          </a:p>
+          <a:p>
+            <a:r>
+              <a:rPr lang="en-US" dirty="0" err="1"/>
+              <a:t>EasyMock</a:t>
+            </a:r>
+            <a:endParaRPr lang="en-US" u="sng" dirty="0">
+              <a:solidFill>
+                <a:srgbClr val="92D050"/>
+              </a:solidFill>
+            </a:endParaRPr>
+          </a:p>
+          <a:p>
+            <a:r>
+              <a:rPr lang="en-US" dirty="0" smtClean="0"/>
+              <a:t>YouTube </a:t>
+            </a:r>
+            <a:r>
+              <a:rPr lang="en-US" dirty="0"/>
+              <a:t>- </a:t>
+            </a:r>
+            <a:r>
+              <a:rPr lang="en-US" dirty="0">
+                <a:hlinkClick r:id="rId3"/>
+              </a:rPr>
+              <a:t>http://</a:t>
+            </a:r>
+            <a:r>
+              <a:rPr lang="en-US" dirty="0" err="1">
+                <a:hlinkClick r:id="rId3"/>
+              </a:rPr>
+              <a:t>lfal.co</a:t>
+            </a:r>
+            <a:r>
+              <a:rPr lang="en-US" dirty="0">
+                <a:hlinkClick r:id="rId3"/>
+              </a:rPr>
+              <a:t>/</a:t>
+            </a:r>
+            <a:r>
+              <a:rPr lang="en-US" dirty="0" err="1">
+                <a:hlinkClick r:id="rId3"/>
+              </a:rPr>
+              <a:t>PeelAndSlice</a:t>
+            </a:r>
+            <a:endParaRPr lang="en-US" dirty="0" smtClean="0"/>
+          </a:p>
+          <a:p>
+            <a:pPr marL="0" indent="0">
+              <a:buNone/>
+            </a:pPr>
+            <a:endParaRPr lang="en-US" dirty="0" smtClean="0"/>
+          </a:p>
+        </p:txBody>
+      </p:sp>
+    </p:spTree>
+    <p:extLst>
+      <p:ext uri="{BB962C8B-B14F-4D97-AF65-F5344CB8AC3E}">
+        <p14:creationId xmlns:p14="http://schemas.microsoft.com/office/powerpoint/2010/main" val="3425263309"/>
+      </p:ext>
+    </p:extLst>
+  </p:cSld>
+  <p:clrMapOvr>
+    <a:masterClrMapping/>
+  </p:clrMapOvr>
+  <p:transition xmlns:p14="http://schemas.microsoft.com/office/powerpoint/2010/main">
+    <p:fade/>
+  </p:transition>
+  <p:timing>
+    <p:tnLst>
+      <p:par>
+        <p:cTn xmlns:p14="http://schemas.microsoft.com/office/powerpoint/2010/main" id="1" dur="indefinite" restart="never" nodeType="tmRoot"/>
+      </p:par>
+    </p:tnLst>
+  </p:timing>
+</p:sld>
+</file>
+
+<file path=ppt/slides/slide16.xml><?xml version="1.0" encoding="utf-8"?>
 <p:sld xmlns:a="http://schemas.openxmlformats.org/drawingml/2006/main" xmlns:r="http://schemas.openxmlformats.org/officeDocument/2006/relationships" xmlns:p="http://schemas.openxmlformats.org/presentationml/2006/main">
   <p:cSld>
     <p:spTree>
@@ -9024,7 +9390,7 @@
 </file>
 
 <file path=ppt/slides/slide2.xml><?xml version="1.0" encoding="utf-8"?>
-<p:sld xmlns:a="http://schemas.openxmlformats.org/drawingml/2006/main" xmlns:r="http://schemas.openxmlformats.org/officeDocument/2006/relationships" xmlns:p="http://schemas.openxmlformats.org/presentationml/2006/main">
+<p:sld xmlns:a="http://schemas.openxmlformats.org/drawingml/2006/main" xmlns:r="http://schemas.openxmlformats.org/officeDocument/2006/relationships" xmlns:p="http://schemas.openxmlformats.org/presentationml/2006/main" show="0">
   <p:cSld>
     <p:spTree>
       <p:nvGrpSpPr>

--- a/Documents/Slides.pptx
+++ b/Documents/Slides.pptx
@@ -127,7 +127,7 @@
   </p:defaultTextStyle>
   <p:extLst>
     <p:ext uri="{EFAFB233-063F-42B5-8137-9DF3F51BA10A}">
-      <p15:sldGuideLst xmlns="" xmlns:p15="http://schemas.microsoft.com/office/powerpoint/2012/main">
+      <p15:sldGuideLst xmlns:p15="http://schemas.microsoft.com/office/powerpoint/2012/main">
         <p15:guide id="1" orient="horz" pos="237">
           <p15:clr>
             <a:srgbClr val="A4A3A4"/>
@@ -186,7 +186,7 @@
       </p15:sldGuideLst>
     </p:ext>
     <p:ext uri="{2D200454-40CA-4A62-9FC3-DE9A4176ACB9}">
-      <p15:notesGuideLst xmlns="" xmlns:p15="http://schemas.microsoft.com/office/powerpoint/2012/main">
+      <p15:notesGuideLst xmlns:p15="http://schemas.microsoft.com/office/powerpoint/2012/main">
         <p15:guide id="1" orient="horz" pos="2880">
           <p15:clr>
             <a:srgbClr val="A4A3A4"/>
@@ -297,7 +297,7 @@
                 <a:latin typeface="Calibri" pitchFamily="34" charset="0"/>
               </a:rPr>
               <a:pPr/>
-              <a:t>7/27/14</a:t>
+              <a:t>7/28/2014</a:t>
             </a:fld>
             <a:endParaRPr lang="en-US" dirty="0">
               <a:latin typeface="Calibri" pitchFamily="34" charset="0"/>
@@ -510,7 +510,7 @@
             <a:fld id="{7C3FBCD4-166E-446F-AF18-7D4A0CF9AEF6}" type="datetimeFigureOut">
               <a:rPr lang="en-US" smtClean="0"/>
               <a:pPr/>
-              <a:t>7/27/14</a:t>
+              <a:t>7/28/2014</a:t>
             </a:fld>
             <a:endParaRPr lang="en-US" dirty="0"/>
           </a:p>
@@ -914,7 +914,7 @@
             <a:fld id="{81331B57-0BE5-4F82-AA58-76F53EFF3ADA}" type="datetime8">
               <a:rPr lang="en-US" smtClean="0"/>
               <a:pPr/>
-              <a:t>7/27/14 09:36</a:t>
+              <a:t>7/28/2014 8:27 PM</a:t>
             </a:fld>
             <a:endParaRPr lang="en-US"/>
           </a:p>
@@ -1087,7 +1087,7 @@
             <a:fld id="{81331B57-0BE5-4F82-AA58-76F53EFF3ADA}" type="datetime8">
               <a:rPr lang="en-US" smtClean="0"/>
               <a:pPr/>
-              <a:t>7/27/14 09:36</a:t>
+              <a:t>7/28/2014 8:27 PM</a:t>
             </a:fld>
             <a:endParaRPr lang="en-US"/>
           </a:p>
@@ -1260,7 +1260,7 @@
             <a:fld id="{81331B57-0BE5-4F82-AA58-76F53EFF3ADA}" type="datetime8">
               <a:rPr lang="en-US" smtClean="0"/>
               <a:pPr/>
-              <a:t>7/27/14 09:36</a:t>
+              <a:t>7/28/2014 8:27 PM</a:t>
             </a:fld>
             <a:endParaRPr lang="en-US"/>
           </a:p>
@@ -1433,7 +1433,7 @@
             <a:fld id="{81331B57-0BE5-4F82-AA58-76F53EFF3ADA}" type="datetime8">
               <a:rPr lang="en-US" smtClean="0"/>
               <a:pPr/>
-              <a:t>7/27/14 09:47</a:t>
+              <a:t>7/28/2014 8:27 PM</a:t>
             </a:fld>
             <a:endParaRPr lang="en-US"/>
           </a:p>
@@ -1606,7 +1606,7 @@
             <a:fld id="{81331B57-0BE5-4F82-AA58-76F53EFF3ADA}" type="datetime8">
               <a:rPr lang="en-US" smtClean="0"/>
               <a:pPr/>
-              <a:t>7/27/14 09:36</a:t>
+              <a:t>7/28/2014 8:27 PM</a:t>
             </a:fld>
             <a:endParaRPr lang="en-US"/>
           </a:p>
@@ -1779,7 +1779,7 @@
             <a:fld id="{81331B57-0BE5-4F82-AA58-76F53EFF3ADA}" type="datetime8">
               <a:rPr lang="en-US" smtClean="0"/>
               <a:pPr/>
-              <a:t>7/27/14 09:36</a:t>
+              <a:t>7/28/2014 8:27 PM</a:t>
             </a:fld>
             <a:endParaRPr lang="en-US"/>
           </a:p>
@@ -2412,7 +2412,7 @@
             <a:fld id="{81331B57-0BE5-4F82-AA58-76F53EFF3ADA}" type="datetime8">
               <a:rPr lang="en-US" smtClean="0"/>
               <a:pPr/>
-              <a:t>7/27/14 09:36</a:t>
+              <a:t>7/28/2014 8:27 PM</a:t>
             </a:fld>
             <a:endParaRPr lang="en-US"/>
           </a:p>
@@ -2585,7 +2585,7 @@
             <a:fld id="{81331B57-0BE5-4F82-AA58-76F53EFF3ADA}" type="datetime8">
               <a:rPr lang="en-US" smtClean="0"/>
               <a:pPr/>
-              <a:t>7/27/14 09:38</a:t>
+              <a:t>7/28/2014 8:27 PM</a:t>
             </a:fld>
             <a:endParaRPr lang="en-US"/>
           </a:p>
@@ -2820,13 +2820,13 @@
   <p:clrMapOvr>
     <a:overrideClrMapping bg1="dk1" tx1="lt1" bg2="dk2" tx2="lt2" accent1="accent1" accent2="accent2" accent3="accent3" accent4="accent4" accent5="accent5" accent6="accent6" hlink="hlink" folHlink="folHlink"/>
   </p:clrMapOvr>
-  <p:transition xmlns:p14="http://schemas.microsoft.com/office/powerpoint/2010/main">
+  <p:transition>
     <p:fade/>
   </p:transition>
   <p:timing>
     <p:tnLst>
       <p:par>
-        <p:cTn xmlns:p14="http://schemas.microsoft.com/office/powerpoint/2010/main" id="1" dur="indefinite" restart="never" nodeType="tmRoot"/>
+        <p:cTn id="1" dur="indefinite" restart="never" nodeType="tmRoot"/>
       </p:par>
     </p:tnLst>
   </p:timing>
@@ -3120,7 +3120,7 @@
   <p:clrMapOvr>
     <a:overrideClrMapping bg1="dk1" tx1="lt1" bg2="dk2" tx2="lt2" accent1="accent1" accent2="accent2" accent3="accent3" accent4="accent4" accent5="accent5" accent6="accent6" hlink="hlink" folHlink="folHlink"/>
   </p:clrMapOvr>
-  <p:transition xmlns:p14="http://schemas.microsoft.com/office/powerpoint/2010/main">
+  <p:transition>
     <p:fade/>
   </p:transition>
 </p:sldLayout>
@@ -3263,7 +3263,7 @@
   <p:clrMapOvr>
     <a:masterClrMapping/>
   </p:clrMapOvr>
-  <p:transition xmlns:p14="http://schemas.microsoft.com/office/powerpoint/2010/main">
+  <p:transition>
     <p:fade/>
   </p:transition>
 </p:sldLayout>
@@ -3518,7 +3518,7 @@
   <p:clrMapOvr>
     <a:masterClrMapping/>
   </p:clrMapOvr>
-  <p:transition xmlns:p14="http://schemas.microsoft.com/office/powerpoint/2010/main">
+  <p:transition>
     <p:fade/>
   </p:transition>
 </p:sldLayout>
@@ -3885,7 +3885,7 @@
   <p:clrMapOvr>
     <a:masterClrMapping/>
   </p:clrMapOvr>
-  <p:transition xmlns:p14="http://schemas.microsoft.com/office/powerpoint/2010/main">
+  <p:transition>
     <p:fade/>
   </p:transition>
 </p:sldLayout>
@@ -3940,7 +3940,7 @@
   <p:clrMapOvr>
     <a:masterClrMapping/>
   </p:clrMapOvr>
-  <p:transition xmlns:p14="http://schemas.microsoft.com/office/powerpoint/2010/main">
+  <p:transition>
     <p:fade/>
   </p:transition>
 </p:sldLayout>
@@ -4352,7 +4352,7 @@
   <p:clrMapOvr>
     <a:masterClrMapping/>
   </p:clrMapOvr>
-  <p:transition xmlns:p14="http://schemas.microsoft.com/office/powerpoint/2010/main">
+  <p:transition>
     <p:fade/>
   </p:transition>
 </p:sldLayout>
@@ -4380,7 +4380,7 @@
   <p:clrMapOvr>
     <a:masterClrMapping/>
   </p:clrMapOvr>
-  <p:transition xmlns:p14="http://schemas.microsoft.com/office/powerpoint/2010/main">
+  <p:transition>
     <p:fade/>
   </p:transition>
 </p:sldLayout>
@@ -4408,7 +4408,7 @@
   <p:clrMapOvr>
     <a:masterClrMapping/>
   </p:clrMapOvr>
-  <p:transition xmlns:p14="http://schemas.microsoft.com/office/powerpoint/2010/main">
+  <p:transition>
     <p:fade/>
   </p:transition>
 </p:sldLayout>
@@ -4712,13 +4712,13 @@
     <p:sldLayoutId id="2147483746" r:id="rId8"/>
     <p:sldLayoutId id="2147483757" r:id="rId9"/>
   </p:sldLayoutIdLst>
-  <p:transition xmlns:p14="http://schemas.microsoft.com/office/powerpoint/2010/main">
+  <p:transition>
     <p:fade/>
   </p:transition>
   <p:timing>
     <p:tnLst>
       <p:par>
-        <p:cTn xmlns:p14="http://schemas.microsoft.com/office/powerpoint/2010/main" id="1" dur="indefinite" restart="never" nodeType="tmRoot"/>
+        <p:cTn id="1" dur="indefinite" restart="never" nodeType="tmRoot"/>
       </p:par>
     </p:tnLst>
   </p:timing>
@@ -5099,13 +5099,13 @@
   <p:clrMapOvr>
     <a:masterClrMapping/>
   </p:clrMapOvr>
-  <p:transition xmlns:p14="http://schemas.microsoft.com/office/powerpoint/2010/main">
+  <p:transition>
     <p:fade/>
   </p:transition>
   <p:timing>
     <p:tnLst>
       <p:par>
-        <p:cTn xmlns:p14="http://schemas.microsoft.com/office/powerpoint/2010/main" id="1" dur="indefinite" restart="never" nodeType="tmRoot"/>
+        <p:cTn id="1" dur="indefinite" restart="never" nodeType="tmRoot"/>
       </p:par>
     </p:tnLst>
   </p:timing>
@@ -5832,7 +5832,7 @@
           </a:ln>
           <a:extLst>
             <a:ext uri="{909E8E84-426E-40dd-AFC4-6F175D3DCCD1}">
-              <a14:hiddenFill xmlns:a14="http://schemas.microsoft.com/office/drawing/2010/main">
+              <a14:hiddenFill xmlns:a14="http://schemas.microsoft.com/office/drawing/2010/main" xmlns="">
                 <a:solidFill>
                   <a:srgbClr val="FFFFFF"/>
                 </a:solidFill>
@@ -5876,7 +5876,7 @@
           </a:ln>
           <a:extLst>
             <a:ext uri="{909E8E84-426E-40dd-AFC4-6F175D3DCCD1}">
-              <a14:hiddenFill xmlns:a14="http://schemas.microsoft.com/office/drawing/2010/main">
+              <a14:hiddenFill xmlns:a14="http://schemas.microsoft.com/office/drawing/2010/main" xmlns="">
                 <a:solidFill>
                   <a:srgbClr val="FFFFFF"/>
                 </a:solidFill>
@@ -5920,7 +5920,7 @@
           </a:ln>
           <a:extLst>
             <a:ext uri="{909E8E84-426E-40dd-AFC4-6F175D3DCCD1}">
-              <a14:hiddenFill xmlns:a14="http://schemas.microsoft.com/office/drawing/2010/main">
+              <a14:hiddenFill xmlns:a14="http://schemas.microsoft.com/office/drawing/2010/main" xmlns="">
                 <a:solidFill>
                   <a:srgbClr val="FFFFFF"/>
                 </a:solidFill>
@@ -5964,7 +5964,7 @@
           </a:ln>
           <a:extLst>
             <a:ext uri="{909E8E84-426E-40dd-AFC4-6F175D3DCCD1}">
-              <a14:hiddenFill xmlns:a14="http://schemas.microsoft.com/office/drawing/2010/main">
+              <a14:hiddenFill xmlns:a14="http://schemas.microsoft.com/office/drawing/2010/main" xmlns="">
                 <a:solidFill>
                   <a:srgbClr val="FFFFFF"/>
                 </a:solidFill>
@@ -6042,14 +6042,14 @@
           </a:ln>
           <a:extLst>
             <a:ext uri="{909E8E84-426E-40dd-AFC4-6F175D3DCCD1}">
-              <a14:hiddenFill xmlns:a14="http://schemas.microsoft.com/office/drawing/2010/main">
+              <a14:hiddenFill xmlns:a14="http://schemas.microsoft.com/office/drawing/2010/main" xmlns="">
                 <a:solidFill>
                   <a:srgbClr val="FFFFFF"/>
                 </a:solidFill>
               </a14:hiddenFill>
             </a:ext>
             <a:ext uri="{91240B29-F687-4f45-9708-019B960494DF}">
-              <a14:hiddenLine xmlns:a14="http://schemas.microsoft.com/office/drawing/2010/main" w="12700" cap="flat">
+              <a14:hiddenLine xmlns:a14="http://schemas.microsoft.com/office/drawing/2010/main" xmlns="" w="12700" cap="flat">
                 <a:solidFill>
                   <a:schemeClr val="tx1"/>
                 </a:solidFill>
@@ -6101,14 +6101,14 @@
           </a:ln>
           <a:extLst>
             <a:ext uri="{909E8E84-426E-40dd-AFC4-6F175D3DCCD1}">
-              <a14:hiddenFill xmlns:a14="http://schemas.microsoft.com/office/drawing/2010/main">
+              <a14:hiddenFill xmlns:a14="http://schemas.microsoft.com/office/drawing/2010/main" xmlns="">
                 <a:solidFill>
                   <a:srgbClr val="FFFFFF"/>
                 </a:solidFill>
               </a14:hiddenFill>
             </a:ext>
             <a:ext uri="{91240B29-F687-4f45-9708-019B960494DF}">
-              <a14:hiddenLine xmlns:a14="http://schemas.microsoft.com/office/drawing/2010/main" w="12700" cap="flat">
+              <a14:hiddenLine xmlns:a14="http://schemas.microsoft.com/office/drawing/2010/main" xmlns="" w="12700" cap="flat">
                 <a:solidFill>
                   <a:schemeClr val="tx1"/>
                 </a:solidFill>
@@ -6281,7 +6281,7 @@
           </a:ln>
           <a:extLst>
             <a:ext uri="{909E8E84-426E-40dd-AFC4-6F175D3DCCD1}">
-              <a14:hiddenFill xmlns:a14="http://schemas.microsoft.com/office/drawing/2010/main">
+              <a14:hiddenFill xmlns:a14="http://schemas.microsoft.com/office/drawing/2010/main" xmlns="">
                 <a:solidFill>
                   <a:srgbClr val="FFFFFF"/>
                 </a:solidFill>
@@ -6325,7 +6325,7 @@
           </a:ln>
           <a:extLst>
             <a:ext uri="{909E8E84-426E-40dd-AFC4-6F175D3DCCD1}">
-              <a14:hiddenFill xmlns:a14="http://schemas.microsoft.com/office/drawing/2010/main">
+              <a14:hiddenFill xmlns:a14="http://schemas.microsoft.com/office/drawing/2010/main" xmlns="">
                 <a:solidFill>
                   <a:srgbClr val="FFFFFF"/>
                 </a:solidFill>
@@ -6369,7 +6369,7 @@
           </a:ln>
           <a:extLst>
             <a:ext uri="{909E8E84-426E-40dd-AFC4-6F175D3DCCD1}">
-              <a14:hiddenFill xmlns:a14="http://schemas.microsoft.com/office/drawing/2010/main">
+              <a14:hiddenFill xmlns:a14="http://schemas.microsoft.com/office/drawing/2010/main" xmlns="">
                 <a:solidFill>
                   <a:srgbClr val="FFFFFF"/>
                 </a:solidFill>
@@ -6413,7 +6413,7 @@
           </a:ln>
           <a:extLst>
             <a:ext uri="{909E8E84-426E-40dd-AFC4-6F175D3DCCD1}">
-              <a14:hiddenFill xmlns:a14="http://schemas.microsoft.com/office/drawing/2010/main">
+              <a14:hiddenFill xmlns:a14="http://schemas.microsoft.com/office/drawing/2010/main" xmlns="">
                 <a:solidFill>
                   <a:srgbClr val="FFFFFF"/>
                 </a:solidFill>
@@ -6457,7 +6457,7 @@
           </a:ln>
           <a:extLst>
             <a:ext uri="{909E8E84-426E-40dd-AFC4-6F175D3DCCD1}">
-              <a14:hiddenFill xmlns:a14="http://schemas.microsoft.com/office/drawing/2010/main">
+              <a14:hiddenFill xmlns:a14="http://schemas.microsoft.com/office/drawing/2010/main" xmlns="">
                 <a:solidFill>
                   <a:srgbClr val="FFFFFF"/>
                 </a:solidFill>
@@ -6483,13 +6483,13 @@
   <p:clrMapOvr>
     <a:masterClrMapping/>
   </p:clrMapOvr>
-  <p:transition xmlns:p14="http://schemas.microsoft.com/office/powerpoint/2010/main">
+  <p:transition>
     <p:fade/>
   </p:transition>
   <p:timing>
     <p:tnLst>
       <p:par>
-        <p:cTn xmlns:p14="http://schemas.microsoft.com/office/powerpoint/2010/main" id="1" dur="indefinite" restart="never" nodeType="tmRoot">
+        <p:cTn id="1" dur="indefinite" restart="never" nodeType="tmRoot">
           <p:childTnLst>
             <p:seq concurrent="1" nextAc="seek">
               <p:cTn id="2" dur="indefinite" nodeType="mainSeq">
@@ -7917,10 +7917,6 @@
               <a:rPr lang="en-US" dirty="0" smtClean="0"/>
               <a:t>Quiz: </a:t>
             </a:r>
-            <a:r>
-              <a:rPr lang="en-US" dirty="0" smtClean="0"/>
-              <a:t/>
-            </a:r>
             <a:br>
               <a:rPr lang="en-US" dirty="0" smtClean="0"/>
             </a:br>
@@ -8053,13 +8049,13 @@
   <p:clrMapOvr>
     <a:masterClrMapping/>
   </p:clrMapOvr>
-  <p:transition xmlns:p14="http://schemas.microsoft.com/office/powerpoint/2010/main">
+  <p:transition>
     <p:fade/>
   </p:transition>
   <p:timing>
     <p:tnLst>
       <p:par>
-        <p:cTn xmlns:p14="http://schemas.microsoft.com/office/powerpoint/2010/main" id="1" dur="indefinite" restart="never" nodeType="tmRoot">
+        <p:cTn id="1" dur="indefinite" restart="never" nodeType="tmRoot">
           <p:childTnLst>
             <p:seq concurrent="1" nextAc="seek">
               <p:cTn id="2" dur="indefinite" nodeType="mainSeq">
@@ -8284,10 +8280,6 @@
               <a:rPr lang="en-US" dirty="0" smtClean="0"/>
               <a:t>Quiz: </a:t>
             </a:r>
-            <a:r>
-              <a:rPr lang="en-US" dirty="0" smtClean="0"/>
-              <a:t/>
-            </a:r>
             <a:br>
               <a:rPr lang="en-US" dirty="0" smtClean="0"/>
             </a:br>
@@ -8485,13 +8477,13 @@
   <p:clrMapOvr>
     <a:masterClrMapping/>
   </p:clrMapOvr>
-  <p:transition xmlns:p14="http://schemas.microsoft.com/office/powerpoint/2010/main">
+  <p:transition>
     <p:fade/>
   </p:transition>
   <p:timing>
     <p:tnLst>
       <p:par>
-        <p:cTn xmlns:p14="http://schemas.microsoft.com/office/powerpoint/2010/main" id="1" dur="indefinite" restart="never" nodeType="tmRoot"/>
+        <p:cTn id="1" dur="indefinite" restart="never" nodeType="tmRoot"/>
       </p:par>
     </p:tnLst>
   </p:timing>
@@ -8543,10 +8535,6 @@
               <a:rPr lang="en-US" dirty="0" smtClean="0"/>
               <a:t>Quiz: </a:t>
             </a:r>
-            <a:r>
-              <a:rPr lang="en-US" dirty="0" smtClean="0"/>
-              <a:t/>
-            </a:r>
             <a:br>
               <a:rPr lang="en-US" dirty="0" smtClean="0"/>
             </a:br>
@@ -8710,13 +8698,13 @@
   <p:clrMapOvr>
     <a:masterClrMapping/>
   </p:clrMapOvr>
-  <p:transition xmlns:p14="http://schemas.microsoft.com/office/powerpoint/2010/main">
+  <p:transition>
     <p:fade/>
   </p:transition>
   <p:timing>
     <p:tnLst>
       <p:par>
-        <p:cTn xmlns:p14="http://schemas.microsoft.com/office/powerpoint/2010/main" id="1" dur="indefinite" restart="never" nodeType="tmRoot"/>
+        <p:cTn id="1" dur="indefinite" restart="never" nodeType="tmRoot"/>
       </p:par>
     </p:tnLst>
   </p:timing>
@@ -8869,13 +8857,13 @@
   <p:clrMapOvr>
     <a:masterClrMapping/>
   </p:clrMapOvr>
-  <p:transition xmlns:p14="http://schemas.microsoft.com/office/powerpoint/2010/main">
+  <p:transition>
     <p:fade/>
   </p:transition>
   <p:timing>
     <p:tnLst>
       <p:par>
-        <p:cTn xmlns:p14="http://schemas.microsoft.com/office/powerpoint/2010/main" id="1" dur="indefinite" restart="never" nodeType="tmRoot"/>
+        <p:cTn id="1" dur="indefinite" restart="never" nodeType="tmRoot"/>
       </p:par>
     </p:tnLst>
   </p:timing>
@@ -8953,11 +8941,7 @@
           <a:p>
             <a:r>
               <a:rPr lang="en-US" dirty="0" smtClean="0"/>
-              <a:t>Eclipse</a:t>
-            </a:r>
-            <a:r>
-              <a:rPr lang="en-US" dirty="0" smtClean="0"/>
-              <a:t>/ </a:t>
+              <a:t>Eclipse/ </a:t>
             </a:r>
             <a:r>
               <a:rPr lang="en-US" dirty="0" err="1" smtClean="0"/>
@@ -9043,13 +9027,13 @@
   <p:clrMapOvr>
     <a:masterClrMapping/>
   </p:clrMapOvr>
-  <p:transition xmlns:p14="http://schemas.microsoft.com/office/powerpoint/2010/main">
+  <p:transition>
     <p:fade/>
   </p:transition>
   <p:timing>
     <p:tnLst>
       <p:par>
-        <p:cTn xmlns:p14="http://schemas.microsoft.com/office/powerpoint/2010/main" id="1" dur="indefinite" restart="never" nodeType="tmRoot"/>
+        <p:cTn id="1" dur="indefinite" restart="never" nodeType="tmRoot"/>
       </p:par>
     </p:tnLst>
   </p:timing>
@@ -9153,7 +9137,7 @@
           </a:effectLst>
           <a:extLst>
             <a:ext uri="{909E8E84-426E-40dd-AFC4-6F175D3DCCD1}">
-              <a14:hiddenFill xmlns:a14="http://schemas.microsoft.com/office/drawing/2010/main">
+              <a14:hiddenFill xmlns:a14="http://schemas.microsoft.com/office/drawing/2010/main" xmlns="">
                 <a:solidFill>
                   <a:srgbClr val="FFFFFF"/>
                 </a:solidFill>
@@ -9184,14 +9168,14 @@
           </a:ln>
           <a:extLst>
             <a:ext uri="{909E8E84-426E-40dd-AFC4-6F175D3DCCD1}">
-              <a14:hiddenFill xmlns:a14="http://schemas.microsoft.com/office/drawing/2010/main">
+              <a14:hiddenFill xmlns:a14="http://schemas.microsoft.com/office/drawing/2010/main" xmlns="">
                 <a:solidFill>
                   <a:srgbClr val="FFFFFF"/>
                 </a:solidFill>
               </a14:hiddenFill>
             </a:ext>
             <a:ext uri="{91240B29-F687-4f45-9708-019B960494DF}">
-              <a14:hiddenLine xmlns:a14="http://schemas.microsoft.com/office/drawing/2010/main" w="12700" cap="flat">
+              <a14:hiddenLine xmlns:a14="http://schemas.microsoft.com/office/drawing/2010/main" xmlns="" w="12700" cap="flat">
                 <a:solidFill>
                   <a:schemeClr val="tx1"/>
                 </a:solidFill>
@@ -9282,7 +9266,7 @@
           </a:effectLst>
           <a:extLst>
             <a:ext uri="{909E8E84-426E-40dd-AFC4-6F175D3DCCD1}">
-              <a14:hiddenFill xmlns:a14="http://schemas.microsoft.com/office/drawing/2010/main">
+              <a14:hiddenFill xmlns:a14="http://schemas.microsoft.com/office/drawing/2010/main" xmlns="">
                 <a:solidFill>
                   <a:srgbClr val="FFFFFF"/>
                 </a:solidFill>
@@ -9313,14 +9297,14 @@
           </a:ln>
           <a:extLst>
             <a:ext uri="{909E8E84-426E-40dd-AFC4-6F175D3DCCD1}">
-              <a14:hiddenFill xmlns:a14="http://schemas.microsoft.com/office/drawing/2010/main">
+              <a14:hiddenFill xmlns:a14="http://schemas.microsoft.com/office/drawing/2010/main" xmlns="">
                 <a:solidFill>
                   <a:srgbClr val="FFFFFF"/>
                 </a:solidFill>
               </a14:hiddenFill>
             </a:ext>
             <a:ext uri="{91240B29-F687-4f45-9708-019B960494DF}">
-              <a14:hiddenLine xmlns:a14="http://schemas.microsoft.com/office/drawing/2010/main" w="12700" cap="flat">
+              <a14:hiddenLine xmlns:a14="http://schemas.microsoft.com/office/drawing/2010/main" xmlns="" w="12700" cap="flat">
                 <a:solidFill>
                   <a:schemeClr val="tx1"/>
                 </a:solidFill>
@@ -9376,13 +9360,13 @@
   <p:clrMapOvr>
     <a:masterClrMapping/>
   </p:clrMapOvr>
-  <p:transition xmlns:p14="http://schemas.microsoft.com/office/powerpoint/2010/main">
+  <p:transition>
     <p:fade/>
   </p:transition>
   <p:timing>
     <p:tnLst>
       <p:par>
-        <p:cTn xmlns:p14="http://schemas.microsoft.com/office/powerpoint/2010/main" id="1" dur="indefinite" restart="never" nodeType="tmRoot"/>
+        <p:cTn id="1" dur="indefinite" restart="never" nodeType="tmRoot"/>
       </p:par>
     </p:tnLst>
   </p:timing>
@@ -9543,13 +9527,13 @@
   <p:clrMapOvr>
     <a:masterClrMapping/>
   </p:clrMapOvr>
-  <p:transition xmlns:p14="http://schemas.microsoft.com/office/powerpoint/2010/main">
+  <p:transition>
     <p:fade/>
   </p:transition>
   <p:timing>
     <p:tnLst>
       <p:par>
-        <p:cTn xmlns:p14="http://schemas.microsoft.com/office/powerpoint/2010/main" id="1" dur="indefinite" restart="never" nodeType="tmRoot">
+        <p:cTn id="1" dur="indefinite" restart="never" nodeType="tmRoot">
           <p:childTnLst>
             <p:seq concurrent="1" nextAc="seek">
               <p:cTn id="2" dur="indefinite" nodeType="mainSeq">
@@ -10800,7 +10784,7 @@
           </a:ln>
           <a:extLst>
             <a:ext uri="{909E8E84-426E-40dd-AFC4-6F175D3DCCD1}">
-              <a14:hiddenFill xmlns:a14="http://schemas.microsoft.com/office/drawing/2010/main">
+              <a14:hiddenFill xmlns:a14="http://schemas.microsoft.com/office/drawing/2010/main" xmlns="">
                 <a:solidFill>
                   <a:srgbClr val="FFFFFF"/>
                 </a:solidFill>
@@ -11024,13 +11008,13 @@
   <p:clrMapOvr>
     <a:masterClrMapping/>
   </p:clrMapOvr>
-  <p:transition xmlns:p14="http://schemas.microsoft.com/office/powerpoint/2010/main" spd="slow">
+  <p:transition spd="slow">
     <p:wipe/>
   </p:transition>
   <p:timing>
     <p:tnLst>
       <p:par>
-        <p:cTn xmlns:p14="http://schemas.microsoft.com/office/powerpoint/2010/main" id="1" dur="indefinite" restart="never" nodeType="tmRoot">
+        <p:cTn id="1" dur="indefinite" restart="never" nodeType="tmRoot">
           <p:childTnLst>
             <p:seq concurrent="1" nextAc="seek">
               <p:cTn id="2" dur="indefinite" nodeType="mainSeq">
@@ -11440,14 +11424,14 @@
           </a:ln>
           <a:extLst>
             <a:ext uri="{909E8E84-426E-40dd-AFC4-6F175D3DCCD1}">
-              <a14:hiddenFill xmlns:a14="http://schemas.microsoft.com/office/drawing/2010/main">
+              <a14:hiddenFill xmlns:a14="http://schemas.microsoft.com/office/drawing/2010/main" xmlns="">
                 <a:solidFill>
                   <a:srgbClr val="FFFFFF"/>
                 </a:solidFill>
               </a14:hiddenFill>
             </a:ext>
             <a:ext uri="{91240B29-F687-4f45-9708-019B960494DF}">
-              <a14:hiddenLine xmlns:a14="http://schemas.microsoft.com/office/drawing/2010/main" w="12700" cap="flat">
+              <a14:hiddenLine xmlns:a14="http://schemas.microsoft.com/office/drawing/2010/main" xmlns="" w="12700" cap="flat">
                 <a:solidFill>
                   <a:schemeClr val="tx1"/>
                 </a:solidFill>
@@ -11715,13 +11699,13 @@
   <p:clrMapOvr>
     <a:masterClrMapping/>
   </p:clrMapOvr>
-  <p:transition xmlns:p14="http://schemas.microsoft.com/office/powerpoint/2010/main">
+  <p:transition>
     <p:fade/>
   </p:transition>
   <p:timing>
     <p:tnLst>
       <p:par>
-        <p:cTn xmlns:p14="http://schemas.microsoft.com/office/powerpoint/2010/main" id="1" dur="indefinite" restart="never" nodeType="tmRoot">
+        <p:cTn id="1" dur="indefinite" restart="never" nodeType="tmRoot">
           <p:childTnLst>
             <p:seq concurrent="1" nextAc="seek">
               <p:cTn id="2" dur="indefinite" nodeType="mainSeq">
@@ -12081,14 +12065,14 @@
           </a:ln>
           <a:extLst>
             <a:ext uri="{909E8E84-426E-40dd-AFC4-6F175D3DCCD1}">
-              <a14:hiddenFill xmlns:a14="http://schemas.microsoft.com/office/drawing/2010/main">
+              <a14:hiddenFill xmlns:a14="http://schemas.microsoft.com/office/drawing/2010/main" xmlns="">
                 <a:solidFill>
                   <a:srgbClr val="FFFFFF"/>
                 </a:solidFill>
               </a14:hiddenFill>
             </a:ext>
             <a:ext uri="{91240B29-F687-4f45-9708-019B960494DF}">
-              <a14:hiddenLine xmlns:a14="http://schemas.microsoft.com/office/drawing/2010/main" w="12700" cap="flat">
+              <a14:hiddenLine xmlns:a14="http://schemas.microsoft.com/office/drawing/2010/main" xmlns="" w="12700" cap="flat">
                 <a:solidFill>
                   <a:schemeClr val="tx1"/>
                 </a:solidFill>
@@ -12233,13 +12217,13 @@
   <p:clrMapOvr>
     <a:masterClrMapping/>
   </p:clrMapOvr>
-  <p:transition xmlns:p14="http://schemas.microsoft.com/office/powerpoint/2010/main">
+  <p:transition>
     <p:fade/>
   </p:transition>
   <p:timing>
     <p:tnLst>
       <p:par>
-        <p:cTn xmlns:p14="http://schemas.microsoft.com/office/powerpoint/2010/main" id="1" dur="indefinite" restart="never" nodeType="tmRoot">
+        <p:cTn id="1" dur="indefinite" restart="never" nodeType="tmRoot">
           <p:childTnLst>
             <p:seq concurrent="1" nextAc="seek">
               <p:cTn id="2" dur="indefinite" nodeType="mainSeq">
@@ -12453,7 +12437,7 @@
                 <a:solidFill>
                   <a:srgbClr val="931968"/>
                 </a:solidFill>
-                <a:latin typeface="Monaco"/>
+                <a:latin typeface="Lucida Console" panose="020B0609040504020204" pitchFamily="49" charset="0"/>
                 <a:ea typeface="Monaco"/>
                 <a:cs typeface="Monaco"/>
               </a:rPr>
@@ -12464,7 +12448,7 @@
                 <a:solidFill>
                   <a:srgbClr val="000000"/>
                 </a:solidFill>
-                <a:latin typeface="Monaco"/>
+                <a:latin typeface="Lucida Console" panose="020B0609040504020204" pitchFamily="49" charset="0"/>
                 <a:ea typeface="Monaco"/>
                 <a:cs typeface="Monaco"/>
               </a:rPr>
@@ -12475,7 +12459,7 @@
                 <a:solidFill>
                   <a:srgbClr val="931968"/>
                 </a:solidFill>
-                <a:latin typeface="Monaco"/>
+                <a:latin typeface="Lucida Console" panose="020B0609040504020204" pitchFamily="49" charset="0"/>
                 <a:ea typeface="Monaco"/>
                 <a:cs typeface="Monaco"/>
               </a:rPr>
@@ -12486,7 +12470,7 @@
                 <a:solidFill>
                   <a:srgbClr val="000000"/>
                 </a:solidFill>
-                <a:latin typeface="Monaco"/>
+                <a:latin typeface="Lucida Console" panose="020B0609040504020204" pitchFamily="49" charset="0"/>
                 <a:ea typeface="Monaco"/>
                 <a:cs typeface="Monaco"/>
               </a:rPr>
@@ -12497,7 +12481,7 @@
                 <a:solidFill>
                   <a:srgbClr val="000000"/>
                 </a:solidFill>
-                <a:latin typeface="Monaco"/>
+                <a:latin typeface="Lucida Console" panose="020B0609040504020204" pitchFamily="49" charset="0"/>
                 <a:ea typeface="Monaco"/>
                 <a:cs typeface="Monaco"/>
               </a:rPr>
@@ -12508,7 +12492,7 @@
                 <a:solidFill>
                   <a:srgbClr val="000000"/>
                 </a:solidFill>
-                <a:latin typeface="Monaco"/>
+                <a:latin typeface="Lucida Console" panose="020B0609040504020204" pitchFamily="49" charset="0"/>
                 <a:ea typeface="Monaco"/>
                 <a:cs typeface="Monaco"/>
               </a:rPr>
@@ -12521,7 +12505,7 @@
                 <a:solidFill>
                   <a:srgbClr val="000000"/>
                 </a:solidFill>
-                <a:latin typeface="Monaco"/>
+                <a:latin typeface="Lucida Console" panose="020B0609040504020204" pitchFamily="49" charset="0"/>
                 <a:ea typeface="Monaco"/>
                 <a:cs typeface="Monaco"/>
               </a:rPr>
@@ -12534,7 +12518,7 @@
                 <a:solidFill>
                   <a:srgbClr val="000000"/>
                 </a:solidFill>
-                <a:latin typeface="Monaco"/>
+                <a:latin typeface="Lucida Console" panose="020B0609040504020204" pitchFamily="49" charset="0"/>
                 <a:ea typeface="Monaco"/>
                 <a:cs typeface="Monaco"/>
               </a:rPr>
@@ -12545,7 +12529,7 @@
                 <a:solidFill>
                   <a:srgbClr val="000000"/>
                 </a:solidFill>
-                <a:latin typeface="Monaco"/>
+                <a:latin typeface="Lucida Console" panose="020B0609040504020204" pitchFamily="49" charset="0"/>
                 <a:ea typeface="Monaco"/>
                 <a:cs typeface="Monaco"/>
               </a:rPr>
@@ -12556,7 +12540,7 @@
                 <a:solidFill>
                   <a:srgbClr val="000000"/>
                 </a:solidFill>
-                <a:latin typeface="Monaco"/>
+                <a:latin typeface="Lucida Console" panose="020B0609040504020204" pitchFamily="49" charset="0"/>
                 <a:ea typeface="Monaco"/>
                 <a:cs typeface="Monaco"/>
               </a:rPr>
@@ -12569,7 +12553,7 @@
                 <a:solidFill>
                   <a:srgbClr val="000000"/>
                 </a:solidFill>
-                <a:latin typeface="Monaco"/>
+                <a:latin typeface="Lucida Console" panose="020B0609040504020204" pitchFamily="49" charset="0"/>
                 <a:ea typeface="Monaco"/>
                 <a:cs typeface="Monaco"/>
               </a:rPr>
@@ -12580,7 +12564,7 @@
                 <a:solidFill>
                   <a:srgbClr val="931968"/>
                 </a:solidFill>
-                <a:latin typeface="Monaco"/>
+                <a:latin typeface="Lucida Console" panose="020B0609040504020204" pitchFamily="49" charset="0"/>
                 <a:ea typeface="Monaco"/>
                 <a:cs typeface="Monaco"/>
               </a:rPr>
@@ -12591,7 +12575,7 @@
                 <a:solidFill>
                   <a:srgbClr val="000000"/>
                 </a:solidFill>
-                <a:latin typeface="Monaco"/>
+                <a:latin typeface="Lucida Console" panose="020B0609040504020204" pitchFamily="49" charset="0"/>
                 <a:ea typeface="Monaco"/>
                 <a:cs typeface="Monaco"/>
               </a:rPr>
@@ -12604,7 +12588,7 @@
                 <a:solidFill>
                   <a:srgbClr val="000000"/>
                 </a:solidFill>
-                <a:latin typeface="Monaco"/>
+                <a:latin typeface="Lucida Console" panose="020B0609040504020204" pitchFamily="49" charset="0"/>
                 <a:ea typeface="Monaco"/>
                 <a:cs typeface="Monaco"/>
               </a:rPr>
@@ -12615,7 +12599,7 @@
                 <a:solidFill>
                   <a:srgbClr val="931968"/>
                 </a:solidFill>
-                <a:latin typeface="Monaco"/>
+                <a:latin typeface="Lucida Console" panose="020B0609040504020204" pitchFamily="49" charset="0"/>
                 <a:ea typeface="Monaco"/>
                 <a:cs typeface="Monaco"/>
               </a:rPr>
@@ -12626,7 +12610,7 @@
                 <a:solidFill>
                   <a:srgbClr val="000000"/>
                 </a:solidFill>
-                <a:latin typeface="Monaco"/>
+                <a:latin typeface="Lucida Console" panose="020B0609040504020204" pitchFamily="49" charset="0"/>
                 <a:ea typeface="Monaco"/>
                 <a:cs typeface="Monaco"/>
               </a:rPr>
@@ -12637,7 +12621,7 @@
                 <a:solidFill>
                   <a:srgbClr val="000000"/>
                 </a:solidFill>
-                <a:latin typeface="Monaco"/>
+                <a:latin typeface="Lucida Console" panose="020B0609040504020204" pitchFamily="49" charset="0"/>
                 <a:ea typeface="Monaco"/>
                 <a:cs typeface="Monaco"/>
               </a:rPr>
@@ -12648,7 +12632,7 @@
                 <a:solidFill>
                   <a:srgbClr val="000000"/>
                 </a:solidFill>
-                <a:latin typeface="Monaco"/>
+                <a:latin typeface="Lucida Console" panose="020B0609040504020204" pitchFamily="49" charset="0"/>
                 <a:ea typeface="Monaco"/>
                 <a:cs typeface="Monaco"/>
               </a:rPr>
@@ -12659,7 +12643,7 @@
                 <a:solidFill>
                   <a:srgbClr val="000000"/>
                 </a:solidFill>
-                <a:latin typeface="Monaco"/>
+                <a:latin typeface="Lucida Console" panose="020B0609040504020204" pitchFamily="49" charset="0"/>
                 <a:ea typeface="Monaco"/>
                 <a:cs typeface="Monaco"/>
               </a:rPr>
@@ -12670,7 +12654,7 @@
                 <a:solidFill>
                   <a:srgbClr val="000000"/>
                 </a:solidFill>
-                <a:latin typeface="Monaco"/>
+                <a:latin typeface="Lucida Console" panose="020B0609040504020204" pitchFamily="49" charset="0"/>
                 <a:ea typeface="Monaco"/>
                 <a:cs typeface="Monaco"/>
               </a:rPr>
@@ -12681,7 +12665,7 @@
                 <a:solidFill>
                   <a:srgbClr val="931968"/>
                 </a:solidFill>
-                <a:latin typeface="Monaco"/>
+                <a:latin typeface="Lucida Console" panose="020B0609040504020204" pitchFamily="49" charset="0"/>
                 <a:ea typeface="Monaco"/>
                 <a:cs typeface="Monaco"/>
               </a:rPr>
@@ -12692,7 +12676,7 @@
                 <a:solidFill>
                   <a:srgbClr val="000000"/>
                 </a:solidFill>
-                <a:latin typeface="Monaco"/>
+                <a:latin typeface="Lucida Console" panose="020B0609040504020204" pitchFamily="49" charset="0"/>
                 <a:ea typeface="Monaco"/>
                 <a:cs typeface="Monaco"/>
               </a:rPr>
@@ -12705,7 +12689,7 @@
                 <a:solidFill>
                   <a:srgbClr val="000000"/>
                 </a:solidFill>
-                <a:latin typeface="Monaco"/>
+                <a:latin typeface="Lucida Console" panose="020B0609040504020204" pitchFamily="49" charset="0"/>
                 <a:ea typeface="Monaco"/>
                 <a:cs typeface="Monaco"/>
               </a:rPr>
@@ -12718,7 +12702,7 @@
                 <a:solidFill>
                   <a:srgbClr val="000000"/>
                 </a:solidFill>
-                <a:latin typeface="Monaco"/>
+                <a:latin typeface="Lucida Console" panose="020B0609040504020204" pitchFamily="49" charset="0"/>
                 <a:ea typeface="Monaco"/>
                 <a:cs typeface="Monaco"/>
               </a:rPr>
@@ -12729,7 +12713,7 @@
                 <a:solidFill>
                   <a:srgbClr val="000000"/>
                 </a:solidFill>
-                <a:latin typeface="Monaco"/>
+                <a:latin typeface="Lucida Console" panose="020B0609040504020204" pitchFamily="49" charset="0"/>
                 <a:ea typeface="Monaco"/>
                 <a:cs typeface="Monaco"/>
               </a:rPr>
@@ -12740,7 +12724,7 @@
                 <a:solidFill>
                   <a:srgbClr val="000000"/>
                 </a:solidFill>
-                <a:latin typeface="Monaco"/>
+                <a:latin typeface="Lucida Console" panose="020B0609040504020204" pitchFamily="49" charset="0"/>
                 <a:ea typeface="Monaco"/>
                 <a:cs typeface="Monaco"/>
               </a:rPr>
@@ -12751,7 +12735,7 @@
                 <a:solidFill>
                   <a:srgbClr val="000000"/>
                 </a:solidFill>
-                <a:latin typeface="Monaco"/>
+                <a:latin typeface="Lucida Console" panose="020B0609040504020204" pitchFamily="49" charset="0"/>
                 <a:ea typeface="Monaco"/>
                 <a:cs typeface="Monaco"/>
               </a:rPr>
@@ -12762,7 +12746,7 @@
                 <a:solidFill>
                   <a:srgbClr val="000000"/>
                 </a:solidFill>
-                <a:latin typeface="Monaco"/>
+                <a:latin typeface="Lucida Console" panose="020B0609040504020204" pitchFamily="49" charset="0"/>
                 <a:ea typeface="Monaco"/>
                 <a:cs typeface="Monaco"/>
               </a:rPr>
@@ -12775,7 +12759,7 @@
                 <a:solidFill>
                   <a:srgbClr val="000000"/>
                 </a:solidFill>
-                <a:latin typeface="Monaco"/>
+                <a:latin typeface="Lucida Console" panose="020B0609040504020204" pitchFamily="49" charset="0"/>
                 <a:ea typeface="Monaco"/>
                 <a:cs typeface="Monaco"/>
               </a:rPr>
@@ -12786,7 +12770,7 @@
                 <a:solidFill>
                   <a:srgbClr val="000000"/>
                 </a:solidFill>
-                <a:latin typeface="Monaco"/>
+                <a:latin typeface="Lucida Console" panose="020B0609040504020204" pitchFamily="49" charset="0"/>
                 <a:ea typeface="Monaco"/>
                 <a:cs typeface="Monaco"/>
               </a:rPr>
@@ -12797,7 +12781,7 @@
                 <a:solidFill>
                   <a:srgbClr val="000000"/>
                 </a:solidFill>
-                <a:latin typeface="Monaco"/>
+                <a:latin typeface="Lucida Console" panose="020B0609040504020204" pitchFamily="49" charset="0"/>
                 <a:ea typeface="Monaco"/>
                 <a:cs typeface="Monaco"/>
               </a:rPr>
@@ -12808,7 +12792,7 @@
                 <a:solidFill>
                   <a:srgbClr val="000000"/>
                 </a:solidFill>
-                <a:latin typeface="Monaco"/>
+                <a:latin typeface="Lucida Console" panose="020B0609040504020204" pitchFamily="49" charset="0"/>
                 <a:ea typeface="Monaco"/>
                 <a:cs typeface="Monaco"/>
               </a:rPr>
@@ -12819,7 +12803,7 @@
                 <a:solidFill>
                   <a:srgbClr val="000000"/>
                 </a:solidFill>
-                <a:latin typeface="Monaco"/>
+                <a:latin typeface="Lucida Console" panose="020B0609040504020204" pitchFamily="49" charset="0"/>
                 <a:ea typeface="Monaco"/>
                 <a:cs typeface="Monaco"/>
               </a:rPr>
@@ -12832,7 +12816,7 @@
                 <a:solidFill>
                   <a:srgbClr val="000000"/>
                 </a:solidFill>
-                <a:latin typeface="Monaco"/>
+                <a:latin typeface="Lucida Console" panose="020B0609040504020204" pitchFamily="49" charset="0"/>
                 <a:ea typeface="Monaco"/>
                 <a:cs typeface="Monaco"/>
               </a:rPr>
@@ -12845,7 +12829,7 @@
                 <a:solidFill>
                   <a:srgbClr val="000000"/>
                 </a:solidFill>
-                <a:latin typeface="Monaco"/>
+                <a:latin typeface="Lucida Console" panose="020B0609040504020204" pitchFamily="49" charset="0"/>
                 <a:ea typeface="Monaco"/>
                 <a:cs typeface="Monaco"/>
               </a:rPr>
@@ -12856,7 +12840,7 @@
                 <a:solidFill>
                   <a:srgbClr val="931968"/>
                 </a:solidFill>
-                <a:latin typeface="Monaco"/>
+                <a:latin typeface="Lucida Console" panose="020B0609040504020204" pitchFamily="49" charset="0"/>
                 <a:ea typeface="Monaco"/>
                 <a:cs typeface="Monaco"/>
               </a:rPr>
@@ -12867,7 +12851,7 @@
                 <a:solidFill>
                   <a:srgbClr val="000000"/>
                 </a:solidFill>
-                <a:latin typeface="Monaco"/>
+                <a:latin typeface="Lucida Console" panose="020B0609040504020204" pitchFamily="49" charset="0"/>
                 <a:ea typeface="Monaco"/>
                 <a:cs typeface="Monaco"/>
               </a:rPr>
@@ -12878,7 +12862,7 @@
                 <a:solidFill>
                   <a:srgbClr val="931968"/>
                 </a:solidFill>
-                <a:latin typeface="Monaco"/>
+                <a:latin typeface="Lucida Console" panose="020B0609040504020204" pitchFamily="49" charset="0"/>
                 <a:ea typeface="Monaco"/>
                 <a:cs typeface="Monaco"/>
               </a:rPr>
@@ -12889,7 +12873,7 @@
                 <a:solidFill>
                   <a:srgbClr val="000000"/>
                 </a:solidFill>
-                <a:latin typeface="Monaco"/>
+                <a:latin typeface="Lucida Console" panose="020B0609040504020204" pitchFamily="49" charset="0"/>
                 <a:ea typeface="Monaco"/>
                 <a:cs typeface="Monaco"/>
               </a:rPr>
@@ -12900,7 +12884,7 @@
                 <a:solidFill>
                   <a:srgbClr val="000000"/>
                 </a:solidFill>
-                <a:latin typeface="Monaco"/>
+                <a:latin typeface="Lucida Console" panose="020B0609040504020204" pitchFamily="49" charset="0"/>
                 <a:ea typeface="Monaco"/>
                 <a:cs typeface="Monaco"/>
               </a:rPr>
@@ -12911,7 +12895,7 @@
                 <a:solidFill>
                   <a:srgbClr val="000000"/>
                 </a:solidFill>
-                <a:latin typeface="Monaco"/>
+                <a:latin typeface="Lucida Console" panose="020B0609040504020204" pitchFamily="49" charset="0"/>
                 <a:ea typeface="Monaco"/>
                 <a:cs typeface="Monaco"/>
               </a:rPr>
@@ -12922,7 +12906,7 @@
                 <a:solidFill>
                   <a:srgbClr val="000000"/>
                 </a:solidFill>
-                <a:latin typeface="Monaco"/>
+                <a:latin typeface="Lucida Console" panose="020B0609040504020204" pitchFamily="49" charset="0"/>
                 <a:ea typeface="Monaco"/>
                 <a:cs typeface="Monaco"/>
               </a:rPr>
@@ -12933,7 +12917,7 @@
                 <a:solidFill>
                   <a:srgbClr val="000000"/>
                 </a:solidFill>
-                <a:latin typeface="Monaco"/>
+                <a:latin typeface="Lucida Console" panose="020B0609040504020204" pitchFamily="49" charset="0"/>
                 <a:ea typeface="Monaco"/>
                 <a:cs typeface="Monaco"/>
               </a:rPr>
@@ -12944,7 +12928,7 @@
                 <a:solidFill>
                   <a:srgbClr val="931968"/>
                 </a:solidFill>
-                <a:latin typeface="Monaco"/>
+                <a:latin typeface="Lucida Console" panose="020B0609040504020204" pitchFamily="49" charset="0"/>
                 <a:ea typeface="Monaco"/>
                 <a:cs typeface="Monaco"/>
               </a:rPr>
@@ -12955,7 +12939,7 @@
                 <a:solidFill>
                   <a:srgbClr val="000000"/>
                 </a:solidFill>
-                <a:latin typeface="Monaco"/>
+                <a:latin typeface="Lucida Console" panose="020B0609040504020204" pitchFamily="49" charset="0"/>
                 <a:ea typeface="Monaco"/>
                 <a:cs typeface="Monaco"/>
               </a:rPr>
@@ -12968,7 +12952,7 @@
                 <a:solidFill>
                   <a:srgbClr val="000000"/>
                 </a:solidFill>
-                <a:latin typeface="Monaco"/>
+                <a:latin typeface="Lucida Console" panose="020B0609040504020204" pitchFamily="49" charset="0"/>
                 <a:ea typeface="Monaco"/>
                 <a:cs typeface="Monaco"/>
               </a:rPr>
@@ -12981,7 +12965,7 @@
                 <a:solidFill>
                   <a:srgbClr val="000000"/>
                 </a:solidFill>
-                <a:latin typeface="Monaco"/>
+                <a:latin typeface="Lucida Console" panose="020B0609040504020204" pitchFamily="49" charset="0"/>
                 <a:ea typeface="Monaco"/>
                 <a:cs typeface="Monaco"/>
               </a:rPr>
@@ -12992,7 +12976,7 @@
                 <a:solidFill>
                   <a:srgbClr val="000000"/>
                 </a:solidFill>
-                <a:latin typeface="Monaco"/>
+                <a:latin typeface="Lucida Console" panose="020B0609040504020204" pitchFamily="49" charset="0"/>
                 <a:ea typeface="Monaco"/>
                 <a:cs typeface="Monaco"/>
               </a:rPr>
@@ -13003,7 +12987,7 @@
                 <a:solidFill>
                   <a:srgbClr val="000000"/>
                 </a:solidFill>
-                <a:latin typeface="Monaco"/>
+                <a:latin typeface="Lucida Console" panose="020B0609040504020204" pitchFamily="49" charset="0"/>
                 <a:ea typeface="Monaco"/>
                 <a:cs typeface="Monaco"/>
               </a:rPr>
@@ -13014,7 +12998,7 @@
                 <a:solidFill>
                   <a:srgbClr val="000000"/>
                 </a:solidFill>
-                <a:latin typeface="Monaco"/>
+                <a:latin typeface="Lucida Console" panose="020B0609040504020204" pitchFamily="49" charset="0"/>
                 <a:ea typeface="Monaco"/>
                 <a:cs typeface="Monaco"/>
               </a:rPr>
@@ -13025,7 +13009,7 @@
                 <a:solidFill>
                   <a:srgbClr val="000000"/>
                 </a:solidFill>
-                <a:latin typeface="Monaco"/>
+                <a:latin typeface="Lucida Console" panose="020B0609040504020204" pitchFamily="49" charset="0"/>
                 <a:ea typeface="Monaco"/>
                 <a:cs typeface="Monaco"/>
               </a:rPr>
@@ -13038,7 +13022,7 @@
                 <a:solidFill>
                   <a:srgbClr val="000000"/>
                 </a:solidFill>
-                <a:latin typeface="Monaco"/>
+                <a:latin typeface="Lucida Console" panose="020B0609040504020204" pitchFamily="49" charset="0"/>
                 <a:ea typeface="Monaco"/>
                 <a:cs typeface="Monaco"/>
               </a:rPr>
@@ -13051,7 +13035,7 @@
                 <a:solidFill>
                   <a:srgbClr val="000000"/>
                 </a:solidFill>
-                <a:latin typeface="Monaco"/>
+                <a:latin typeface="Lucida Console" panose="020B0609040504020204" pitchFamily="49" charset="0"/>
                 <a:ea typeface="Monaco"/>
                 <a:cs typeface="Monaco"/>
               </a:rPr>
@@ -13062,7 +13046,7 @@
                 <a:solidFill>
                   <a:srgbClr val="931968"/>
                 </a:solidFill>
-                <a:latin typeface="Monaco"/>
+                <a:latin typeface="Lucida Console" panose="020B0609040504020204" pitchFamily="49" charset="0"/>
                 <a:ea typeface="Monaco"/>
                 <a:cs typeface="Monaco"/>
               </a:rPr>
@@ -13073,7 +13057,7 @@
                 <a:solidFill>
                   <a:srgbClr val="000000"/>
                 </a:solidFill>
-                <a:latin typeface="Monaco"/>
+                <a:latin typeface="Lucida Console" panose="020B0609040504020204" pitchFamily="49" charset="0"/>
                 <a:ea typeface="Monaco"/>
                 <a:cs typeface="Monaco"/>
               </a:rPr>
@@ -13086,13 +13070,15 @@
                 <a:solidFill>
                   <a:srgbClr val="000000"/>
                 </a:solidFill>
-                <a:latin typeface="Monaco"/>
+                <a:latin typeface="Lucida Console" panose="020B0609040504020204" pitchFamily="49" charset="0"/>
                 <a:ea typeface="Monaco"/>
                 <a:cs typeface="Monaco"/>
               </a:rPr>
               <a:t>}</a:t>
             </a:r>
-            <a:endParaRPr lang="en-US" sz="1400" dirty="0"/>
+            <a:endParaRPr lang="en-US" sz="1400" dirty="0">
+              <a:latin typeface="Lucida Console" panose="020B0609040504020204" pitchFamily="49" charset="0"/>
+            </a:endParaRPr>
           </a:p>
         </p:txBody>
       </p:sp>
@@ -13352,13 +13338,13 @@
   <p:clrMapOvr>
     <a:masterClrMapping/>
   </p:clrMapOvr>
-  <p:transition xmlns:p14="http://schemas.microsoft.com/office/powerpoint/2010/main">
+  <p:transition>
     <p:fade/>
   </p:transition>
   <p:timing>
     <p:tnLst>
       <p:par>
-        <p:cTn xmlns:p14="http://schemas.microsoft.com/office/powerpoint/2010/main" id="1" dur="indefinite" restart="never" nodeType="tmRoot">
+        <p:cTn id="1" dur="indefinite" restart="never" nodeType="tmRoot">
           <p:childTnLst>
             <p:seq concurrent="1" nextAc="seek">
               <p:cTn id="2" dur="indefinite" nodeType="mainSeq">
@@ -13710,7 +13696,7 @@
                 <a:solidFill>
                   <a:srgbClr val="931968"/>
                 </a:solidFill>
-                <a:latin typeface="Monaco"/>
+                <a:latin typeface="Lucida Console" panose="020B0609040504020204" pitchFamily="49" charset="0"/>
                 <a:ea typeface="Monaco"/>
                 <a:cs typeface="Monaco"/>
               </a:rPr>
@@ -13721,7 +13707,7 @@
                 <a:solidFill>
                   <a:srgbClr val="000000"/>
                 </a:solidFill>
-                <a:latin typeface="Monaco"/>
+                <a:latin typeface="Lucida Console" panose="020B0609040504020204" pitchFamily="49" charset="0"/>
                 <a:ea typeface="Monaco"/>
                 <a:cs typeface="Monaco"/>
               </a:rPr>
@@ -13732,7 +13718,7 @@
                 <a:solidFill>
                   <a:srgbClr val="931968"/>
                 </a:solidFill>
-                <a:latin typeface="Monaco"/>
+                <a:latin typeface="Lucida Console" panose="020B0609040504020204" pitchFamily="49" charset="0"/>
                 <a:ea typeface="Monaco"/>
                 <a:cs typeface="Monaco"/>
               </a:rPr>
@@ -13743,7 +13729,7 @@
                 <a:solidFill>
                   <a:srgbClr val="000000"/>
                 </a:solidFill>
-                <a:latin typeface="Monaco"/>
+                <a:latin typeface="Lucida Console" panose="020B0609040504020204" pitchFamily="49" charset="0"/>
                 <a:ea typeface="Monaco"/>
                 <a:cs typeface="Monaco"/>
               </a:rPr>
@@ -13754,7 +13740,7 @@
                 <a:solidFill>
                   <a:srgbClr val="000000"/>
                 </a:solidFill>
-                <a:latin typeface="Monaco"/>
+                <a:latin typeface="Lucida Console" panose="020B0609040504020204" pitchFamily="49" charset="0"/>
                 <a:ea typeface="Monaco"/>
                 <a:cs typeface="Monaco"/>
               </a:rPr>
@@ -13765,7 +13751,7 @@
                 <a:solidFill>
                   <a:srgbClr val="000000"/>
                 </a:solidFill>
-                <a:latin typeface="Monaco"/>
+                <a:latin typeface="Lucida Console" panose="020B0609040504020204" pitchFamily="49" charset="0"/>
                 <a:ea typeface="Monaco"/>
                 <a:cs typeface="Monaco"/>
               </a:rPr>
@@ -13778,7 +13764,7 @@
                 <a:solidFill>
                   <a:srgbClr val="000000"/>
                 </a:solidFill>
-                <a:latin typeface="Monaco"/>
+                <a:latin typeface="Lucida Console" panose="020B0609040504020204" pitchFamily="49" charset="0"/>
                 <a:ea typeface="Monaco"/>
                 <a:cs typeface="Monaco"/>
               </a:rPr>
@@ -13791,7 +13777,7 @@
                 <a:solidFill>
                   <a:srgbClr val="000000"/>
                 </a:solidFill>
-                <a:latin typeface="Monaco"/>
+                <a:latin typeface="Lucida Console" panose="020B0609040504020204" pitchFamily="49" charset="0"/>
                 <a:ea typeface="Monaco"/>
                 <a:cs typeface="Monaco"/>
               </a:rPr>
@@ -13802,7 +13788,7 @@
                 <a:solidFill>
                   <a:srgbClr val="000000"/>
                 </a:solidFill>
-                <a:latin typeface="Monaco"/>
+                <a:latin typeface="Lucida Console" panose="020B0609040504020204" pitchFamily="49" charset="0"/>
                 <a:ea typeface="Monaco"/>
                 <a:cs typeface="Monaco"/>
               </a:rPr>
@@ -13813,7 +13799,7 @@
                 <a:solidFill>
                   <a:srgbClr val="000000"/>
                 </a:solidFill>
-                <a:latin typeface="Monaco"/>
+                <a:latin typeface="Lucida Console" panose="020B0609040504020204" pitchFamily="49" charset="0"/>
                 <a:ea typeface="Monaco"/>
                 <a:cs typeface="Monaco"/>
               </a:rPr>
@@ -13826,7 +13812,7 @@
                 <a:solidFill>
                   <a:srgbClr val="000000"/>
                 </a:solidFill>
-                <a:latin typeface="Monaco"/>
+                <a:latin typeface="Lucida Console" panose="020B0609040504020204" pitchFamily="49" charset="0"/>
                 <a:ea typeface="Monaco"/>
                 <a:cs typeface="Monaco"/>
               </a:rPr>
@@ -13837,7 +13823,7 @@
                 <a:solidFill>
                   <a:srgbClr val="000000"/>
                 </a:solidFill>
-                <a:latin typeface="Monaco"/>
+                <a:latin typeface="Lucida Console" panose="020B0609040504020204" pitchFamily="49" charset="0"/>
                 <a:ea typeface="Monaco"/>
                 <a:cs typeface="Monaco"/>
               </a:rPr>
@@ -13848,7 +13834,7 @@
                 <a:solidFill>
                   <a:srgbClr val="000000"/>
                 </a:solidFill>
-                <a:latin typeface="Monaco"/>
+                <a:latin typeface="Lucida Console" panose="020B0609040504020204" pitchFamily="49" charset="0"/>
                 <a:ea typeface="Monaco"/>
                 <a:cs typeface="Monaco"/>
               </a:rPr>
@@ -13859,7 +13845,7 @@
                 <a:solidFill>
                   <a:srgbClr val="000000"/>
                 </a:solidFill>
-                <a:latin typeface="Monaco"/>
+                <a:latin typeface="Lucida Console" panose="020B0609040504020204" pitchFamily="49" charset="0"/>
                 <a:ea typeface="Monaco"/>
                 <a:cs typeface="Monaco"/>
               </a:rPr>
@@ -13870,7 +13856,7 @@
                 <a:solidFill>
                   <a:srgbClr val="000000"/>
                 </a:solidFill>
-                <a:latin typeface="Monaco"/>
+                <a:latin typeface="Lucida Console" panose="020B0609040504020204" pitchFamily="49" charset="0"/>
                 <a:ea typeface="Monaco"/>
                 <a:cs typeface="Monaco"/>
               </a:rPr>
@@ -13881,7 +13867,7 @@
                 <a:solidFill>
                   <a:srgbClr val="000000"/>
                 </a:solidFill>
-                <a:latin typeface="Monaco"/>
+                <a:latin typeface="Lucida Console" panose="020B0609040504020204" pitchFamily="49" charset="0"/>
                 <a:ea typeface="Monaco"/>
                 <a:cs typeface="Monaco"/>
               </a:rPr>
@@ -13892,7 +13878,7 @@
                 <a:solidFill>
                   <a:srgbClr val="000000"/>
                 </a:solidFill>
-                <a:latin typeface="Monaco"/>
+                <a:latin typeface="Lucida Console" panose="020B0609040504020204" pitchFamily="49" charset="0"/>
                 <a:ea typeface="Monaco"/>
                 <a:cs typeface="Monaco"/>
               </a:rPr>
@@ -13905,7 +13891,7 @@
                 <a:solidFill>
                   <a:srgbClr val="000000"/>
                 </a:solidFill>
-                <a:latin typeface="Monaco"/>
+                <a:latin typeface="Lucida Console" panose="020B0609040504020204" pitchFamily="49" charset="0"/>
                 <a:ea typeface="Monaco"/>
                 <a:cs typeface="Monaco"/>
               </a:rPr>
@@ -13916,7 +13902,7 @@
                 <a:solidFill>
                   <a:srgbClr val="000000"/>
                 </a:solidFill>
-                <a:latin typeface="Monaco"/>
+                <a:latin typeface="Lucida Console" panose="020B0609040504020204" pitchFamily="49" charset="0"/>
                 <a:ea typeface="Monaco"/>
                 <a:cs typeface="Monaco"/>
               </a:rPr>
@@ -13927,7 +13913,7 @@
                 <a:solidFill>
                   <a:srgbClr val="000000"/>
                 </a:solidFill>
-                <a:latin typeface="Monaco"/>
+                <a:latin typeface="Lucida Console" panose="020B0609040504020204" pitchFamily="49" charset="0"/>
                 <a:ea typeface="Monaco"/>
                 <a:cs typeface="Monaco"/>
               </a:rPr>
@@ -13938,7 +13924,7 @@
                 <a:solidFill>
                   <a:srgbClr val="000000"/>
                 </a:solidFill>
-                <a:latin typeface="Monaco"/>
+                <a:latin typeface="Lucida Console" panose="020B0609040504020204" pitchFamily="49" charset="0"/>
                 <a:ea typeface="Monaco"/>
                 <a:cs typeface="Monaco"/>
               </a:rPr>
@@ -13949,7 +13935,7 @@
                 <a:solidFill>
                   <a:srgbClr val="000000"/>
                 </a:solidFill>
-                <a:latin typeface="Monaco"/>
+                <a:latin typeface="Lucida Console" panose="020B0609040504020204" pitchFamily="49" charset="0"/>
                 <a:ea typeface="Monaco"/>
                 <a:cs typeface="Monaco"/>
               </a:rPr>
@@ -13960,7 +13946,7 @@
                 <a:solidFill>
                   <a:srgbClr val="000000"/>
                 </a:solidFill>
-                <a:latin typeface="Monaco"/>
+                <a:latin typeface="Lucida Console" panose="020B0609040504020204" pitchFamily="49" charset="0"/>
                 <a:ea typeface="Monaco"/>
                 <a:cs typeface="Monaco"/>
               </a:rPr>
@@ -13971,7 +13957,7 @@
                 <a:solidFill>
                   <a:srgbClr val="000000"/>
                 </a:solidFill>
-                <a:latin typeface="Monaco"/>
+                <a:latin typeface="Lucida Console" panose="020B0609040504020204" pitchFamily="49" charset="0"/>
                 <a:ea typeface="Monaco"/>
                 <a:cs typeface="Monaco"/>
               </a:rPr>
@@ -13982,7 +13968,7 @@
                 <a:solidFill>
                   <a:srgbClr val="000000"/>
                 </a:solidFill>
-                <a:latin typeface="Monaco"/>
+                <a:latin typeface="Lucida Console" panose="020B0609040504020204" pitchFamily="49" charset="0"/>
                 <a:ea typeface="Monaco"/>
                 <a:cs typeface="Monaco"/>
               </a:rPr>
@@ -13995,7 +13981,7 @@
                 <a:solidFill>
                   <a:srgbClr val="000000"/>
                 </a:solidFill>
-                <a:latin typeface="Monaco"/>
+                <a:latin typeface="Lucida Console" panose="020B0609040504020204" pitchFamily="49" charset="0"/>
                 <a:ea typeface="Monaco"/>
                 <a:cs typeface="Monaco"/>
               </a:rPr>
@@ -14008,7 +13994,7 @@
                 <a:solidFill>
                   <a:srgbClr val="000000"/>
                 </a:solidFill>
-                <a:latin typeface="Monaco"/>
+                <a:latin typeface="Lucida Console" panose="020B0609040504020204" pitchFamily="49" charset="0"/>
                 <a:ea typeface="Monaco"/>
                 <a:cs typeface="Monaco"/>
               </a:rPr>
@@ -14019,7 +14005,7 @@
                 <a:solidFill>
                   <a:srgbClr val="931968"/>
                 </a:solidFill>
-                <a:latin typeface="Monaco"/>
+                <a:latin typeface="Lucida Console" panose="020B0609040504020204" pitchFamily="49" charset="0"/>
                 <a:ea typeface="Monaco"/>
                 <a:cs typeface="Monaco"/>
               </a:rPr>
@@ -14030,7 +14016,7 @@
                 <a:solidFill>
                   <a:srgbClr val="000000"/>
                 </a:solidFill>
-                <a:latin typeface="Monaco"/>
+                <a:latin typeface="Lucida Console" panose="020B0609040504020204" pitchFamily="49" charset="0"/>
                 <a:ea typeface="Monaco"/>
                 <a:cs typeface="Monaco"/>
               </a:rPr>
@@ -14042,7 +14028,7 @@
               <a:solidFill>
                 <a:srgbClr val="000000"/>
               </a:solidFill>
-              <a:latin typeface="Monaco"/>
+              <a:latin typeface="Lucida Console" panose="020B0609040504020204" pitchFamily="49" charset="0"/>
               <a:ea typeface="Monaco"/>
               <a:cs typeface="Monaco"/>
             </a:endParaRPr>
@@ -14053,7 +14039,7 @@
                 <a:solidFill>
                   <a:srgbClr val="000000"/>
                 </a:solidFill>
-                <a:latin typeface="Monaco"/>
+                <a:latin typeface="Lucida Console" panose="020B0609040504020204" pitchFamily="49" charset="0"/>
                 <a:ea typeface="Monaco"/>
                 <a:cs typeface="Monaco"/>
               </a:rPr>
@@ -14064,7 +14050,7 @@
                 <a:solidFill>
                   <a:srgbClr val="931968"/>
                 </a:solidFill>
-                <a:latin typeface="Monaco"/>
+                <a:latin typeface="Lucida Console" panose="020B0609040504020204" pitchFamily="49" charset="0"/>
                 <a:ea typeface="Monaco"/>
                 <a:cs typeface="Monaco"/>
               </a:rPr>
@@ -14075,7 +14061,7 @@
                 <a:solidFill>
                   <a:srgbClr val="000000"/>
                 </a:solidFill>
-                <a:latin typeface="Monaco"/>
+                <a:latin typeface="Lucida Console" panose="020B0609040504020204" pitchFamily="49" charset="0"/>
                 <a:ea typeface="Monaco"/>
                 <a:cs typeface="Monaco"/>
               </a:rPr>
@@ -14086,7 +14072,7 @@
                 <a:solidFill>
                   <a:srgbClr val="000000"/>
                 </a:solidFill>
-                <a:latin typeface="Monaco"/>
+                <a:latin typeface="Lucida Console" panose="020B0609040504020204" pitchFamily="49" charset="0"/>
                 <a:ea typeface="Monaco"/>
                 <a:cs typeface="Monaco"/>
               </a:rPr>
@@ -14097,7 +14083,7 @@
                 <a:solidFill>
                   <a:srgbClr val="000000"/>
                 </a:solidFill>
-                <a:latin typeface="Monaco"/>
+                <a:latin typeface="Lucida Console" panose="020B0609040504020204" pitchFamily="49" charset="0"/>
                 <a:ea typeface="Monaco"/>
                 <a:cs typeface="Monaco"/>
               </a:rPr>
@@ -14108,7 +14094,7 @@
                 <a:solidFill>
                   <a:srgbClr val="931968"/>
                 </a:solidFill>
-                <a:latin typeface="Monaco"/>
+                <a:latin typeface="Lucida Console" panose="020B0609040504020204" pitchFamily="49" charset="0"/>
                 <a:ea typeface="Monaco"/>
                 <a:cs typeface="Monaco"/>
               </a:rPr>
@@ -14119,7 +14105,7 @@
                 <a:solidFill>
                   <a:srgbClr val="000000"/>
                 </a:solidFill>
-                <a:latin typeface="Monaco"/>
+                <a:latin typeface="Lucida Console" panose="020B0609040504020204" pitchFamily="49" charset="0"/>
                 <a:ea typeface="Monaco"/>
                 <a:cs typeface="Monaco"/>
               </a:rPr>
@@ -14132,7 +14118,7 @@
                 <a:solidFill>
                   <a:srgbClr val="000000"/>
                 </a:solidFill>
-                <a:latin typeface="Monaco"/>
+                <a:latin typeface="Lucida Console" panose="020B0609040504020204" pitchFamily="49" charset="0"/>
                 <a:ea typeface="Monaco"/>
                 <a:cs typeface="Monaco"/>
               </a:rPr>
@@ -14145,7 +14131,7 @@
                 <a:solidFill>
                   <a:srgbClr val="000000"/>
                 </a:solidFill>
-                <a:latin typeface="Monaco"/>
+                <a:latin typeface="Lucida Console" panose="020B0609040504020204" pitchFamily="49" charset="0"/>
                 <a:ea typeface="Monaco"/>
                 <a:cs typeface="Monaco"/>
               </a:rPr>
@@ -14156,7 +14142,7 @@
                 <a:solidFill>
                   <a:srgbClr val="000000"/>
                 </a:solidFill>
-                <a:latin typeface="Monaco"/>
+                <a:latin typeface="Lucida Console" panose="020B0609040504020204" pitchFamily="49" charset="0"/>
                 <a:ea typeface="Monaco"/>
                 <a:cs typeface="Monaco"/>
               </a:rPr>
@@ -14167,7 +14153,7 @@
                 <a:solidFill>
                   <a:srgbClr val="000000"/>
                 </a:solidFill>
-                <a:latin typeface="Monaco"/>
+                <a:latin typeface="Lucida Console" panose="020B0609040504020204" pitchFamily="49" charset="0"/>
                 <a:ea typeface="Monaco"/>
                 <a:cs typeface="Monaco"/>
               </a:rPr>
@@ -14178,7 +14164,7 @@
                 <a:solidFill>
                   <a:srgbClr val="000000"/>
                 </a:solidFill>
-                <a:latin typeface="Monaco"/>
+                <a:latin typeface="Lucida Console" panose="020B0609040504020204" pitchFamily="49" charset="0"/>
                 <a:ea typeface="Monaco"/>
                 <a:cs typeface="Monaco"/>
               </a:rPr>
@@ -14189,7 +14175,7 @@
                 <a:solidFill>
                   <a:srgbClr val="000000"/>
                 </a:solidFill>
-                <a:latin typeface="Monaco"/>
+                <a:latin typeface="Lucida Console" panose="020B0609040504020204" pitchFamily="49" charset="0"/>
                 <a:ea typeface="Monaco"/>
                 <a:cs typeface="Monaco"/>
               </a:rPr>
@@ -14200,7 +14186,7 @@
                 <a:solidFill>
                   <a:srgbClr val="000000"/>
                 </a:solidFill>
-                <a:latin typeface="Monaco"/>
+                <a:latin typeface="Lucida Console" panose="020B0609040504020204" pitchFamily="49" charset="0"/>
                 <a:ea typeface="Monaco"/>
                 <a:cs typeface="Monaco"/>
               </a:rPr>
@@ -14213,7 +14199,7 @@
                 <a:solidFill>
                   <a:srgbClr val="000000"/>
                 </a:solidFill>
-                <a:latin typeface="Monaco"/>
+                <a:latin typeface="Lucida Console" panose="020B0609040504020204" pitchFamily="49" charset="0"/>
                 <a:ea typeface="Monaco"/>
                 <a:cs typeface="Monaco"/>
               </a:rPr>
@@ -14226,7 +14212,7 @@
                 <a:solidFill>
                   <a:srgbClr val="000000"/>
                 </a:solidFill>
-                <a:latin typeface="Monaco"/>
+                <a:latin typeface="Lucida Console" panose="020B0609040504020204" pitchFamily="49" charset="0"/>
                 <a:ea typeface="Monaco"/>
                 <a:cs typeface="Monaco"/>
               </a:rPr>
@@ -14237,7 +14223,7 @@
                 <a:solidFill>
                   <a:srgbClr val="931968"/>
                 </a:solidFill>
-                <a:latin typeface="Monaco"/>
+                <a:latin typeface="Lucida Console" panose="020B0609040504020204" pitchFamily="49" charset="0"/>
                 <a:ea typeface="Monaco"/>
                 <a:cs typeface="Monaco"/>
               </a:rPr>
@@ -14248,7 +14234,7 @@
                 <a:solidFill>
                   <a:srgbClr val="000000"/>
                 </a:solidFill>
-                <a:latin typeface="Monaco"/>
+                <a:latin typeface="Lucida Console" panose="020B0609040504020204" pitchFamily="49" charset="0"/>
                 <a:ea typeface="Monaco"/>
                 <a:cs typeface="Monaco"/>
               </a:rPr>
@@ -14259,7 +14245,7 @@
                 <a:solidFill>
                   <a:srgbClr val="931968"/>
                 </a:solidFill>
-                <a:latin typeface="Monaco"/>
+                <a:latin typeface="Lucida Console" panose="020B0609040504020204" pitchFamily="49" charset="0"/>
                 <a:ea typeface="Monaco"/>
                 <a:cs typeface="Monaco"/>
               </a:rPr>
@@ -14270,7 +14256,7 @@
                 <a:solidFill>
                   <a:srgbClr val="000000"/>
                 </a:solidFill>
-                <a:latin typeface="Monaco"/>
+                <a:latin typeface="Lucida Console" panose="020B0609040504020204" pitchFamily="49" charset="0"/>
                 <a:ea typeface="Monaco"/>
                 <a:cs typeface="Monaco"/>
               </a:rPr>
@@ -14281,7 +14267,7 @@
                 <a:solidFill>
                   <a:srgbClr val="000000"/>
                 </a:solidFill>
-                <a:latin typeface="Monaco"/>
+                <a:latin typeface="Lucida Console" panose="020B0609040504020204" pitchFamily="49" charset="0"/>
                 <a:ea typeface="Monaco"/>
                 <a:cs typeface="Monaco"/>
               </a:rPr>
@@ -14292,7 +14278,7 @@
                 <a:solidFill>
                   <a:srgbClr val="000000"/>
                 </a:solidFill>
-                <a:latin typeface="Monaco"/>
+                <a:latin typeface="Lucida Console" panose="020B0609040504020204" pitchFamily="49" charset="0"/>
                 <a:ea typeface="Monaco"/>
                 <a:cs typeface="Monaco"/>
               </a:rPr>
@@ -14303,7 +14289,7 @@
                 <a:solidFill>
                   <a:srgbClr val="931968"/>
                 </a:solidFill>
-                <a:latin typeface="Monaco"/>
+                <a:latin typeface="Lucida Console" panose="020B0609040504020204" pitchFamily="49" charset="0"/>
                 <a:ea typeface="Monaco"/>
                 <a:cs typeface="Monaco"/>
               </a:rPr>
@@ -14314,7 +14300,7 @@
                 <a:solidFill>
                   <a:srgbClr val="000000"/>
                 </a:solidFill>
-                <a:latin typeface="Monaco"/>
+                <a:latin typeface="Lucida Console" panose="020B0609040504020204" pitchFamily="49" charset="0"/>
                 <a:ea typeface="Monaco"/>
                 <a:cs typeface="Monaco"/>
               </a:rPr>
@@ -14327,7 +14313,7 @@
                 <a:solidFill>
                   <a:srgbClr val="000000"/>
                 </a:solidFill>
-                <a:latin typeface="Monaco"/>
+                <a:latin typeface="Lucida Console" panose="020B0609040504020204" pitchFamily="49" charset="0"/>
                 <a:ea typeface="Monaco"/>
                 <a:cs typeface="Monaco"/>
               </a:rPr>
@@ -14340,7 +14326,7 @@
                 <a:solidFill>
                   <a:srgbClr val="000000"/>
                 </a:solidFill>
-                <a:latin typeface="Monaco"/>
+                <a:latin typeface="Lucida Console" panose="020B0609040504020204" pitchFamily="49" charset="0"/>
                 <a:ea typeface="Monaco"/>
                 <a:cs typeface="Monaco"/>
               </a:rPr>
@@ -14351,7 +14337,7 @@
                 <a:solidFill>
                   <a:srgbClr val="000000"/>
                 </a:solidFill>
-                <a:latin typeface="Monaco"/>
+                <a:latin typeface="Lucida Console" panose="020B0609040504020204" pitchFamily="49" charset="0"/>
                 <a:ea typeface="Monaco"/>
                 <a:cs typeface="Monaco"/>
               </a:rPr>
@@ -14362,7 +14348,7 @@
                 <a:solidFill>
                   <a:srgbClr val="000000"/>
                 </a:solidFill>
-                <a:latin typeface="Monaco"/>
+                <a:latin typeface="Lucida Console" panose="020B0609040504020204" pitchFamily="49" charset="0"/>
                 <a:ea typeface="Monaco"/>
                 <a:cs typeface="Monaco"/>
               </a:rPr>
@@ -14375,7 +14361,7 @@
                 <a:solidFill>
                   <a:srgbClr val="000000"/>
                 </a:solidFill>
-                <a:latin typeface="Monaco"/>
+                <a:latin typeface="Lucida Console" panose="020B0609040504020204" pitchFamily="49" charset="0"/>
                 <a:ea typeface="Monaco"/>
                 <a:cs typeface="Monaco"/>
               </a:rPr>
@@ -14388,7 +14374,7 @@
                 <a:solidFill>
                   <a:srgbClr val="000000"/>
                 </a:solidFill>
-                <a:latin typeface="Monaco"/>
+                <a:latin typeface="Lucida Console" panose="020B0609040504020204" pitchFamily="49" charset="0"/>
                 <a:ea typeface="Monaco"/>
                 <a:cs typeface="Monaco"/>
               </a:rPr>
@@ -14399,7 +14385,7 @@
                 <a:solidFill>
                   <a:srgbClr val="931968"/>
                 </a:solidFill>
-                <a:latin typeface="Monaco"/>
+                <a:latin typeface="Lucida Console" panose="020B0609040504020204" pitchFamily="49" charset="0"/>
                 <a:ea typeface="Monaco"/>
                 <a:cs typeface="Monaco"/>
               </a:rPr>
@@ -14410,7 +14396,7 @@
                 <a:solidFill>
                   <a:srgbClr val="000000"/>
                 </a:solidFill>
-                <a:latin typeface="Monaco"/>
+                <a:latin typeface="Lucida Console" panose="020B0609040504020204" pitchFamily="49" charset="0"/>
                 <a:ea typeface="Monaco"/>
                 <a:cs typeface="Monaco"/>
               </a:rPr>
@@ -14423,13 +14409,15 @@
                 <a:solidFill>
                   <a:srgbClr val="000000"/>
                 </a:solidFill>
-                <a:latin typeface="Monaco"/>
+                <a:latin typeface="Lucida Console" panose="020B0609040504020204" pitchFamily="49" charset="0"/>
                 <a:ea typeface="Monaco"/>
                 <a:cs typeface="Monaco"/>
               </a:rPr>
               <a:t>}</a:t>
             </a:r>
-            <a:endParaRPr lang="en-US" sz="1400" dirty="0"/>
+            <a:endParaRPr lang="en-US" sz="1400" dirty="0">
+              <a:latin typeface="Lucida Console" panose="020B0609040504020204" pitchFamily="49" charset="0"/>
+            </a:endParaRPr>
           </a:p>
         </p:txBody>
       </p:sp>
@@ -14566,13 +14554,13 @@
   <p:clrMapOvr>
     <a:masterClrMapping/>
   </p:clrMapOvr>
-  <p:transition xmlns:p14="http://schemas.microsoft.com/office/powerpoint/2010/main">
+  <p:transition>
     <p:fade/>
   </p:transition>
   <p:timing>
     <p:tnLst>
       <p:par>
-        <p:cTn xmlns:p14="http://schemas.microsoft.com/office/powerpoint/2010/main" id="1" dur="indefinite" restart="never" nodeType="tmRoot">
+        <p:cTn id="1" dur="indefinite" restart="never" nodeType="tmRoot">
           <p:childTnLst>
             <p:seq concurrent="1" nextAc="seek">
               <p:cTn id="2" dur="indefinite" nodeType="mainSeq">
@@ -15525,7 +15513,7 @@
           </a:ln>
           <a:extLst>
             <a:ext uri="{909E8E84-426E-40dd-AFC4-6F175D3DCCD1}">
-              <a14:hiddenFill xmlns:a14="http://schemas.microsoft.com/office/drawing/2010/main">
+              <a14:hiddenFill xmlns:a14="http://schemas.microsoft.com/office/drawing/2010/main" xmlns="">
                 <a:solidFill>
                   <a:srgbClr val="FFFFFF"/>
                 </a:solidFill>
@@ -15563,14 +15551,14 @@
           </a:ln>
           <a:extLst>
             <a:ext uri="{909E8E84-426E-40dd-AFC4-6F175D3DCCD1}">
-              <a14:hiddenFill xmlns:a14="http://schemas.microsoft.com/office/drawing/2010/main">
+              <a14:hiddenFill xmlns:a14="http://schemas.microsoft.com/office/drawing/2010/main" xmlns="">
                 <a:solidFill>
                   <a:srgbClr val="FFFFFF"/>
                 </a:solidFill>
               </a14:hiddenFill>
             </a:ext>
             <a:ext uri="{91240B29-F687-4f45-9708-019B960494DF}">
-              <a14:hiddenLine xmlns:a14="http://schemas.microsoft.com/office/drawing/2010/main" w="12700" cap="flat">
+              <a14:hiddenLine xmlns:a14="http://schemas.microsoft.com/office/drawing/2010/main" xmlns="" w="12700" cap="flat">
                 <a:solidFill>
                   <a:schemeClr val="tx1"/>
                 </a:solidFill>
@@ -15628,7 +15616,7 @@
           </a:ln>
           <a:extLst>
             <a:ext uri="{909E8E84-426E-40dd-AFC4-6F175D3DCCD1}">
-              <a14:hiddenFill xmlns:a14="http://schemas.microsoft.com/office/drawing/2010/main">
+              <a14:hiddenFill xmlns:a14="http://schemas.microsoft.com/office/drawing/2010/main" xmlns="">
                 <a:solidFill>
                   <a:srgbClr val="FFFFFF"/>
                 </a:solidFill>
@@ -15682,13 +15670,13 @@
   <p:clrMapOvr>
     <a:masterClrMapping/>
   </p:clrMapOvr>
-  <p:transition xmlns:p14="http://schemas.microsoft.com/office/powerpoint/2010/main">
+  <p:transition>
     <p:fade/>
   </p:transition>
   <p:timing>
     <p:tnLst>
       <p:par>
-        <p:cTn xmlns:p14="http://schemas.microsoft.com/office/powerpoint/2010/main" id="1" dur="indefinite" restart="never" nodeType="tmRoot">
+        <p:cTn id="1" dur="indefinite" restart="never" nodeType="tmRoot">
           <p:childTnLst>
             <p:seq concurrent="1" nextAc="seek">
               <p:cTn id="2" dur="indefinite" nodeType="mainSeq">
@@ -16090,7 +16078,7 @@
                 <a:solidFill>
                   <a:srgbClr val="931968"/>
                 </a:solidFill>
-                <a:latin typeface="Monaco"/>
+                <a:latin typeface="Lucida Console" panose="020B0609040504020204" pitchFamily="49" charset="0"/>
                 <a:ea typeface="Monaco"/>
                 <a:cs typeface="Monaco"/>
               </a:rPr>
@@ -16101,7 +16089,7 @@
                 <a:solidFill>
                   <a:srgbClr val="000000"/>
                 </a:solidFill>
-                <a:latin typeface="Monaco"/>
+                <a:latin typeface="Lucida Console" panose="020B0609040504020204" pitchFamily="49" charset="0"/>
                 <a:ea typeface="Monaco"/>
                 <a:cs typeface="Monaco"/>
               </a:rPr>
@@ -16112,7 +16100,7 @@
                 <a:solidFill>
                   <a:srgbClr val="931968"/>
                 </a:solidFill>
-                <a:latin typeface="Monaco"/>
+                <a:latin typeface="Lucida Console" panose="020B0609040504020204" pitchFamily="49" charset="0"/>
                 <a:ea typeface="Monaco"/>
                 <a:cs typeface="Monaco"/>
               </a:rPr>
@@ -16123,7 +16111,7 @@
                 <a:solidFill>
                   <a:srgbClr val="000000"/>
                 </a:solidFill>
-                <a:latin typeface="Monaco"/>
+                <a:latin typeface="Lucida Console" panose="020B0609040504020204" pitchFamily="49" charset="0"/>
                 <a:ea typeface="Monaco"/>
                 <a:cs typeface="Monaco"/>
               </a:rPr>
@@ -16134,7 +16122,7 @@
                 <a:solidFill>
                   <a:srgbClr val="000000"/>
                 </a:solidFill>
-                <a:latin typeface="Monaco"/>
+                <a:latin typeface="Lucida Console" panose="020B0609040504020204" pitchFamily="49" charset="0"/>
                 <a:ea typeface="Monaco"/>
                 <a:cs typeface="Monaco"/>
               </a:rPr>
@@ -16145,7 +16133,7 @@
                 <a:solidFill>
                   <a:srgbClr val="000000"/>
                 </a:solidFill>
-                <a:latin typeface="Monaco"/>
+                <a:latin typeface="Lucida Console" panose="020B0609040504020204" pitchFamily="49" charset="0"/>
                 <a:ea typeface="Monaco"/>
                 <a:cs typeface="Monaco"/>
               </a:rPr>
@@ -16158,7 +16146,7 @@
                 <a:solidFill>
                   <a:srgbClr val="000000"/>
                 </a:solidFill>
-                <a:latin typeface="Monaco"/>
+                <a:latin typeface="Lucida Console" panose="020B0609040504020204" pitchFamily="49" charset="0"/>
                 <a:ea typeface="Monaco"/>
                 <a:cs typeface="Monaco"/>
               </a:rPr>
@@ -16171,7 +16159,7 @@
                 <a:solidFill>
                   <a:srgbClr val="000000"/>
                 </a:solidFill>
-                <a:latin typeface="Monaco"/>
+                <a:latin typeface="Lucida Console" panose="020B0609040504020204" pitchFamily="49" charset="0"/>
                 <a:ea typeface="Monaco"/>
                 <a:cs typeface="Monaco"/>
               </a:rPr>
@@ -16182,7 +16170,7 @@
                 <a:solidFill>
                   <a:srgbClr val="931968"/>
                 </a:solidFill>
-                <a:latin typeface="Monaco"/>
+                <a:latin typeface="Lucida Console" panose="020B0609040504020204" pitchFamily="49" charset="0"/>
                 <a:ea typeface="Monaco"/>
                 <a:cs typeface="Monaco"/>
               </a:rPr>
@@ -16193,7 +16181,7 @@
                 <a:solidFill>
                   <a:srgbClr val="000000"/>
                 </a:solidFill>
-                <a:latin typeface="Monaco"/>
+                <a:latin typeface="Lucida Console" panose="020B0609040504020204" pitchFamily="49" charset="0"/>
                 <a:ea typeface="Monaco"/>
                 <a:cs typeface="Monaco"/>
               </a:rPr>
@@ -16206,7 +16194,7 @@
                 <a:solidFill>
                   <a:srgbClr val="000000"/>
                 </a:solidFill>
-                <a:latin typeface="Monaco"/>
+                <a:latin typeface="Lucida Console" panose="020B0609040504020204" pitchFamily="49" charset="0"/>
                 <a:ea typeface="Monaco"/>
                 <a:cs typeface="Monaco"/>
               </a:rPr>
@@ -16219,7 +16207,7 @@
                 <a:solidFill>
                   <a:srgbClr val="000000"/>
                 </a:solidFill>
-                <a:latin typeface="Monaco"/>
+                <a:latin typeface="Lucida Console" panose="020B0609040504020204" pitchFamily="49" charset="0"/>
                 <a:ea typeface="Monaco"/>
                 <a:cs typeface="Monaco"/>
               </a:rPr>
@@ -16230,7 +16218,7 @@
                 <a:solidFill>
                   <a:srgbClr val="931968"/>
                 </a:solidFill>
-                <a:latin typeface="Monaco"/>
+                <a:latin typeface="Lucida Console" panose="020B0609040504020204" pitchFamily="49" charset="0"/>
                 <a:ea typeface="Monaco"/>
                 <a:cs typeface="Monaco"/>
               </a:rPr>
@@ -16241,7 +16229,7 @@
                 <a:solidFill>
                   <a:srgbClr val="000000"/>
                 </a:solidFill>
-                <a:latin typeface="Monaco"/>
+                <a:latin typeface="Lucida Console" panose="020B0609040504020204" pitchFamily="49" charset="0"/>
                 <a:ea typeface="Monaco"/>
                 <a:cs typeface="Monaco"/>
               </a:rPr>
@@ -16252,7 +16240,7 @@
                 <a:solidFill>
                   <a:srgbClr val="000000"/>
                 </a:solidFill>
-                <a:latin typeface="Monaco"/>
+                <a:latin typeface="Lucida Console" panose="020B0609040504020204" pitchFamily="49" charset="0"/>
                 <a:ea typeface="Monaco"/>
                 <a:cs typeface="Monaco"/>
               </a:rPr>
@@ -16263,7 +16251,7 @@
                 <a:solidFill>
                   <a:srgbClr val="000000"/>
                 </a:solidFill>
-                <a:latin typeface="Monaco"/>
+                <a:latin typeface="Lucida Console" panose="020B0609040504020204" pitchFamily="49" charset="0"/>
                 <a:ea typeface="Monaco"/>
                 <a:cs typeface="Monaco"/>
               </a:rPr>
@@ -16274,7 +16262,7 @@
                 <a:solidFill>
                   <a:srgbClr val="000000"/>
                 </a:solidFill>
-                <a:latin typeface="Monaco"/>
+                <a:latin typeface="Lucida Console" panose="020B0609040504020204" pitchFamily="49" charset="0"/>
                 <a:ea typeface="Monaco"/>
                 <a:cs typeface="Monaco"/>
               </a:rPr>
@@ -16285,7 +16273,7 @@
                 <a:solidFill>
                   <a:srgbClr val="000000"/>
                 </a:solidFill>
-                <a:latin typeface="Monaco"/>
+                <a:latin typeface="Lucida Console" panose="020B0609040504020204" pitchFamily="49" charset="0"/>
                 <a:ea typeface="Monaco"/>
                 <a:cs typeface="Monaco"/>
               </a:rPr>
@@ -16298,7 +16286,7 @@
                 <a:solidFill>
                   <a:srgbClr val="000000"/>
                 </a:solidFill>
-                <a:latin typeface="Monaco"/>
+                <a:latin typeface="Lucida Console" panose="020B0609040504020204" pitchFamily="49" charset="0"/>
                 <a:ea typeface="Monaco"/>
                 <a:cs typeface="Monaco"/>
               </a:rPr>
@@ -16311,7 +16299,7 @@
                 <a:solidFill>
                   <a:srgbClr val="000000"/>
                 </a:solidFill>
-                <a:latin typeface="Monaco"/>
+                <a:latin typeface="Lucida Console" panose="020B0609040504020204" pitchFamily="49" charset="0"/>
                 <a:ea typeface="Monaco"/>
                 <a:cs typeface="Monaco"/>
               </a:rPr>
@@ -16322,7 +16310,7 @@
                 <a:solidFill>
                   <a:srgbClr val="000000"/>
                 </a:solidFill>
-                <a:latin typeface="Monaco"/>
+                <a:latin typeface="Lucida Console" panose="020B0609040504020204" pitchFamily="49" charset="0"/>
                 <a:ea typeface="Monaco"/>
                 <a:cs typeface="Monaco"/>
               </a:rPr>
@@ -16333,7 +16321,7 @@
                 <a:solidFill>
                   <a:srgbClr val="000000"/>
                 </a:solidFill>
-                <a:latin typeface="Monaco"/>
+                <a:latin typeface="Lucida Console" panose="020B0609040504020204" pitchFamily="49" charset="0"/>
                 <a:ea typeface="Monaco"/>
                 <a:cs typeface="Monaco"/>
               </a:rPr>
@@ -16344,7 +16332,7 @@
                 <a:solidFill>
                   <a:srgbClr val="3933FF"/>
                 </a:solidFill>
-                <a:latin typeface="Monaco"/>
+                <a:latin typeface="Lucida Console" panose="020B0609040504020204" pitchFamily="49" charset="0"/>
                 <a:ea typeface="Monaco"/>
                 <a:cs typeface="Monaco"/>
               </a:rPr>
@@ -16355,7 +16343,7 @@
                 <a:solidFill>
                   <a:srgbClr val="000000"/>
                 </a:solidFill>
-                <a:latin typeface="Monaco"/>
+                <a:latin typeface="Lucida Console" panose="020B0609040504020204" pitchFamily="49" charset="0"/>
                 <a:ea typeface="Monaco"/>
                 <a:cs typeface="Monaco"/>
               </a:rPr>
@@ -16368,7 +16356,7 @@
                 <a:solidFill>
                   <a:srgbClr val="000000"/>
                 </a:solidFill>
-                <a:latin typeface="Monaco"/>
+                <a:latin typeface="Lucida Console" panose="020B0609040504020204" pitchFamily="49" charset="0"/>
                 <a:ea typeface="Monaco"/>
                 <a:cs typeface="Monaco"/>
               </a:rPr>
@@ -16381,7 +16369,7 @@
                 <a:solidFill>
                   <a:srgbClr val="000000"/>
                 </a:solidFill>
-                <a:latin typeface="Monaco"/>
+                <a:latin typeface="Lucida Console" panose="020B0609040504020204" pitchFamily="49" charset="0"/>
                 <a:ea typeface="Monaco"/>
                 <a:cs typeface="Monaco"/>
               </a:rPr>
@@ -16392,7 +16380,7 @@
                 <a:solidFill>
                   <a:srgbClr val="931968"/>
                 </a:solidFill>
-                <a:latin typeface="Monaco"/>
+                <a:latin typeface="Lucida Console" panose="020B0609040504020204" pitchFamily="49" charset="0"/>
                 <a:ea typeface="Monaco"/>
                 <a:cs typeface="Monaco"/>
               </a:rPr>
@@ -16403,7 +16391,7 @@
                 <a:solidFill>
                   <a:srgbClr val="000000"/>
                 </a:solidFill>
-                <a:latin typeface="Monaco"/>
+                <a:latin typeface="Lucida Console" panose="020B0609040504020204" pitchFamily="49" charset="0"/>
                 <a:ea typeface="Monaco"/>
                 <a:cs typeface="Monaco"/>
               </a:rPr>
@@ -16414,7 +16402,7 @@
                 <a:solidFill>
                   <a:srgbClr val="931968"/>
                 </a:solidFill>
-                <a:latin typeface="Monaco"/>
+                <a:latin typeface="Lucida Console" panose="020B0609040504020204" pitchFamily="49" charset="0"/>
                 <a:ea typeface="Monaco"/>
                 <a:cs typeface="Monaco"/>
               </a:rPr>
@@ -16425,7 +16413,7 @@
                 <a:solidFill>
                   <a:srgbClr val="000000"/>
                 </a:solidFill>
-                <a:latin typeface="Monaco"/>
+                <a:latin typeface="Lucida Console" panose="020B0609040504020204" pitchFamily="49" charset="0"/>
                 <a:ea typeface="Monaco"/>
                 <a:cs typeface="Monaco"/>
               </a:rPr>
@@ -16436,7 +16424,7 @@
                 <a:solidFill>
                   <a:srgbClr val="000000"/>
                 </a:solidFill>
-                <a:latin typeface="Monaco"/>
+                <a:latin typeface="Lucida Console" panose="020B0609040504020204" pitchFamily="49" charset="0"/>
                 <a:ea typeface="Monaco"/>
                 <a:cs typeface="Monaco"/>
               </a:rPr>
@@ -16447,7 +16435,7 @@
                 <a:solidFill>
                   <a:srgbClr val="000000"/>
                 </a:solidFill>
-                <a:latin typeface="Monaco"/>
+                <a:latin typeface="Lucida Console" panose="020B0609040504020204" pitchFamily="49" charset="0"/>
                 <a:ea typeface="Monaco"/>
                 <a:cs typeface="Monaco"/>
               </a:rPr>
@@ -16458,7 +16446,7 @@
                 <a:solidFill>
                   <a:srgbClr val="000000"/>
                 </a:solidFill>
-                <a:latin typeface="Monaco"/>
+                <a:latin typeface="Lucida Console" panose="020B0609040504020204" pitchFamily="49" charset="0"/>
                 <a:ea typeface="Monaco"/>
                 <a:cs typeface="Monaco"/>
               </a:rPr>
@@ -16469,7 +16457,7 @@
                 <a:solidFill>
                   <a:srgbClr val="000000"/>
                 </a:solidFill>
-                <a:latin typeface="Monaco"/>
+                <a:latin typeface="Lucida Console" panose="020B0609040504020204" pitchFamily="49" charset="0"/>
                 <a:ea typeface="Monaco"/>
                 <a:cs typeface="Monaco"/>
               </a:rPr>
@@ -16482,7 +16470,7 @@
                 <a:solidFill>
                   <a:srgbClr val="000000"/>
                 </a:solidFill>
-                <a:latin typeface="Monaco"/>
+                <a:latin typeface="Lucida Console" panose="020B0609040504020204" pitchFamily="49" charset="0"/>
                 <a:ea typeface="Monaco"/>
                 <a:cs typeface="Monaco"/>
               </a:rPr>
@@ -16495,7 +16483,7 @@
                 <a:solidFill>
                   <a:srgbClr val="000000"/>
                 </a:solidFill>
-                <a:latin typeface="Monaco"/>
+                <a:latin typeface="Lucida Console" panose="020B0609040504020204" pitchFamily="49" charset="0"/>
                 <a:ea typeface="Monaco"/>
                 <a:cs typeface="Monaco"/>
               </a:rPr>
@@ -16506,7 +16494,7 @@
                 <a:solidFill>
                   <a:srgbClr val="000000"/>
                 </a:solidFill>
-                <a:latin typeface="Monaco"/>
+                <a:latin typeface="Lucida Console" panose="020B0609040504020204" pitchFamily="49" charset="0"/>
                 <a:ea typeface="Monaco"/>
                 <a:cs typeface="Monaco"/>
               </a:rPr>
@@ -16517,7 +16505,7 @@
                 <a:solidFill>
                   <a:srgbClr val="000000"/>
                 </a:solidFill>
-                <a:latin typeface="Monaco"/>
+                <a:latin typeface="Lucida Console" panose="020B0609040504020204" pitchFamily="49" charset="0"/>
                 <a:ea typeface="Monaco"/>
                 <a:cs typeface="Monaco"/>
               </a:rPr>
@@ -16528,7 +16516,7 @@
                 <a:solidFill>
                   <a:srgbClr val="3933FF"/>
                 </a:solidFill>
-                <a:latin typeface="Monaco"/>
+                <a:latin typeface="Lucida Console" panose="020B0609040504020204" pitchFamily="49" charset="0"/>
                 <a:ea typeface="Monaco"/>
                 <a:cs typeface="Monaco"/>
               </a:rPr>
@@ -16539,7 +16527,7 @@
                 <a:solidFill>
                   <a:srgbClr val="000000"/>
                 </a:solidFill>
-                <a:latin typeface="Monaco"/>
+                <a:latin typeface="Lucida Console" panose="020B0609040504020204" pitchFamily="49" charset="0"/>
                 <a:ea typeface="Monaco"/>
                 <a:cs typeface="Monaco"/>
               </a:rPr>
@@ -16552,7 +16540,7 @@
                 <a:solidFill>
                   <a:srgbClr val="000000"/>
                 </a:solidFill>
-                <a:latin typeface="Monaco"/>
+                <a:latin typeface="Lucida Console" panose="020B0609040504020204" pitchFamily="49" charset="0"/>
                 <a:ea typeface="Monaco"/>
                 <a:cs typeface="Monaco"/>
               </a:rPr>
@@ -16565,7 +16553,7 @@
                 <a:solidFill>
                   <a:srgbClr val="000000"/>
                 </a:solidFill>
-                <a:latin typeface="Monaco"/>
+                <a:latin typeface="Lucida Console" panose="020B0609040504020204" pitchFamily="49" charset="0"/>
                 <a:ea typeface="Monaco"/>
                 <a:cs typeface="Monaco"/>
               </a:rPr>
@@ -16578,13 +16566,15 @@
                 <a:solidFill>
                   <a:srgbClr val="000000"/>
                 </a:solidFill>
-                <a:latin typeface="Monaco"/>
+                <a:latin typeface="Lucida Console" panose="020B0609040504020204" pitchFamily="49" charset="0"/>
                 <a:ea typeface="Monaco"/>
                 <a:cs typeface="Monaco"/>
               </a:rPr>
               <a:t>}</a:t>
             </a:r>
-            <a:endParaRPr lang="en-US" sz="1600" dirty="0"/>
+            <a:endParaRPr lang="en-US" sz="1600" dirty="0">
+              <a:latin typeface="Lucida Console" panose="020B0609040504020204" pitchFamily="49" charset="0"/>
+            </a:endParaRPr>
           </a:p>
         </p:txBody>
       </p:sp>
@@ -17090,13 +17080,13 @@
   <p:clrMapOvr>
     <a:masterClrMapping/>
   </p:clrMapOvr>
-  <p:transition xmlns:p14="http://schemas.microsoft.com/office/powerpoint/2010/main">
+  <p:transition>
     <p:fade/>
   </p:transition>
   <p:timing>
     <p:tnLst>
       <p:par>
-        <p:cTn xmlns:p14="http://schemas.microsoft.com/office/powerpoint/2010/main" id="1" dur="indefinite" restart="never" nodeType="tmRoot">
+        <p:cTn id="1" dur="indefinite" restart="never" nodeType="tmRoot">
           <p:childTnLst>
             <p:seq concurrent="1" nextAc="seek">
               <p:cTn id="2" dur="indefinite" nodeType="mainSeq">
@@ -18504,6 +18494,12 @@
 </file>
 
 <file path=customXml/item1.xml><?xml version="1.0" encoding="utf-8"?>
+<p:properties xmlns:p="http://schemas.microsoft.com/office/2006/metadata/properties" xmlns:xsi="http://www.w3.org/2001/XMLSchema-instance">
+  <documentManagement/>
+</p:properties>
+</file>
+
+<file path=customXml/item2.xml><?xml version="1.0" encoding="utf-8"?>
 <ct:contentTypeSchema xmlns:ct="http://schemas.microsoft.com/office/2006/metadata/contentType" xmlns:ma="http://schemas.microsoft.com/office/2006/metadata/properties/metaAttributes" ct:_="" ma:_="" ma:contentTypeName="Document" ma:contentTypeID="0x010100FFAD18D62016C640A18B4602AF84C96B" ma:contentTypeVersion="0" ma:contentTypeDescription="Create a new document." ma:contentTypeScope="" ma:versionID="caa81f01dd96cdfbc3682f85211525f3">
   <xsd:schema xmlns:xsd="http://www.w3.org/2001/XMLSchema" xmlns:p="http://schemas.microsoft.com/office/2006/metadata/properties" targetNamespace="http://schemas.microsoft.com/office/2006/metadata/properties" ma:root="true" ma:fieldsID="4aeb20c0e3442673af7ee10786458764">
     <xsd:element name="properties">
@@ -18552,12 +18548,6 @@
 </ct:contentTypeSchema>
 </file>
 
-<file path=customXml/item2.xml><?xml version="1.0" encoding="utf-8"?>
-<p:properties xmlns:p="http://schemas.microsoft.com/office/2006/metadata/properties" xmlns:xsi="http://www.w3.org/2001/XMLSchema-instance">
-  <documentManagement/>
-</p:properties>
-</file>
-
 <file path=customXml/item3.xml><?xml version="1.0" encoding="utf-8"?>
 <?mso-contentType ?>
 <FormTemplates xmlns="http://schemas.microsoft.com/sharepoint/v3/contenttype/forms">
@@ -18568,6 +18558,20 @@
 </file>
 
 <file path=customXml/itemProps1.xml><?xml version="1.0" encoding="utf-8"?>
+<ds:datastoreItem xmlns:ds="http://schemas.openxmlformats.org/officeDocument/2006/customXml" ds:itemID="{36E36A69-20AF-4475-8E56-46E6A5BAB14A}">
+  <ds:schemaRefs>
+    <ds:schemaRef ds:uri="http://schemas.openxmlformats.org/package/2006/metadata/core-properties"/>
+    <ds:schemaRef ds:uri="http://purl.org/dc/dcmitype/"/>
+    <ds:schemaRef ds:uri="http://schemas.microsoft.com/office/2006/documentManagement/types"/>
+    <ds:schemaRef ds:uri="http://purl.org/dc/elements/1.1/"/>
+    <ds:schemaRef ds:uri="http://schemas.microsoft.com/office/2006/metadata/properties"/>
+    <ds:schemaRef ds:uri="http://purl.org/dc/terms/"/>
+    <ds:schemaRef ds:uri="http://www.w3.org/XML/1998/namespace"/>
+  </ds:schemaRefs>
+</ds:datastoreItem>
+</file>
+
+<file path=customXml/itemProps2.xml><?xml version="1.0" encoding="utf-8"?>
 <ds:datastoreItem xmlns:ds="http://schemas.openxmlformats.org/officeDocument/2006/customXml" ds:itemID="{C720BFF8-353C-459A-AFEF-E21478A415F8}">
   <ds:schemaRefs>
     <ds:schemaRef ds:uri="http://schemas.microsoft.com/office/2006/metadata/contentType"/>
@@ -18582,20 +18586,6 @@
 </ds:datastoreItem>
 </file>
 
-<file path=customXml/itemProps2.xml><?xml version="1.0" encoding="utf-8"?>
-<ds:datastoreItem xmlns:ds="http://schemas.openxmlformats.org/officeDocument/2006/customXml" ds:itemID="{36E36A69-20AF-4475-8E56-46E6A5BAB14A}">
-  <ds:schemaRefs>
-    <ds:schemaRef ds:uri="http://www.w3.org/XML/1998/namespace"/>
-    <ds:schemaRef ds:uri="http://purl.org/dc/terms/"/>
-    <ds:schemaRef ds:uri="http://schemas.microsoft.com/office/2006/documentManagement/types"/>
-    <ds:schemaRef ds:uri="http://purl.org/dc/elements/1.1/"/>
-    <ds:schemaRef ds:uri="http://schemas.openxmlformats.org/package/2006/metadata/core-properties"/>
-    <ds:schemaRef ds:uri="http://schemas.microsoft.com/office/2006/metadata/properties"/>
-    <ds:schemaRef ds:uri="http://purl.org/dc/dcmitype/"/>
-  </ds:schemaRefs>
-</ds:datastoreItem>
-</file>
-
 <file path=customXml/itemProps3.xml><?xml version="1.0" encoding="utf-8"?>
 <ds:datastoreItem xmlns:ds="http://schemas.openxmlformats.org/officeDocument/2006/customXml" ds:itemID="{727A27AF-67A1-4A64-B04E-6572043AD347}">
   <ds:schemaRefs>

--- a/Documents/Slides.pptx
+++ b/Documents/Slides.pptx
@@ -5,28 +5,30 @@
     <p:sldMasterId id="2147483737" r:id="rId4"/>
   </p:sldMasterIdLst>
   <p:notesMasterIdLst>
-    <p:notesMasterId r:id="rId21"/>
+    <p:notesMasterId r:id="rId23"/>
   </p:notesMasterIdLst>
   <p:handoutMasterIdLst>
-    <p:handoutMasterId r:id="rId22"/>
+    <p:handoutMasterId r:id="rId24"/>
   </p:handoutMasterIdLst>
   <p:sldIdLst>
     <p:sldId id="311" r:id="rId5"/>
-    <p:sldId id="344" r:id="rId6"/>
-    <p:sldId id="345" r:id="rId7"/>
-    <p:sldId id="346" r:id="rId8"/>
-    <p:sldId id="347" r:id="rId9"/>
-    <p:sldId id="360" r:id="rId10"/>
-    <p:sldId id="361" r:id="rId11"/>
-    <p:sldId id="348" r:id="rId12"/>
-    <p:sldId id="350" r:id="rId13"/>
-    <p:sldId id="351" r:id="rId14"/>
-    <p:sldId id="352" r:id="rId15"/>
-    <p:sldId id="353" r:id="rId16"/>
-    <p:sldId id="354" r:id="rId17"/>
-    <p:sldId id="355" r:id="rId18"/>
-    <p:sldId id="362" r:id="rId19"/>
-    <p:sldId id="359" r:id="rId20"/>
+    <p:sldId id="363" r:id="rId6"/>
+    <p:sldId id="344" r:id="rId7"/>
+    <p:sldId id="345" r:id="rId8"/>
+    <p:sldId id="346" r:id="rId9"/>
+    <p:sldId id="347" r:id="rId10"/>
+    <p:sldId id="360" r:id="rId11"/>
+    <p:sldId id="361" r:id="rId12"/>
+    <p:sldId id="348" r:id="rId13"/>
+    <p:sldId id="350" r:id="rId14"/>
+    <p:sldId id="351" r:id="rId15"/>
+    <p:sldId id="352" r:id="rId16"/>
+    <p:sldId id="353" r:id="rId17"/>
+    <p:sldId id="354" r:id="rId18"/>
+    <p:sldId id="355" r:id="rId19"/>
+    <p:sldId id="362" r:id="rId20"/>
+    <p:sldId id="364" r:id="rId21"/>
+    <p:sldId id="359" r:id="rId22"/>
   </p:sldIdLst>
   <p:sldSz cx="9144000" cy="5143500" type="screen16x9"/>
   <p:notesSz cx="6858000" cy="9144000"/>
@@ -297,7 +299,7 @@
                 <a:latin typeface="Calibri" pitchFamily="34" charset="0"/>
               </a:rPr>
               <a:pPr/>
-              <a:t>7/28/2014</a:t>
+              <a:t>3/7/23</a:t>
             </a:fld>
             <a:endParaRPr lang="en-US" dirty="0">
               <a:latin typeface="Calibri" pitchFamily="34" charset="0"/>
@@ -333,7 +335,7 @@
           </a:lstStyle>
           <a:p>
             <a:r>
-              <a:rPr lang="en-US" sz="500" dirty="0" smtClean="0">
+              <a:rPr lang="en-US" sz="500" dirty="0">
                 <a:solidFill>
                   <a:srgbClr val="000000"/>
                 </a:solidFill>
@@ -344,7 +346,7 @@
           </a:p>
           <a:p>
             <a:r>
-              <a:rPr lang="en-US" sz="500" dirty="0" smtClean="0">
+              <a:rPr lang="en-US" sz="500" dirty="0">
                 <a:solidFill>
                   <a:srgbClr val="000000"/>
                 </a:solidFill>
@@ -353,7 +355,7 @@
               <a:t>The information herein is for informational purposes only and represents the current view of Microsoft Corporation as of the date of this presentation.  Because Microsoft must respond to changing market conditions, it should not be interpreted to be a commitment on the part of Microsoft, and Microsoft cannot guarantee the accuracy of any information provided after the date of this presentation.  </a:t>
             </a:r>
             <a:br>
-              <a:rPr lang="en-US" sz="500" dirty="0" smtClean="0">
+              <a:rPr lang="en-US" sz="500" dirty="0">
                 <a:solidFill>
                   <a:srgbClr val="000000"/>
                 </a:solidFill>
@@ -361,7 +363,7 @@
               </a:rPr>
             </a:br>
             <a:r>
-              <a:rPr lang="en-US" sz="500" dirty="0" smtClean="0">
+              <a:rPr lang="en-US" sz="500" dirty="0">
                 <a:solidFill>
                   <a:srgbClr val="000000"/>
                 </a:solidFill>
@@ -510,7 +512,7 @@
             <a:fld id="{7C3FBCD4-166E-446F-AF18-7D4A0CF9AEF6}" type="datetimeFigureOut">
               <a:rPr lang="en-US" smtClean="0"/>
               <a:pPr/>
-              <a:t>7/28/2014</a:t>
+              <a:t>3/7/23</a:t>
             </a:fld>
             <a:endParaRPr lang="en-US" dirty="0"/>
           </a:p>
@@ -576,38 +578,37 @@
           <a:p>
             <a:pPr lvl="0"/>
             <a:r>
-              <a:rPr lang="en-US" dirty="0" smtClean="0"/>
+              <a:rPr lang="en-US" dirty="0"/>
               <a:t>Click to edit Master text styles</a:t>
             </a:r>
           </a:p>
           <a:p>
             <a:pPr lvl="1"/>
             <a:r>
-              <a:rPr lang="en-US" dirty="0" smtClean="0"/>
+              <a:rPr lang="en-US" dirty="0"/>
               <a:t>Second level</a:t>
             </a:r>
           </a:p>
           <a:p>
             <a:pPr lvl="2"/>
             <a:r>
-              <a:rPr lang="en-US" dirty="0" smtClean="0"/>
+              <a:rPr lang="en-US" dirty="0"/>
               <a:t>Third level</a:t>
             </a:r>
           </a:p>
           <a:p>
             <a:pPr lvl="3"/>
             <a:r>
-              <a:rPr lang="en-US" dirty="0" smtClean="0"/>
+              <a:rPr lang="en-US" dirty="0"/>
               <a:t>Fourth level</a:t>
             </a:r>
           </a:p>
           <a:p>
             <a:pPr lvl="4"/>
             <a:r>
-              <a:rPr lang="en-US" dirty="0" smtClean="0"/>
+              <a:rPr lang="en-US" dirty="0"/>
               <a:t>Fifth level</a:t>
             </a:r>
-            <a:endParaRPr lang="en-US" dirty="0"/>
           </a:p>
         </p:txBody>
       </p:sp>
@@ -641,7 +642,7 @@
           </a:lstStyle>
           <a:p>
             <a:r>
-              <a:rPr lang="en-US" smtClean="0">
+              <a:rPr lang="en-US">
                 <a:solidFill>
                   <a:srgbClr val="000000"/>
                 </a:solidFill>
@@ -651,7 +652,7 @@
           </a:p>
           <a:p>
             <a:r>
-              <a:rPr lang="en-US" smtClean="0">
+              <a:rPr lang="en-US">
                 <a:solidFill>
                   <a:srgbClr val="000000"/>
                 </a:solidFill>
@@ -659,21 +660,21 @@
               <a:t>The information herein is for informational purposes only and represents the current view of Microsoft Corporation as of the date of this presentation.  Because Microsoft must respond to changing market conditions, it should not be interpreted to be a commitment on the part of Microsoft, and Microsoft cannot guarantee the accuracy of any information provided after the date of this presentation.  </a:t>
             </a:r>
             <a:br>
-              <a:rPr lang="en-US" smtClean="0">
+              <a:rPr lang="en-US">
                 <a:solidFill>
                   <a:srgbClr val="000000"/>
                 </a:solidFill>
               </a:rPr>
             </a:br>
             <a:r>
-              <a:rPr lang="en-US" smtClean="0">
+              <a:rPr lang="en-US">
                 <a:solidFill>
                   <a:srgbClr val="000000"/>
                 </a:solidFill>
               </a:rPr>
               <a:t>MICROSOFT MAKES NO WARRANTIES, EXPRESS, IMPLIED OR STATUTORY, AS TO THE INFORMATION IN THIS PRESENTATION.</a:t>
             </a:r>
-            <a:endParaRPr lang="en-US" dirty="0" smtClean="0">
+            <a:endParaRPr lang="en-US" dirty="0">
               <a:solidFill>
                 <a:srgbClr val="000000"/>
               </a:solidFill>
@@ -914,7 +915,7 @@
             <a:fld id="{81331B57-0BE5-4F82-AA58-76F53EFF3ADA}" type="datetime8">
               <a:rPr lang="en-US" smtClean="0"/>
               <a:pPr/>
-              <a:t>7/28/2014 8:27 PM</a:t>
+              <a:t>3/7/23 11:50 AM</a:t>
             </a:fld>
             <a:endParaRPr lang="en-US"/>
           </a:p>
@@ -936,20 +937,20 @@
           <a:lstStyle/>
           <a:p>
             <a:r>
-              <a:rPr lang="en-US" smtClean="0"/>
+              <a:rPr lang="en-US"/>
               <a:t>© 2007 Microsoft Corporation. All rights reserved. Microsoft, Windows, Windows Vista and other product names are or may be registered trademarks and/or trademarks in the U.S. and/or other countries.</a:t>
             </a:r>
           </a:p>
           <a:p>
             <a:r>
-              <a:rPr lang="en-US" smtClean="0"/>
+              <a:rPr lang="en-US"/>
               <a:t>The information herein is for informational purposes only and represents the current view of Microsoft Corporation as of the date of this presentation.  Because Microsoft must respond to changing market conditions, it should not be interpreted to be a commitment on the part of Microsoft, and Microsoft cannot guarantee the accuracy of any information provided after the date of this presentation.  </a:t>
             </a:r>
             <a:br>
-              <a:rPr lang="en-US" smtClean="0"/>
+              <a:rPr lang="en-US"/>
             </a:br>
             <a:r>
-              <a:rPr lang="en-US" smtClean="0"/>
+              <a:rPr lang="en-US"/>
               <a:t>MICROSOFT MAKES NO WARRANTIES, EXPRESS, IMPLIED OR STATUTORY, AS TO THE INFORMATION IN THIS PRESENTATION.</a:t>
             </a:r>
           </a:p>
@@ -1087,7 +1088,7 @@
             <a:fld id="{81331B57-0BE5-4F82-AA58-76F53EFF3ADA}" type="datetime8">
               <a:rPr lang="en-US" smtClean="0"/>
               <a:pPr/>
-              <a:t>7/28/2014 8:27 PM</a:t>
+              <a:t>3/7/23 11:57 AM</a:t>
             </a:fld>
             <a:endParaRPr lang="en-US"/>
           </a:p>
@@ -1109,20 +1110,20 @@
           <a:lstStyle/>
           <a:p>
             <a:r>
-              <a:rPr lang="en-US" smtClean="0"/>
+              <a:rPr lang="en-US"/>
               <a:t>© 2007 Microsoft Corporation. All rights reserved. Microsoft, Windows, Windows Vista and other product names are or may be registered trademarks and/or trademarks in the U.S. and/or other countries.</a:t>
             </a:r>
           </a:p>
           <a:p>
             <a:r>
-              <a:rPr lang="en-US" smtClean="0"/>
+              <a:rPr lang="en-US"/>
               <a:t>The information herein is for informational purposes only and represents the current view of Microsoft Corporation as of the date of this presentation.  Because Microsoft must respond to changing market conditions, it should not be interpreted to be a commitment on the part of Microsoft, and Microsoft cannot guarantee the accuracy of any information provided after the date of this presentation.  </a:t>
             </a:r>
             <a:br>
-              <a:rPr lang="en-US" smtClean="0"/>
+              <a:rPr lang="en-US"/>
             </a:br>
             <a:r>
-              <a:rPr lang="en-US" smtClean="0"/>
+              <a:rPr lang="en-US"/>
               <a:t>MICROSOFT MAKES NO WARRANTIES, EXPRESS, IMPLIED OR STATUTORY, AS TO THE INFORMATION IN THIS PRESENTATION.</a:t>
             </a:r>
           </a:p>
@@ -1196,7 +1197,7 @@
     </p:spTree>
     <p:extLst>
       <p:ext uri="{BB962C8B-B14F-4D97-AF65-F5344CB8AC3E}">
-        <p14:creationId xmlns:p14="http://schemas.microsoft.com/office/powerpoint/2010/main" val="3753905232"/>
+        <p14:creationId xmlns:p14="http://schemas.microsoft.com/office/powerpoint/2010/main" val="414892857"/>
       </p:ext>
     </p:extLst>
   </p:cSld>
@@ -1260,7 +1261,7 @@
             <a:fld id="{81331B57-0BE5-4F82-AA58-76F53EFF3ADA}" type="datetime8">
               <a:rPr lang="en-US" smtClean="0"/>
               <a:pPr/>
-              <a:t>7/28/2014 8:27 PM</a:t>
+              <a:t>3/7/23 11:57 AM</a:t>
             </a:fld>
             <a:endParaRPr lang="en-US"/>
           </a:p>
@@ -1282,20 +1283,20 @@
           <a:lstStyle/>
           <a:p>
             <a:r>
-              <a:rPr lang="en-US" smtClean="0"/>
+              <a:rPr lang="en-US"/>
               <a:t>© 2007 Microsoft Corporation. All rights reserved. Microsoft, Windows, Windows Vista and other product names are or may be registered trademarks and/or trademarks in the U.S. and/or other countries.</a:t>
             </a:r>
           </a:p>
           <a:p>
             <a:r>
-              <a:rPr lang="en-US" smtClean="0"/>
+              <a:rPr lang="en-US"/>
               <a:t>The information herein is for informational purposes only and represents the current view of Microsoft Corporation as of the date of this presentation.  Because Microsoft must respond to changing market conditions, it should not be interpreted to be a commitment on the part of Microsoft, and Microsoft cannot guarantee the accuracy of any information provided after the date of this presentation.  </a:t>
             </a:r>
             <a:br>
-              <a:rPr lang="en-US" smtClean="0"/>
+              <a:rPr lang="en-US"/>
             </a:br>
             <a:r>
-              <a:rPr lang="en-US" smtClean="0"/>
+              <a:rPr lang="en-US"/>
               <a:t>MICROSOFT MAKES NO WARRANTIES, EXPRESS, IMPLIED OR STATUTORY, AS TO THE INFORMATION IN THIS PRESENTATION.</a:t>
             </a:r>
           </a:p>
@@ -1369,7 +1370,7 @@
     </p:spTree>
     <p:extLst>
       <p:ext uri="{BB962C8B-B14F-4D97-AF65-F5344CB8AC3E}">
-        <p14:creationId xmlns:p14="http://schemas.microsoft.com/office/powerpoint/2010/main" val="3642150336"/>
+        <p14:creationId xmlns:p14="http://schemas.microsoft.com/office/powerpoint/2010/main" val="3753905232"/>
       </p:ext>
     </p:extLst>
   </p:cSld>
@@ -1433,7 +1434,7 @@
             <a:fld id="{81331B57-0BE5-4F82-AA58-76F53EFF3ADA}" type="datetime8">
               <a:rPr lang="en-US" smtClean="0"/>
               <a:pPr/>
-              <a:t>7/28/2014 8:27 PM</a:t>
+              <a:t>3/7/23 11:57 AM</a:t>
             </a:fld>
             <a:endParaRPr lang="en-US"/>
           </a:p>
@@ -1455,20 +1456,20 @@
           <a:lstStyle/>
           <a:p>
             <a:r>
-              <a:rPr lang="en-US" smtClean="0"/>
+              <a:rPr lang="en-US"/>
               <a:t>© 2007 Microsoft Corporation. All rights reserved. Microsoft, Windows, Windows Vista and other product names are or may be registered trademarks and/or trademarks in the U.S. and/or other countries.</a:t>
             </a:r>
           </a:p>
           <a:p>
             <a:r>
-              <a:rPr lang="en-US" smtClean="0"/>
+              <a:rPr lang="en-US"/>
               <a:t>The information herein is for informational purposes only and represents the current view of Microsoft Corporation as of the date of this presentation.  Because Microsoft must respond to changing market conditions, it should not be interpreted to be a commitment on the part of Microsoft, and Microsoft cannot guarantee the accuracy of any information provided after the date of this presentation.  </a:t>
             </a:r>
             <a:br>
-              <a:rPr lang="en-US" smtClean="0"/>
+              <a:rPr lang="en-US"/>
             </a:br>
             <a:r>
-              <a:rPr lang="en-US" smtClean="0"/>
+              <a:rPr lang="en-US"/>
               <a:t>MICROSOFT MAKES NO WARRANTIES, EXPRESS, IMPLIED OR STATUTORY, AS TO THE INFORMATION IN THIS PRESENTATION.</a:t>
             </a:r>
           </a:p>
@@ -1606,7 +1607,7 @@
             <a:fld id="{81331B57-0BE5-4F82-AA58-76F53EFF3ADA}" type="datetime8">
               <a:rPr lang="en-US" smtClean="0"/>
               <a:pPr/>
-              <a:t>7/28/2014 8:27 PM</a:t>
+              <a:t>3/7/23 11:57 AM</a:t>
             </a:fld>
             <a:endParaRPr lang="en-US"/>
           </a:p>
@@ -1628,20 +1629,20 @@
           <a:lstStyle/>
           <a:p>
             <a:r>
-              <a:rPr lang="en-US" smtClean="0"/>
+              <a:rPr lang="en-US"/>
               <a:t>© 2007 Microsoft Corporation. All rights reserved. Microsoft, Windows, Windows Vista and other product names are or may be registered trademarks and/or trademarks in the U.S. and/or other countries.</a:t>
             </a:r>
           </a:p>
           <a:p>
             <a:r>
-              <a:rPr lang="en-US" smtClean="0"/>
+              <a:rPr lang="en-US"/>
               <a:t>The information herein is for informational purposes only and represents the current view of Microsoft Corporation as of the date of this presentation.  Because Microsoft must respond to changing market conditions, it should not be interpreted to be a commitment on the part of Microsoft, and Microsoft cannot guarantee the accuracy of any information provided after the date of this presentation.  </a:t>
             </a:r>
             <a:br>
-              <a:rPr lang="en-US" smtClean="0"/>
+              <a:rPr lang="en-US"/>
             </a:br>
             <a:r>
-              <a:rPr lang="en-US" smtClean="0"/>
+              <a:rPr lang="en-US"/>
               <a:t>MICROSOFT MAKES NO WARRANTIES, EXPRESS, IMPLIED OR STATUTORY, AS TO THE INFORMATION IN THIS PRESENTATION.</a:t>
             </a:r>
           </a:p>
@@ -1669,6 +1670,288 @@
               <a:rPr lang="en-US" smtClean="0"/>
               <a:pPr/>
               <a:t>16</a:t>
+            </a:fld>
+            <a:endParaRPr lang="en-US" dirty="0"/>
+          </a:p>
+        </p:txBody>
+      </p:sp>
+      <p:sp>
+        <p:nvSpPr>
+          <p:cNvPr id="12" name="Slide Image Placeholder 11"/>
+          <p:cNvSpPr>
+            <a:spLocks noGrp="1" noRot="1" noChangeAspect="1"/>
+          </p:cNvSpPr>
+          <p:nvPr>
+            <p:ph type="sldImg"/>
+          </p:nvPr>
+        </p:nvSpPr>
+        <p:spPr>
+          <a:xfrm>
+            <a:off x="914400" y="457200"/>
+            <a:ext cx="4978400" cy="2801938"/>
+          </a:xfrm>
+        </p:spPr>
+      </p:sp>
+      <p:sp>
+        <p:nvSpPr>
+          <p:cNvPr id="13" name="Notes Placeholder 12"/>
+          <p:cNvSpPr>
+            <a:spLocks noGrp="1"/>
+          </p:cNvSpPr>
+          <p:nvPr>
+            <p:ph type="body" idx="1"/>
+          </p:nvPr>
+        </p:nvSpPr>
+        <p:spPr/>
+        <p:txBody>
+          <a:bodyPr>
+            <a:normAutofit/>
+          </a:bodyPr>
+          <a:lstStyle/>
+          <a:p>
+            <a:endParaRPr lang="en-US"/>
+          </a:p>
+        </p:txBody>
+      </p:sp>
+    </p:spTree>
+    <p:extLst>
+      <p:ext uri="{BB962C8B-B14F-4D97-AF65-F5344CB8AC3E}">
+        <p14:creationId xmlns:p14="http://schemas.microsoft.com/office/powerpoint/2010/main" val="3642150336"/>
+      </p:ext>
+    </p:extLst>
+  </p:cSld>
+  <p:clrMapOvr>
+    <a:masterClrMapping/>
+  </p:clrMapOvr>
+</p:notes>
+</file>
+
+<file path=ppt/notesSlides/notesSlide14.xml><?xml version="1.0" encoding="utf-8"?>
+<p:notes xmlns:a="http://schemas.openxmlformats.org/drawingml/2006/main" xmlns:r="http://schemas.openxmlformats.org/officeDocument/2006/relationships" xmlns:p="http://schemas.openxmlformats.org/presentationml/2006/main">
+  <p:cSld>
+    <p:spTree>
+      <p:nvGrpSpPr>
+        <p:cNvPr id="1" name=""/>
+        <p:cNvGrpSpPr/>
+        <p:nvPr/>
+      </p:nvGrpSpPr>
+      <p:grpSpPr>
+        <a:xfrm>
+          <a:off x="0" y="0"/>
+          <a:ext cx="0" cy="0"/>
+          <a:chOff x="0" y="0"/>
+          <a:chExt cx="0" cy="0"/>
+        </a:xfrm>
+      </p:grpSpPr>
+      <p:sp>
+        <p:nvSpPr>
+          <p:cNvPr id="2" name="Slide Image Placeholder 1"/>
+          <p:cNvSpPr>
+            <a:spLocks noGrp="1" noRot="1" noChangeAspect="1"/>
+          </p:cNvSpPr>
+          <p:nvPr>
+            <p:ph type="sldImg"/>
+          </p:nvPr>
+        </p:nvSpPr>
+        <p:spPr/>
+      </p:sp>
+      <p:sp>
+        <p:nvSpPr>
+          <p:cNvPr id="3" name="Notes Placeholder 2"/>
+          <p:cNvSpPr>
+            <a:spLocks noGrp="1"/>
+          </p:cNvSpPr>
+          <p:nvPr>
+            <p:ph type="body" idx="1"/>
+          </p:nvPr>
+        </p:nvSpPr>
+        <p:spPr/>
+        <p:txBody>
+          <a:bodyPr/>
+          <a:lstStyle/>
+          <a:p>
+            <a:r>
+              <a:rPr lang="en-US" dirty="0"/>
+              <a:t>https://</a:t>
+            </a:r>
+            <a:r>
+              <a:rPr lang="en-US" dirty="0" err="1"/>
+              <a:t>github.com</a:t>
+            </a:r>
+            <a:r>
+              <a:rPr lang="en-US" dirty="0"/>
+              <a:t>/</a:t>
+            </a:r>
+            <a:r>
+              <a:rPr lang="en-US" dirty="0" err="1"/>
+              <a:t>isidore</a:t>
+            </a:r>
+            <a:r>
+              <a:rPr lang="en-US" dirty="0"/>
+              <a:t>/Talks/blob/master/</a:t>
+            </a:r>
+            <a:r>
+              <a:rPr lang="en-US" dirty="0" err="1"/>
+              <a:t>Peel_and_Slice.md#peel-and-slice</a:t>
+            </a:r>
+            <a:endParaRPr lang="en-US" dirty="0"/>
+          </a:p>
+        </p:txBody>
+      </p:sp>
+      <p:sp>
+        <p:nvSpPr>
+          <p:cNvPr id="4" name="Slide Number Placeholder 3"/>
+          <p:cNvSpPr>
+            <a:spLocks noGrp="1"/>
+          </p:cNvSpPr>
+          <p:nvPr>
+            <p:ph type="sldNum" sz="quarter" idx="5"/>
+          </p:nvPr>
+        </p:nvSpPr>
+        <p:spPr/>
+        <p:txBody>
+          <a:bodyPr/>
+          <a:lstStyle/>
+          <a:p>
+            <a:fld id="{8B263312-38AA-4E1E-B2B5-0F8F122B24FE}" type="slidenum">
+              <a:rPr lang="en-US" smtClean="0"/>
+              <a:pPr/>
+              <a:t>17</a:t>
+            </a:fld>
+            <a:endParaRPr lang="en-US" dirty="0"/>
+          </a:p>
+        </p:txBody>
+      </p:sp>
+    </p:spTree>
+    <p:extLst>
+      <p:ext uri="{BB962C8B-B14F-4D97-AF65-F5344CB8AC3E}">
+        <p14:creationId xmlns:p14="http://schemas.microsoft.com/office/powerpoint/2010/main" val="3824843638"/>
+      </p:ext>
+    </p:extLst>
+  </p:cSld>
+  <p:clrMapOvr>
+    <a:masterClrMapping/>
+  </p:clrMapOvr>
+</p:notes>
+</file>
+
+<file path=ppt/notesSlides/notesSlide15.xml><?xml version="1.0" encoding="utf-8"?>
+<p:notes xmlns:a="http://schemas.openxmlformats.org/drawingml/2006/main" xmlns:r="http://schemas.openxmlformats.org/officeDocument/2006/relationships" xmlns:p="http://schemas.openxmlformats.org/presentationml/2006/main">
+  <p:cSld>
+    <p:spTree>
+      <p:nvGrpSpPr>
+        <p:cNvPr id="1" name=""/>
+        <p:cNvGrpSpPr/>
+        <p:nvPr/>
+      </p:nvGrpSpPr>
+      <p:grpSpPr>
+        <a:xfrm>
+          <a:off x="0" y="0"/>
+          <a:ext cx="0" cy="0"/>
+          <a:chOff x="0" y="0"/>
+          <a:chExt cx="0" cy="0"/>
+        </a:xfrm>
+      </p:grpSpPr>
+      <p:sp>
+        <p:nvSpPr>
+          <p:cNvPr id="4" name="Header Placeholder 3"/>
+          <p:cNvSpPr>
+            <a:spLocks noGrp="1"/>
+          </p:cNvSpPr>
+          <p:nvPr>
+            <p:ph type="hdr" sz="quarter" idx="10"/>
+          </p:nvPr>
+        </p:nvSpPr>
+        <p:spPr/>
+        <p:txBody>
+          <a:bodyPr/>
+          <a:lstStyle/>
+          <a:p>
+            <a:endParaRPr lang="en-US" dirty="0"/>
+          </a:p>
+        </p:txBody>
+      </p:sp>
+      <p:sp>
+        <p:nvSpPr>
+          <p:cNvPr id="5" name="Date Placeholder 4"/>
+          <p:cNvSpPr>
+            <a:spLocks noGrp="1"/>
+          </p:cNvSpPr>
+          <p:nvPr>
+            <p:ph type="dt" idx="11"/>
+          </p:nvPr>
+        </p:nvSpPr>
+        <p:spPr/>
+        <p:txBody>
+          <a:bodyPr/>
+          <a:lstStyle/>
+          <a:p>
+            <a:fld id="{81331B57-0BE5-4F82-AA58-76F53EFF3ADA}" type="datetime8">
+              <a:rPr lang="en-US" smtClean="0"/>
+              <a:pPr/>
+              <a:t>3/7/23 11:57 AM</a:t>
+            </a:fld>
+            <a:endParaRPr lang="en-US"/>
+          </a:p>
+        </p:txBody>
+      </p:sp>
+      <p:sp>
+        <p:nvSpPr>
+          <p:cNvPr id="6" name="Footer Placeholder 5"/>
+          <p:cNvSpPr>
+            <a:spLocks noGrp="1"/>
+          </p:cNvSpPr>
+          <p:nvPr>
+            <p:ph type="ftr" sz="quarter" idx="12"/>
+          </p:nvPr>
+        </p:nvSpPr>
+        <p:spPr/>
+        <p:txBody>
+          <a:bodyPr/>
+          <a:lstStyle/>
+          <a:p>
+            <a:r>
+              <a:rPr lang="en-US"/>
+              <a:t>© 2007 Microsoft Corporation. All rights reserved. Microsoft, Windows, Windows Vista and other product names are or may be registered trademarks and/or trademarks in the U.S. and/or other countries.</a:t>
+            </a:r>
+          </a:p>
+          <a:p>
+            <a:r>
+              <a:rPr lang="en-US"/>
+              <a:t>The information herein is for informational purposes only and represents the current view of Microsoft Corporation as of the date of this presentation.  Because Microsoft must respond to changing market conditions, it should not be interpreted to be a commitment on the part of Microsoft, and Microsoft cannot guarantee the accuracy of any information provided after the date of this presentation.  </a:t>
+            </a:r>
+            <a:br>
+              <a:rPr lang="en-US"/>
+            </a:br>
+            <a:r>
+              <a:rPr lang="en-US"/>
+              <a:t>MICROSOFT MAKES NO WARRANTIES, EXPRESS, IMPLIED OR STATUTORY, AS TO THE INFORMATION IN THIS PRESENTATION.</a:t>
+            </a:r>
+          </a:p>
+          <a:p>
+            <a:endParaRPr lang="en-US" dirty="0"/>
+          </a:p>
+        </p:txBody>
+      </p:sp>
+      <p:sp>
+        <p:nvSpPr>
+          <p:cNvPr id="7" name="Slide Number Placeholder 6"/>
+          <p:cNvSpPr>
+            <a:spLocks noGrp="1"/>
+          </p:cNvSpPr>
+          <p:nvPr>
+            <p:ph type="sldNum" sz="quarter" idx="13"/>
+          </p:nvPr>
+        </p:nvSpPr>
+        <p:spPr/>
+        <p:txBody>
+          <a:bodyPr/>
+          <a:lstStyle/>
+          <a:p>
+            <a:fld id="{EC87E0CF-87F6-4B58-B8B8-DCAB2DAAF3CA}" type="slidenum">
+              <a:rPr lang="en-US" smtClean="0"/>
+              <a:pPr/>
+              <a:t>18</a:t>
             </a:fld>
             <a:endParaRPr lang="en-US" dirty="0"/>
           </a:p>
@@ -1744,12 +2027,24 @@
       </p:grpSpPr>
       <p:sp>
         <p:nvSpPr>
-          <p:cNvPr id="4" name="Header Placeholder 3"/>
+          <p:cNvPr id="2" name="Slide Image Placeholder 1"/>
+          <p:cNvSpPr>
+            <a:spLocks noGrp="1" noRot="1" noChangeAspect="1"/>
+          </p:cNvSpPr>
+          <p:nvPr>
+            <p:ph type="sldImg"/>
+          </p:nvPr>
+        </p:nvSpPr>
+        <p:spPr/>
+      </p:sp>
+      <p:sp>
+        <p:nvSpPr>
+          <p:cNvPr id="3" name="Notes Placeholder 2"/>
           <p:cNvSpPr>
             <a:spLocks noGrp="1"/>
           </p:cNvSpPr>
           <p:nvPr>
-            <p:ph type="hdr" sz="quarter" idx="10"/>
+            <p:ph type="body" idx="1"/>
           </p:nvPr>
         </p:nvSpPr>
         <p:spPr/>
@@ -1757,18 +2052,42 @@
           <a:bodyPr/>
           <a:lstStyle/>
           <a:p>
+            <a:r>
+              <a:rPr lang="en-US" dirty="0"/>
+              <a:t>https://</a:t>
+            </a:r>
+            <a:r>
+              <a:rPr lang="en-US" dirty="0" err="1"/>
+              <a:t>github.com</a:t>
+            </a:r>
+            <a:r>
+              <a:rPr lang="en-US" dirty="0"/>
+              <a:t>/</a:t>
+            </a:r>
+            <a:r>
+              <a:rPr lang="en-US" dirty="0" err="1"/>
+              <a:t>isidore</a:t>
+            </a:r>
+            <a:r>
+              <a:rPr lang="en-US" dirty="0"/>
+              <a:t>/Talks/blob/master/</a:t>
+            </a:r>
+            <a:r>
+              <a:rPr lang="en-US" dirty="0" err="1"/>
+              <a:t>Peel_and_Slice.md#peel-and-slice</a:t>
+            </a:r>
             <a:endParaRPr lang="en-US" dirty="0"/>
           </a:p>
         </p:txBody>
       </p:sp>
       <p:sp>
         <p:nvSpPr>
-          <p:cNvPr id="5" name="Date Placeholder 4"/>
+          <p:cNvPr id="4" name="Slide Number Placeholder 3"/>
           <p:cNvSpPr>
             <a:spLocks noGrp="1"/>
           </p:cNvSpPr>
           <p:nvPr>
-            <p:ph type="dt" idx="11"/>
+            <p:ph type="sldNum" sz="quarter" idx="5"/>
           </p:nvPr>
         </p:nvSpPr>
         <p:spPr/>
@@ -1776,69 +2095,7 @@
           <a:bodyPr/>
           <a:lstStyle/>
           <a:p>
-            <a:fld id="{81331B57-0BE5-4F82-AA58-76F53EFF3ADA}" type="datetime8">
-              <a:rPr lang="en-US" smtClean="0"/>
-              <a:pPr/>
-              <a:t>7/28/2014 8:27 PM</a:t>
-            </a:fld>
-            <a:endParaRPr lang="en-US"/>
-          </a:p>
-        </p:txBody>
-      </p:sp>
-      <p:sp>
-        <p:nvSpPr>
-          <p:cNvPr id="6" name="Footer Placeholder 5"/>
-          <p:cNvSpPr>
-            <a:spLocks noGrp="1"/>
-          </p:cNvSpPr>
-          <p:nvPr>
-            <p:ph type="ftr" sz="quarter" idx="12"/>
-          </p:nvPr>
-        </p:nvSpPr>
-        <p:spPr/>
-        <p:txBody>
-          <a:bodyPr/>
-          <a:lstStyle/>
-          <a:p>
-            <a:r>
-              <a:rPr lang="en-US" smtClean="0"/>
-              <a:t>© 2007 Microsoft Corporation. All rights reserved. Microsoft, Windows, Windows Vista and other product names are or may be registered trademarks and/or trademarks in the U.S. and/or other countries.</a:t>
-            </a:r>
-          </a:p>
-          <a:p>
-            <a:r>
-              <a:rPr lang="en-US" smtClean="0"/>
-              <a:t>The information herein is for informational purposes only and represents the current view of Microsoft Corporation as of the date of this presentation.  Because Microsoft must respond to changing market conditions, it should not be interpreted to be a commitment on the part of Microsoft, and Microsoft cannot guarantee the accuracy of any information provided after the date of this presentation.  </a:t>
-            </a:r>
-            <a:br>
-              <a:rPr lang="en-US" smtClean="0"/>
-            </a:br>
-            <a:r>
-              <a:rPr lang="en-US" smtClean="0"/>
-              <a:t>MICROSOFT MAKES NO WARRANTIES, EXPRESS, IMPLIED OR STATUTORY, AS TO THE INFORMATION IN THIS PRESENTATION.</a:t>
-            </a:r>
-          </a:p>
-          <a:p>
-            <a:endParaRPr lang="en-US" dirty="0"/>
-          </a:p>
-        </p:txBody>
-      </p:sp>
-      <p:sp>
-        <p:nvSpPr>
-          <p:cNvPr id="7" name="Slide Number Placeholder 6"/>
-          <p:cNvSpPr>
-            <a:spLocks noGrp="1"/>
-          </p:cNvSpPr>
-          <p:nvPr>
-            <p:ph type="sldNum" sz="quarter" idx="13"/>
-          </p:nvPr>
-        </p:nvSpPr>
-        <p:spPr/>
-        <p:txBody>
-          <a:bodyPr/>
-          <a:lstStyle/>
-          <a:p>
-            <a:fld id="{EC87E0CF-87F6-4B58-B8B8-DCAB2DAAF3CA}" type="slidenum">
+            <a:fld id="{8B263312-38AA-4E1E-B2B5-0F8F122B24FE}" type="slidenum">
               <a:rPr lang="en-US" smtClean="0"/>
               <a:pPr/>
               <a:t>2</a:t>
@@ -1847,48 +2104,10 @@
           </a:p>
         </p:txBody>
       </p:sp>
-      <p:sp>
-        <p:nvSpPr>
-          <p:cNvPr id="12" name="Slide Image Placeholder 11"/>
-          <p:cNvSpPr>
-            <a:spLocks noGrp="1" noRot="1" noChangeAspect="1"/>
-          </p:cNvSpPr>
-          <p:nvPr>
-            <p:ph type="sldImg"/>
-          </p:nvPr>
-        </p:nvSpPr>
-        <p:spPr>
-          <a:xfrm>
-            <a:off x="914400" y="457200"/>
-            <a:ext cx="4978400" cy="2801938"/>
-          </a:xfrm>
-        </p:spPr>
-      </p:sp>
-      <p:sp>
-        <p:nvSpPr>
-          <p:cNvPr id="13" name="Notes Placeholder 12"/>
-          <p:cNvSpPr>
-            <a:spLocks noGrp="1"/>
-          </p:cNvSpPr>
-          <p:nvPr>
-            <p:ph type="body" idx="1"/>
-          </p:nvPr>
-        </p:nvSpPr>
-        <p:spPr/>
-        <p:txBody>
-          <a:bodyPr>
-            <a:normAutofit/>
-          </a:bodyPr>
-          <a:lstStyle/>
-          <a:p>
-            <a:endParaRPr lang="en-US"/>
-          </a:p>
-        </p:txBody>
-      </p:sp>
     </p:spTree>
     <p:extLst>
       <p:ext uri="{BB962C8B-B14F-4D97-AF65-F5344CB8AC3E}">
-        <p14:creationId xmlns:p14="http://schemas.microsoft.com/office/powerpoint/2010/main" val="541934937"/>
+        <p14:creationId xmlns:p14="http://schemas.microsoft.com/office/powerpoint/2010/main" val="83011141"/>
       </p:ext>
     </p:extLst>
   </p:cSld>
@@ -1917,12 +2136,12 @@
       </p:grpSpPr>
       <p:sp>
         <p:nvSpPr>
-          <p:cNvPr id="4" name="Slide Number Placeholder 3"/>
+          <p:cNvPr id="4" name="Header Placeholder 3"/>
           <p:cNvSpPr>
             <a:spLocks noGrp="1"/>
           </p:cNvSpPr>
           <p:nvPr>
-            <p:ph type="sldNum" sz="quarter" idx="10"/>
+            <p:ph type="hdr" sz="quarter" idx="10"/>
           </p:nvPr>
         </p:nvSpPr>
         <p:spPr/>
@@ -1930,10 +2149,91 @@
           <a:bodyPr/>
           <a:lstStyle/>
           <a:p>
-            <a:fld id="{8B263312-38AA-4E1E-B2B5-0F8F122B24FE}" type="slidenum">
+            <a:endParaRPr lang="en-US" dirty="0"/>
+          </a:p>
+        </p:txBody>
+      </p:sp>
+      <p:sp>
+        <p:nvSpPr>
+          <p:cNvPr id="5" name="Date Placeholder 4"/>
+          <p:cNvSpPr>
+            <a:spLocks noGrp="1"/>
+          </p:cNvSpPr>
+          <p:nvPr>
+            <p:ph type="dt" idx="11"/>
+          </p:nvPr>
+        </p:nvSpPr>
+        <p:spPr/>
+        <p:txBody>
+          <a:bodyPr/>
+          <a:lstStyle/>
+          <a:p>
+            <a:fld id="{81331B57-0BE5-4F82-AA58-76F53EFF3ADA}" type="datetime8">
               <a:rPr lang="en-US" smtClean="0"/>
               <a:pPr/>
-              <a:t>4</a:t>
+              <a:t>3/7/23 11:50 AM</a:t>
+            </a:fld>
+            <a:endParaRPr lang="en-US"/>
+          </a:p>
+        </p:txBody>
+      </p:sp>
+      <p:sp>
+        <p:nvSpPr>
+          <p:cNvPr id="6" name="Footer Placeholder 5"/>
+          <p:cNvSpPr>
+            <a:spLocks noGrp="1"/>
+          </p:cNvSpPr>
+          <p:nvPr>
+            <p:ph type="ftr" sz="quarter" idx="12"/>
+          </p:nvPr>
+        </p:nvSpPr>
+        <p:spPr/>
+        <p:txBody>
+          <a:bodyPr/>
+          <a:lstStyle/>
+          <a:p>
+            <a:r>
+              <a:rPr lang="en-US"/>
+              <a:t>© 2007 Microsoft Corporation. All rights reserved. Microsoft, Windows, Windows Vista and other product names are or may be registered trademarks and/or trademarks in the U.S. and/or other countries.</a:t>
+            </a:r>
+          </a:p>
+          <a:p>
+            <a:r>
+              <a:rPr lang="en-US"/>
+              <a:t>The information herein is for informational purposes only and represents the current view of Microsoft Corporation as of the date of this presentation.  Because Microsoft must respond to changing market conditions, it should not be interpreted to be a commitment on the part of Microsoft, and Microsoft cannot guarantee the accuracy of any information provided after the date of this presentation.  </a:t>
+            </a:r>
+            <a:br>
+              <a:rPr lang="en-US"/>
+            </a:br>
+            <a:r>
+              <a:rPr lang="en-US"/>
+              <a:t>MICROSOFT MAKES NO WARRANTIES, EXPRESS, IMPLIED OR STATUTORY, AS TO THE INFORMATION IN THIS PRESENTATION.</a:t>
+            </a:r>
+          </a:p>
+          <a:p>
+            <a:endParaRPr lang="en-US" dirty="0"/>
+          </a:p>
+        </p:txBody>
+      </p:sp>
+      <p:sp>
+        <p:nvSpPr>
+          <p:cNvPr id="7" name="Slide Number Placeholder 6"/>
+          <p:cNvSpPr>
+            <a:spLocks noGrp="1"/>
+          </p:cNvSpPr>
+          <p:nvPr>
+            <p:ph type="sldNum" sz="quarter" idx="13"/>
+          </p:nvPr>
+        </p:nvSpPr>
+        <p:spPr/>
+        <p:txBody>
+          <a:bodyPr/>
+          <a:lstStyle/>
+          <a:p>
+            <a:fld id="{EC87E0CF-87F6-4B58-B8B8-DCAB2DAAF3CA}" type="slidenum">
+              <a:rPr lang="en-US" smtClean="0"/>
+              <a:pPr/>
+              <a:t>3</a:t>
             </a:fld>
             <a:endParaRPr lang="en-US" dirty="0"/>
           </a:p>
@@ -1941,7 +2241,7 @@
       </p:sp>
       <p:sp>
         <p:nvSpPr>
-          <p:cNvPr id="6" name="Slide Image Placeholder 5"/>
+          <p:cNvPr id="12" name="Slide Image Placeholder 11"/>
           <p:cNvSpPr>
             <a:spLocks noGrp="1" noRot="1" noChangeAspect="1"/>
           </p:cNvSpPr>
@@ -1958,7 +2258,7 @@
       </p:sp>
       <p:sp>
         <p:nvSpPr>
-          <p:cNvPr id="7" name="Notes Placeholder 6"/>
+          <p:cNvPr id="13" name="Notes Placeholder 12"/>
           <p:cNvSpPr>
             <a:spLocks noGrp="1"/>
           </p:cNvSpPr>
@@ -1980,7 +2280,7 @@
     </p:spTree>
     <p:extLst>
       <p:ext uri="{BB962C8B-B14F-4D97-AF65-F5344CB8AC3E}">
-        <p14:creationId xmlns:p14="http://schemas.microsoft.com/office/powerpoint/2010/main" val="3232806421"/>
+        <p14:creationId xmlns:p14="http://schemas.microsoft.com/office/powerpoint/2010/main" val="541934937"/>
       </p:ext>
     </p:extLst>
   </p:cSld>
@@ -2072,7 +2372,7 @@
     </p:spTree>
     <p:extLst>
       <p:ext uri="{BB962C8B-B14F-4D97-AF65-F5344CB8AC3E}">
-        <p14:creationId xmlns:p14="http://schemas.microsoft.com/office/powerpoint/2010/main" val="2251530651"/>
+        <p14:creationId xmlns:p14="http://schemas.microsoft.com/office/powerpoint/2010/main" val="3232806421"/>
       </p:ext>
     </p:extLst>
   </p:cSld>
@@ -2164,7 +2464,7 @@
     </p:spTree>
     <p:extLst>
       <p:ext uri="{BB962C8B-B14F-4D97-AF65-F5344CB8AC3E}">
-        <p14:creationId xmlns:p14="http://schemas.microsoft.com/office/powerpoint/2010/main" val="3232806421"/>
+        <p14:creationId xmlns:p14="http://schemas.microsoft.com/office/powerpoint/2010/main" val="2251530651"/>
       </p:ext>
     </p:extLst>
   </p:cSld>
@@ -2256,7 +2556,7 @@
     </p:spTree>
     <p:extLst>
       <p:ext uri="{BB962C8B-B14F-4D97-AF65-F5344CB8AC3E}">
-        <p14:creationId xmlns:p14="http://schemas.microsoft.com/office/powerpoint/2010/main" val="2251530651"/>
+        <p14:creationId xmlns:p14="http://schemas.microsoft.com/office/powerpoint/2010/main" val="3232806421"/>
       </p:ext>
     </p:extLst>
   </p:cSld>
@@ -2301,7 +2601,7 @@
             <a:fld id="{8B263312-38AA-4E1E-B2B5-0F8F122B24FE}" type="slidenum">
               <a:rPr lang="en-US" smtClean="0"/>
               <a:pPr/>
-              <a:t>9</a:t>
+              <a:t>8</a:t>
             </a:fld>
             <a:endParaRPr lang="en-US" dirty="0"/>
           </a:p>
@@ -2348,7 +2648,7 @@
     </p:spTree>
     <p:extLst>
       <p:ext uri="{BB962C8B-B14F-4D97-AF65-F5344CB8AC3E}">
-        <p14:creationId xmlns:p14="http://schemas.microsoft.com/office/powerpoint/2010/main" val="507209669"/>
+        <p14:creationId xmlns:p14="http://schemas.microsoft.com/office/powerpoint/2010/main" val="2251530651"/>
       </p:ext>
     </p:extLst>
   </p:cSld>
@@ -2377,12 +2677,12 @@
       </p:grpSpPr>
       <p:sp>
         <p:nvSpPr>
-          <p:cNvPr id="4" name="Header Placeholder 3"/>
+          <p:cNvPr id="4" name="Slide Number Placeholder 3"/>
           <p:cNvSpPr>
             <a:spLocks noGrp="1"/>
           </p:cNvSpPr>
           <p:nvPr>
-            <p:ph type="hdr" sz="quarter" idx="10"/>
+            <p:ph type="sldNum" sz="quarter" idx="10"/>
           </p:nvPr>
         </p:nvSpPr>
         <p:spPr/>
@@ -2390,91 +2690,10 @@
           <a:bodyPr/>
           <a:lstStyle/>
           <a:p>
-            <a:endParaRPr lang="en-US" dirty="0"/>
-          </a:p>
-        </p:txBody>
-      </p:sp>
-      <p:sp>
-        <p:nvSpPr>
-          <p:cNvPr id="5" name="Date Placeholder 4"/>
-          <p:cNvSpPr>
-            <a:spLocks noGrp="1"/>
-          </p:cNvSpPr>
-          <p:nvPr>
-            <p:ph type="dt" idx="11"/>
-          </p:nvPr>
-        </p:nvSpPr>
-        <p:spPr/>
-        <p:txBody>
-          <a:bodyPr/>
-          <a:lstStyle/>
-          <a:p>
-            <a:fld id="{81331B57-0BE5-4F82-AA58-76F53EFF3ADA}" type="datetime8">
+            <a:fld id="{8B263312-38AA-4E1E-B2B5-0F8F122B24FE}" type="slidenum">
               <a:rPr lang="en-US" smtClean="0"/>
               <a:pPr/>
-              <a:t>7/28/2014 8:27 PM</a:t>
-            </a:fld>
-            <a:endParaRPr lang="en-US"/>
-          </a:p>
-        </p:txBody>
-      </p:sp>
-      <p:sp>
-        <p:nvSpPr>
-          <p:cNvPr id="6" name="Footer Placeholder 5"/>
-          <p:cNvSpPr>
-            <a:spLocks noGrp="1"/>
-          </p:cNvSpPr>
-          <p:nvPr>
-            <p:ph type="ftr" sz="quarter" idx="12"/>
-          </p:nvPr>
-        </p:nvSpPr>
-        <p:spPr/>
-        <p:txBody>
-          <a:bodyPr/>
-          <a:lstStyle/>
-          <a:p>
-            <a:r>
-              <a:rPr lang="en-US" smtClean="0"/>
-              <a:t>© 2007 Microsoft Corporation. All rights reserved. Microsoft, Windows, Windows Vista and other product names are or may be registered trademarks and/or trademarks in the U.S. and/or other countries.</a:t>
-            </a:r>
-          </a:p>
-          <a:p>
-            <a:r>
-              <a:rPr lang="en-US" smtClean="0"/>
-              <a:t>The information herein is for informational purposes only and represents the current view of Microsoft Corporation as of the date of this presentation.  Because Microsoft must respond to changing market conditions, it should not be interpreted to be a commitment on the part of Microsoft, and Microsoft cannot guarantee the accuracy of any information provided after the date of this presentation.  </a:t>
-            </a:r>
-            <a:br>
-              <a:rPr lang="en-US" smtClean="0"/>
-            </a:br>
-            <a:r>
-              <a:rPr lang="en-US" smtClean="0"/>
-              <a:t>MICROSOFT MAKES NO WARRANTIES, EXPRESS, IMPLIED OR STATUTORY, AS TO THE INFORMATION IN THIS PRESENTATION.</a:t>
-            </a:r>
-          </a:p>
-          <a:p>
-            <a:endParaRPr lang="en-US" dirty="0"/>
-          </a:p>
-        </p:txBody>
-      </p:sp>
-      <p:sp>
-        <p:nvSpPr>
-          <p:cNvPr id="7" name="Slide Number Placeholder 6"/>
-          <p:cNvSpPr>
-            <a:spLocks noGrp="1"/>
-          </p:cNvSpPr>
-          <p:nvPr>
-            <p:ph type="sldNum" sz="quarter" idx="13"/>
-          </p:nvPr>
-        </p:nvSpPr>
-        <p:spPr/>
-        <p:txBody>
-          <a:bodyPr/>
-          <a:lstStyle/>
-          <a:p>
-            <a:fld id="{EC87E0CF-87F6-4B58-B8B8-DCAB2DAAF3CA}" type="slidenum">
-              <a:rPr lang="en-US" smtClean="0"/>
-              <a:pPr/>
-              <a:t>11</a:t>
+              <a:t>10</a:t>
             </a:fld>
             <a:endParaRPr lang="en-US" dirty="0"/>
           </a:p>
@@ -2482,7 +2701,7 @@
       </p:sp>
       <p:sp>
         <p:nvSpPr>
-          <p:cNvPr id="12" name="Slide Image Placeholder 11"/>
+          <p:cNvPr id="6" name="Slide Image Placeholder 5"/>
           <p:cNvSpPr>
             <a:spLocks noGrp="1" noRot="1" noChangeAspect="1"/>
           </p:cNvSpPr>
@@ -2499,7 +2718,7 @@
       </p:sp>
       <p:sp>
         <p:nvSpPr>
-          <p:cNvPr id="13" name="Notes Placeholder 12"/>
+          <p:cNvPr id="7" name="Notes Placeholder 6"/>
           <p:cNvSpPr>
             <a:spLocks noGrp="1"/>
           </p:cNvSpPr>
@@ -2521,7 +2740,7 @@
     </p:spTree>
     <p:extLst>
       <p:ext uri="{BB962C8B-B14F-4D97-AF65-F5344CB8AC3E}">
-        <p14:creationId xmlns:p14="http://schemas.microsoft.com/office/powerpoint/2010/main" val="64357455"/>
+        <p14:creationId xmlns:p14="http://schemas.microsoft.com/office/powerpoint/2010/main" val="507209669"/>
       </p:ext>
     </p:extLst>
   </p:cSld>
@@ -2585,7 +2804,7 @@
             <a:fld id="{81331B57-0BE5-4F82-AA58-76F53EFF3ADA}" type="datetime8">
               <a:rPr lang="en-US" smtClean="0"/>
               <a:pPr/>
-              <a:t>7/28/2014 8:27 PM</a:t>
+              <a:t>3/7/23 11:57 AM</a:t>
             </a:fld>
             <a:endParaRPr lang="en-US"/>
           </a:p>
@@ -2607,20 +2826,20 @@
           <a:lstStyle/>
           <a:p>
             <a:r>
-              <a:rPr lang="en-US" smtClean="0"/>
+              <a:rPr lang="en-US"/>
               <a:t>© 2007 Microsoft Corporation. All rights reserved. Microsoft, Windows, Windows Vista and other product names are or may be registered trademarks and/or trademarks in the U.S. and/or other countries.</a:t>
             </a:r>
           </a:p>
           <a:p>
             <a:r>
-              <a:rPr lang="en-US" smtClean="0"/>
+              <a:rPr lang="en-US"/>
               <a:t>The information herein is for informational purposes only and represents the current view of Microsoft Corporation as of the date of this presentation.  Because Microsoft must respond to changing market conditions, it should not be interpreted to be a commitment on the part of Microsoft, and Microsoft cannot guarantee the accuracy of any information provided after the date of this presentation.  </a:t>
             </a:r>
             <a:br>
-              <a:rPr lang="en-US" smtClean="0"/>
+              <a:rPr lang="en-US"/>
             </a:br>
             <a:r>
-              <a:rPr lang="en-US" smtClean="0"/>
+              <a:rPr lang="en-US"/>
               <a:t>MICROSOFT MAKES NO WARRANTIES, EXPRESS, IMPLIED OR STATUTORY, AS TO THE INFORMATION IN THIS PRESENTATION.</a:t>
             </a:r>
           </a:p>
@@ -2694,7 +2913,7 @@
     </p:spTree>
     <p:extLst>
       <p:ext uri="{BB962C8B-B14F-4D97-AF65-F5344CB8AC3E}">
-        <p14:creationId xmlns:p14="http://schemas.microsoft.com/office/powerpoint/2010/main" val="414892857"/>
+        <p14:creationId xmlns:p14="http://schemas.microsoft.com/office/powerpoint/2010/main" val="64357455"/>
       </p:ext>
     </p:extLst>
   </p:cSld>
@@ -2823,13 +3042,6 @@
   <p:transition>
     <p:fade/>
   </p:transition>
-  <p:timing>
-    <p:tnLst>
-      <p:par>
-        <p:cTn id="1" dur="indefinite" restart="never" nodeType="tmRoot"/>
-      </p:par>
-    </p:tnLst>
-  </p:timing>
 </p:sldLayout>
 </file>
 
@@ -2986,7 +3198,7 @@
           </a:lstStyle>
           <a:p>
             <a:r>
-              <a:rPr lang="en-US" smtClean="0"/>
+              <a:rPr lang="en-US"/>
               <a:t>Click to edit Master subtitle style</a:t>
             </a:r>
             <a:endParaRPr lang="en-US" dirty="0"/>
@@ -3028,7 +3240,7 @@
           </a:lstStyle>
           <a:p>
             <a:r>
-              <a:rPr lang="en-US" smtClean="0"/>
+              <a:rPr lang="en-US"/>
               <a:t>Click to edit Master title style</a:t>
             </a:r>
             <a:endParaRPr lang="en-US" dirty="0"/>
@@ -3163,7 +3375,7 @@
           </a:lstStyle>
           <a:p>
             <a:r>
-              <a:rPr lang="en-US" smtClean="0"/>
+              <a:rPr lang="en-US"/>
               <a:t>Click to edit Master title style</a:t>
             </a:r>
             <a:endParaRPr lang="en-US" dirty="0"/>
@@ -3223,35 +3435,35 @@
           <a:p>
             <a:pPr lvl="0"/>
             <a:r>
-              <a:rPr lang="en-US" smtClean="0"/>
+              <a:rPr lang="en-US"/>
               <a:t>Click to edit Master text styles</a:t>
             </a:r>
           </a:p>
           <a:p>
             <a:pPr lvl="1"/>
             <a:r>
-              <a:rPr lang="en-US" smtClean="0"/>
+              <a:rPr lang="en-US"/>
               <a:t>Second level</a:t>
             </a:r>
           </a:p>
           <a:p>
             <a:pPr lvl="2"/>
             <a:r>
-              <a:rPr lang="en-US" smtClean="0"/>
+              <a:rPr lang="en-US"/>
               <a:t>Third level</a:t>
             </a:r>
           </a:p>
           <a:p>
             <a:pPr lvl="3"/>
             <a:r>
-              <a:rPr lang="en-US" smtClean="0"/>
+              <a:rPr lang="en-US"/>
               <a:t>Fourth level</a:t>
             </a:r>
           </a:p>
           <a:p>
             <a:pPr lvl="4"/>
             <a:r>
-              <a:rPr lang="en-US" smtClean="0"/>
+              <a:rPr lang="en-US"/>
               <a:t>Fifth level</a:t>
             </a:r>
             <a:endParaRPr lang="en-US" dirty="0"/>
@@ -3306,7 +3518,7 @@
           </a:lstStyle>
           <a:p>
             <a:r>
-              <a:rPr lang="en-US" smtClean="0"/>
+              <a:rPr lang="en-US"/>
               <a:t>Click to edit Master title style</a:t>
             </a:r>
             <a:endParaRPr lang="en-US" dirty="0"/>
@@ -3378,35 +3590,35 @@
           <a:p>
             <a:pPr lvl="0"/>
             <a:r>
-              <a:rPr lang="en-US" smtClean="0"/>
+              <a:rPr lang="en-US"/>
               <a:t>Click to edit Master text styles</a:t>
             </a:r>
           </a:p>
           <a:p>
             <a:pPr lvl="1"/>
             <a:r>
-              <a:rPr lang="en-US" smtClean="0"/>
+              <a:rPr lang="en-US"/>
               <a:t>Second level</a:t>
             </a:r>
           </a:p>
           <a:p>
             <a:pPr lvl="2"/>
             <a:r>
-              <a:rPr lang="en-US" smtClean="0"/>
+              <a:rPr lang="en-US"/>
               <a:t>Third level</a:t>
             </a:r>
           </a:p>
           <a:p>
             <a:pPr lvl="3"/>
             <a:r>
-              <a:rPr lang="en-US" smtClean="0"/>
+              <a:rPr lang="en-US"/>
               <a:t>Fourth level</a:t>
             </a:r>
           </a:p>
           <a:p>
             <a:pPr lvl="4"/>
             <a:r>
-              <a:rPr lang="en-US" smtClean="0"/>
+              <a:rPr lang="en-US"/>
               <a:t>Fifth level</a:t>
             </a:r>
             <a:endParaRPr lang="en-US" dirty="0"/>
@@ -3478,35 +3690,35 @@
           <a:p>
             <a:pPr lvl="0"/>
             <a:r>
-              <a:rPr lang="en-US" smtClean="0"/>
+              <a:rPr lang="en-US"/>
               <a:t>Click to edit Master text styles</a:t>
             </a:r>
           </a:p>
           <a:p>
             <a:pPr lvl="1"/>
             <a:r>
-              <a:rPr lang="en-US" smtClean="0"/>
+              <a:rPr lang="en-US"/>
               <a:t>Second level</a:t>
             </a:r>
           </a:p>
           <a:p>
             <a:pPr lvl="2"/>
             <a:r>
-              <a:rPr lang="en-US" smtClean="0"/>
+              <a:rPr lang="en-US"/>
               <a:t>Third level</a:t>
             </a:r>
           </a:p>
           <a:p>
             <a:pPr lvl="3"/>
             <a:r>
-              <a:rPr lang="en-US" smtClean="0"/>
+              <a:rPr lang="en-US"/>
               <a:t>Fourth level</a:t>
             </a:r>
           </a:p>
           <a:p>
             <a:pPr lvl="4"/>
             <a:r>
-              <a:rPr lang="en-US" smtClean="0"/>
+              <a:rPr lang="en-US"/>
               <a:t>Fifth level</a:t>
             </a:r>
             <a:endParaRPr lang="en-US" dirty="0"/>
@@ -3561,7 +3773,7 @@
           </a:lstStyle>
           <a:p>
             <a:r>
-              <a:rPr lang="en-US" smtClean="0"/>
+              <a:rPr lang="en-US"/>
               <a:t>Click to edit Master title style</a:t>
             </a:r>
             <a:endParaRPr lang="en-US" dirty="0"/>
@@ -3633,7 +3845,7 @@
           <a:p>
             <a:pPr lvl="0"/>
             <a:r>
-              <a:rPr lang="en-US" smtClean="0"/>
+              <a:rPr lang="en-US"/>
               <a:t>Click to edit Master text styles</a:t>
             </a:r>
           </a:p>
@@ -3689,35 +3901,35 @@
           <a:p>
             <a:pPr lvl="0"/>
             <a:r>
-              <a:rPr lang="en-US" smtClean="0"/>
+              <a:rPr lang="en-US"/>
               <a:t>Click to edit Master text styles</a:t>
             </a:r>
           </a:p>
           <a:p>
             <a:pPr lvl="1"/>
             <a:r>
-              <a:rPr lang="en-US" smtClean="0"/>
+              <a:rPr lang="en-US"/>
               <a:t>Second level</a:t>
             </a:r>
           </a:p>
           <a:p>
             <a:pPr lvl="2"/>
             <a:r>
-              <a:rPr lang="en-US" smtClean="0"/>
+              <a:rPr lang="en-US"/>
               <a:t>Third level</a:t>
             </a:r>
           </a:p>
           <a:p>
             <a:pPr lvl="3"/>
             <a:r>
-              <a:rPr lang="en-US" smtClean="0"/>
+              <a:rPr lang="en-US"/>
               <a:t>Fourth level</a:t>
             </a:r>
           </a:p>
           <a:p>
             <a:pPr lvl="4"/>
             <a:r>
-              <a:rPr lang="en-US" smtClean="0"/>
+              <a:rPr lang="en-US"/>
               <a:t>Fifth level</a:t>
             </a:r>
             <a:endParaRPr lang="en-US" dirty="0"/>
@@ -3789,7 +4001,7 @@
           <a:p>
             <a:pPr lvl="0"/>
             <a:r>
-              <a:rPr lang="en-US" smtClean="0"/>
+              <a:rPr lang="en-US"/>
               <a:t>Click to edit Master text styles</a:t>
             </a:r>
           </a:p>
@@ -3845,35 +4057,35 @@
           <a:p>
             <a:pPr lvl="0"/>
             <a:r>
-              <a:rPr lang="en-US" smtClean="0"/>
+              <a:rPr lang="en-US"/>
               <a:t>Click to edit Master text styles</a:t>
             </a:r>
           </a:p>
           <a:p>
             <a:pPr lvl="1"/>
             <a:r>
-              <a:rPr lang="en-US" smtClean="0"/>
+              <a:rPr lang="en-US"/>
               <a:t>Second level</a:t>
             </a:r>
           </a:p>
           <a:p>
             <a:pPr lvl="2"/>
             <a:r>
-              <a:rPr lang="en-US" smtClean="0"/>
+              <a:rPr lang="en-US"/>
               <a:t>Third level</a:t>
             </a:r>
           </a:p>
           <a:p>
             <a:pPr lvl="3"/>
             <a:r>
-              <a:rPr lang="en-US" smtClean="0"/>
+              <a:rPr lang="en-US"/>
               <a:t>Fourth level</a:t>
             </a:r>
           </a:p>
           <a:p>
             <a:pPr lvl="4"/>
             <a:r>
-              <a:rPr lang="en-US" smtClean="0"/>
+              <a:rPr lang="en-US"/>
               <a:t>Fifth level</a:t>
             </a:r>
             <a:endParaRPr lang="en-US" dirty="0"/>
@@ -3928,7 +4140,7 @@
           </a:lstStyle>
           <a:p>
             <a:r>
-              <a:rPr lang="en-US" smtClean="0"/>
+              <a:rPr lang="en-US"/>
               <a:t>Click to edit Master title style</a:t>
             </a:r>
             <a:endParaRPr lang="en-US" dirty="0"/>
@@ -4021,7 +4233,7 @@
           <a:lstStyle/>
           <a:p>
             <a:pPr algn="ctr" defTabSz="914099"/>
-            <a:endParaRPr lang="en-US" sz="2000" b="0" cap="none" spc="0" dirty="0" smtClean="0">
+            <a:endParaRPr lang="en-US" sz="2000" b="0" cap="none" spc="0" dirty="0">
               <a:ln>
                 <a:noFill/>
               </a:ln>
@@ -4054,7 +4266,7 @@
           </a:lstStyle>
           <a:p>
             <a:r>
-              <a:rPr lang="en-US" smtClean="0"/>
+              <a:rPr lang="en-US"/>
               <a:t>Click to edit Master title style</a:t>
             </a:r>
             <a:endParaRPr lang="en-US" dirty="0"/>
@@ -4154,35 +4366,35 @@
           <a:p>
             <a:pPr lvl="0"/>
             <a:r>
-              <a:rPr lang="en-US" smtClean="0"/>
+              <a:rPr lang="en-US"/>
               <a:t>Click to edit Master text styles</a:t>
             </a:r>
           </a:p>
           <a:p>
             <a:pPr lvl="1"/>
             <a:r>
-              <a:rPr lang="en-US" smtClean="0"/>
+              <a:rPr lang="en-US"/>
               <a:t>Second level</a:t>
             </a:r>
           </a:p>
           <a:p>
             <a:pPr lvl="2"/>
             <a:r>
-              <a:rPr lang="en-US" smtClean="0"/>
+              <a:rPr lang="en-US"/>
               <a:t>Third level</a:t>
             </a:r>
           </a:p>
           <a:p>
             <a:pPr lvl="3"/>
             <a:r>
-              <a:rPr lang="en-US" smtClean="0"/>
+              <a:rPr lang="en-US"/>
               <a:t>Fourth level</a:t>
             </a:r>
           </a:p>
           <a:p>
             <a:pPr lvl="4"/>
             <a:r>
-              <a:rPr lang="en-US" smtClean="0"/>
+              <a:rPr lang="en-US"/>
               <a:t>Fifth level</a:t>
             </a:r>
             <a:endParaRPr lang="en-US" dirty="0"/>
@@ -4471,7 +4683,7 @@
           <a:lstStyle/>
           <a:p>
             <a:r>
-              <a:rPr lang="en-US" smtClean="0"/>
+              <a:rPr lang="en-US"/>
               <a:t>Click to edit Master title style</a:t>
             </a:r>
             <a:endParaRPr lang="en-US" dirty="0"/>
@@ -4505,35 +4717,35 @@
           <a:p>
             <a:pPr lvl="0"/>
             <a:r>
-              <a:rPr lang="en-US" smtClean="0"/>
+              <a:rPr lang="en-US"/>
               <a:t>Click to edit Master text styles</a:t>
             </a:r>
           </a:p>
           <a:p>
             <a:pPr lvl="1"/>
             <a:r>
-              <a:rPr lang="en-US" smtClean="0"/>
+              <a:rPr lang="en-US"/>
               <a:t>Second level</a:t>
             </a:r>
           </a:p>
           <a:p>
             <a:pPr lvl="2"/>
             <a:r>
-              <a:rPr lang="en-US" smtClean="0"/>
+              <a:rPr lang="en-US"/>
               <a:t>Third level</a:t>
             </a:r>
           </a:p>
           <a:p>
             <a:pPr lvl="3"/>
             <a:r>
-              <a:rPr lang="en-US" smtClean="0"/>
+              <a:rPr lang="en-US"/>
               <a:t>Fourth level</a:t>
             </a:r>
           </a:p>
           <a:p>
             <a:pPr lvl="4"/>
             <a:r>
-              <a:rPr lang="en-US" smtClean="0"/>
+              <a:rPr lang="en-US"/>
               <a:t>Fifth level</a:t>
             </a:r>
             <a:endParaRPr lang="en-US" dirty="0"/>
@@ -4715,13 +4927,6 @@
   <p:transition>
     <p:fade/>
   </p:transition>
-  <p:timing>
-    <p:tnLst>
-      <p:par>
-        <p:cTn id="1" dur="indefinite" restart="never" nodeType="tmRoot"/>
-      </p:par>
-    </p:tnLst>
-  </p:timing>
   <p:txStyles>
     <p:titleStyle>
       <a:lvl1pPr algn="l" defTabSz="914363" rtl="0" eaLnBrk="1" latinLnBrk="0" hangingPunct="1">
@@ -5050,7 +5255,7 @@
           <a:lstStyle/>
           <a:p>
             <a:r>
-              <a:rPr lang="en-US" dirty="0" smtClean="0"/>
+              <a:rPr lang="en-US" dirty="0"/>
               <a:t>Bug #54</a:t>
             </a:r>
             <a:endParaRPr sz="3600" dirty="0">
@@ -5083,7 +5288,7 @@
           <a:lstStyle/>
           <a:p>
             <a:r>
-              <a:rPr lang="en-US" sz="3600" dirty="0" smtClean="0">
+              <a:rPr lang="en-US" sz="3600" dirty="0">
                 <a:solidFill>
                   <a:schemeClr val="accent1"/>
                 </a:solidFill>
@@ -5095,6 +5300,1058 @@
         </p:txBody>
       </p:sp>
     </p:spTree>
+  </p:cSld>
+  <p:clrMapOvr>
+    <a:masterClrMapping/>
+  </p:clrMapOvr>
+  <p:transition>
+    <p:fade/>
+  </p:transition>
+</p:sld>
+</file>
+
+<file path=ppt/slides/slide10.xml><?xml version="1.0" encoding="utf-8"?>
+<p:sld xmlns:a="http://schemas.openxmlformats.org/drawingml/2006/main" xmlns:r="http://schemas.openxmlformats.org/officeDocument/2006/relationships" xmlns:p="http://schemas.openxmlformats.org/presentationml/2006/main">
+  <p:cSld>
+    <p:spTree>
+      <p:nvGrpSpPr>
+        <p:cNvPr id="1" name=""/>
+        <p:cNvGrpSpPr/>
+        <p:nvPr/>
+      </p:nvGrpSpPr>
+      <p:grpSpPr>
+        <a:xfrm>
+          <a:off x="0" y="0"/>
+          <a:ext cx="0" cy="0"/>
+          <a:chOff x="0" y="0"/>
+          <a:chExt cx="0" cy="0"/>
+        </a:xfrm>
+      </p:grpSpPr>
+      <p:sp>
+        <p:nvSpPr>
+          <p:cNvPr id="2" name="TextBox 1"/>
+          <p:cNvSpPr txBox="1"/>
+          <p:nvPr/>
+        </p:nvSpPr>
+        <p:spPr>
+          <a:xfrm>
+            <a:off x="0" y="901095"/>
+            <a:ext cx="9144000" cy="3539430"/>
+          </a:xfrm>
+          <a:prstGeom prst="rect">
+            <a:avLst/>
+          </a:prstGeom>
+          <a:noFill/>
+        </p:spPr>
+        <p:txBody>
+          <a:bodyPr wrap="square" rtlCol="0">
+            <a:spAutoFit/>
+          </a:bodyPr>
+          <a:lstStyle/>
+          <a:p>
+            <a:r>
+              <a:rPr lang="en-US" sz="1600" dirty="0">
+                <a:solidFill>
+                  <a:srgbClr val="931968"/>
+                </a:solidFill>
+                <a:latin typeface="Lucida Console" panose="020B0609040504020204" pitchFamily="49" charset="0"/>
+                <a:ea typeface="Monaco"/>
+                <a:cs typeface="Monaco"/>
+              </a:rPr>
+              <a:t>public</a:t>
+            </a:r>
+            <a:r>
+              <a:rPr lang="en-US" sz="1600" dirty="0">
+                <a:solidFill>
+                  <a:srgbClr val="000000"/>
+                </a:solidFill>
+                <a:latin typeface="Lucida Console" panose="020B0609040504020204" pitchFamily="49" charset="0"/>
+                <a:ea typeface="Monaco"/>
+                <a:cs typeface="Monaco"/>
+              </a:rPr>
+              <a:t> </a:t>
+            </a:r>
+            <a:r>
+              <a:rPr lang="en-US" sz="1600" dirty="0">
+                <a:solidFill>
+                  <a:srgbClr val="931968"/>
+                </a:solidFill>
+                <a:latin typeface="Lucida Console" panose="020B0609040504020204" pitchFamily="49" charset="0"/>
+                <a:ea typeface="Monaco"/>
+                <a:cs typeface="Monaco"/>
+              </a:rPr>
+              <a:t>void</a:t>
+            </a:r>
+            <a:r>
+              <a:rPr lang="en-US" sz="1600" dirty="0">
+                <a:solidFill>
+                  <a:srgbClr val="000000"/>
+                </a:solidFill>
+                <a:latin typeface="Lucida Console" panose="020B0609040504020204" pitchFamily="49" charset="0"/>
+                <a:ea typeface="Monaco"/>
+                <a:cs typeface="Monaco"/>
+              </a:rPr>
+              <a:t> </a:t>
+            </a:r>
+            <a:r>
+              <a:rPr lang="en-US" sz="1600" dirty="0" err="1">
+                <a:solidFill>
+                  <a:srgbClr val="000000"/>
+                </a:solidFill>
+                <a:latin typeface="Lucida Console" panose="020B0609040504020204" pitchFamily="49" charset="0"/>
+                <a:ea typeface="Monaco"/>
+                <a:cs typeface="Monaco"/>
+              </a:rPr>
+              <a:t>escalateProblems</a:t>
+            </a:r>
+            <a:r>
+              <a:rPr lang="en-US" sz="1600" dirty="0">
+                <a:solidFill>
+                  <a:srgbClr val="000000"/>
+                </a:solidFill>
+                <a:latin typeface="Lucida Console" panose="020B0609040504020204" pitchFamily="49" charset="0"/>
+                <a:ea typeface="Monaco"/>
+                <a:cs typeface="Monaco"/>
+              </a:rPr>
+              <a:t>(Loan[] loans, Connection conn)</a:t>
+            </a:r>
+          </a:p>
+          <a:p>
+            <a:r>
+              <a:rPr lang="en-US" sz="1600" dirty="0">
+                <a:solidFill>
+                  <a:srgbClr val="000000"/>
+                </a:solidFill>
+                <a:latin typeface="Lucida Console" panose="020B0609040504020204" pitchFamily="49" charset="0"/>
+                <a:ea typeface="Monaco"/>
+                <a:cs typeface="Monaco"/>
+              </a:rPr>
+              <a:t>{</a:t>
+            </a:r>
+          </a:p>
+          <a:p>
+            <a:r>
+              <a:rPr lang="en-US" sz="1600" dirty="0">
+                <a:solidFill>
+                  <a:srgbClr val="000000"/>
+                </a:solidFill>
+                <a:latin typeface="Lucida Console" panose="020B0609040504020204" pitchFamily="49" charset="0"/>
+                <a:ea typeface="Monaco"/>
+                <a:cs typeface="Monaco"/>
+              </a:rPr>
+              <a:t>  </a:t>
+            </a:r>
+            <a:r>
+              <a:rPr lang="en-US" sz="1600" dirty="0">
+                <a:solidFill>
+                  <a:srgbClr val="931968"/>
+                </a:solidFill>
+                <a:latin typeface="Lucida Console" panose="020B0609040504020204" pitchFamily="49" charset="0"/>
+                <a:ea typeface="Monaco"/>
+                <a:cs typeface="Monaco"/>
+              </a:rPr>
+              <a:t>for</a:t>
+            </a:r>
+            <a:r>
+              <a:rPr lang="en-US" sz="1600" dirty="0">
+                <a:solidFill>
+                  <a:srgbClr val="000000"/>
+                </a:solidFill>
+                <a:latin typeface="Lucida Console" panose="020B0609040504020204" pitchFamily="49" charset="0"/>
+                <a:ea typeface="Monaco"/>
+                <a:cs typeface="Monaco"/>
+              </a:rPr>
+              <a:t> (Loan loan : loans)</a:t>
+            </a:r>
+          </a:p>
+          <a:p>
+            <a:r>
+              <a:rPr lang="en-US" sz="1600" dirty="0">
+                <a:solidFill>
+                  <a:srgbClr val="000000"/>
+                </a:solidFill>
+                <a:latin typeface="Lucida Console" panose="020B0609040504020204" pitchFamily="49" charset="0"/>
+                <a:ea typeface="Monaco"/>
+                <a:cs typeface="Monaco"/>
+              </a:rPr>
+              <a:t>  {</a:t>
+            </a:r>
+          </a:p>
+          <a:p>
+            <a:r>
+              <a:rPr lang="en-US" sz="1600" dirty="0">
+                <a:solidFill>
+                  <a:srgbClr val="000000"/>
+                </a:solidFill>
+                <a:latin typeface="Lucida Console" panose="020B0609040504020204" pitchFamily="49" charset="0"/>
+                <a:ea typeface="Monaco"/>
+                <a:cs typeface="Monaco"/>
+              </a:rPr>
+              <a:t>    </a:t>
+            </a:r>
+            <a:r>
+              <a:rPr lang="en-US" sz="1600" dirty="0">
+                <a:solidFill>
+                  <a:srgbClr val="931968"/>
+                </a:solidFill>
+                <a:latin typeface="Lucida Console" panose="020B0609040504020204" pitchFamily="49" charset="0"/>
+                <a:ea typeface="Monaco"/>
+                <a:cs typeface="Monaco"/>
+              </a:rPr>
+              <a:t>if</a:t>
+            </a:r>
+            <a:r>
+              <a:rPr lang="en-US" sz="1600" dirty="0">
+                <a:solidFill>
+                  <a:srgbClr val="000000"/>
+                </a:solidFill>
+                <a:latin typeface="Lucida Console" panose="020B0609040504020204" pitchFamily="49" charset="0"/>
+                <a:ea typeface="Monaco"/>
+                <a:cs typeface="Monaco"/>
+              </a:rPr>
+              <a:t> (</a:t>
+            </a:r>
+            <a:r>
+              <a:rPr lang="en-US" sz="1600" dirty="0" err="1">
+                <a:solidFill>
+                  <a:srgbClr val="000000"/>
+                </a:solidFill>
+                <a:latin typeface="Lucida Console" panose="020B0609040504020204" pitchFamily="49" charset="0"/>
+                <a:ea typeface="Monaco"/>
+                <a:cs typeface="Monaco"/>
+              </a:rPr>
+              <a:t>loan.isOverDue</a:t>
+            </a:r>
+            <a:r>
+              <a:rPr lang="en-US" sz="1600" dirty="0">
+                <a:solidFill>
+                  <a:srgbClr val="000000"/>
+                </a:solidFill>
+                <a:latin typeface="Lucida Console" panose="020B0609040504020204" pitchFamily="49" charset="0"/>
+                <a:ea typeface="Monaco"/>
+                <a:cs typeface="Monaco"/>
+              </a:rPr>
+              <a:t>() &amp;&amp; (</a:t>
+            </a:r>
+            <a:r>
+              <a:rPr lang="en-US" sz="1600" dirty="0" err="1">
+                <a:solidFill>
+                  <a:srgbClr val="000000"/>
+                </a:solidFill>
+                <a:latin typeface="Lucida Console" panose="020B0609040504020204" pitchFamily="49" charset="0"/>
+                <a:ea typeface="Monaco"/>
+                <a:cs typeface="Monaco"/>
+              </a:rPr>
+              <a:t>loan.getAmount</a:t>
+            </a:r>
+            <a:r>
+              <a:rPr lang="en-US" sz="1600" dirty="0">
+                <a:solidFill>
+                  <a:srgbClr val="000000"/>
+                </a:solidFill>
+                <a:latin typeface="Lucida Console" panose="020B0609040504020204" pitchFamily="49" charset="0"/>
+                <a:ea typeface="Monaco"/>
+                <a:cs typeface="Monaco"/>
+              </a:rPr>
+              <a:t>() &gt; 5000))</a:t>
+            </a:r>
+          </a:p>
+          <a:p>
+            <a:r>
+              <a:rPr lang="en-US" sz="1600" dirty="0">
+                <a:solidFill>
+                  <a:srgbClr val="000000"/>
+                </a:solidFill>
+                <a:latin typeface="Lucida Console" panose="020B0609040504020204" pitchFamily="49" charset="0"/>
+                <a:ea typeface="Monaco"/>
+                <a:cs typeface="Monaco"/>
+              </a:rPr>
+              <a:t>    {</a:t>
+            </a:r>
+          </a:p>
+          <a:p>
+            <a:r>
+              <a:rPr lang="en-US" sz="1600" dirty="0">
+                <a:solidFill>
+                  <a:srgbClr val="000000"/>
+                </a:solidFill>
+                <a:latin typeface="Lucida Console" panose="020B0609040504020204" pitchFamily="49" charset="0"/>
+                <a:ea typeface="Monaco"/>
+                <a:cs typeface="Monaco"/>
+              </a:rPr>
+              <a:t>      </a:t>
+            </a:r>
+            <a:r>
+              <a:rPr lang="en-US" sz="1600" dirty="0" err="1">
+                <a:solidFill>
+                  <a:srgbClr val="000000"/>
+                </a:solidFill>
+                <a:latin typeface="Lucida Console" panose="020B0609040504020204" pitchFamily="49" charset="0"/>
+                <a:ea typeface="Monaco"/>
+                <a:cs typeface="Monaco"/>
+              </a:rPr>
+              <a:t>loan.saveStatus</a:t>
+            </a:r>
+            <a:r>
+              <a:rPr lang="en-US" sz="1600" dirty="0">
+                <a:solidFill>
+                  <a:srgbClr val="000000"/>
+                </a:solidFill>
+                <a:latin typeface="Lucida Console" panose="020B0609040504020204" pitchFamily="49" charset="0"/>
+                <a:ea typeface="Monaco"/>
+                <a:cs typeface="Monaco"/>
+              </a:rPr>
+              <a:t>(</a:t>
+            </a:r>
+            <a:r>
+              <a:rPr lang="en-US" sz="1600" dirty="0">
+                <a:solidFill>
+                  <a:srgbClr val="3933FF"/>
+                </a:solidFill>
+                <a:latin typeface="Lucida Console" panose="020B0609040504020204" pitchFamily="49" charset="0"/>
+                <a:ea typeface="Monaco"/>
+                <a:cs typeface="Monaco"/>
+              </a:rPr>
+              <a:t>"Critical"</a:t>
+            </a:r>
+            <a:r>
+              <a:rPr lang="en-US" sz="1600" dirty="0">
+                <a:solidFill>
+                  <a:srgbClr val="000000"/>
+                </a:solidFill>
+                <a:latin typeface="Lucida Console" panose="020B0609040504020204" pitchFamily="49" charset="0"/>
+                <a:ea typeface="Monaco"/>
+                <a:cs typeface="Monaco"/>
+              </a:rPr>
+              <a:t>, conn);</a:t>
+            </a:r>
+          </a:p>
+          <a:p>
+            <a:r>
+              <a:rPr lang="en-US" sz="1600" dirty="0">
+                <a:solidFill>
+                  <a:srgbClr val="000000"/>
+                </a:solidFill>
+                <a:latin typeface="Lucida Console" panose="020B0609040504020204" pitchFamily="49" charset="0"/>
+                <a:ea typeface="Monaco"/>
+                <a:cs typeface="Monaco"/>
+              </a:rPr>
+              <a:t>    }</a:t>
+            </a:r>
+          </a:p>
+          <a:p>
+            <a:r>
+              <a:rPr lang="en-US" sz="1600" dirty="0">
+                <a:solidFill>
+                  <a:srgbClr val="000000"/>
+                </a:solidFill>
+                <a:latin typeface="Lucida Console" panose="020B0609040504020204" pitchFamily="49" charset="0"/>
+                <a:ea typeface="Monaco"/>
+                <a:cs typeface="Monaco"/>
+              </a:rPr>
+              <a:t>    </a:t>
+            </a:r>
+            <a:r>
+              <a:rPr lang="en-US" sz="1600" dirty="0">
+                <a:solidFill>
+                  <a:srgbClr val="931968"/>
+                </a:solidFill>
+                <a:latin typeface="Lucida Console" panose="020B0609040504020204" pitchFamily="49" charset="0"/>
+                <a:ea typeface="Monaco"/>
+                <a:cs typeface="Monaco"/>
+              </a:rPr>
+              <a:t>else</a:t>
+            </a:r>
+            <a:r>
+              <a:rPr lang="en-US" sz="1600" dirty="0">
+                <a:solidFill>
+                  <a:srgbClr val="000000"/>
+                </a:solidFill>
+                <a:latin typeface="Lucida Console" panose="020B0609040504020204" pitchFamily="49" charset="0"/>
+                <a:ea typeface="Monaco"/>
+                <a:cs typeface="Monaco"/>
+              </a:rPr>
+              <a:t> </a:t>
+            </a:r>
+            <a:r>
+              <a:rPr lang="en-US" sz="1600" dirty="0">
+                <a:solidFill>
+                  <a:srgbClr val="931968"/>
+                </a:solidFill>
+                <a:latin typeface="Lucida Console" panose="020B0609040504020204" pitchFamily="49" charset="0"/>
+                <a:ea typeface="Monaco"/>
+                <a:cs typeface="Monaco"/>
+              </a:rPr>
+              <a:t>if</a:t>
+            </a:r>
+            <a:r>
+              <a:rPr lang="en-US" sz="1600" dirty="0">
+                <a:solidFill>
+                  <a:srgbClr val="000000"/>
+                </a:solidFill>
+                <a:latin typeface="Lucida Console" panose="020B0609040504020204" pitchFamily="49" charset="0"/>
+                <a:ea typeface="Monaco"/>
+                <a:cs typeface="Monaco"/>
+              </a:rPr>
+              <a:t> (</a:t>
+            </a:r>
+            <a:r>
+              <a:rPr lang="en-US" sz="1600" dirty="0" err="1">
+                <a:solidFill>
+                  <a:srgbClr val="000000"/>
+                </a:solidFill>
+                <a:latin typeface="Lucida Console" panose="020B0609040504020204" pitchFamily="49" charset="0"/>
+                <a:ea typeface="Monaco"/>
+                <a:cs typeface="Monaco"/>
+              </a:rPr>
+              <a:t>loan.isOverDue</a:t>
+            </a:r>
+            <a:r>
+              <a:rPr lang="en-US" sz="1600" dirty="0">
+                <a:solidFill>
+                  <a:srgbClr val="000000"/>
+                </a:solidFill>
+                <a:latin typeface="Lucida Console" panose="020B0609040504020204" pitchFamily="49" charset="0"/>
+                <a:ea typeface="Monaco"/>
+                <a:cs typeface="Monaco"/>
+              </a:rPr>
+              <a:t>() &amp;&amp; (</a:t>
+            </a:r>
+            <a:r>
+              <a:rPr lang="en-US" sz="1600" dirty="0" err="1">
+                <a:solidFill>
+                  <a:srgbClr val="000000"/>
+                </a:solidFill>
+                <a:latin typeface="Lucida Console" panose="020B0609040504020204" pitchFamily="49" charset="0"/>
+                <a:ea typeface="Monaco"/>
+                <a:cs typeface="Monaco"/>
+              </a:rPr>
+              <a:t>loan.getAmount</a:t>
+            </a:r>
+            <a:r>
+              <a:rPr lang="en-US" sz="1600" dirty="0">
+                <a:solidFill>
+                  <a:srgbClr val="000000"/>
+                </a:solidFill>
+                <a:latin typeface="Lucida Console" panose="020B0609040504020204" pitchFamily="49" charset="0"/>
+                <a:ea typeface="Monaco"/>
+                <a:cs typeface="Monaco"/>
+              </a:rPr>
+              <a:t>() &gt; 50))</a:t>
+            </a:r>
+          </a:p>
+          <a:p>
+            <a:r>
+              <a:rPr lang="en-US" sz="1600" dirty="0">
+                <a:solidFill>
+                  <a:srgbClr val="000000"/>
+                </a:solidFill>
+                <a:latin typeface="Lucida Console" panose="020B0609040504020204" pitchFamily="49" charset="0"/>
+                <a:ea typeface="Monaco"/>
+                <a:cs typeface="Monaco"/>
+              </a:rPr>
+              <a:t>    {</a:t>
+            </a:r>
+          </a:p>
+          <a:p>
+            <a:r>
+              <a:rPr lang="en-US" sz="1600" dirty="0">
+                <a:solidFill>
+                  <a:srgbClr val="000000"/>
+                </a:solidFill>
+                <a:latin typeface="Lucida Console" panose="020B0609040504020204" pitchFamily="49" charset="0"/>
+                <a:ea typeface="Monaco"/>
+                <a:cs typeface="Monaco"/>
+              </a:rPr>
+              <a:t>      </a:t>
+            </a:r>
+            <a:r>
+              <a:rPr lang="en-US" sz="1600" dirty="0" err="1">
+                <a:solidFill>
+                  <a:srgbClr val="000000"/>
+                </a:solidFill>
+                <a:latin typeface="Lucida Console" panose="020B0609040504020204" pitchFamily="49" charset="0"/>
+                <a:ea typeface="Monaco"/>
+                <a:cs typeface="Monaco"/>
+              </a:rPr>
+              <a:t>loan.saveStatus</a:t>
+            </a:r>
+            <a:r>
+              <a:rPr lang="en-US" sz="1600" dirty="0">
+                <a:solidFill>
+                  <a:srgbClr val="000000"/>
+                </a:solidFill>
+                <a:latin typeface="Lucida Console" panose="020B0609040504020204" pitchFamily="49" charset="0"/>
+                <a:ea typeface="Monaco"/>
+                <a:cs typeface="Monaco"/>
+              </a:rPr>
+              <a:t>(</a:t>
+            </a:r>
+            <a:r>
+              <a:rPr lang="en-US" sz="1600" dirty="0">
+                <a:solidFill>
+                  <a:srgbClr val="3933FF"/>
+                </a:solidFill>
+                <a:latin typeface="Lucida Console" panose="020B0609040504020204" pitchFamily="49" charset="0"/>
+                <a:ea typeface="Monaco"/>
+                <a:cs typeface="Monaco"/>
+              </a:rPr>
+              <a:t>"Escalated"</a:t>
+            </a:r>
+            <a:r>
+              <a:rPr lang="en-US" sz="1600" dirty="0">
+                <a:solidFill>
+                  <a:srgbClr val="000000"/>
+                </a:solidFill>
+                <a:latin typeface="Lucida Console" panose="020B0609040504020204" pitchFamily="49" charset="0"/>
+                <a:ea typeface="Monaco"/>
+                <a:cs typeface="Monaco"/>
+              </a:rPr>
+              <a:t>, conn);</a:t>
+            </a:r>
+          </a:p>
+          <a:p>
+            <a:r>
+              <a:rPr lang="en-US" sz="1600" dirty="0">
+                <a:solidFill>
+                  <a:srgbClr val="000000"/>
+                </a:solidFill>
+                <a:latin typeface="Lucida Console" panose="020B0609040504020204" pitchFamily="49" charset="0"/>
+                <a:ea typeface="Monaco"/>
+                <a:cs typeface="Monaco"/>
+              </a:rPr>
+              <a:t>    }</a:t>
+            </a:r>
+          </a:p>
+          <a:p>
+            <a:r>
+              <a:rPr lang="en-US" sz="1600" dirty="0">
+                <a:solidFill>
+                  <a:srgbClr val="000000"/>
+                </a:solidFill>
+                <a:latin typeface="Lucida Console" panose="020B0609040504020204" pitchFamily="49" charset="0"/>
+                <a:ea typeface="Monaco"/>
+                <a:cs typeface="Monaco"/>
+              </a:rPr>
+              <a:t>  }</a:t>
+            </a:r>
+          </a:p>
+          <a:p>
+            <a:r>
+              <a:rPr lang="en-US" sz="1600" dirty="0">
+                <a:solidFill>
+                  <a:srgbClr val="000000"/>
+                </a:solidFill>
+                <a:latin typeface="Lucida Console" panose="020B0609040504020204" pitchFamily="49" charset="0"/>
+                <a:ea typeface="Monaco"/>
+                <a:cs typeface="Monaco"/>
+              </a:rPr>
+              <a:t>}</a:t>
+            </a:r>
+            <a:endParaRPr lang="en-US" sz="1600" dirty="0">
+              <a:latin typeface="Lucida Console" panose="020B0609040504020204" pitchFamily="49" charset="0"/>
+            </a:endParaRPr>
+          </a:p>
+        </p:txBody>
+      </p:sp>
+      <p:sp>
+        <p:nvSpPr>
+          <p:cNvPr id="7" name="Rectangle 2"/>
+          <p:cNvSpPr>
+            <a:spLocks/>
+          </p:cNvSpPr>
+          <p:nvPr/>
+        </p:nvSpPr>
+        <p:spPr bwMode="auto">
+          <a:xfrm>
+            <a:off x="1047515" y="1929190"/>
+            <a:ext cx="1979961" cy="239271"/>
+          </a:xfrm>
+          <a:prstGeom prst="rect">
+            <a:avLst/>
+          </a:prstGeom>
+          <a:solidFill>
+            <a:srgbClr val="D90B00">
+              <a:alpha val="70000"/>
+            </a:srgbClr>
+          </a:solidFill>
+          <a:ln w="12700" cap="flat">
+            <a:solidFill>
+              <a:schemeClr val="tx1">
+                <a:alpha val="70000"/>
+              </a:schemeClr>
+            </a:solidFill>
+            <a:prstDash val="solid"/>
+            <a:round/>
+            <a:headEnd type="none" w="med" len="med"/>
+            <a:tailEnd type="none" w="med" len="med"/>
+          </a:ln>
+        </p:spPr>
+        <p:txBody>
+          <a:bodyPr lIns="0" tIns="0" rIns="0" bIns="0"/>
+          <a:lstStyle/>
+          <a:p>
+            <a:endParaRPr lang="en-US"/>
+          </a:p>
+        </p:txBody>
+      </p:sp>
+      <p:sp>
+        <p:nvSpPr>
+          <p:cNvPr id="8" name="Rectangle 3"/>
+          <p:cNvSpPr>
+            <a:spLocks/>
+          </p:cNvSpPr>
+          <p:nvPr/>
+        </p:nvSpPr>
+        <p:spPr bwMode="auto">
+          <a:xfrm>
+            <a:off x="3652243" y="1929190"/>
+            <a:ext cx="1979961" cy="239271"/>
+          </a:xfrm>
+          <a:prstGeom prst="rect">
+            <a:avLst/>
+          </a:prstGeom>
+          <a:solidFill>
+            <a:srgbClr val="D90B00">
+              <a:alpha val="70000"/>
+            </a:srgbClr>
+          </a:solidFill>
+          <a:ln w="12700" cap="flat">
+            <a:solidFill>
+              <a:schemeClr val="tx1">
+                <a:alpha val="70000"/>
+              </a:schemeClr>
+            </a:solidFill>
+            <a:prstDash val="solid"/>
+            <a:round/>
+            <a:headEnd type="none" w="med" len="med"/>
+            <a:tailEnd type="none" w="med" len="med"/>
+          </a:ln>
+        </p:spPr>
+        <p:txBody>
+          <a:bodyPr lIns="0" tIns="0" rIns="0" bIns="0"/>
+          <a:lstStyle/>
+          <a:p>
+            <a:endParaRPr lang="en-US"/>
+          </a:p>
+        </p:txBody>
+      </p:sp>
+      <p:sp>
+        <p:nvSpPr>
+          <p:cNvPr id="10" name="Rectangle 4"/>
+          <p:cNvSpPr>
+            <a:spLocks/>
+          </p:cNvSpPr>
+          <p:nvPr/>
+        </p:nvSpPr>
+        <p:spPr bwMode="auto">
+          <a:xfrm>
+            <a:off x="838574" y="2427988"/>
+            <a:ext cx="4098060" cy="239271"/>
+          </a:xfrm>
+          <a:prstGeom prst="rect">
+            <a:avLst/>
+          </a:prstGeom>
+          <a:solidFill>
+            <a:srgbClr val="D90B00">
+              <a:alpha val="70000"/>
+            </a:srgbClr>
+          </a:solidFill>
+          <a:ln w="12700" cap="flat">
+            <a:solidFill>
+              <a:schemeClr val="tx1">
+                <a:alpha val="70000"/>
+              </a:schemeClr>
+            </a:solidFill>
+            <a:prstDash val="solid"/>
+            <a:round/>
+            <a:headEnd type="none" w="med" len="med"/>
+            <a:tailEnd type="none" w="med" len="med"/>
+          </a:ln>
+        </p:spPr>
+        <p:txBody>
+          <a:bodyPr lIns="0" tIns="0" rIns="0" bIns="0"/>
+          <a:lstStyle/>
+          <a:p>
+            <a:endParaRPr lang="en-US" dirty="0"/>
+          </a:p>
+        </p:txBody>
+      </p:sp>
+      <p:sp>
+        <p:nvSpPr>
+          <p:cNvPr id="11" name="Rectangle 5"/>
+          <p:cNvSpPr>
+            <a:spLocks/>
+          </p:cNvSpPr>
+          <p:nvPr/>
+        </p:nvSpPr>
+        <p:spPr bwMode="auto">
+          <a:xfrm>
+            <a:off x="1680908" y="2914692"/>
+            <a:ext cx="1979961" cy="239271"/>
+          </a:xfrm>
+          <a:prstGeom prst="rect">
+            <a:avLst/>
+          </a:prstGeom>
+          <a:solidFill>
+            <a:srgbClr val="D90B00">
+              <a:alpha val="70000"/>
+            </a:srgbClr>
+          </a:solidFill>
+          <a:ln w="12700" cap="flat">
+            <a:solidFill>
+              <a:schemeClr val="tx1">
+                <a:alpha val="70000"/>
+              </a:schemeClr>
+            </a:solidFill>
+            <a:prstDash val="solid"/>
+            <a:round/>
+            <a:headEnd type="none" w="med" len="med"/>
+            <a:tailEnd type="none" w="med" len="med"/>
+          </a:ln>
+        </p:spPr>
+        <p:txBody>
+          <a:bodyPr lIns="0" tIns="0" rIns="0" bIns="0"/>
+          <a:lstStyle/>
+          <a:p>
+            <a:endParaRPr lang="en-US"/>
+          </a:p>
+        </p:txBody>
+      </p:sp>
+      <p:sp>
+        <p:nvSpPr>
+          <p:cNvPr id="12" name="Rectangle 6"/>
+          <p:cNvSpPr>
+            <a:spLocks/>
+          </p:cNvSpPr>
+          <p:nvPr/>
+        </p:nvSpPr>
+        <p:spPr bwMode="auto">
+          <a:xfrm>
+            <a:off x="4231208" y="2908644"/>
+            <a:ext cx="1979961" cy="239271"/>
+          </a:xfrm>
+          <a:prstGeom prst="rect">
+            <a:avLst/>
+          </a:prstGeom>
+          <a:solidFill>
+            <a:srgbClr val="D90B00">
+              <a:alpha val="70000"/>
+            </a:srgbClr>
+          </a:solidFill>
+          <a:ln w="12700" cap="flat">
+            <a:solidFill>
+              <a:schemeClr val="tx1">
+                <a:alpha val="70000"/>
+              </a:schemeClr>
+            </a:solidFill>
+            <a:prstDash val="solid"/>
+            <a:round/>
+            <a:headEnd type="none" w="med" len="med"/>
+            <a:tailEnd type="none" w="med" len="med"/>
+          </a:ln>
+        </p:spPr>
+        <p:txBody>
+          <a:bodyPr lIns="0" tIns="0" rIns="0" bIns="0"/>
+          <a:lstStyle/>
+          <a:p>
+            <a:endParaRPr lang="en-US"/>
+          </a:p>
+        </p:txBody>
+      </p:sp>
+      <p:sp>
+        <p:nvSpPr>
+          <p:cNvPr id="13" name="Rectangle 7"/>
+          <p:cNvSpPr>
+            <a:spLocks/>
+          </p:cNvSpPr>
+          <p:nvPr/>
+        </p:nvSpPr>
+        <p:spPr bwMode="auto">
+          <a:xfrm>
+            <a:off x="812756" y="3395348"/>
+            <a:ext cx="4213174" cy="239271"/>
+          </a:xfrm>
+          <a:prstGeom prst="rect">
+            <a:avLst/>
+          </a:prstGeom>
+          <a:solidFill>
+            <a:srgbClr val="D90B00">
+              <a:alpha val="70000"/>
+            </a:srgbClr>
+          </a:solidFill>
+          <a:ln w="12700" cap="flat">
+            <a:solidFill>
+              <a:schemeClr val="tx1">
+                <a:alpha val="70000"/>
+              </a:schemeClr>
+            </a:solidFill>
+            <a:prstDash val="solid"/>
+            <a:round/>
+            <a:headEnd type="none" w="med" len="med"/>
+            <a:tailEnd type="none" w="med" len="med"/>
+          </a:ln>
+        </p:spPr>
+        <p:txBody>
+          <a:bodyPr lIns="0" tIns="0" rIns="0" bIns="0"/>
+          <a:lstStyle/>
+          <a:p>
+            <a:endParaRPr lang="en-US"/>
+          </a:p>
+        </p:txBody>
+      </p:sp>
+      <p:sp>
+        <p:nvSpPr>
+          <p:cNvPr id="17" name="Rectangle 8"/>
+          <p:cNvSpPr>
+            <a:spLocks/>
+          </p:cNvSpPr>
+          <p:nvPr/>
+        </p:nvSpPr>
+        <p:spPr bwMode="auto">
+          <a:xfrm>
+            <a:off x="1040191" y="1929190"/>
+            <a:ext cx="529525" cy="239271"/>
+          </a:xfrm>
+          <a:prstGeom prst="rect">
+            <a:avLst/>
+          </a:prstGeom>
+          <a:solidFill>
+            <a:srgbClr val="00BAFB">
+              <a:alpha val="29999"/>
+            </a:srgbClr>
+          </a:solidFill>
+          <a:ln w="12700" cap="flat">
+            <a:solidFill>
+              <a:schemeClr val="tx1">
+                <a:alpha val="29999"/>
+              </a:schemeClr>
+            </a:solidFill>
+            <a:prstDash val="solid"/>
+            <a:round/>
+            <a:headEnd type="none" w="med" len="med"/>
+            <a:tailEnd type="none" w="med" len="med"/>
+          </a:ln>
+        </p:spPr>
+        <p:txBody>
+          <a:bodyPr lIns="0" tIns="0" rIns="0" bIns="0"/>
+          <a:lstStyle/>
+          <a:p>
+            <a:endParaRPr lang="en-US"/>
+          </a:p>
+        </p:txBody>
+      </p:sp>
+      <p:sp>
+        <p:nvSpPr>
+          <p:cNvPr id="18" name="Rectangle 9"/>
+          <p:cNvSpPr>
+            <a:spLocks/>
+          </p:cNvSpPr>
+          <p:nvPr/>
+        </p:nvSpPr>
+        <p:spPr bwMode="auto">
+          <a:xfrm>
+            <a:off x="3650967" y="1929190"/>
+            <a:ext cx="529525" cy="239271"/>
+          </a:xfrm>
+          <a:prstGeom prst="rect">
+            <a:avLst/>
+          </a:prstGeom>
+          <a:solidFill>
+            <a:srgbClr val="00BAFB">
+              <a:alpha val="29999"/>
+            </a:srgbClr>
+          </a:solidFill>
+          <a:ln w="12700" cap="flat">
+            <a:solidFill>
+              <a:schemeClr val="tx1">
+                <a:alpha val="29999"/>
+              </a:schemeClr>
+            </a:solidFill>
+            <a:prstDash val="solid"/>
+            <a:round/>
+            <a:headEnd type="none" w="med" len="med"/>
+            <a:tailEnd type="none" w="med" len="med"/>
+          </a:ln>
+        </p:spPr>
+        <p:txBody>
+          <a:bodyPr lIns="0" tIns="0" rIns="0" bIns="0"/>
+          <a:lstStyle/>
+          <a:p>
+            <a:endParaRPr lang="en-US"/>
+          </a:p>
+        </p:txBody>
+      </p:sp>
+      <p:sp>
+        <p:nvSpPr>
+          <p:cNvPr id="19" name="Rectangle 10"/>
+          <p:cNvSpPr>
+            <a:spLocks/>
+          </p:cNvSpPr>
+          <p:nvPr/>
+        </p:nvSpPr>
+        <p:spPr bwMode="auto">
+          <a:xfrm>
+            <a:off x="840619" y="2415894"/>
+            <a:ext cx="529525" cy="239271"/>
+          </a:xfrm>
+          <a:prstGeom prst="rect">
+            <a:avLst/>
+          </a:prstGeom>
+          <a:solidFill>
+            <a:srgbClr val="00BAFB">
+              <a:alpha val="29999"/>
+            </a:srgbClr>
+          </a:solidFill>
+          <a:ln w="12700" cap="flat">
+            <a:solidFill>
+              <a:schemeClr val="tx1">
+                <a:alpha val="29999"/>
+              </a:schemeClr>
+            </a:solidFill>
+            <a:prstDash val="solid"/>
+            <a:round/>
+            <a:headEnd type="none" w="med" len="med"/>
+            <a:tailEnd type="none" w="med" len="med"/>
+          </a:ln>
+        </p:spPr>
+        <p:txBody>
+          <a:bodyPr lIns="0" tIns="0" rIns="0" bIns="0"/>
+          <a:lstStyle/>
+          <a:p>
+            <a:endParaRPr lang="en-US"/>
+          </a:p>
+        </p:txBody>
+      </p:sp>
+      <p:sp>
+        <p:nvSpPr>
+          <p:cNvPr id="20" name="Rectangle 11"/>
+          <p:cNvSpPr>
+            <a:spLocks/>
+          </p:cNvSpPr>
+          <p:nvPr/>
+        </p:nvSpPr>
+        <p:spPr bwMode="auto">
+          <a:xfrm>
+            <a:off x="1676467" y="2914692"/>
+            <a:ext cx="529525" cy="239271"/>
+          </a:xfrm>
+          <a:prstGeom prst="rect">
+            <a:avLst/>
+          </a:prstGeom>
+          <a:solidFill>
+            <a:srgbClr val="00BAFB">
+              <a:alpha val="29999"/>
+            </a:srgbClr>
+          </a:solidFill>
+          <a:ln w="12700" cap="flat">
+            <a:solidFill>
+              <a:schemeClr val="tx1">
+                <a:alpha val="29999"/>
+              </a:schemeClr>
+            </a:solidFill>
+            <a:prstDash val="solid"/>
+            <a:round/>
+            <a:headEnd type="none" w="med" len="med"/>
+            <a:tailEnd type="none" w="med" len="med"/>
+          </a:ln>
+        </p:spPr>
+        <p:txBody>
+          <a:bodyPr lIns="0" tIns="0" rIns="0" bIns="0"/>
+          <a:lstStyle/>
+          <a:p>
+            <a:endParaRPr lang="en-US"/>
+          </a:p>
+        </p:txBody>
+      </p:sp>
+      <p:sp>
+        <p:nvSpPr>
+          <p:cNvPr id="21" name="Rectangle 12"/>
+          <p:cNvSpPr>
+            <a:spLocks/>
+          </p:cNvSpPr>
+          <p:nvPr/>
+        </p:nvSpPr>
+        <p:spPr bwMode="auto">
+          <a:xfrm>
+            <a:off x="4232815" y="2908644"/>
+            <a:ext cx="529525" cy="239271"/>
+          </a:xfrm>
+          <a:prstGeom prst="rect">
+            <a:avLst/>
+          </a:prstGeom>
+          <a:solidFill>
+            <a:srgbClr val="00BAFB">
+              <a:alpha val="29999"/>
+            </a:srgbClr>
+          </a:solidFill>
+          <a:ln w="12700" cap="flat">
+            <a:solidFill>
+              <a:schemeClr val="tx1">
+                <a:alpha val="29999"/>
+              </a:schemeClr>
+            </a:solidFill>
+            <a:prstDash val="solid"/>
+            <a:round/>
+            <a:headEnd type="none" w="med" len="med"/>
+            <a:tailEnd type="none" w="med" len="med"/>
+          </a:ln>
+        </p:spPr>
+        <p:txBody>
+          <a:bodyPr lIns="0" tIns="0" rIns="0" bIns="0"/>
+          <a:lstStyle/>
+          <a:p>
+            <a:endParaRPr lang="en-US"/>
+          </a:p>
+        </p:txBody>
+      </p:sp>
+      <p:sp>
+        <p:nvSpPr>
+          <p:cNvPr id="22" name="Rectangle 13"/>
+          <p:cNvSpPr>
+            <a:spLocks/>
+          </p:cNvSpPr>
+          <p:nvPr/>
+        </p:nvSpPr>
+        <p:spPr bwMode="auto">
+          <a:xfrm>
+            <a:off x="810382" y="3401396"/>
+            <a:ext cx="529525" cy="239271"/>
+          </a:xfrm>
+          <a:prstGeom prst="rect">
+            <a:avLst/>
+          </a:prstGeom>
+          <a:solidFill>
+            <a:srgbClr val="00BAFB">
+              <a:alpha val="29999"/>
+            </a:srgbClr>
+          </a:solidFill>
+          <a:ln w="12700" cap="flat">
+            <a:solidFill>
+              <a:schemeClr val="tx1">
+                <a:alpha val="29999"/>
+              </a:schemeClr>
+            </a:solidFill>
+            <a:prstDash val="solid"/>
+            <a:round/>
+            <a:headEnd type="none" w="med" len="med"/>
+            <a:tailEnd type="none" w="med" len="med"/>
+          </a:ln>
+        </p:spPr>
+        <p:txBody>
+          <a:bodyPr lIns="0" tIns="0" rIns="0" bIns="0"/>
+          <a:lstStyle/>
+          <a:p>
+            <a:endParaRPr lang="en-US"/>
+          </a:p>
+        </p:txBody>
+      </p:sp>
+    </p:spTree>
+    <p:extLst>
+      <p:ext uri="{BB962C8B-B14F-4D97-AF65-F5344CB8AC3E}">
+        <p14:creationId xmlns:p14="http://schemas.microsoft.com/office/powerpoint/2010/main" val="674407513"/>
+      </p:ext>
+    </p:extLst>
   </p:cSld>
   <p:clrMapOvr>
     <a:masterClrMapping/>
@@ -5105,14 +6362,546 @@
   <p:timing>
     <p:tnLst>
       <p:par>
-        <p:cTn id="1" dur="indefinite" restart="never" nodeType="tmRoot"/>
+        <p:cTn id="1" dur="indefinite" restart="never" nodeType="tmRoot">
+          <p:childTnLst>
+            <p:seq concurrent="1" nextAc="seek">
+              <p:cTn id="2" dur="indefinite" nodeType="mainSeq">
+                <p:childTnLst>
+                  <p:par>
+                    <p:cTn id="3" fill="hold">
+                      <p:stCondLst>
+                        <p:cond delay="indefinite"/>
+                      </p:stCondLst>
+                      <p:childTnLst>
+                        <p:par>
+                          <p:cTn id="4" fill="hold">
+                            <p:stCondLst>
+                              <p:cond delay="0"/>
+                            </p:stCondLst>
+                            <p:childTnLst>
+                              <p:par>
+                                <p:cTn id="5" presetID="1" presetClass="entr" presetSubtype="0" fill="hold" grpId="0" nodeType="clickEffect">
+                                  <p:stCondLst>
+                                    <p:cond delay="0"/>
+                                  </p:stCondLst>
+                                  <p:childTnLst>
+                                    <p:set>
+                                      <p:cBhvr>
+                                        <p:cTn id="6" dur="1" fill="hold">
+                                          <p:stCondLst>
+                                            <p:cond delay="499"/>
+                                          </p:stCondLst>
+                                        </p:cTn>
+                                        <p:tgtEl>
+                                          <p:spTgt spid="7"/>
+                                        </p:tgtEl>
+                                        <p:attrNameLst>
+                                          <p:attrName>style.visibility</p:attrName>
+                                        </p:attrNameLst>
+                                      </p:cBhvr>
+                                      <p:to>
+                                        <p:strVal val="visible"/>
+                                      </p:to>
+                                    </p:set>
+                                  </p:childTnLst>
+                                </p:cTn>
+                              </p:par>
+                            </p:childTnLst>
+                          </p:cTn>
+                        </p:par>
+                      </p:childTnLst>
+                    </p:cTn>
+                  </p:par>
+                  <p:par>
+                    <p:cTn id="7" fill="hold">
+                      <p:stCondLst>
+                        <p:cond delay="indefinite"/>
+                      </p:stCondLst>
+                      <p:childTnLst>
+                        <p:par>
+                          <p:cTn id="8" fill="hold">
+                            <p:stCondLst>
+                              <p:cond delay="0"/>
+                            </p:stCondLst>
+                            <p:childTnLst>
+                              <p:par>
+                                <p:cTn id="9" presetID="1" presetClass="entr" presetSubtype="0" fill="hold" grpId="0" nodeType="clickEffect">
+                                  <p:stCondLst>
+                                    <p:cond delay="0"/>
+                                  </p:stCondLst>
+                                  <p:childTnLst>
+                                    <p:set>
+                                      <p:cBhvr>
+                                        <p:cTn id="10" dur="1" fill="hold">
+                                          <p:stCondLst>
+                                            <p:cond delay="499"/>
+                                          </p:stCondLst>
+                                        </p:cTn>
+                                        <p:tgtEl>
+                                          <p:spTgt spid="8"/>
+                                        </p:tgtEl>
+                                        <p:attrNameLst>
+                                          <p:attrName>style.visibility</p:attrName>
+                                        </p:attrNameLst>
+                                      </p:cBhvr>
+                                      <p:to>
+                                        <p:strVal val="visible"/>
+                                      </p:to>
+                                    </p:set>
+                                  </p:childTnLst>
+                                </p:cTn>
+                              </p:par>
+                            </p:childTnLst>
+                          </p:cTn>
+                        </p:par>
+                      </p:childTnLst>
+                    </p:cTn>
+                  </p:par>
+                  <p:par>
+                    <p:cTn id="11" fill="hold">
+                      <p:stCondLst>
+                        <p:cond delay="indefinite"/>
+                      </p:stCondLst>
+                      <p:childTnLst>
+                        <p:par>
+                          <p:cTn id="12" fill="hold">
+                            <p:stCondLst>
+                              <p:cond delay="0"/>
+                            </p:stCondLst>
+                            <p:childTnLst>
+                              <p:par>
+                                <p:cTn id="13" presetID="1" presetClass="entr" presetSubtype="0" fill="hold" grpId="0" nodeType="clickEffect">
+                                  <p:stCondLst>
+                                    <p:cond delay="0"/>
+                                  </p:stCondLst>
+                                  <p:childTnLst>
+                                    <p:set>
+                                      <p:cBhvr>
+                                        <p:cTn id="14" dur="1" fill="hold">
+                                          <p:stCondLst>
+                                            <p:cond delay="499"/>
+                                          </p:stCondLst>
+                                        </p:cTn>
+                                        <p:tgtEl>
+                                          <p:spTgt spid="10"/>
+                                        </p:tgtEl>
+                                        <p:attrNameLst>
+                                          <p:attrName>style.visibility</p:attrName>
+                                        </p:attrNameLst>
+                                      </p:cBhvr>
+                                      <p:to>
+                                        <p:strVal val="visible"/>
+                                      </p:to>
+                                    </p:set>
+                                  </p:childTnLst>
+                                </p:cTn>
+                              </p:par>
+                            </p:childTnLst>
+                          </p:cTn>
+                        </p:par>
+                      </p:childTnLst>
+                    </p:cTn>
+                  </p:par>
+                  <p:par>
+                    <p:cTn id="15" fill="hold">
+                      <p:stCondLst>
+                        <p:cond delay="indefinite"/>
+                      </p:stCondLst>
+                      <p:childTnLst>
+                        <p:par>
+                          <p:cTn id="16" fill="hold">
+                            <p:stCondLst>
+                              <p:cond delay="0"/>
+                            </p:stCondLst>
+                            <p:childTnLst>
+                              <p:par>
+                                <p:cTn id="17" presetID="1" presetClass="entr" presetSubtype="0" fill="hold" grpId="0" nodeType="clickEffect">
+                                  <p:stCondLst>
+                                    <p:cond delay="0"/>
+                                  </p:stCondLst>
+                                  <p:childTnLst>
+                                    <p:set>
+                                      <p:cBhvr>
+                                        <p:cTn id="18" dur="1" fill="hold">
+                                          <p:stCondLst>
+                                            <p:cond delay="499"/>
+                                          </p:stCondLst>
+                                        </p:cTn>
+                                        <p:tgtEl>
+                                          <p:spTgt spid="11"/>
+                                        </p:tgtEl>
+                                        <p:attrNameLst>
+                                          <p:attrName>style.visibility</p:attrName>
+                                        </p:attrNameLst>
+                                      </p:cBhvr>
+                                      <p:to>
+                                        <p:strVal val="visible"/>
+                                      </p:to>
+                                    </p:set>
+                                  </p:childTnLst>
+                                </p:cTn>
+                              </p:par>
+                            </p:childTnLst>
+                          </p:cTn>
+                        </p:par>
+                      </p:childTnLst>
+                    </p:cTn>
+                  </p:par>
+                  <p:par>
+                    <p:cTn id="19" fill="hold">
+                      <p:stCondLst>
+                        <p:cond delay="indefinite"/>
+                      </p:stCondLst>
+                      <p:childTnLst>
+                        <p:par>
+                          <p:cTn id="20" fill="hold">
+                            <p:stCondLst>
+                              <p:cond delay="0"/>
+                            </p:stCondLst>
+                            <p:childTnLst>
+                              <p:par>
+                                <p:cTn id="21" presetID="1" presetClass="entr" presetSubtype="0" fill="hold" grpId="0" nodeType="clickEffect">
+                                  <p:stCondLst>
+                                    <p:cond delay="0"/>
+                                  </p:stCondLst>
+                                  <p:childTnLst>
+                                    <p:set>
+                                      <p:cBhvr>
+                                        <p:cTn id="22" dur="1" fill="hold">
+                                          <p:stCondLst>
+                                            <p:cond delay="499"/>
+                                          </p:stCondLst>
+                                        </p:cTn>
+                                        <p:tgtEl>
+                                          <p:spTgt spid="12"/>
+                                        </p:tgtEl>
+                                        <p:attrNameLst>
+                                          <p:attrName>style.visibility</p:attrName>
+                                        </p:attrNameLst>
+                                      </p:cBhvr>
+                                      <p:to>
+                                        <p:strVal val="visible"/>
+                                      </p:to>
+                                    </p:set>
+                                  </p:childTnLst>
+                                </p:cTn>
+                              </p:par>
+                            </p:childTnLst>
+                          </p:cTn>
+                        </p:par>
+                      </p:childTnLst>
+                    </p:cTn>
+                  </p:par>
+                  <p:par>
+                    <p:cTn id="23" fill="hold">
+                      <p:stCondLst>
+                        <p:cond delay="indefinite"/>
+                      </p:stCondLst>
+                      <p:childTnLst>
+                        <p:par>
+                          <p:cTn id="24" fill="hold">
+                            <p:stCondLst>
+                              <p:cond delay="0"/>
+                            </p:stCondLst>
+                            <p:childTnLst>
+                              <p:par>
+                                <p:cTn id="25" presetID="1" presetClass="entr" presetSubtype="0" fill="hold" grpId="0" nodeType="clickEffect">
+                                  <p:stCondLst>
+                                    <p:cond delay="0"/>
+                                  </p:stCondLst>
+                                  <p:childTnLst>
+                                    <p:set>
+                                      <p:cBhvr>
+                                        <p:cTn id="26" dur="1" fill="hold">
+                                          <p:stCondLst>
+                                            <p:cond delay="499"/>
+                                          </p:stCondLst>
+                                        </p:cTn>
+                                        <p:tgtEl>
+                                          <p:spTgt spid="13"/>
+                                        </p:tgtEl>
+                                        <p:attrNameLst>
+                                          <p:attrName>style.visibility</p:attrName>
+                                        </p:attrNameLst>
+                                      </p:cBhvr>
+                                      <p:to>
+                                        <p:strVal val="visible"/>
+                                      </p:to>
+                                    </p:set>
+                                  </p:childTnLst>
+                                </p:cTn>
+                              </p:par>
+                            </p:childTnLst>
+                          </p:cTn>
+                        </p:par>
+                      </p:childTnLst>
+                    </p:cTn>
+                  </p:par>
+                  <p:par>
+                    <p:cTn id="27" fill="hold">
+                      <p:stCondLst>
+                        <p:cond delay="indefinite"/>
+                      </p:stCondLst>
+                      <p:childTnLst>
+                        <p:par>
+                          <p:cTn id="28" fill="hold">
+                            <p:stCondLst>
+                              <p:cond delay="0"/>
+                            </p:stCondLst>
+                            <p:childTnLst>
+                              <p:par>
+                                <p:cTn id="29" presetID="1" presetClass="entr" presetSubtype="0" fill="hold" grpId="0" nodeType="clickEffect">
+                                  <p:stCondLst>
+                                    <p:cond delay="0"/>
+                                  </p:stCondLst>
+                                  <p:childTnLst>
+                                    <p:set>
+                                      <p:cBhvr>
+                                        <p:cTn id="30" dur="1" fill="hold">
+                                          <p:stCondLst>
+                                            <p:cond delay="499"/>
+                                          </p:stCondLst>
+                                        </p:cTn>
+                                        <p:tgtEl>
+                                          <p:spTgt spid="17"/>
+                                        </p:tgtEl>
+                                        <p:attrNameLst>
+                                          <p:attrName>style.visibility</p:attrName>
+                                        </p:attrNameLst>
+                                      </p:cBhvr>
+                                      <p:to>
+                                        <p:strVal val="visible"/>
+                                      </p:to>
+                                    </p:set>
+                                  </p:childTnLst>
+                                </p:cTn>
+                              </p:par>
+                            </p:childTnLst>
+                          </p:cTn>
+                        </p:par>
+                        <p:par>
+                          <p:cTn id="31" fill="hold">
+                            <p:stCondLst>
+                              <p:cond delay="500"/>
+                            </p:stCondLst>
+                            <p:childTnLst>
+                              <p:par>
+                                <p:cTn id="32" presetID="1" presetClass="entr" presetSubtype="0" fill="hold" grpId="0" nodeType="afterEffect">
+                                  <p:stCondLst>
+                                    <p:cond delay="0"/>
+                                  </p:stCondLst>
+                                  <p:childTnLst>
+                                    <p:set>
+                                      <p:cBhvr>
+                                        <p:cTn id="33" dur="1" fill="hold">
+                                          <p:stCondLst>
+                                            <p:cond delay="499"/>
+                                          </p:stCondLst>
+                                        </p:cTn>
+                                        <p:tgtEl>
+                                          <p:spTgt spid="18"/>
+                                        </p:tgtEl>
+                                        <p:attrNameLst>
+                                          <p:attrName>style.visibility</p:attrName>
+                                        </p:attrNameLst>
+                                      </p:cBhvr>
+                                      <p:to>
+                                        <p:strVal val="visible"/>
+                                      </p:to>
+                                    </p:set>
+                                  </p:childTnLst>
+                                </p:cTn>
+                              </p:par>
+                            </p:childTnLst>
+                          </p:cTn>
+                        </p:par>
+                        <p:par>
+                          <p:cTn id="34" fill="hold">
+                            <p:stCondLst>
+                              <p:cond delay="1000"/>
+                            </p:stCondLst>
+                            <p:childTnLst>
+                              <p:par>
+                                <p:cTn id="35" presetID="1" presetClass="entr" presetSubtype="0" fill="hold" grpId="0" nodeType="afterEffect">
+                                  <p:stCondLst>
+                                    <p:cond delay="0"/>
+                                  </p:stCondLst>
+                                  <p:childTnLst>
+                                    <p:set>
+                                      <p:cBhvr>
+                                        <p:cTn id="36" dur="1" fill="hold">
+                                          <p:stCondLst>
+                                            <p:cond delay="499"/>
+                                          </p:stCondLst>
+                                        </p:cTn>
+                                        <p:tgtEl>
+                                          <p:spTgt spid="19"/>
+                                        </p:tgtEl>
+                                        <p:attrNameLst>
+                                          <p:attrName>style.visibility</p:attrName>
+                                        </p:attrNameLst>
+                                      </p:cBhvr>
+                                      <p:to>
+                                        <p:strVal val="visible"/>
+                                      </p:to>
+                                    </p:set>
+                                  </p:childTnLst>
+                                </p:cTn>
+                              </p:par>
+                            </p:childTnLst>
+                          </p:cTn>
+                        </p:par>
+                        <p:par>
+                          <p:cTn id="37" fill="hold">
+                            <p:stCondLst>
+                              <p:cond delay="1500"/>
+                            </p:stCondLst>
+                            <p:childTnLst>
+                              <p:par>
+                                <p:cTn id="38" presetID="1" presetClass="entr" presetSubtype="0" fill="hold" grpId="0" nodeType="afterEffect">
+                                  <p:stCondLst>
+                                    <p:cond delay="0"/>
+                                  </p:stCondLst>
+                                  <p:childTnLst>
+                                    <p:set>
+                                      <p:cBhvr>
+                                        <p:cTn id="39" dur="1" fill="hold">
+                                          <p:stCondLst>
+                                            <p:cond delay="499"/>
+                                          </p:stCondLst>
+                                        </p:cTn>
+                                        <p:tgtEl>
+                                          <p:spTgt spid="20"/>
+                                        </p:tgtEl>
+                                        <p:attrNameLst>
+                                          <p:attrName>style.visibility</p:attrName>
+                                        </p:attrNameLst>
+                                      </p:cBhvr>
+                                      <p:to>
+                                        <p:strVal val="visible"/>
+                                      </p:to>
+                                    </p:set>
+                                  </p:childTnLst>
+                                </p:cTn>
+                              </p:par>
+                            </p:childTnLst>
+                          </p:cTn>
+                        </p:par>
+                        <p:par>
+                          <p:cTn id="40" fill="hold">
+                            <p:stCondLst>
+                              <p:cond delay="2000"/>
+                            </p:stCondLst>
+                            <p:childTnLst>
+                              <p:par>
+                                <p:cTn id="41" presetID="1" presetClass="entr" presetSubtype="0" fill="hold" grpId="0" nodeType="afterEffect">
+                                  <p:stCondLst>
+                                    <p:cond delay="0"/>
+                                  </p:stCondLst>
+                                  <p:childTnLst>
+                                    <p:set>
+                                      <p:cBhvr>
+                                        <p:cTn id="42" dur="1" fill="hold">
+                                          <p:stCondLst>
+                                            <p:cond delay="499"/>
+                                          </p:stCondLst>
+                                        </p:cTn>
+                                        <p:tgtEl>
+                                          <p:spTgt spid="21"/>
+                                        </p:tgtEl>
+                                        <p:attrNameLst>
+                                          <p:attrName>style.visibility</p:attrName>
+                                        </p:attrNameLst>
+                                      </p:cBhvr>
+                                      <p:to>
+                                        <p:strVal val="visible"/>
+                                      </p:to>
+                                    </p:set>
+                                  </p:childTnLst>
+                                </p:cTn>
+                              </p:par>
+                            </p:childTnLst>
+                          </p:cTn>
+                        </p:par>
+                        <p:par>
+                          <p:cTn id="43" fill="hold">
+                            <p:stCondLst>
+                              <p:cond delay="2500"/>
+                            </p:stCondLst>
+                            <p:childTnLst>
+                              <p:par>
+                                <p:cTn id="44" presetID="1" presetClass="entr" presetSubtype="0" fill="hold" grpId="0" nodeType="afterEffect">
+                                  <p:stCondLst>
+                                    <p:cond delay="0"/>
+                                  </p:stCondLst>
+                                  <p:childTnLst>
+                                    <p:set>
+                                      <p:cBhvr>
+                                        <p:cTn id="45" dur="1" fill="hold">
+                                          <p:stCondLst>
+                                            <p:cond delay="499"/>
+                                          </p:stCondLst>
+                                        </p:cTn>
+                                        <p:tgtEl>
+                                          <p:spTgt spid="22"/>
+                                        </p:tgtEl>
+                                        <p:attrNameLst>
+                                          <p:attrName>style.visibility</p:attrName>
+                                        </p:attrNameLst>
+                                      </p:cBhvr>
+                                      <p:to>
+                                        <p:strVal val="visible"/>
+                                      </p:to>
+                                    </p:set>
+                                  </p:childTnLst>
+                                </p:cTn>
+                              </p:par>
+                            </p:childTnLst>
+                          </p:cTn>
+                        </p:par>
+                      </p:childTnLst>
+                    </p:cTn>
+                  </p:par>
+                </p:childTnLst>
+              </p:cTn>
+              <p:prevCondLst>
+                <p:cond evt="onPrev" delay="0">
+                  <p:tgtEl>
+                    <p:sldTgt/>
+                  </p:tgtEl>
+                </p:cond>
+              </p:prevCondLst>
+              <p:nextCondLst>
+                <p:cond evt="onNext" delay="0">
+                  <p:tgtEl>
+                    <p:sldTgt/>
+                  </p:tgtEl>
+                </p:cond>
+              </p:nextCondLst>
+            </p:seq>
+          </p:childTnLst>
+        </p:cTn>
       </p:par>
     </p:tnLst>
+    <p:bldLst>
+      <p:bldP spid="7" grpId="0" animBg="1"/>
+      <p:bldP spid="8" grpId="0" animBg="1"/>
+      <p:bldP spid="10" grpId="0" animBg="1"/>
+      <p:bldP spid="11" grpId="0" animBg="1"/>
+      <p:bldP spid="12" grpId="0" animBg="1"/>
+      <p:bldP spid="13" grpId="0" animBg="1"/>
+      <p:bldP spid="17" grpId="0" animBg="1"/>
+      <p:bldP spid="18" grpId="0" animBg="1"/>
+      <p:bldP spid="19" grpId="0" animBg="1"/>
+      <p:bldP spid="20" grpId="0" animBg="1"/>
+      <p:bldP spid="21" grpId="0" animBg="1"/>
+      <p:bldP spid="22" grpId="0" animBg="1"/>
+    </p:bldLst>
   </p:timing>
 </p:sld>
 </file>
 
-<file path=ppt/slides/slide10.xml><?xml version="1.0" encoding="utf-8"?>
+<file path=ppt/slides/slide11.xml><?xml version="1.0" encoding="utf-8"?>
 <p:sld xmlns:a="http://schemas.openxmlformats.org/drawingml/2006/main" xmlns:r="http://schemas.openxmlformats.org/officeDocument/2006/relationships" xmlns:p="http://schemas.openxmlformats.org/presentationml/2006/main">
   <p:cSld>
     <p:spTree>
@@ -5832,7 +7621,7 @@
           </a:ln>
           <a:extLst>
             <a:ext uri="{909E8E84-426E-40dd-AFC4-6F175D3DCCD1}">
-              <a14:hiddenFill xmlns:a14="http://schemas.microsoft.com/office/drawing/2010/main" xmlns="">
+              <a14:hiddenFill xmlns="" xmlns:a14="http://schemas.microsoft.com/office/drawing/2010/main">
                 <a:solidFill>
                   <a:srgbClr val="FFFFFF"/>
                 </a:solidFill>
@@ -5876,7 +7665,7 @@
           </a:ln>
           <a:extLst>
             <a:ext uri="{909E8E84-426E-40dd-AFC4-6F175D3DCCD1}">
-              <a14:hiddenFill xmlns:a14="http://schemas.microsoft.com/office/drawing/2010/main" xmlns="">
+              <a14:hiddenFill xmlns="" xmlns:a14="http://schemas.microsoft.com/office/drawing/2010/main">
                 <a:solidFill>
                   <a:srgbClr val="FFFFFF"/>
                 </a:solidFill>
@@ -5920,7 +7709,7 @@
           </a:ln>
           <a:extLst>
             <a:ext uri="{909E8E84-426E-40dd-AFC4-6F175D3DCCD1}">
-              <a14:hiddenFill xmlns:a14="http://schemas.microsoft.com/office/drawing/2010/main" xmlns="">
+              <a14:hiddenFill xmlns="" xmlns:a14="http://schemas.microsoft.com/office/drawing/2010/main">
                 <a:solidFill>
                   <a:srgbClr val="FFFFFF"/>
                 </a:solidFill>
@@ -5964,7 +7753,7 @@
           </a:ln>
           <a:extLst>
             <a:ext uri="{909E8E84-426E-40dd-AFC4-6F175D3DCCD1}">
-              <a14:hiddenFill xmlns:a14="http://schemas.microsoft.com/office/drawing/2010/main" xmlns="">
+              <a14:hiddenFill xmlns="" xmlns:a14="http://schemas.microsoft.com/office/drawing/2010/main">
                 <a:solidFill>
                   <a:srgbClr val="FFFFFF"/>
                 </a:solidFill>
@@ -6042,14 +7831,14 @@
           </a:ln>
           <a:extLst>
             <a:ext uri="{909E8E84-426E-40dd-AFC4-6F175D3DCCD1}">
-              <a14:hiddenFill xmlns:a14="http://schemas.microsoft.com/office/drawing/2010/main" xmlns="">
+              <a14:hiddenFill xmlns="" xmlns:a14="http://schemas.microsoft.com/office/drawing/2010/main">
                 <a:solidFill>
                   <a:srgbClr val="FFFFFF"/>
                 </a:solidFill>
               </a14:hiddenFill>
             </a:ext>
             <a:ext uri="{91240B29-F687-4f45-9708-019B960494DF}">
-              <a14:hiddenLine xmlns:a14="http://schemas.microsoft.com/office/drawing/2010/main" xmlns="" w="12700" cap="flat">
+              <a14:hiddenLine xmlns="" xmlns:a14="http://schemas.microsoft.com/office/drawing/2010/main" w="12700" cap="flat">
                 <a:solidFill>
                   <a:schemeClr val="tx1"/>
                 </a:solidFill>
@@ -6101,14 +7890,14 @@
           </a:ln>
           <a:extLst>
             <a:ext uri="{909E8E84-426E-40dd-AFC4-6F175D3DCCD1}">
-              <a14:hiddenFill xmlns:a14="http://schemas.microsoft.com/office/drawing/2010/main" xmlns="">
+              <a14:hiddenFill xmlns="" xmlns:a14="http://schemas.microsoft.com/office/drawing/2010/main">
                 <a:solidFill>
                   <a:srgbClr val="FFFFFF"/>
                 </a:solidFill>
               </a14:hiddenFill>
             </a:ext>
             <a:ext uri="{91240B29-F687-4f45-9708-019B960494DF}">
-              <a14:hiddenLine xmlns:a14="http://schemas.microsoft.com/office/drawing/2010/main" xmlns="" w="12700" cap="flat">
+              <a14:hiddenLine xmlns="" xmlns:a14="http://schemas.microsoft.com/office/drawing/2010/main" w="12700" cap="flat">
                 <a:solidFill>
                   <a:schemeClr val="tx1"/>
                 </a:solidFill>
@@ -6281,7 +8070,7 @@
           </a:ln>
           <a:extLst>
             <a:ext uri="{909E8E84-426E-40dd-AFC4-6F175D3DCCD1}">
-              <a14:hiddenFill xmlns:a14="http://schemas.microsoft.com/office/drawing/2010/main" xmlns="">
+              <a14:hiddenFill xmlns="" xmlns:a14="http://schemas.microsoft.com/office/drawing/2010/main">
                 <a:solidFill>
                   <a:srgbClr val="FFFFFF"/>
                 </a:solidFill>
@@ -6325,7 +8114,7 @@
           </a:ln>
           <a:extLst>
             <a:ext uri="{909E8E84-426E-40dd-AFC4-6F175D3DCCD1}">
-              <a14:hiddenFill xmlns:a14="http://schemas.microsoft.com/office/drawing/2010/main" xmlns="">
+              <a14:hiddenFill xmlns="" xmlns:a14="http://schemas.microsoft.com/office/drawing/2010/main">
                 <a:solidFill>
                   <a:srgbClr val="FFFFFF"/>
                 </a:solidFill>
@@ -6369,7 +8158,7 @@
           </a:ln>
           <a:extLst>
             <a:ext uri="{909E8E84-426E-40dd-AFC4-6F175D3DCCD1}">
-              <a14:hiddenFill xmlns:a14="http://schemas.microsoft.com/office/drawing/2010/main" xmlns="">
+              <a14:hiddenFill xmlns="" xmlns:a14="http://schemas.microsoft.com/office/drawing/2010/main">
                 <a:solidFill>
                   <a:srgbClr val="FFFFFF"/>
                 </a:solidFill>
@@ -6413,7 +8202,7 @@
           </a:ln>
           <a:extLst>
             <a:ext uri="{909E8E84-426E-40dd-AFC4-6F175D3DCCD1}">
-              <a14:hiddenFill xmlns:a14="http://schemas.microsoft.com/office/drawing/2010/main" xmlns="">
+              <a14:hiddenFill xmlns="" xmlns:a14="http://schemas.microsoft.com/office/drawing/2010/main">
                 <a:solidFill>
                   <a:srgbClr val="FFFFFF"/>
                 </a:solidFill>
@@ -6457,7 +8246,7 @@
           </a:ln>
           <a:extLst>
             <a:ext uri="{909E8E84-426E-40dd-AFC4-6F175D3DCCD1}">
-              <a14:hiddenFill xmlns:a14="http://schemas.microsoft.com/office/drawing/2010/main" xmlns="">
+              <a14:hiddenFill xmlns="" xmlns:a14="http://schemas.microsoft.com/office/drawing/2010/main">
                 <a:solidFill>
                   <a:srgbClr val="FFFFFF"/>
                 </a:solidFill>
@@ -7872,7 +9661,7 @@
 </p:sld>
 </file>
 
-<file path=ppt/slides/slide11.xml><?xml version="1.0" encoding="utf-8"?>
+<file path=ppt/slides/slide12.xml><?xml version="1.0" encoding="utf-8"?>
 <p:sld xmlns:a="http://schemas.openxmlformats.org/drawingml/2006/main" xmlns:r="http://schemas.openxmlformats.org/officeDocument/2006/relationships" xmlns:p="http://schemas.openxmlformats.org/presentationml/2006/main">
   <p:cSld>
     <p:spTree>
@@ -7911,14 +9700,10 @@
           <a:p>
             <a:r>
               <a:rPr lang="en-US" dirty="0"/>
-              <a:t>Pop </a:t>
-            </a:r>
-            <a:r>
-              <a:rPr lang="en-US" dirty="0" smtClean="0"/>
-              <a:t>Quiz: </a:t>
+              <a:t>Pop Quiz: </a:t>
             </a:r>
             <a:br>
-              <a:rPr lang="en-US" dirty="0" smtClean="0"/>
+              <a:rPr lang="en-US" dirty="0"/>
             </a:br>
             <a:r>
               <a:rPr lang="en-US" dirty="0">
@@ -7956,7 +9741,7 @@
           <a:bodyPr/>
           <a:lstStyle/>
           <a:p>
-            <a:endParaRPr lang="en-US" dirty="0" smtClean="0"/>
+            <a:endParaRPr lang="en-US" dirty="0"/>
           </a:p>
           <a:p>
             <a:r>
@@ -7976,65 +9761,49 @@
               <a:t>” as the </a:t>
             </a:r>
             <a:r>
-              <a:rPr lang="en-US" dirty="0" err="1" smtClean="0"/>
+              <a:rPr lang="en-US" dirty="0" err="1"/>
               <a:t>TvType</a:t>
             </a:r>
             <a:r>
-              <a:rPr lang="en-US" dirty="0" smtClean="0"/>
+              <a:rPr lang="en-US" dirty="0"/>
               <a:t>,</a:t>
             </a:r>
             <a:br>
-              <a:rPr lang="en-US" dirty="0" smtClean="0"/>
+              <a:rPr lang="en-US" dirty="0"/>
             </a:br>
             <a:r>
-              <a:rPr lang="en-US" dirty="0" smtClean="0"/>
-              <a:t>What </a:t>
-            </a:r>
-            <a:r>
               <a:rPr lang="en-US" dirty="0"/>
-              <a:t>does the code do?</a:t>
+              <a:t>What does the code do?</a:t>
             </a:r>
           </a:p>
           <a:p>
             <a:pPr marL="463550" lvl="1" indent="0">
               <a:buNone/>
             </a:pPr>
-            <a:endParaRPr lang="en-US" dirty="0" smtClean="0"/>
+            <a:endParaRPr lang="en-US" dirty="0"/>
           </a:p>
           <a:p>
             <a:pPr marL="920750" lvl="1" indent="-457200">
               <a:buAutoNum type="alphaUcParenR"/>
             </a:pPr>
             <a:r>
-              <a:rPr lang="en-US" dirty="0" smtClean="0"/>
-              <a:t>Creates </a:t>
-            </a:r>
-            <a:r>
               <a:rPr lang="en-US" dirty="0"/>
-              <a:t>30 Frames #30 </a:t>
-            </a:r>
-            <a:r>
-              <a:rPr lang="en-US" dirty="0" smtClean="0"/>
-              <a:t>– 0</a:t>
+              <a:t>Creates 30 Frames #30 – 0</a:t>
             </a:r>
           </a:p>
           <a:p>
             <a:pPr marL="920750" lvl="1" indent="-457200">
               <a:buAutoNum type="alphaUcParenR"/>
             </a:pPr>
-            <a:endParaRPr lang="en-US" dirty="0" smtClean="0"/>
+            <a:endParaRPr lang="en-US" dirty="0"/>
           </a:p>
           <a:p>
             <a:pPr marL="920750" lvl="1" indent="-457200">
               <a:buAutoNum type="alphaUcParenR"/>
             </a:pPr>
             <a:r>
-              <a:rPr lang="en-US" dirty="0" smtClean="0"/>
-              <a:t>Run </a:t>
-            </a:r>
-            <a:r>
               <a:rPr lang="en-US" dirty="0"/>
-              <a:t>it to find out</a:t>
+              <a:t>Run it to find out</a:t>
             </a:r>
           </a:p>
         </p:txBody>
@@ -8235,261 +10004,6 @@
 </p:sld>
 </file>
 
-<file path=ppt/slides/slide12.xml><?xml version="1.0" encoding="utf-8"?>
-<p:sld xmlns:a="http://schemas.openxmlformats.org/drawingml/2006/main" xmlns:r="http://schemas.openxmlformats.org/officeDocument/2006/relationships" xmlns:p="http://schemas.openxmlformats.org/presentationml/2006/main">
-  <p:cSld>
-    <p:spTree>
-      <p:nvGrpSpPr>
-        <p:cNvPr id="1" name=""/>
-        <p:cNvGrpSpPr/>
-        <p:nvPr/>
-      </p:nvGrpSpPr>
-      <p:grpSpPr>
-        <a:xfrm>
-          <a:off x="0" y="0"/>
-          <a:ext cx="0" cy="0"/>
-          <a:chOff x="0" y="0"/>
-          <a:chExt cx="0" cy="0"/>
-        </a:xfrm>
-      </p:grpSpPr>
-      <p:sp>
-        <p:nvSpPr>
-          <p:cNvPr id="2" name="Title 1"/>
-          <p:cNvSpPr>
-            <a:spLocks noGrp="1"/>
-          </p:cNvSpPr>
-          <p:nvPr>
-            <p:ph type="title"/>
-          </p:nvPr>
-        </p:nvSpPr>
-        <p:spPr>
-          <a:xfrm>
-            <a:off x="387054" y="171450"/>
-            <a:ext cx="8375946" cy="997196"/>
-          </a:xfrm>
-        </p:spPr>
-        <p:txBody>
-          <a:bodyPr/>
-          <a:lstStyle/>
-          <a:p>
-            <a:r>
-              <a:rPr lang="en-US" dirty="0"/>
-              <a:t>Pop </a:t>
-            </a:r>
-            <a:r>
-              <a:rPr lang="en-US" dirty="0" smtClean="0"/>
-              <a:t>Quiz: </a:t>
-            </a:r>
-            <a:br>
-              <a:rPr lang="en-US" dirty="0" smtClean="0"/>
-            </a:br>
-            <a:r>
-              <a:rPr lang="en-US" dirty="0">
-                <a:solidFill>
-                  <a:schemeClr val="accent1"/>
-                </a:solidFill>
-              </a:rPr>
-              <a:t>Question </a:t>
-            </a:r>
-            <a:r>
-              <a:rPr lang="en-US" dirty="0" smtClean="0">
-                <a:solidFill>
-                  <a:schemeClr val="accent1"/>
-                </a:solidFill>
-              </a:rPr>
-              <a:t>2</a:t>
-            </a:r>
-            <a:endParaRPr sz="3600" dirty="0">
-              <a:solidFill>
-                <a:schemeClr val="accent1"/>
-              </a:solidFill>
-            </a:endParaRPr>
-          </a:p>
-        </p:txBody>
-      </p:sp>
-      <p:sp>
-        <p:nvSpPr>
-          <p:cNvPr id="3" name="Text Placeholder 2"/>
-          <p:cNvSpPr>
-            <a:spLocks noGrp="1"/>
-          </p:cNvSpPr>
-          <p:nvPr>
-            <p:ph idx="1"/>
-          </p:nvPr>
-        </p:nvSpPr>
-        <p:spPr>
-          <a:xfrm>
-            <a:off x="381000" y="1059656"/>
-            <a:ext cx="8382000" cy="2824875"/>
-          </a:xfrm>
-        </p:spPr>
-        <p:txBody>
-          <a:bodyPr/>
-          <a:lstStyle/>
-          <a:p>
-            <a:endParaRPr lang="en-US" dirty="0" smtClean="0"/>
-          </a:p>
-          <a:p>
-            <a:r>
-              <a:rPr lang="en-US" dirty="0" smtClean="0"/>
-              <a:t>To </a:t>
-            </a:r>
-            <a:r>
-              <a:rPr lang="en-US" dirty="0"/>
-              <a:t>get this code to run, </a:t>
-            </a:r>
-            <a:r>
-              <a:rPr lang="en-US" dirty="0" smtClean="0"/>
-              <a:t>how </a:t>
-            </a:r>
-            <a:r>
-              <a:rPr lang="en-US" dirty="0"/>
-              <a:t>should you </a:t>
-            </a:r>
-            <a:r>
-              <a:rPr lang="en-US" dirty="0" smtClean="0"/>
-              <a:t>handle</a:t>
-            </a:r>
-            <a:br>
-              <a:rPr lang="en-US" dirty="0" smtClean="0"/>
-            </a:br>
-            <a:r>
-              <a:rPr lang="en-US" u="sng" dirty="0">
-                <a:solidFill>
-                  <a:srgbClr val="FFFFFF"/>
-                </a:solidFill>
-                <a:latin typeface="Helvetica" charset="0"/>
-                <a:cs typeface="Helvetica" charset="0"/>
-                <a:sym typeface="Helvetica" charset="0"/>
-                <a:hlinkClick r:id="rId3"/>
-              </a:rPr>
-              <a:t>web.Request.Params</a:t>
-            </a:r>
-            <a:r>
-              <a:rPr lang="en-US" dirty="0">
-                <a:solidFill>
-                  <a:srgbClr val="FFFFFF"/>
-                </a:solidFill>
-                <a:latin typeface="Helvetica" charset="0"/>
-                <a:cs typeface="Helvetica" charset="0"/>
-                <a:sym typeface="Helvetica" charset="0"/>
-              </a:rPr>
-              <a:t>[</a:t>
-            </a:r>
-            <a:r>
-              <a:rPr lang="en-US" dirty="0">
-                <a:solidFill>
-                  <a:srgbClr val="A31515"/>
-                </a:solidFill>
-                <a:latin typeface="Helvetica" charset="0"/>
-                <a:cs typeface="Helvetica" charset="0"/>
-                <a:sym typeface="Helvetica" charset="0"/>
-              </a:rPr>
-              <a:t>"</a:t>
-            </a:r>
-            <a:r>
-              <a:rPr lang="en-US" dirty="0" err="1">
-                <a:solidFill>
-                  <a:srgbClr val="FF0000"/>
-                </a:solidFill>
-                <a:latin typeface="Helvetica" charset="0"/>
-                <a:cs typeface="Helvetica" charset="0"/>
-                <a:sym typeface="Helvetica" charset="0"/>
-              </a:rPr>
-              <a:t>TvFormat</a:t>
-            </a:r>
-            <a:r>
-              <a:rPr lang="en-US" dirty="0">
-                <a:solidFill>
-                  <a:srgbClr val="A31515"/>
-                </a:solidFill>
-                <a:latin typeface="Helvetica" charset="0"/>
-                <a:cs typeface="Helvetica" charset="0"/>
-                <a:sym typeface="Helvetica" charset="0"/>
-              </a:rPr>
-              <a:t>"</a:t>
-            </a:r>
-            <a:r>
-              <a:rPr lang="en-US" dirty="0" smtClean="0">
-                <a:solidFill>
-                  <a:srgbClr val="FFFFFF"/>
-                </a:solidFill>
-                <a:latin typeface="Helvetica" charset="0"/>
-                <a:cs typeface="Helvetica" charset="0"/>
-                <a:sym typeface="Helvetica" charset="0"/>
-              </a:rPr>
-              <a:t>]</a:t>
-            </a:r>
-          </a:p>
-          <a:p>
-            <a:endParaRPr lang="en-US" sz="600" dirty="0">
-              <a:solidFill>
-                <a:srgbClr val="FFFFFF"/>
-              </a:solidFill>
-              <a:latin typeface="Helvetica" charset="0"/>
-              <a:sym typeface="Helvetica" charset="0"/>
-            </a:endParaRPr>
-          </a:p>
-          <a:p>
-            <a:pPr marL="0" indent="0">
-              <a:buNone/>
-            </a:pPr>
-            <a:r>
-              <a:rPr lang="en-US" dirty="0" smtClean="0"/>
-              <a:t> </a:t>
-            </a:r>
-            <a:endParaRPr lang="en-US" dirty="0"/>
-          </a:p>
-          <a:p>
-            <a:pPr marL="920750" lvl="1" indent="-457200">
-              <a:buAutoNum type="alphaUcParenR"/>
-            </a:pPr>
-            <a:r>
-              <a:rPr lang="en-US" dirty="0" smtClean="0"/>
-              <a:t>Peel</a:t>
-            </a:r>
-          </a:p>
-          <a:p>
-            <a:pPr marL="920750" lvl="1" indent="-457200">
-              <a:buAutoNum type="alphaUcParenR"/>
-            </a:pPr>
-            <a:endParaRPr lang="en-US" dirty="0"/>
-          </a:p>
-          <a:p>
-            <a:pPr marL="920750" lvl="1" indent="-457200">
-              <a:buAutoNum type="alphaUcParenR"/>
-            </a:pPr>
-            <a:r>
-              <a:rPr lang="en-US" dirty="0" smtClean="0"/>
-              <a:t>Slice</a:t>
-            </a:r>
-            <a:endParaRPr lang="en-US" dirty="0"/>
-          </a:p>
-        </p:txBody>
-      </p:sp>
-    </p:spTree>
-    <p:extLst>
-      <p:ext uri="{BB962C8B-B14F-4D97-AF65-F5344CB8AC3E}">
-        <p14:creationId xmlns:p14="http://schemas.microsoft.com/office/powerpoint/2010/main" val="1769161781"/>
-      </p:ext>
-    </p:extLst>
-  </p:cSld>
-  <p:clrMapOvr>
-    <a:masterClrMapping/>
-  </p:clrMapOvr>
-  <p:transition>
-    <p:fade/>
-  </p:transition>
-  <p:timing>
-    <p:tnLst>
-      <p:par>
-        <p:cTn id="1" dur="indefinite" restart="never" nodeType="tmRoot"/>
-      </p:par>
-    </p:tnLst>
-  </p:timing>
-</p:sld>
-</file>
-
 <file path=ppt/slides/slide13.xml><?xml version="1.0" encoding="utf-8"?>
 <p:sld xmlns:a="http://schemas.openxmlformats.org/drawingml/2006/main" xmlns:r="http://schemas.openxmlformats.org/officeDocument/2006/relationships" xmlns:p="http://schemas.openxmlformats.org/presentationml/2006/main">
   <p:cSld>
@@ -8529,14 +10043,10 @@
           <a:p>
             <a:r>
               <a:rPr lang="en-US" dirty="0"/>
-              <a:t>Pop </a:t>
-            </a:r>
-            <a:r>
-              <a:rPr lang="en-US" dirty="0" smtClean="0"/>
-              <a:t>Quiz: </a:t>
+              <a:t>Pop Quiz: </a:t>
             </a:r>
             <a:br>
-              <a:rPr lang="en-US" dirty="0" smtClean="0"/>
+              <a:rPr lang="en-US" dirty="0"/>
             </a:br>
             <a:r>
               <a:rPr lang="en-US" dirty="0">
@@ -8544,15 +10054,7 @@
                   <a:schemeClr val="accent1"/>
                 </a:solidFill>
               </a:rPr>
-              <a:t>Question </a:t>
-            </a:r>
-            <a:r>
-              <a:rPr lang="en-US" dirty="0" smtClean="0">
-                <a:solidFill>
-                  <a:schemeClr val="accent1"/>
-                </a:solidFill>
-              </a:rPr>
-              <a:t>3</a:t>
+              <a:t>Question 2</a:t>
             </a:r>
             <a:endParaRPr sz="3600" dirty="0">
               <a:solidFill>
@@ -8575,47 +10077,37 @@
         <p:spPr>
           <a:xfrm>
             <a:off x="381000" y="1059656"/>
-            <a:ext cx="8382000" cy="3133165"/>
+            <a:ext cx="8382000" cy="2824875"/>
           </a:xfrm>
         </p:spPr>
         <p:txBody>
           <a:bodyPr/>
           <a:lstStyle/>
           <a:p>
-            <a:endParaRPr lang="en-US" dirty="0" smtClean="0"/>
-          </a:p>
-          <a:p>
-            <a:r>
-              <a:rPr lang="en-US" dirty="0" smtClean="0"/>
-              <a:t>To get this code to run, </a:t>
+            <a:endParaRPr lang="en-US" dirty="0"/>
+          </a:p>
+          <a:p>
+            <a:r>
+              <a:rPr lang="en-US" dirty="0"/>
+              <a:t>To get this code to run, how should you handle</a:t>
             </a:r>
             <a:br>
-              <a:rPr lang="en-US" dirty="0" smtClean="0"/>
+              <a:rPr lang="en-US" dirty="0"/>
             </a:br>
             <a:r>
-              <a:rPr lang="en-US" dirty="0" smtClean="0"/>
-              <a:t>how should you handle </a:t>
-            </a:r>
-            <a:r>
-              <a:rPr lang="en-US" smtClean="0"/>
-              <a:t/>
-            </a:r>
-            <a:br>
-              <a:rPr lang="en-US" smtClean="0"/>
-            </a:br>
-            <a:r>
-              <a:rPr lang="en-US" sz="3000" smtClean="0">
-                <a:solidFill>
-                  <a:srgbClr val="92D050"/>
+              <a:rPr lang="en-US" u="sng" dirty="0">
+                <a:solidFill>
+                  <a:srgbClr val="FFFFFF"/>
                 </a:solidFill>
                 <a:latin typeface="Helvetica" charset="0"/>
                 <a:cs typeface="Helvetica" charset="0"/>
                 <a:sym typeface="Helvetica" charset="0"/>
-              </a:rPr>
-              <a:t>maker.CreateFrame</a:t>
-            </a:r>
-            <a:r>
-              <a:rPr lang="en-US" sz="3000" dirty="0">
+                <a:hlinkClick r:id="rId3"/>
+              </a:rPr>
+              <a:t>web.Request.Params</a:t>
+            </a:r>
+            <a:r>
+              <a:rPr lang="en-US" dirty="0">
                 <a:solidFill>
                   <a:srgbClr val="FFFFFF"/>
                 </a:solidFill>
@@ -8623,10 +10115,10 @@
                 <a:cs typeface="Helvetica" charset="0"/>
                 <a:sym typeface="Helvetica" charset="0"/>
               </a:rPr>
-              <a:t>(</a:t>
-            </a:r>
-            <a:r>
-              <a:rPr lang="en-US" sz="3000" dirty="0">
+              <a:t>[</a:t>
+            </a:r>
+            <a:r>
+              <a:rPr lang="en-US" dirty="0">
                 <a:solidFill>
                   <a:srgbClr val="A31515"/>
                 </a:solidFill>
@@ -8634,19 +10126,43 @@
                 <a:cs typeface="Helvetica" charset="0"/>
                 <a:sym typeface="Helvetica" charset="0"/>
               </a:rPr>
-              <a:t>""</a:t>
-            </a:r>
-            <a:r>
-              <a:rPr lang="en-US" sz="3000" dirty="0">
-                <a:solidFill>
-                  <a:srgbClr val="FFFFFF"/>
+              <a:t>"</a:t>
+            </a:r>
+            <a:r>
+              <a:rPr lang="en-US" dirty="0" err="1">
+                <a:solidFill>
+                  <a:srgbClr val="FF0000"/>
                 </a:solidFill>
                 <a:latin typeface="Helvetica" charset="0"/>
                 <a:cs typeface="Helvetica" charset="0"/>
                 <a:sym typeface="Helvetica" charset="0"/>
               </a:rPr>
-              <a:t> + i);</a:t>
-            </a:r>
+              <a:t>TvFormat</a:t>
+            </a:r>
+            <a:r>
+              <a:rPr lang="en-US" dirty="0">
+                <a:solidFill>
+                  <a:srgbClr val="A31515"/>
+                </a:solidFill>
+                <a:latin typeface="Helvetica" charset="0"/>
+                <a:cs typeface="Helvetica" charset="0"/>
+                <a:sym typeface="Helvetica" charset="0"/>
+              </a:rPr>
+              <a:t>"</a:t>
+            </a:r>
+            <a:r>
+              <a:rPr lang="en-US" dirty="0">
+                <a:solidFill>
+                  <a:srgbClr val="FFFFFF"/>
+                </a:solidFill>
+                <a:latin typeface="Helvetica" charset="0"/>
+                <a:cs typeface="Helvetica" charset="0"/>
+                <a:sym typeface="Helvetica" charset="0"/>
+              </a:rPr>
+              <a:t>]</a:t>
+            </a:r>
+          </a:p>
+          <a:p>
             <a:endParaRPr lang="en-US" sz="600" dirty="0">
               <a:solidFill>
                 <a:srgbClr val="FFFFFF"/>
@@ -8659,17 +10175,19 @@
             <a:pPr marL="0" indent="0">
               <a:buNone/>
             </a:pPr>
-            <a:endParaRPr lang="en-US" dirty="0" smtClean="0"/>
+            <a:r>
+              <a:rPr lang="en-US" dirty="0"/>
+              <a:t> </a:t>
+            </a:r>
           </a:p>
           <a:p>
             <a:pPr marL="920750" lvl="1" indent="-457200">
               <a:buAutoNum type="alphaUcParenR"/>
             </a:pPr>
             <a:r>
-              <a:rPr lang="en-US" dirty="0" smtClean="0"/>
+              <a:rPr lang="en-US" dirty="0"/>
               <a:t>Peel</a:t>
             </a:r>
-            <a:endParaRPr lang="en-US" dirty="0"/>
           </a:p>
           <a:p>
             <a:pPr marL="920750" lvl="1" indent="-457200">
@@ -8701,17 +10219,207 @@
   <p:transition>
     <p:fade/>
   </p:transition>
-  <p:timing>
-    <p:tnLst>
-      <p:par>
-        <p:cTn id="1" dur="indefinite" restart="never" nodeType="tmRoot"/>
-      </p:par>
-    </p:tnLst>
-  </p:timing>
 </p:sld>
 </file>
 
 <file path=ppt/slides/slide14.xml><?xml version="1.0" encoding="utf-8"?>
+<p:sld xmlns:a="http://schemas.openxmlformats.org/drawingml/2006/main" xmlns:r="http://schemas.openxmlformats.org/officeDocument/2006/relationships" xmlns:p="http://schemas.openxmlformats.org/presentationml/2006/main">
+  <p:cSld>
+    <p:spTree>
+      <p:nvGrpSpPr>
+        <p:cNvPr id="1" name=""/>
+        <p:cNvGrpSpPr/>
+        <p:nvPr/>
+      </p:nvGrpSpPr>
+      <p:grpSpPr>
+        <a:xfrm>
+          <a:off x="0" y="0"/>
+          <a:ext cx="0" cy="0"/>
+          <a:chOff x="0" y="0"/>
+          <a:chExt cx="0" cy="0"/>
+        </a:xfrm>
+      </p:grpSpPr>
+      <p:sp>
+        <p:nvSpPr>
+          <p:cNvPr id="2" name="Title 1"/>
+          <p:cNvSpPr>
+            <a:spLocks noGrp="1"/>
+          </p:cNvSpPr>
+          <p:nvPr>
+            <p:ph type="title"/>
+          </p:nvPr>
+        </p:nvSpPr>
+        <p:spPr>
+          <a:xfrm>
+            <a:off x="387054" y="171450"/>
+            <a:ext cx="8375946" cy="997196"/>
+          </a:xfrm>
+        </p:spPr>
+        <p:txBody>
+          <a:bodyPr/>
+          <a:lstStyle/>
+          <a:p>
+            <a:r>
+              <a:rPr lang="en-US" dirty="0"/>
+              <a:t>Pop Quiz: </a:t>
+            </a:r>
+            <a:br>
+              <a:rPr lang="en-US" dirty="0"/>
+            </a:br>
+            <a:r>
+              <a:rPr lang="en-US" dirty="0">
+                <a:solidFill>
+                  <a:schemeClr val="accent1"/>
+                </a:solidFill>
+              </a:rPr>
+              <a:t>Question 3</a:t>
+            </a:r>
+            <a:endParaRPr sz="3600" dirty="0">
+              <a:solidFill>
+                <a:schemeClr val="accent1"/>
+              </a:solidFill>
+            </a:endParaRPr>
+          </a:p>
+        </p:txBody>
+      </p:sp>
+      <p:sp>
+        <p:nvSpPr>
+          <p:cNvPr id="3" name="Text Placeholder 2"/>
+          <p:cNvSpPr>
+            <a:spLocks noGrp="1"/>
+          </p:cNvSpPr>
+          <p:nvPr>
+            <p:ph idx="1"/>
+          </p:nvPr>
+        </p:nvSpPr>
+        <p:spPr>
+          <a:xfrm>
+            <a:off x="381000" y="1059656"/>
+            <a:ext cx="8382000" cy="3133165"/>
+          </a:xfrm>
+        </p:spPr>
+        <p:txBody>
+          <a:bodyPr/>
+          <a:lstStyle/>
+          <a:p>
+            <a:endParaRPr lang="en-US" dirty="0"/>
+          </a:p>
+          <a:p>
+            <a:r>
+              <a:rPr lang="en-US" dirty="0"/>
+              <a:t>To get this code to run, </a:t>
+            </a:r>
+            <a:br>
+              <a:rPr lang="en-US" dirty="0"/>
+            </a:br>
+            <a:r>
+              <a:rPr lang="en-US" dirty="0"/>
+              <a:t>how should you handle </a:t>
+            </a:r>
+            <a:br>
+              <a:rPr lang="en-US"/>
+            </a:br>
+            <a:r>
+              <a:rPr lang="en-US" sz="3000">
+                <a:solidFill>
+                  <a:srgbClr val="92D050"/>
+                </a:solidFill>
+                <a:latin typeface="Helvetica" charset="0"/>
+                <a:cs typeface="Helvetica" charset="0"/>
+                <a:sym typeface="Helvetica" charset="0"/>
+              </a:rPr>
+              <a:t>maker.CreateFrame</a:t>
+            </a:r>
+            <a:r>
+              <a:rPr lang="en-US" sz="3000" dirty="0">
+                <a:solidFill>
+                  <a:srgbClr val="FFFFFF"/>
+                </a:solidFill>
+                <a:latin typeface="Helvetica" charset="0"/>
+                <a:cs typeface="Helvetica" charset="0"/>
+                <a:sym typeface="Helvetica" charset="0"/>
+              </a:rPr>
+              <a:t>(</a:t>
+            </a:r>
+            <a:r>
+              <a:rPr lang="en-US" sz="3000" dirty="0">
+                <a:solidFill>
+                  <a:srgbClr val="A31515"/>
+                </a:solidFill>
+                <a:latin typeface="Helvetica" charset="0"/>
+                <a:cs typeface="Helvetica" charset="0"/>
+                <a:sym typeface="Helvetica" charset="0"/>
+              </a:rPr>
+              <a:t>""</a:t>
+            </a:r>
+            <a:r>
+              <a:rPr lang="en-US" sz="3000" dirty="0">
+                <a:solidFill>
+                  <a:srgbClr val="FFFFFF"/>
+                </a:solidFill>
+                <a:latin typeface="Helvetica" charset="0"/>
+                <a:cs typeface="Helvetica" charset="0"/>
+                <a:sym typeface="Helvetica" charset="0"/>
+              </a:rPr>
+              <a:t> + i);</a:t>
+            </a:r>
+            <a:endParaRPr lang="en-US" sz="600" dirty="0">
+              <a:solidFill>
+                <a:srgbClr val="FFFFFF"/>
+              </a:solidFill>
+              <a:latin typeface="Helvetica" charset="0"/>
+              <a:sym typeface="Helvetica" charset="0"/>
+            </a:endParaRPr>
+          </a:p>
+          <a:p>
+            <a:pPr marL="0" indent="0">
+              <a:buNone/>
+            </a:pPr>
+            <a:endParaRPr lang="en-US" dirty="0"/>
+          </a:p>
+          <a:p>
+            <a:pPr marL="920750" lvl="1" indent="-457200">
+              <a:buAutoNum type="alphaUcParenR"/>
+            </a:pPr>
+            <a:r>
+              <a:rPr lang="en-US" dirty="0"/>
+              <a:t>Peel</a:t>
+            </a:r>
+          </a:p>
+          <a:p>
+            <a:pPr marL="920750" lvl="1" indent="-457200">
+              <a:buAutoNum type="alphaUcParenR"/>
+            </a:pPr>
+            <a:endParaRPr lang="en-US" dirty="0"/>
+          </a:p>
+          <a:p>
+            <a:pPr marL="920750" lvl="1" indent="-457200">
+              <a:buAutoNum type="alphaUcParenR"/>
+            </a:pPr>
+            <a:r>
+              <a:rPr lang="en-US" dirty="0"/>
+              <a:t>Slice</a:t>
+            </a:r>
+          </a:p>
+        </p:txBody>
+      </p:sp>
+    </p:spTree>
+    <p:extLst>
+      <p:ext uri="{BB962C8B-B14F-4D97-AF65-F5344CB8AC3E}">
+        <p14:creationId xmlns:p14="http://schemas.microsoft.com/office/powerpoint/2010/main" val="1769161781"/>
+      </p:ext>
+    </p:extLst>
+  </p:cSld>
+  <p:clrMapOvr>
+    <a:masterClrMapping/>
+  </p:clrMapOvr>
+  <p:transition>
+    <p:fade/>
+  </p:transition>
+</p:sld>
+</file>
+
+<file path=ppt/slides/slide15.xml><?xml version="1.0" encoding="utf-8"?>
 <p:sld xmlns:a="http://schemas.openxmlformats.org/drawingml/2006/main" xmlns:r="http://schemas.openxmlformats.org/officeDocument/2006/relationships" xmlns:p="http://schemas.openxmlformats.org/presentationml/2006/main" show="0">
   <p:cSld>
     <p:spTree>
@@ -8749,7 +10457,7 @@
           <a:lstStyle/>
           <a:p>
             <a:r>
-              <a:rPr lang="en-US" dirty="0" smtClean="0"/>
+              <a:rPr lang="en-US" dirty="0"/>
               <a:t>Resources</a:t>
             </a:r>
             <a:endParaRPr sz="3600" dirty="0">
@@ -8781,12 +10489,8 @@
           <a:lstStyle/>
           <a:p>
             <a:r>
-              <a:rPr lang="en-US" dirty="0" smtClean="0"/>
-              <a:t>VS </a:t>
-            </a:r>
-            <a:r>
               <a:rPr lang="en-US" dirty="0"/>
-              <a:t>2010 / </a:t>
+              <a:t>VS 2010 / </a:t>
             </a:r>
             <a:r>
               <a:rPr lang="en-US" dirty="0" err="1"/>
@@ -8805,23 +10509,15 @@
           </a:p>
           <a:p>
             <a:r>
-              <a:rPr lang="en-US" dirty="0" smtClean="0"/>
-              <a:t>Mock </a:t>
-            </a:r>
-            <a:r>
               <a:rPr lang="en-US" dirty="0"/>
-              <a:t>Utility : </a:t>
-            </a:r>
-            <a:r>
-              <a:rPr lang="en-US" dirty="0" err="1" smtClean="0"/>
+              <a:t>Mock Utility : </a:t>
+            </a:r>
+            <a:r>
+              <a:rPr lang="en-US" dirty="0" err="1"/>
               <a:t>RhinoMock</a:t>
             </a:r>
-            <a:r>
-              <a:rPr lang="en-US" dirty="0" smtClean="0"/>
-              <a:t/>
-            </a:r>
             <a:br>
-              <a:rPr lang="en-US" dirty="0" smtClean="0"/>
+              <a:rPr lang="en-US" dirty="0"/>
             </a:br>
             <a:r>
               <a:rPr lang="en-US" u="sng" dirty="0">
@@ -8829,21 +10525,8 @@
                   <a:srgbClr val="92D050"/>
                 </a:solidFill>
               </a:rPr>
-              <a:t>http://</a:t>
-            </a:r>
-            <a:r>
-              <a:rPr lang="en-US" u="sng" dirty="0" smtClean="0">
-                <a:solidFill>
-                  <a:srgbClr val="92D050"/>
-                </a:solidFill>
-              </a:rPr>
-              <a:t>www.ayende.com/projects/rhino-mocks.aspx</a:t>
-            </a:r>
-            <a:endParaRPr lang="en-US" u="sng" dirty="0">
-              <a:solidFill>
-                <a:srgbClr val="92D050"/>
-              </a:solidFill>
-            </a:endParaRPr>
+              <a:t>http://www.ayende.com/projects/rhino-mocks.aspx</a:t>
+            </a:r>
           </a:p>
         </p:txBody>
       </p:sp>
@@ -8860,183 +10543,6 @@
   <p:transition>
     <p:fade/>
   </p:transition>
-  <p:timing>
-    <p:tnLst>
-      <p:par>
-        <p:cTn id="1" dur="indefinite" restart="never" nodeType="tmRoot"/>
-      </p:par>
-    </p:tnLst>
-  </p:timing>
-</p:sld>
-</file>
-
-<file path=ppt/slides/slide15.xml><?xml version="1.0" encoding="utf-8"?>
-<p:sld xmlns:a="http://schemas.openxmlformats.org/drawingml/2006/main" xmlns:r="http://schemas.openxmlformats.org/officeDocument/2006/relationships" xmlns:p="http://schemas.openxmlformats.org/presentationml/2006/main">
-  <p:cSld>
-    <p:spTree>
-      <p:nvGrpSpPr>
-        <p:cNvPr id="1" name=""/>
-        <p:cNvGrpSpPr/>
-        <p:nvPr/>
-      </p:nvGrpSpPr>
-      <p:grpSpPr>
-        <a:xfrm>
-          <a:off x="0" y="0"/>
-          <a:ext cx="0" cy="0"/>
-          <a:chOff x="0" y="0"/>
-          <a:chExt cx="0" cy="0"/>
-        </a:xfrm>
-      </p:grpSpPr>
-      <p:sp>
-        <p:nvSpPr>
-          <p:cNvPr id="2" name="Title 1"/>
-          <p:cNvSpPr>
-            <a:spLocks noGrp="1"/>
-          </p:cNvSpPr>
-          <p:nvPr>
-            <p:ph type="title"/>
-          </p:nvPr>
-        </p:nvSpPr>
-        <p:spPr>
-          <a:xfrm>
-            <a:off x="387054" y="171450"/>
-            <a:ext cx="8375946" cy="498598"/>
-          </a:xfrm>
-        </p:spPr>
-        <p:txBody>
-          <a:bodyPr/>
-          <a:lstStyle/>
-          <a:p>
-            <a:r>
-              <a:rPr lang="en-US" dirty="0" smtClean="0"/>
-              <a:t>Resources</a:t>
-            </a:r>
-            <a:endParaRPr sz="3600" dirty="0">
-              <a:solidFill>
-                <a:schemeClr val="accent1"/>
-              </a:solidFill>
-            </a:endParaRPr>
-          </a:p>
-        </p:txBody>
-      </p:sp>
-      <p:sp>
-        <p:nvSpPr>
-          <p:cNvPr id="3" name="Text Placeholder 2"/>
-          <p:cNvSpPr>
-            <a:spLocks noGrp="1"/>
-          </p:cNvSpPr>
-          <p:nvPr>
-            <p:ph idx="1"/>
-          </p:nvPr>
-        </p:nvSpPr>
-        <p:spPr>
-          <a:xfrm>
-            <a:off x="381000" y="1059656"/>
-            <a:ext cx="8382000" cy="2127249"/>
-          </a:xfrm>
-        </p:spPr>
-        <p:txBody>
-          <a:bodyPr/>
-          <a:lstStyle/>
-          <a:p>
-            <a:r>
-              <a:rPr lang="en-US" dirty="0" smtClean="0"/>
-              <a:t>Eclipse/ </a:t>
-            </a:r>
-            <a:r>
-              <a:rPr lang="en-US" dirty="0" err="1" smtClean="0"/>
-              <a:t>Junit</a:t>
-            </a:r>
-            <a:r>
-              <a:rPr lang="en-US" dirty="0" smtClean="0"/>
-              <a:t> </a:t>
-            </a:r>
-            <a:endParaRPr lang="en-US" dirty="0"/>
-          </a:p>
-          <a:p>
-            <a:r>
-              <a:rPr lang="en-US" dirty="0" err="1" smtClean="0"/>
-              <a:t>EclEmma</a:t>
-            </a:r>
-            <a:r>
-              <a:rPr lang="en-US" dirty="0" smtClean="0"/>
-              <a:t> Code Coverage</a:t>
-            </a:r>
-          </a:p>
-          <a:p>
-            <a:r>
-              <a:rPr lang="en-US" dirty="0" err="1"/>
-              <a:t>EasyMock</a:t>
-            </a:r>
-            <a:endParaRPr lang="en-US" u="sng" dirty="0">
-              <a:solidFill>
-                <a:srgbClr val="92D050"/>
-              </a:solidFill>
-            </a:endParaRPr>
-          </a:p>
-          <a:p>
-            <a:r>
-              <a:rPr lang="en-US" dirty="0" smtClean="0"/>
-              <a:t>YouTube </a:t>
-            </a:r>
-            <a:r>
-              <a:rPr lang="en-US" dirty="0"/>
-              <a:t>- </a:t>
-            </a:r>
-            <a:r>
-              <a:rPr lang="en-US" dirty="0">
-                <a:hlinkClick r:id="rId3"/>
-              </a:rPr>
-              <a:t>http://</a:t>
-            </a:r>
-            <a:r>
-              <a:rPr lang="en-US" dirty="0" err="1">
-                <a:hlinkClick r:id="rId3"/>
-              </a:rPr>
-              <a:t>lfal.co</a:t>
-            </a:r>
-            <a:r>
-              <a:rPr lang="en-US" dirty="0">
-                <a:hlinkClick r:id="rId3"/>
-              </a:rPr>
-              <a:t>/</a:t>
-            </a:r>
-            <a:r>
-              <a:rPr lang="en-US" dirty="0" err="1">
-                <a:hlinkClick r:id="rId3"/>
-              </a:rPr>
-              <a:t>PeelAndSlice</a:t>
-            </a:r>
-            <a:endParaRPr lang="en-US" dirty="0" smtClean="0"/>
-          </a:p>
-          <a:p>
-            <a:pPr marL="0" indent="0">
-              <a:buNone/>
-            </a:pPr>
-            <a:endParaRPr lang="en-US" dirty="0" smtClean="0"/>
-          </a:p>
-        </p:txBody>
-      </p:sp>
-    </p:spTree>
-    <p:extLst>
-      <p:ext uri="{BB962C8B-B14F-4D97-AF65-F5344CB8AC3E}">
-        <p14:creationId xmlns:p14="http://schemas.microsoft.com/office/powerpoint/2010/main" val="3425263309"/>
-      </p:ext>
-    </p:extLst>
-  </p:cSld>
-  <p:clrMapOvr>
-    <a:masterClrMapping/>
-  </p:clrMapOvr>
-  <p:transition>
-    <p:fade/>
-  </p:transition>
-  <p:timing>
-    <p:tnLst>
-      <p:par>
-        <p:cTn id="1" dur="indefinite" restart="never" nodeType="tmRoot"/>
-      </p:par>
-    </p:tnLst>
-  </p:timing>
 </p:sld>
 </file>
 
@@ -9078,7 +10584,314 @@
           <a:lstStyle/>
           <a:p>
             <a:r>
-              <a:rPr lang="en-US" dirty="0" smtClean="0"/>
+              <a:rPr lang="en-US" dirty="0"/>
+              <a:t>Resources</a:t>
+            </a:r>
+            <a:endParaRPr sz="3600" dirty="0">
+              <a:solidFill>
+                <a:schemeClr val="accent1"/>
+              </a:solidFill>
+            </a:endParaRPr>
+          </a:p>
+        </p:txBody>
+      </p:sp>
+      <p:sp>
+        <p:nvSpPr>
+          <p:cNvPr id="3" name="Text Placeholder 2"/>
+          <p:cNvSpPr>
+            <a:spLocks noGrp="1"/>
+          </p:cNvSpPr>
+          <p:nvPr>
+            <p:ph idx="1"/>
+          </p:nvPr>
+        </p:nvSpPr>
+        <p:spPr>
+          <a:xfrm>
+            <a:off x="381000" y="1059656"/>
+            <a:ext cx="8382000" cy="2127249"/>
+          </a:xfrm>
+        </p:spPr>
+        <p:txBody>
+          <a:bodyPr/>
+          <a:lstStyle/>
+          <a:p>
+            <a:r>
+              <a:rPr lang="en-US" dirty="0"/>
+              <a:t>Eclipse/ </a:t>
+            </a:r>
+            <a:r>
+              <a:rPr lang="en-US" dirty="0" err="1"/>
+              <a:t>Junit</a:t>
+            </a:r>
+            <a:r>
+              <a:rPr lang="en-US" dirty="0"/>
+              <a:t> </a:t>
+            </a:r>
+          </a:p>
+          <a:p>
+            <a:r>
+              <a:rPr lang="en-US" dirty="0" err="1"/>
+              <a:t>EclEmma</a:t>
+            </a:r>
+            <a:r>
+              <a:rPr lang="en-US" dirty="0"/>
+              <a:t> Code Coverage</a:t>
+            </a:r>
+          </a:p>
+          <a:p>
+            <a:r>
+              <a:rPr lang="en-US" dirty="0" err="1"/>
+              <a:t>EasyMock</a:t>
+            </a:r>
+            <a:endParaRPr lang="en-US" u="sng" dirty="0">
+              <a:solidFill>
+                <a:srgbClr val="92D050"/>
+              </a:solidFill>
+            </a:endParaRPr>
+          </a:p>
+          <a:p>
+            <a:r>
+              <a:rPr lang="en-US" dirty="0"/>
+              <a:t>YouTube - </a:t>
+            </a:r>
+            <a:r>
+              <a:rPr lang="en-US" dirty="0">
+                <a:hlinkClick r:id="rId3"/>
+              </a:rPr>
+              <a:t>http://</a:t>
+            </a:r>
+            <a:r>
+              <a:rPr lang="en-US" dirty="0" err="1">
+                <a:hlinkClick r:id="rId3"/>
+              </a:rPr>
+              <a:t>lfal.co</a:t>
+            </a:r>
+            <a:r>
+              <a:rPr lang="en-US" dirty="0">
+                <a:hlinkClick r:id="rId3"/>
+              </a:rPr>
+              <a:t>/</a:t>
+            </a:r>
+            <a:r>
+              <a:rPr lang="en-US" dirty="0" err="1">
+                <a:hlinkClick r:id="rId3"/>
+              </a:rPr>
+              <a:t>PeelAndSlice</a:t>
+            </a:r>
+            <a:endParaRPr lang="en-US" dirty="0"/>
+          </a:p>
+          <a:p>
+            <a:pPr marL="0" indent="0">
+              <a:buNone/>
+            </a:pPr>
+            <a:endParaRPr lang="en-US" dirty="0"/>
+          </a:p>
+        </p:txBody>
+      </p:sp>
+    </p:spTree>
+    <p:extLst>
+      <p:ext uri="{BB962C8B-B14F-4D97-AF65-F5344CB8AC3E}">
+        <p14:creationId xmlns:p14="http://schemas.microsoft.com/office/powerpoint/2010/main" val="3425263309"/>
+      </p:ext>
+    </p:extLst>
+  </p:cSld>
+  <p:clrMapOvr>
+    <a:masterClrMapping/>
+  </p:clrMapOvr>
+  <p:transition>
+    <p:fade/>
+  </p:transition>
+</p:sld>
+</file>
+
+<file path=ppt/slides/slide17.xml><?xml version="1.0" encoding="utf-8"?>
+<p:sld xmlns:a="http://schemas.openxmlformats.org/drawingml/2006/main" xmlns:r="http://schemas.openxmlformats.org/officeDocument/2006/relationships" xmlns:p="http://schemas.openxmlformats.org/presentationml/2006/main">
+  <p:cSld>
+    <p:spTree>
+      <p:nvGrpSpPr>
+        <p:cNvPr id="1" name=""/>
+        <p:cNvGrpSpPr/>
+        <p:nvPr/>
+      </p:nvGrpSpPr>
+      <p:grpSpPr>
+        <a:xfrm>
+          <a:off x="0" y="0"/>
+          <a:ext cx="0" cy="0"/>
+          <a:chOff x="0" y="0"/>
+          <a:chExt cx="0" cy="0"/>
+        </a:xfrm>
+      </p:grpSpPr>
+      <p:sp>
+        <p:nvSpPr>
+          <p:cNvPr id="2" name="Title 1">
+            <a:extLst>
+              <a:ext uri="{FF2B5EF4-FFF2-40B4-BE49-F238E27FC236}">
+                <a16:creationId xmlns:a16="http://schemas.microsoft.com/office/drawing/2014/main" id="{F82C9B43-4A24-5B8E-15B1-C06FA9C99769}"/>
+              </a:ext>
+            </a:extLst>
+          </p:cNvPr>
+          <p:cNvSpPr>
+            <a:spLocks noGrp="1"/>
+          </p:cNvSpPr>
+          <p:nvPr>
+            <p:ph type="title"/>
+          </p:nvPr>
+        </p:nvSpPr>
+        <p:spPr/>
+        <p:txBody>
+          <a:bodyPr/>
+          <a:lstStyle/>
+          <a:p>
+            <a:r>
+              <a:rPr lang="en-US" dirty="0"/>
+              <a:t>Resources</a:t>
+            </a:r>
+          </a:p>
+        </p:txBody>
+      </p:sp>
+      <p:pic>
+        <p:nvPicPr>
+          <p:cNvPr id="5" name="Graphic 4">
+            <a:extLst>
+              <a:ext uri="{FF2B5EF4-FFF2-40B4-BE49-F238E27FC236}">
+                <a16:creationId xmlns:a16="http://schemas.microsoft.com/office/drawing/2014/main" id="{56804FE6-53E1-E5BD-FDC7-4B436BF1D47E}"/>
+              </a:ext>
+            </a:extLst>
+          </p:cNvPr>
+          <p:cNvPicPr>
+            <a:picLocks noChangeAspect="1"/>
+          </p:cNvPicPr>
+          <p:nvPr/>
+        </p:nvPicPr>
+        <p:blipFill>
+          <a:blip r:embed="rId3">
+            <a:extLst>
+              <a:ext uri="{96DAC541-7B7A-43D3-8B79-37D633B846F1}">
+                <asvg:svgBlip xmlns:asvg="http://schemas.microsoft.com/office/drawing/2016/SVG/main" r:embed="rId4"/>
+              </a:ext>
+            </a:extLst>
+          </a:blip>
+          <a:stretch>
+            <a:fillRect/>
+          </a:stretch>
+        </p:blipFill>
+        <p:spPr>
+          <a:xfrm>
+            <a:off x="4000500" y="0"/>
+            <a:ext cx="5143500" cy="5143500"/>
+          </a:xfrm>
+          <a:prstGeom prst="rect">
+            <a:avLst/>
+          </a:prstGeom>
+        </p:spPr>
+      </p:pic>
+      <p:sp>
+        <p:nvSpPr>
+          <p:cNvPr id="6" name="TextBox 5">
+            <a:extLst>
+              <a:ext uri="{FF2B5EF4-FFF2-40B4-BE49-F238E27FC236}">
+                <a16:creationId xmlns:a16="http://schemas.microsoft.com/office/drawing/2014/main" id="{ECA48AA9-4162-6BB4-1334-7780EE05F4AF}"/>
+              </a:ext>
+            </a:extLst>
+          </p:cNvPr>
+          <p:cNvSpPr txBox="1"/>
+          <p:nvPr/>
+        </p:nvSpPr>
+        <p:spPr>
+          <a:xfrm>
+            <a:off x="0" y="4152378"/>
+            <a:ext cx="3805016" cy="276999"/>
+          </a:xfrm>
+          <a:prstGeom prst="rect">
+            <a:avLst/>
+          </a:prstGeom>
+          <a:noFill/>
+        </p:spPr>
+        <p:txBody>
+          <a:bodyPr wrap="none" rtlCol="0">
+            <a:spAutoFit/>
+          </a:bodyPr>
+          <a:lstStyle/>
+          <a:p>
+            <a:r>
+              <a:rPr lang="en-US" sz="1200" dirty="0" err="1"/>
+              <a:t>github.com</a:t>
+            </a:r>
+            <a:r>
+              <a:rPr lang="en-US" sz="1200" dirty="0"/>
+              <a:t>/</a:t>
+            </a:r>
+            <a:r>
+              <a:rPr lang="en-US" sz="1200" dirty="0" err="1"/>
+              <a:t>isidore</a:t>
+            </a:r>
+            <a:r>
+              <a:rPr lang="en-US" sz="1200" dirty="0"/>
+              <a:t>/Talks/blob/master/</a:t>
+            </a:r>
+            <a:r>
+              <a:rPr lang="en-US" sz="1200" dirty="0" err="1"/>
+              <a:t>Peel_and_Slice.md</a:t>
+            </a:r>
+            <a:endParaRPr lang="en-US" sz="1200" dirty="0"/>
+          </a:p>
+        </p:txBody>
+      </p:sp>
+    </p:spTree>
+    <p:extLst>
+      <p:ext uri="{BB962C8B-B14F-4D97-AF65-F5344CB8AC3E}">
+        <p14:creationId xmlns:p14="http://schemas.microsoft.com/office/powerpoint/2010/main" val="3972848136"/>
+      </p:ext>
+    </p:extLst>
+  </p:cSld>
+  <p:clrMapOvr>
+    <a:masterClrMapping/>
+  </p:clrMapOvr>
+  <p:transition>
+    <p:fade/>
+  </p:transition>
+</p:sld>
+</file>
+
+<file path=ppt/slides/slide18.xml><?xml version="1.0" encoding="utf-8"?>
+<p:sld xmlns:a="http://schemas.openxmlformats.org/drawingml/2006/main" xmlns:r="http://schemas.openxmlformats.org/officeDocument/2006/relationships" xmlns:p="http://schemas.openxmlformats.org/presentationml/2006/main">
+  <p:cSld>
+    <p:spTree>
+      <p:nvGrpSpPr>
+        <p:cNvPr id="1" name=""/>
+        <p:cNvGrpSpPr/>
+        <p:nvPr/>
+      </p:nvGrpSpPr>
+      <p:grpSpPr>
+        <a:xfrm>
+          <a:off x="0" y="0"/>
+          <a:ext cx="0" cy="0"/>
+          <a:chOff x="0" y="0"/>
+          <a:chExt cx="0" cy="0"/>
+        </a:xfrm>
+      </p:grpSpPr>
+      <p:sp>
+        <p:nvSpPr>
+          <p:cNvPr id="2" name="Title 1"/>
+          <p:cNvSpPr>
+            <a:spLocks noGrp="1"/>
+          </p:cNvSpPr>
+          <p:nvPr>
+            <p:ph type="title"/>
+          </p:nvPr>
+        </p:nvSpPr>
+        <p:spPr>
+          <a:xfrm>
+            <a:off x="387054" y="171450"/>
+            <a:ext cx="8375946" cy="498598"/>
+          </a:xfrm>
+        </p:spPr>
+        <p:txBody>
+          <a:bodyPr/>
+          <a:lstStyle/>
+          <a:p>
+            <a:r>
+              <a:rPr lang="en-US" dirty="0"/>
               <a:t>Contact</a:t>
             </a:r>
             <a:endParaRPr sz="3600" dirty="0">
@@ -9137,7 +10950,7 @@
           </a:effectLst>
           <a:extLst>
             <a:ext uri="{909E8E84-426E-40dd-AFC4-6F175D3DCCD1}">
-              <a14:hiddenFill xmlns:a14="http://schemas.microsoft.com/office/drawing/2010/main" xmlns="">
+              <a14:hiddenFill xmlns="" xmlns:a14="http://schemas.microsoft.com/office/drawing/2010/main">
                 <a:solidFill>
                   <a:srgbClr val="FFFFFF"/>
                 </a:solidFill>
@@ -9168,14 +10981,14 @@
           </a:ln>
           <a:extLst>
             <a:ext uri="{909E8E84-426E-40dd-AFC4-6F175D3DCCD1}">
-              <a14:hiddenFill xmlns:a14="http://schemas.microsoft.com/office/drawing/2010/main" xmlns="">
+              <a14:hiddenFill xmlns="" xmlns:a14="http://schemas.microsoft.com/office/drawing/2010/main">
                 <a:solidFill>
                   <a:srgbClr val="FFFFFF"/>
                 </a:solidFill>
               </a14:hiddenFill>
             </a:ext>
             <a:ext uri="{91240B29-F687-4f45-9708-019B960494DF}">
-              <a14:hiddenLine xmlns:a14="http://schemas.microsoft.com/office/drawing/2010/main" xmlns="" w="12700" cap="flat">
+              <a14:hiddenLine xmlns="" xmlns:a14="http://schemas.microsoft.com/office/drawing/2010/main" w="12700" cap="flat">
                 <a:solidFill>
                   <a:schemeClr val="tx1"/>
                 </a:solidFill>
@@ -9192,22 +11005,16 @@
           <a:p>
             <a:pPr marL="35873"/>
             <a:r>
-              <a:rPr lang="en-US" sz="3800" dirty="0" smtClean="0">
-                <a:cs typeface="Arial" charset="0"/>
-              </a:rPr>
-              <a:t>@Llewellyn </a:t>
-            </a:r>
-            <a:r>
               <a:rPr lang="en-US" sz="3800" dirty="0">
                 <a:cs typeface="Arial" charset="0"/>
               </a:rPr>
-              <a:t>Falco</a:t>
+              <a:t>@Llewellyn Falco</a:t>
             </a:r>
           </a:p>
           <a:p>
             <a:pPr marL="35873"/>
             <a:r>
-              <a:rPr lang="en-US" sz="2800" dirty="0" smtClean="0">
+              <a:rPr lang="en-US" sz="2800" dirty="0">
                 <a:solidFill>
                   <a:srgbClr val="A6A6A6"/>
                 </a:solidFill>
@@ -9266,7 +11073,7 @@
           </a:effectLst>
           <a:extLst>
             <a:ext uri="{909E8E84-426E-40dd-AFC4-6F175D3DCCD1}">
-              <a14:hiddenFill xmlns:a14="http://schemas.microsoft.com/office/drawing/2010/main" xmlns="">
+              <a14:hiddenFill xmlns="" xmlns:a14="http://schemas.microsoft.com/office/drawing/2010/main">
                 <a:solidFill>
                   <a:srgbClr val="FFFFFF"/>
                 </a:solidFill>
@@ -9297,14 +11104,14 @@
           </a:ln>
           <a:extLst>
             <a:ext uri="{909E8E84-426E-40dd-AFC4-6F175D3DCCD1}">
-              <a14:hiddenFill xmlns:a14="http://schemas.microsoft.com/office/drawing/2010/main" xmlns="">
+              <a14:hiddenFill xmlns="" xmlns:a14="http://schemas.microsoft.com/office/drawing/2010/main">
                 <a:solidFill>
                   <a:srgbClr val="FFFFFF"/>
                 </a:solidFill>
               </a14:hiddenFill>
             </a:ext>
             <a:ext uri="{91240B29-F687-4f45-9708-019B960494DF}">
-              <a14:hiddenLine xmlns:a14="http://schemas.microsoft.com/office/drawing/2010/main" xmlns="" w="12700" cap="flat">
+              <a14:hiddenLine xmlns="" xmlns:a14="http://schemas.microsoft.com/office/drawing/2010/main" w="12700" cap="flat">
                 <a:solidFill>
                   <a:schemeClr val="tx1"/>
                 </a:solidFill>
@@ -9321,7 +11128,7 @@
           <a:p>
             <a:pPr marL="35873" algn="r"/>
             <a:r>
-              <a:rPr lang="en-US" sz="3800" dirty="0" smtClean="0">
+              <a:rPr lang="en-US" sz="3800" dirty="0">
                 <a:cs typeface="Arial" charset="0"/>
               </a:rPr>
               <a:t>@Jason Kerney</a:t>
@@ -9330,7 +11137,7 @@
           <a:p>
             <a:pPr marL="35873" algn="r"/>
             <a:r>
-              <a:rPr lang="en-US" sz="2800" dirty="0" smtClean="0">
+              <a:rPr lang="en-US" sz="2800" dirty="0">
                 <a:solidFill>
                   <a:srgbClr val="A6A6A6"/>
                 </a:solidFill>
@@ -9363,17 +11170,159 @@
   <p:transition>
     <p:fade/>
   </p:transition>
-  <p:timing>
-    <p:tnLst>
-      <p:par>
-        <p:cTn id="1" dur="indefinite" restart="never" nodeType="tmRoot"/>
-      </p:par>
-    </p:tnLst>
-  </p:timing>
 </p:sld>
 </file>
 
 <file path=ppt/slides/slide2.xml><?xml version="1.0" encoding="utf-8"?>
+<p:sld xmlns:a="http://schemas.openxmlformats.org/drawingml/2006/main" xmlns:r="http://schemas.openxmlformats.org/officeDocument/2006/relationships" xmlns:p="http://schemas.openxmlformats.org/presentationml/2006/main">
+  <p:cSld>
+    <p:spTree>
+      <p:nvGrpSpPr>
+        <p:cNvPr id="1" name=""/>
+        <p:cNvGrpSpPr/>
+        <p:nvPr/>
+      </p:nvGrpSpPr>
+      <p:grpSpPr>
+        <a:xfrm>
+          <a:off x="0" y="0"/>
+          <a:ext cx="0" cy="0"/>
+          <a:chOff x="0" y="0"/>
+          <a:chExt cx="0" cy="0"/>
+        </a:xfrm>
+      </p:grpSpPr>
+      <p:sp>
+        <p:nvSpPr>
+          <p:cNvPr id="2" name="Title 1">
+            <a:extLst>
+              <a:ext uri="{FF2B5EF4-FFF2-40B4-BE49-F238E27FC236}">
+                <a16:creationId xmlns:a16="http://schemas.microsoft.com/office/drawing/2014/main" id="{F82C9B43-4A24-5B8E-15B1-C06FA9C99769}"/>
+              </a:ext>
+            </a:extLst>
+          </p:cNvPr>
+          <p:cNvSpPr>
+            <a:spLocks noGrp="1"/>
+          </p:cNvSpPr>
+          <p:nvPr>
+            <p:ph type="title"/>
+          </p:nvPr>
+        </p:nvSpPr>
+        <p:spPr/>
+        <p:txBody>
+          <a:bodyPr/>
+          <a:lstStyle/>
+          <a:p>
+            <a:r>
+              <a:rPr lang="en-US" dirty="0"/>
+              <a:t>Resources</a:t>
+            </a:r>
+          </a:p>
+        </p:txBody>
+      </p:sp>
+      <p:pic>
+        <p:nvPicPr>
+          <p:cNvPr id="5" name="Graphic 4">
+            <a:extLst>
+              <a:ext uri="{FF2B5EF4-FFF2-40B4-BE49-F238E27FC236}">
+                <a16:creationId xmlns:a16="http://schemas.microsoft.com/office/drawing/2014/main" id="{56804FE6-53E1-E5BD-FDC7-4B436BF1D47E}"/>
+              </a:ext>
+            </a:extLst>
+          </p:cNvPr>
+          <p:cNvPicPr>
+            <a:picLocks noChangeAspect="1"/>
+          </p:cNvPicPr>
+          <p:nvPr/>
+        </p:nvPicPr>
+        <p:blipFill>
+          <a:blip r:embed="rId3">
+            <a:extLst>
+              <a:ext uri="{96DAC541-7B7A-43D3-8B79-37D633B846F1}">
+                <asvg:svgBlip xmlns:asvg="http://schemas.microsoft.com/office/drawing/2016/SVG/main" r:embed="rId4"/>
+              </a:ext>
+            </a:extLst>
+          </a:blip>
+          <a:stretch>
+            <a:fillRect/>
+          </a:stretch>
+        </p:blipFill>
+        <p:spPr>
+          <a:xfrm>
+            <a:off x="4000500" y="0"/>
+            <a:ext cx="5143500" cy="5143500"/>
+          </a:xfrm>
+          <a:prstGeom prst="rect">
+            <a:avLst/>
+          </a:prstGeom>
+        </p:spPr>
+      </p:pic>
+      <p:sp>
+        <p:nvSpPr>
+          <p:cNvPr id="6" name="TextBox 5">
+            <a:extLst>
+              <a:ext uri="{FF2B5EF4-FFF2-40B4-BE49-F238E27FC236}">
+                <a16:creationId xmlns:a16="http://schemas.microsoft.com/office/drawing/2014/main" id="{ECA48AA9-4162-6BB4-1334-7780EE05F4AF}"/>
+              </a:ext>
+            </a:extLst>
+          </p:cNvPr>
+          <p:cNvSpPr txBox="1"/>
+          <p:nvPr/>
+        </p:nvSpPr>
+        <p:spPr>
+          <a:xfrm>
+            <a:off x="0" y="4152378"/>
+            <a:ext cx="3805016" cy="276999"/>
+          </a:xfrm>
+          <a:prstGeom prst="rect">
+            <a:avLst/>
+          </a:prstGeom>
+          <a:noFill/>
+        </p:spPr>
+        <p:txBody>
+          <a:bodyPr wrap="none" rtlCol="0">
+            <a:spAutoFit/>
+          </a:bodyPr>
+          <a:lstStyle/>
+          <a:p>
+            <a:r>
+              <a:rPr lang="en-US" sz="1200" dirty="0" err="1"/>
+              <a:t>github.com</a:t>
+            </a:r>
+            <a:r>
+              <a:rPr lang="en-US" sz="1200" dirty="0"/>
+              <a:t>/</a:t>
+            </a:r>
+            <a:r>
+              <a:rPr lang="en-US" sz="1200" dirty="0" err="1"/>
+              <a:t>isidore</a:t>
+            </a:r>
+            <a:r>
+              <a:rPr lang="en-US" sz="1200" dirty="0"/>
+              <a:t>/Talks/blob/master/</a:t>
+            </a:r>
+            <a:r>
+              <a:rPr lang="en-US" sz="1200" dirty="0" err="1"/>
+              <a:t>Peel_and_Slice.md</a:t>
+            </a:r>
+            <a:endParaRPr lang="en-US" sz="1200" dirty="0"/>
+          </a:p>
+        </p:txBody>
+      </p:sp>
+    </p:spTree>
+    <p:extLst>
+      <p:ext uri="{BB962C8B-B14F-4D97-AF65-F5344CB8AC3E}">
+        <p14:creationId xmlns:p14="http://schemas.microsoft.com/office/powerpoint/2010/main" val="1599583436"/>
+      </p:ext>
+    </p:extLst>
+  </p:cSld>
+  <p:clrMapOvr>
+    <a:masterClrMapping/>
+  </p:clrMapOvr>
+  <p:transition>
+    <p:fade/>
+  </p:transition>
+</p:sld>
+</file>
+
+<file path=ppt/slides/slide3.xml><?xml version="1.0" encoding="utf-8"?>
 <p:sld xmlns:a="http://schemas.openxmlformats.org/drawingml/2006/main" xmlns:r="http://schemas.openxmlformats.org/officeDocument/2006/relationships" xmlns:p="http://schemas.openxmlformats.org/presentationml/2006/main" show="0">
   <p:cSld>
     <p:spTree>
@@ -9412,11 +11361,7 @@
           <a:p>
             <a:r>
               <a:rPr lang="en-US" dirty="0"/>
-              <a:t>Fixing Legacy </a:t>
-            </a:r>
-            <a:r>
-              <a:rPr lang="en-US" dirty="0" smtClean="0"/>
-              <a:t>Code</a:t>
+              <a:t>Fixing Legacy Code</a:t>
             </a:r>
             <a:endParaRPr sz="3600" dirty="0">
               <a:solidFill>
@@ -9447,18 +11392,14 @@
           <a:lstStyle/>
           <a:p>
             <a:r>
-              <a:rPr lang="en-US" dirty="0" smtClean="0"/>
-              <a:t>run </a:t>
-            </a:r>
-            <a:r>
               <a:rPr lang="en-US" dirty="0"/>
-              <a:t>it</a:t>
+              <a:t>run it</a:t>
             </a:r>
           </a:p>
           <a:p>
             <a:pPr lvl="1"/>
             <a:r>
-              <a:rPr lang="en-US" dirty="0" smtClean="0"/>
+              <a:rPr lang="en-US" dirty="0"/>
               <a:t>Computer</a:t>
             </a:r>
           </a:p>
@@ -9466,52 +11407,48 @@
             <a:pPr lvl="2"/>
             <a:r>
               <a:rPr lang="en-US" dirty="0"/>
-              <a:t>R</a:t>
-            </a:r>
-            <a:r>
-              <a:rPr lang="en-US" dirty="0" smtClean="0"/>
-              <a:t>eproduce </a:t>
+              <a:t>Reproduce </a:t>
             </a:r>
           </a:p>
           <a:p>
             <a:pPr lvl="2"/>
             <a:r>
-              <a:rPr lang="en-US" dirty="0" smtClean="0"/>
+              <a:rPr lang="en-US" dirty="0"/>
               <a:t>Logger</a:t>
             </a:r>
           </a:p>
           <a:p>
             <a:pPr lvl="2"/>
             <a:r>
-              <a:rPr lang="en-US" dirty="0" smtClean="0"/>
+              <a:rPr lang="en-US" dirty="0"/>
               <a:t>Debugger</a:t>
             </a:r>
           </a:p>
           <a:p>
             <a:pPr lvl="1"/>
             <a:r>
-              <a:rPr lang="en-US" dirty="0" smtClean="0"/>
+              <a:rPr lang="en-US" dirty="0"/>
               <a:t>Head</a:t>
             </a:r>
           </a:p>
           <a:p>
             <a:pPr lvl="2"/>
             <a:r>
-              <a:rPr lang="en-US" dirty="0" smtClean="0"/>
+              <a:rPr lang="en-US" dirty="0"/>
               <a:t>Read</a:t>
             </a:r>
           </a:p>
           <a:p>
             <a:pPr lvl="2"/>
             <a:r>
-              <a:rPr lang="en-US" dirty="0" smtClean="0"/>
+              <a:rPr lang="en-US" dirty="0"/>
               <a:t>Printout</a:t>
             </a:r>
           </a:p>
           <a:p>
             <a:pPr lvl="2"/>
             <a:r>
-              <a:rPr lang="en-US" dirty="0" smtClean="0"/>
+              <a:rPr lang="en-US" dirty="0"/>
               <a:t>Refactor</a:t>
             </a:r>
           </a:p>
@@ -10004,7 +11941,7 @@
 </p:sld>
 </file>
 
-<file path=ppt/slides/slide3.xml><?xml version="1.0" encoding="utf-8"?>
+<file path=ppt/slides/slide4.xml><?xml version="1.0" encoding="utf-8"?>
 <p:sld xmlns:a="http://schemas.openxmlformats.org/drawingml/2006/main" xmlns:r="http://schemas.openxmlformats.org/officeDocument/2006/relationships" xmlns:p="http://schemas.openxmlformats.org/presentationml/2006/main">
   <p:cSld>
     <p:spTree>
@@ -10784,7 +12721,7 @@
           </a:ln>
           <a:extLst>
             <a:ext uri="{909E8E84-426E-40dd-AFC4-6F175D3DCCD1}">
-              <a14:hiddenFill xmlns:a14="http://schemas.microsoft.com/office/drawing/2010/main" xmlns="">
+              <a14:hiddenFill xmlns="" xmlns:a14="http://schemas.microsoft.com/office/drawing/2010/main">
                 <a:solidFill>
                   <a:srgbClr val="FFFFFF"/>
                 </a:solidFill>
@@ -10987,7 +12924,7 @@
           </a:lstStyle>
           <a:p>
             <a:r>
-              <a:rPr lang="en-US" dirty="0" smtClean="0"/>
+              <a:rPr lang="en-US" dirty="0"/>
               <a:t>The Peel</a:t>
             </a:r>
             <a:endParaRPr lang="en-US" dirty="0">
@@ -11372,7 +13309,7 @@
 </p:sld>
 </file>
 
-<file path=ppt/slides/slide4.xml><?xml version="1.0" encoding="utf-8"?>
+<file path=ppt/slides/slide5.xml><?xml version="1.0" encoding="utf-8"?>
 <p:sld xmlns:a="http://schemas.openxmlformats.org/drawingml/2006/main" xmlns:r="http://schemas.openxmlformats.org/officeDocument/2006/relationships" xmlns:p="http://schemas.openxmlformats.org/presentationml/2006/main" show="0">
   <p:cSld>
     <p:spTree>
@@ -11424,14 +13361,14 @@
           </a:ln>
           <a:extLst>
             <a:ext uri="{909E8E84-426E-40dd-AFC4-6F175D3DCCD1}">
-              <a14:hiddenFill xmlns:a14="http://schemas.microsoft.com/office/drawing/2010/main" xmlns="">
+              <a14:hiddenFill xmlns="" xmlns:a14="http://schemas.microsoft.com/office/drawing/2010/main">
                 <a:solidFill>
                   <a:srgbClr val="FFFFFF"/>
                 </a:solidFill>
               </a14:hiddenFill>
             </a:ext>
             <a:ext uri="{91240B29-F687-4f45-9708-019B960494DF}">
-              <a14:hiddenLine xmlns:a14="http://schemas.microsoft.com/office/drawing/2010/main" xmlns="" w="12700" cap="flat">
+              <a14:hiddenLine xmlns="" xmlns:a14="http://schemas.microsoft.com/office/drawing/2010/main" w="12700" cap="flat">
                 <a:solidFill>
                   <a:schemeClr val="tx1"/>
                 </a:solidFill>
@@ -12013,7 +13950,7 @@
 </p:sld>
 </file>
 
-<file path=ppt/slides/slide5.xml><?xml version="1.0" encoding="utf-8"?>
+<file path=ppt/slides/slide6.xml><?xml version="1.0" encoding="utf-8"?>
 <p:sld xmlns:a="http://schemas.openxmlformats.org/drawingml/2006/main" xmlns:r="http://schemas.openxmlformats.org/officeDocument/2006/relationships" xmlns:p="http://schemas.openxmlformats.org/presentationml/2006/main" show="0">
   <p:cSld>
     <p:spTree>
@@ -12065,14 +14002,14 @@
           </a:ln>
           <a:extLst>
             <a:ext uri="{909E8E84-426E-40dd-AFC4-6F175D3DCCD1}">
-              <a14:hiddenFill xmlns:a14="http://schemas.microsoft.com/office/drawing/2010/main" xmlns="">
+              <a14:hiddenFill xmlns="" xmlns:a14="http://schemas.microsoft.com/office/drawing/2010/main">
                 <a:solidFill>
                   <a:srgbClr val="FFFFFF"/>
                 </a:solidFill>
               </a14:hiddenFill>
             </a:ext>
             <a:ext uri="{91240B29-F687-4f45-9708-019B960494DF}">
-              <a14:hiddenLine xmlns:a14="http://schemas.microsoft.com/office/drawing/2010/main" xmlns="" w="12700" cap="flat">
+              <a14:hiddenLine xmlns="" xmlns:a14="http://schemas.microsoft.com/office/drawing/2010/main" w="12700" cap="flat">
                 <a:solidFill>
                   <a:schemeClr val="tx1"/>
                 </a:solidFill>
@@ -12393,7 +14330,7 @@
 </p:sld>
 </file>
 
-<file path=ppt/slides/slide6.xml><?xml version="1.0" encoding="utf-8"?>
+<file path=ppt/slides/slide7.xml><?xml version="1.0" encoding="utf-8"?>
 <p:sld xmlns:a="http://schemas.openxmlformats.org/drawingml/2006/main" xmlns:r="http://schemas.openxmlformats.org/officeDocument/2006/relationships" xmlns:p="http://schemas.openxmlformats.org/presentationml/2006/main">
   <p:cSld>
     <p:spTree>
@@ -13652,7 +15589,7 @@
 </p:sld>
 </file>
 
-<file path=ppt/slides/slide7.xml><?xml version="1.0" encoding="utf-8"?>
+<file path=ppt/slides/slide8.xml><?xml version="1.0" encoding="utf-8"?>
 <p:sld xmlns:a="http://schemas.openxmlformats.org/drawingml/2006/main" xmlns:r="http://schemas.openxmlformats.org/officeDocument/2006/relationships" xmlns:p="http://schemas.openxmlformats.org/presentationml/2006/main">
   <p:cSld>
     <p:spTree>
@@ -13917,21 +15854,10 @@
                 <a:ea typeface="Monaco"/>
                 <a:cs typeface="Monaco"/>
               </a:rPr>
-              <a:t> </a:t>
-            </a:r>
-            <a:r>
-              <a:rPr lang="en-US" sz="1400" dirty="0" smtClean="0">
-                <a:solidFill>
-                  <a:srgbClr val="000000"/>
-                </a:solidFill>
-                <a:latin typeface="Lucida Console" panose="020B0609040504020204" pitchFamily="49" charset="0"/>
-                <a:ea typeface="Monaco"/>
-                <a:cs typeface="Monaco"/>
-              </a:rPr>
-              <a:t>=</a:t>
-            </a:r>
-            <a:r>
-              <a:rPr lang="en-US" sz="1400" dirty="0" err="1" smtClean="0">
+              <a:t> =</a:t>
+            </a:r>
+            <a:r>
+              <a:rPr lang="en-US" sz="1400" dirty="0" err="1">
                 <a:solidFill>
                   <a:srgbClr val="000000"/>
                 </a:solidFill>
@@ -14138,7 +16064,7 @@
               <a:t>    total = </a:t>
             </a:r>
             <a:r>
-              <a:rPr lang="en-US" sz="1400" dirty="0" err="1" smtClean="0">
+              <a:rPr lang="en-US" sz="1400" dirty="0" err="1">
                 <a:solidFill>
                   <a:srgbClr val="000000"/>
                 </a:solidFill>
@@ -14149,7 +16075,7 @@
               <a:t>homeEquityLoan</a:t>
             </a:r>
             <a:r>
-              <a:rPr lang="en-US" sz="1400" dirty="0" smtClean="0">
+              <a:rPr lang="en-US" sz="1400" dirty="0">
                 <a:solidFill>
                   <a:srgbClr val="000000"/>
                 </a:solidFill>
@@ -14157,18 +16083,7 @@
                 <a:ea typeface="Monaco"/>
                 <a:cs typeface="Monaco"/>
               </a:rPr>
-              <a:t> </a:t>
-            </a:r>
-            <a:r>
-              <a:rPr lang="en-US" sz="1400" dirty="0">
-                <a:solidFill>
-                  <a:srgbClr val="000000"/>
-                </a:solidFill>
-                <a:latin typeface="Lucida Console" panose="020B0609040504020204" pitchFamily="49" charset="0"/>
-                <a:ea typeface="Monaco"/>
-                <a:cs typeface="Monaco"/>
-              </a:rPr>
-              <a:t>+ </a:t>
+              <a:t> + </a:t>
             </a:r>
             <a:r>
               <a:rPr lang="en-US" sz="1400" dirty="0" err="1">
@@ -14730,7 +16645,7 @@
 </p:sld>
 </file>
 
-<file path=ppt/slides/slide8.xml><?xml version="1.0" encoding="utf-8"?>
+<file path=ppt/slides/slide9.xml><?xml version="1.0" encoding="utf-8"?>
 <p:sld xmlns:a="http://schemas.openxmlformats.org/drawingml/2006/main" xmlns:r="http://schemas.openxmlformats.org/officeDocument/2006/relationships" xmlns:p="http://schemas.openxmlformats.org/presentationml/2006/main">
   <p:cSld>
     <p:spTree>
@@ -15513,7 +17428,7 @@
           </a:ln>
           <a:extLst>
             <a:ext uri="{909E8E84-426E-40dd-AFC4-6F175D3DCCD1}">
-              <a14:hiddenFill xmlns:a14="http://schemas.microsoft.com/office/drawing/2010/main" xmlns="">
+              <a14:hiddenFill xmlns="" xmlns:a14="http://schemas.microsoft.com/office/drawing/2010/main">
                 <a:solidFill>
                   <a:srgbClr val="FFFFFF"/>
                 </a:solidFill>
@@ -15551,14 +17466,14 @@
           </a:ln>
           <a:extLst>
             <a:ext uri="{909E8E84-426E-40dd-AFC4-6F175D3DCCD1}">
-              <a14:hiddenFill xmlns:a14="http://schemas.microsoft.com/office/drawing/2010/main" xmlns="">
+              <a14:hiddenFill xmlns="" xmlns:a14="http://schemas.microsoft.com/office/drawing/2010/main">
                 <a:solidFill>
                   <a:srgbClr val="FFFFFF"/>
                 </a:solidFill>
               </a14:hiddenFill>
             </a:ext>
             <a:ext uri="{91240B29-F687-4f45-9708-019B960494DF}">
-              <a14:hiddenLine xmlns:a14="http://schemas.microsoft.com/office/drawing/2010/main" xmlns="" w="12700" cap="flat">
+              <a14:hiddenLine xmlns="" xmlns:a14="http://schemas.microsoft.com/office/drawing/2010/main" w="12700" cap="flat">
                 <a:solidFill>
                   <a:schemeClr val="tx1"/>
                 </a:solidFill>
@@ -15616,7 +17531,7 @@
           </a:ln>
           <a:extLst>
             <a:ext uri="{909E8E84-426E-40dd-AFC4-6F175D3DCCD1}">
-              <a14:hiddenFill xmlns:a14="http://schemas.microsoft.com/office/drawing/2010/main" xmlns="">
+              <a14:hiddenFill xmlns="" xmlns:a14="http://schemas.microsoft.com/office/drawing/2010/main">
                 <a:solidFill>
                   <a:srgbClr val="FFFFFF"/>
                 </a:solidFill>
@@ -15653,10 +17568,9 @@
           <a:lstStyle/>
           <a:p>
             <a:r>
-              <a:rPr lang="en-US" dirty="0" smtClean="0"/>
+              <a:rPr lang="en-US" dirty="0"/>
               <a:t>The Slice</a:t>
             </a:r>
-            <a:endParaRPr lang="en-US" dirty="0"/>
           </a:p>
         </p:txBody>
       </p:sp>
@@ -16029,1597 +17943,6 @@
       <p:bldP spid="10257" grpId="0" animBg="1"/>
       <p:bldP spid="10258" grpId="0" autoUpdateAnimBg="0"/>
       <p:bldP spid="10259" grpId="0" animBg="1"/>
-    </p:bldLst>
-  </p:timing>
-</p:sld>
-</file>
-
-<file path=ppt/slides/slide9.xml><?xml version="1.0" encoding="utf-8"?>
-<p:sld xmlns:a="http://schemas.openxmlformats.org/drawingml/2006/main" xmlns:r="http://schemas.openxmlformats.org/officeDocument/2006/relationships" xmlns:p="http://schemas.openxmlformats.org/presentationml/2006/main">
-  <p:cSld>
-    <p:spTree>
-      <p:nvGrpSpPr>
-        <p:cNvPr id="1" name=""/>
-        <p:cNvGrpSpPr/>
-        <p:nvPr/>
-      </p:nvGrpSpPr>
-      <p:grpSpPr>
-        <a:xfrm>
-          <a:off x="0" y="0"/>
-          <a:ext cx="0" cy="0"/>
-          <a:chOff x="0" y="0"/>
-          <a:chExt cx="0" cy="0"/>
-        </a:xfrm>
-      </p:grpSpPr>
-      <p:sp>
-        <p:nvSpPr>
-          <p:cNvPr id="2" name="TextBox 1"/>
-          <p:cNvSpPr txBox="1"/>
-          <p:nvPr/>
-        </p:nvSpPr>
-        <p:spPr>
-          <a:xfrm>
-            <a:off x="0" y="901095"/>
-            <a:ext cx="9144000" cy="3539430"/>
-          </a:xfrm>
-          <a:prstGeom prst="rect">
-            <a:avLst/>
-          </a:prstGeom>
-          <a:noFill/>
-        </p:spPr>
-        <p:txBody>
-          <a:bodyPr wrap="square" rtlCol="0">
-            <a:spAutoFit/>
-          </a:bodyPr>
-          <a:lstStyle/>
-          <a:p>
-            <a:r>
-              <a:rPr lang="en-US" sz="1600" dirty="0">
-                <a:solidFill>
-                  <a:srgbClr val="931968"/>
-                </a:solidFill>
-                <a:latin typeface="Lucida Console" panose="020B0609040504020204" pitchFamily="49" charset="0"/>
-                <a:ea typeface="Monaco"/>
-                <a:cs typeface="Monaco"/>
-              </a:rPr>
-              <a:t>public</a:t>
-            </a:r>
-            <a:r>
-              <a:rPr lang="en-US" sz="1600" dirty="0">
-                <a:solidFill>
-                  <a:srgbClr val="000000"/>
-                </a:solidFill>
-                <a:latin typeface="Lucida Console" panose="020B0609040504020204" pitchFamily="49" charset="0"/>
-                <a:ea typeface="Monaco"/>
-                <a:cs typeface="Monaco"/>
-              </a:rPr>
-              <a:t> </a:t>
-            </a:r>
-            <a:r>
-              <a:rPr lang="en-US" sz="1600" dirty="0">
-                <a:solidFill>
-                  <a:srgbClr val="931968"/>
-                </a:solidFill>
-                <a:latin typeface="Lucida Console" panose="020B0609040504020204" pitchFamily="49" charset="0"/>
-                <a:ea typeface="Monaco"/>
-                <a:cs typeface="Monaco"/>
-              </a:rPr>
-              <a:t>void</a:t>
-            </a:r>
-            <a:r>
-              <a:rPr lang="en-US" sz="1600" dirty="0">
-                <a:solidFill>
-                  <a:srgbClr val="000000"/>
-                </a:solidFill>
-                <a:latin typeface="Lucida Console" panose="020B0609040504020204" pitchFamily="49" charset="0"/>
-                <a:ea typeface="Monaco"/>
-                <a:cs typeface="Monaco"/>
-              </a:rPr>
-              <a:t> </a:t>
-            </a:r>
-            <a:r>
-              <a:rPr lang="en-US" sz="1600" dirty="0" err="1">
-                <a:solidFill>
-                  <a:srgbClr val="000000"/>
-                </a:solidFill>
-                <a:latin typeface="Lucida Console" panose="020B0609040504020204" pitchFamily="49" charset="0"/>
-                <a:ea typeface="Monaco"/>
-                <a:cs typeface="Monaco"/>
-              </a:rPr>
-              <a:t>escalateProblems</a:t>
-            </a:r>
-            <a:r>
-              <a:rPr lang="en-US" sz="1600" dirty="0">
-                <a:solidFill>
-                  <a:srgbClr val="000000"/>
-                </a:solidFill>
-                <a:latin typeface="Lucida Console" panose="020B0609040504020204" pitchFamily="49" charset="0"/>
-                <a:ea typeface="Monaco"/>
-                <a:cs typeface="Monaco"/>
-              </a:rPr>
-              <a:t>(Loan[] loans, Connection conn)</a:t>
-            </a:r>
-          </a:p>
-          <a:p>
-            <a:r>
-              <a:rPr lang="en-US" sz="1600" dirty="0">
-                <a:solidFill>
-                  <a:srgbClr val="000000"/>
-                </a:solidFill>
-                <a:latin typeface="Lucida Console" panose="020B0609040504020204" pitchFamily="49" charset="0"/>
-                <a:ea typeface="Monaco"/>
-                <a:cs typeface="Monaco"/>
-              </a:rPr>
-              <a:t>{</a:t>
-            </a:r>
-          </a:p>
-          <a:p>
-            <a:r>
-              <a:rPr lang="en-US" sz="1600" dirty="0">
-                <a:solidFill>
-                  <a:srgbClr val="000000"/>
-                </a:solidFill>
-                <a:latin typeface="Lucida Console" panose="020B0609040504020204" pitchFamily="49" charset="0"/>
-                <a:ea typeface="Monaco"/>
-                <a:cs typeface="Monaco"/>
-              </a:rPr>
-              <a:t>  </a:t>
-            </a:r>
-            <a:r>
-              <a:rPr lang="en-US" sz="1600" dirty="0">
-                <a:solidFill>
-                  <a:srgbClr val="931968"/>
-                </a:solidFill>
-                <a:latin typeface="Lucida Console" panose="020B0609040504020204" pitchFamily="49" charset="0"/>
-                <a:ea typeface="Monaco"/>
-                <a:cs typeface="Monaco"/>
-              </a:rPr>
-              <a:t>for</a:t>
-            </a:r>
-            <a:r>
-              <a:rPr lang="en-US" sz="1600" dirty="0">
-                <a:solidFill>
-                  <a:srgbClr val="000000"/>
-                </a:solidFill>
-                <a:latin typeface="Lucida Console" panose="020B0609040504020204" pitchFamily="49" charset="0"/>
-                <a:ea typeface="Monaco"/>
-                <a:cs typeface="Monaco"/>
-              </a:rPr>
-              <a:t> (Loan loan : loans)</a:t>
-            </a:r>
-          </a:p>
-          <a:p>
-            <a:r>
-              <a:rPr lang="en-US" sz="1600" dirty="0">
-                <a:solidFill>
-                  <a:srgbClr val="000000"/>
-                </a:solidFill>
-                <a:latin typeface="Lucida Console" panose="020B0609040504020204" pitchFamily="49" charset="0"/>
-                <a:ea typeface="Monaco"/>
-                <a:cs typeface="Monaco"/>
-              </a:rPr>
-              <a:t>  {</a:t>
-            </a:r>
-          </a:p>
-          <a:p>
-            <a:r>
-              <a:rPr lang="en-US" sz="1600" dirty="0">
-                <a:solidFill>
-                  <a:srgbClr val="000000"/>
-                </a:solidFill>
-                <a:latin typeface="Lucida Console" panose="020B0609040504020204" pitchFamily="49" charset="0"/>
-                <a:ea typeface="Monaco"/>
-                <a:cs typeface="Monaco"/>
-              </a:rPr>
-              <a:t>    </a:t>
-            </a:r>
-            <a:r>
-              <a:rPr lang="en-US" sz="1600" dirty="0">
-                <a:solidFill>
-                  <a:srgbClr val="931968"/>
-                </a:solidFill>
-                <a:latin typeface="Lucida Console" panose="020B0609040504020204" pitchFamily="49" charset="0"/>
-                <a:ea typeface="Monaco"/>
-                <a:cs typeface="Monaco"/>
-              </a:rPr>
-              <a:t>if</a:t>
-            </a:r>
-            <a:r>
-              <a:rPr lang="en-US" sz="1600" dirty="0">
-                <a:solidFill>
-                  <a:srgbClr val="000000"/>
-                </a:solidFill>
-                <a:latin typeface="Lucida Console" panose="020B0609040504020204" pitchFamily="49" charset="0"/>
-                <a:ea typeface="Monaco"/>
-                <a:cs typeface="Monaco"/>
-              </a:rPr>
-              <a:t> (</a:t>
-            </a:r>
-            <a:r>
-              <a:rPr lang="en-US" sz="1600" dirty="0" err="1">
-                <a:solidFill>
-                  <a:srgbClr val="000000"/>
-                </a:solidFill>
-                <a:latin typeface="Lucida Console" panose="020B0609040504020204" pitchFamily="49" charset="0"/>
-                <a:ea typeface="Monaco"/>
-                <a:cs typeface="Monaco"/>
-              </a:rPr>
-              <a:t>loan.isOverDue</a:t>
-            </a:r>
-            <a:r>
-              <a:rPr lang="en-US" sz="1600" dirty="0">
-                <a:solidFill>
-                  <a:srgbClr val="000000"/>
-                </a:solidFill>
-                <a:latin typeface="Lucida Console" panose="020B0609040504020204" pitchFamily="49" charset="0"/>
-                <a:ea typeface="Monaco"/>
-                <a:cs typeface="Monaco"/>
-              </a:rPr>
-              <a:t>() &amp;&amp; (</a:t>
-            </a:r>
-            <a:r>
-              <a:rPr lang="en-US" sz="1600" dirty="0" err="1">
-                <a:solidFill>
-                  <a:srgbClr val="000000"/>
-                </a:solidFill>
-                <a:latin typeface="Lucida Console" panose="020B0609040504020204" pitchFamily="49" charset="0"/>
-                <a:ea typeface="Monaco"/>
-                <a:cs typeface="Monaco"/>
-              </a:rPr>
-              <a:t>loan.getAmount</a:t>
-            </a:r>
-            <a:r>
-              <a:rPr lang="en-US" sz="1600" dirty="0">
-                <a:solidFill>
-                  <a:srgbClr val="000000"/>
-                </a:solidFill>
-                <a:latin typeface="Lucida Console" panose="020B0609040504020204" pitchFamily="49" charset="0"/>
-                <a:ea typeface="Monaco"/>
-                <a:cs typeface="Monaco"/>
-              </a:rPr>
-              <a:t>() &gt; 5000))</a:t>
-            </a:r>
-          </a:p>
-          <a:p>
-            <a:r>
-              <a:rPr lang="en-US" sz="1600" dirty="0">
-                <a:solidFill>
-                  <a:srgbClr val="000000"/>
-                </a:solidFill>
-                <a:latin typeface="Lucida Console" panose="020B0609040504020204" pitchFamily="49" charset="0"/>
-                <a:ea typeface="Monaco"/>
-                <a:cs typeface="Monaco"/>
-              </a:rPr>
-              <a:t>    {</a:t>
-            </a:r>
-          </a:p>
-          <a:p>
-            <a:r>
-              <a:rPr lang="en-US" sz="1600" dirty="0">
-                <a:solidFill>
-                  <a:srgbClr val="000000"/>
-                </a:solidFill>
-                <a:latin typeface="Lucida Console" panose="020B0609040504020204" pitchFamily="49" charset="0"/>
-                <a:ea typeface="Monaco"/>
-                <a:cs typeface="Monaco"/>
-              </a:rPr>
-              <a:t>      </a:t>
-            </a:r>
-            <a:r>
-              <a:rPr lang="en-US" sz="1600" dirty="0" err="1">
-                <a:solidFill>
-                  <a:srgbClr val="000000"/>
-                </a:solidFill>
-                <a:latin typeface="Lucida Console" panose="020B0609040504020204" pitchFamily="49" charset="0"/>
-                <a:ea typeface="Monaco"/>
-                <a:cs typeface="Monaco"/>
-              </a:rPr>
-              <a:t>loan.saveStatus</a:t>
-            </a:r>
-            <a:r>
-              <a:rPr lang="en-US" sz="1600" dirty="0">
-                <a:solidFill>
-                  <a:srgbClr val="000000"/>
-                </a:solidFill>
-                <a:latin typeface="Lucida Console" panose="020B0609040504020204" pitchFamily="49" charset="0"/>
-                <a:ea typeface="Monaco"/>
-                <a:cs typeface="Monaco"/>
-              </a:rPr>
-              <a:t>(</a:t>
-            </a:r>
-            <a:r>
-              <a:rPr lang="en-US" sz="1600" dirty="0">
-                <a:solidFill>
-                  <a:srgbClr val="3933FF"/>
-                </a:solidFill>
-                <a:latin typeface="Lucida Console" panose="020B0609040504020204" pitchFamily="49" charset="0"/>
-                <a:ea typeface="Monaco"/>
-                <a:cs typeface="Monaco"/>
-              </a:rPr>
-              <a:t>"Critical"</a:t>
-            </a:r>
-            <a:r>
-              <a:rPr lang="en-US" sz="1600" dirty="0">
-                <a:solidFill>
-                  <a:srgbClr val="000000"/>
-                </a:solidFill>
-                <a:latin typeface="Lucida Console" panose="020B0609040504020204" pitchFamily="49" charset="0"/>
-                <a:ea typeface="Monaco"/>
-                <a:cs typeface="Monaco"/>
-              </a:rPr>
-              <a:t>, conn);</a:t>
-            </a:r>
-          </a:p>
-          <a:p>
-            <a:r>
-              <a:rPr lang="en-US" sz="1600" dirty="0">
-                <a:solidFill>
-                  <a:srgbClr val="000000"/>
-                </a:solidFill>
-                <a:latin typeface="Lucida Console" panose="020B0609040504020204" pitchFamily="49" charset="0"/>
-                <a:ea typeface="Monaco"/>
-                <a:cs typeface="Monaco"/>
-              </a:rPr>
-              <a:t>    }</a:t>
-            </a:r>
-          </a:p>
-          <a:p>
-            <a:r>
-              <a:rPr lang="en-US" sz="1600" dirty="0">
-                <a:solidFill>
-                  <a:srgbClr val="000000"/>
-                </a:solidFill>
-                <a:latin typeface="Lucida Console" panose="020B0609040504020204" pitchFamily="49" charset="0"/>
-                <a:ea typeface="Monaco"/>
-                <a:cs typeface="Monaco"/>
-              </a:rPr>
-              <a:t>    </a:t>
-            </a:r>
-            <a:r>
-              <a:rPr lang="en-US" sz="1600" dirty="0">
-                <a:solidFill>
-                  <a:srgbClr val="931968"/>
-                </a:solidFill>
-                <a:latin typeface="Lucida Console" panose="020B0609040504020204" pitchFamily="49" charset="0"/>
-                <a:ea typeface="Monaco"/>
-                <a:cs typeface="Monaco"/>
-              </a:rPr>
-              <a:t>else</a:t>
-            </a:r>
-            <a:r>
-              <a:rPr lang="en-US" sz="1600" dirty="0">
-                <a:solidFill>
-                  <a:srgbClr val="000000"/>
-                </a:solidFill>
-                <a:latin typeface="Lucida Console" panose="020B0609040504020204" pitchFamily="49" charset="0"/>
-                <a:ea typeface="Monaco"/>
-                <a:cs typeface="Monaco"/>
-              </a:rPr>
-              <a:t> </a:t>
-            </a:r>
-            <a:r>
-              <a:rPr lang="en-US" sz="1600" dirty="0">
-                <a:solidFill>
-                  <a:srgbClr val="931968"/>
-                </a:solidFill>
-                <a:latin typeface="Lucida Console" panose="020B0609040504020204" pitchFamily="49" charset="0"/>
-                <a:ea typeface="Monaco"/>
-                <a:cs typeface="Monaco"/>
-              </a:rPr>
-              <a:t>if</a:t>
-            </a:r>
-            <a:r>
-              <a:rPr lang="en-US" sz="1600" dirty="0">
-                <a:solidFill>
-                  <a:srgbClr val="000000"/>
-                </a:solidFill>
-                <a:latin typeface="Lucida Console" panose="020B0609040504020204" pitchFamily="49" charset="0"/>
-                <a:ea typeface="Monaco"/>
-                <a:cs typeface="Monaco"/>
-              </a:rPr>
-              <a:t> (</a:t>
-            </a:r>
-            <a:r>
-              <a:rPr lang="en-US" sz="1600" dirty="0" err="1">
-                <a:solidFill>
-                  <a:srgbClr val="000000"/>
-                </a:solidFill>
-                <a:latin typeface="Lucida Console" panose="020B0609040504020204" pitchFamily="49" charset="0"/>
-                <a:ea typeface="Monaco"/>
-                <a:cs typeface="Monaco"/>
-              </a:rPr>
-              <a:t>loan.isOverDue</a:t>
-            </a:r>
-            <a:r>
-              <a:rPr lang="en-US" sz="1600" dirty="0">
-                <a:solidFill>
-                  <a:srgbClr val="000000"/>
-                </a:solidFill>
-                <a:latin typeface="Lucida Console" panose="020B0609040504020204" pitchFamily="49" charset="0"/>
-                <a:ea typeface="Monaco"/>
-                <a:cs typeface="Monaco"/>
-              </a:rPr>
-              <a:t>() &amp;&amp; (</a:t>
-            </a:r>
-            <a:r>
-              <a:rPr lang="en-US" sz="1600" dirty="0" err="1">
-                <a:solidFill>
-                  <a:srgbClr val="000000"/>
-                </a:solidFill>
-                <a:latin typeface="Lucida Console" panose="020B0609040504020204" pitchFamily="49" charset="0"/>
-                <a:ea typeface="Monaco"/>
-                <a:cs typeface="Monaco"/>
-              </a:rPr>
-              <a:t>loan.getAmount</a:t>
-            </a:r>
-            <a:r>
-              <a:rPr lang="en-US" sz="1600" dirty="0">
-                <a:solidFill>
-                  <a:srgbClr val="000000"/>
-                </a:solidFill>
-                <a:latin typeface="Lucida Console" panose="020B0609040504020204" pitchFamily="49" charset="0"/>
-                <a:ea typeface="Monaco"/>
-                <a:cs typeface="Monaco"/>
-              </a:rPr>
-              <a:t>() &gt; 50))</a:t>
-            </a:r>
-          </a:p>
-          <a:p>
-            <a:r>
-              <a:rPr lang="en-US" sz="1600" dirty="0">
-                <a:solidFill>
-                  <a:srgbClr val="000000"/>
-                </a:solidFill>
-                <a:latin typeface="Lucida Console" panose="020B0609040504020204" pitchFamily="49" charset="0"/>
-                <a:ea typeface="Monaco"/>
-                <a:cs typeface="Monaco"/>
-              </a:rPr>
-              <a:t>    {</a:t>
-            </a:r>
-          </a:p>
-          <a:p>
-            <a:r>
-              <a:rPr lang="en-US" sz="1600" dirty="0">
-                <a:solidFill>
-                  <a:srgbClr val="000000"/>
-                </a:solidFill>
-                <a:latin typeface="Lucida Console" panose="020B0609040504020204" pitchFamily="49" charset="0"/>
-                <a:ea typeface="Monaco"/>
-                <a:cs typeface="Monaco"/>
-              </a:rPr>
-              <a:t>      </a:t>
-            </a:r>
-            <a:r>
-              <a:rPr lang="en-US" sz="1600" dirty="0" err="1">
-                <a:solidFill>
-                  <a:srgbClr val="000000"/>
-                </a:solidFill>
-                <a:latin typeface="Lucida Console" panose="020B0609040504020204" pitchFamily="49" charset="0"/>
-                <a:ea typeface="Monaco"/>
-                <a:cs typeface="Monaco"/>
-              </a:rPr>
-              <a:t>loan.saveStatus</a:t>
-            </a:r>
-            <a:r>
-              <a:rPr lang="en-US" sz="1600" dirty="0">
-                <a:solidFill>
-                  <a:srgbClr val="000000"/>
-                </a:solidFill>
-                <a:latin typeface="Lucida Console" panose="020B0609040504020204" pitchFamily="49" charset="0"/>
-                <a:ea typeface="Monaco"/>
-                <a:cs typeface="Monaco"/>
-              </a:rPr>
-              <a:t>(</a:t>
-            </a:r>
-            <a:r>
-              <a:rPr lang="en-US" sz="1600" dirty="0">
-                <a:solidFill>
-                  <a:srgbClr val="3933FF"/>
-                </a:solidFill>
-                <a:latin typeface="Lucida Console" panose="020B0609040504020204" pitchFamily="49" charset="0"/>
-                <a:ea typeface="Monaco"/>
-                <a:cs typeface="Monaco"/>
-              </a:rPr>
-              <a:t>"Escalated"</a:t>
-            </a:r>
-            <a:r>
-              <a:rPr lang="en-US" sz="1600" dirty="0">
-                <a:solidFill>
-                  <a:srgbClr val="000000"/>
-                </a:solidFill>
-                <a:latin typeface="Lucida Console" panose="020B0609040504020204" pitchFamily="49" charset="0"/>
-                <a:ea typeface="Monaco"/>
-                <a:cs typeface="Monaco"/>
-              </a:rPr>
-              <a:t>, conn);</a:t>
-            </a:r>
-          </a:p>
-          <a:p>
-            <a:r>
-              <a:rPr lang="en-US" sz="1600" dirty="0">
-                <a:solidFill>
-                  <a:srgbClr val="000000"/>
-                </a:solidFill>
-                <a:latin typeface="Lucida Console" panose="020B0609040504020204" pitchFamily="49" charset="0"/>
-                <a:ea typeface="Monaco"/>
-                <a:cs typeface="Monaco"/>
-              </a:rPr>
-              <a:t>    }</a:t>
-            </a:r>
-          </a:p>
-          <a:p>
-            <a:r>
-              <a:rPr lang="en-US" sz="1600" dirty="0">
-                <a:solidFill>
-                  <a:srgbClr val="000000"/>
-                </a:solidFill>
-                <a:latin typeface="Lucida Console" panose="020B0609040504020204" pitchFamily="49" charset="0"/>
-                <a:ea typeface="Monaco"/>
-                <a:cs typeface="Monaco"/>
-              </a:rPr>
-              <a:t>  }</a:t>
-            </a:r>
-          </a:p>
-          <a:p>
-            <a:r>
-              <a:rPr lang="en-US" sz="1600" dirty="0">
-                <a:solidFill>
-                  <a:srgbClr val="000000"/>
-                </a:solidFill>
-                <a:latin typeface="Lucida Console" panose="020B0609040504020204" pitchFamily="49" charset="0"/>
-                <a:ea typeface="Monaco"/>
-                <a:cs typeface="Monaco"/>
-              </a:rPr>
-              <a:t>}</a:t>
-            </a:r>
-            <a:endParaRPr lang="en-US" sz="1600" dirty="0">
-              <a:latin typeface="Lucida Console" panose="020B0609040504020204" pitchFamily="49" charset="0"/>
-            </a:endParaRPr>
-          </a:p>
-        </p:txBody>
-      </p:sp>
-      <p:sp>
-        <p:nvSpPr>
-          <p:cNvPr id="7" name="Rectangle 2"/>
-          <p:cNvSpPr>
-            <a:spLocks/>
-          </p:cNvSpPr>
-          <p:nvPr/>
-        </p:nvSpPr>
-        <p:spPr bwMode="auto">
-          <a:xfrm>
-            <a:off x="1047515" y="1929190"/>
-            <a:ext cx="1979961" cy="239271"/>
-          </a:xfrm>
-          <a:prstGeom prst="rect">
-            <a:avLst/>
-          </a:prstGeom>
-          <a:solidFill>
-            <a:srgbClr val="D90B00">
-              <a:alpha val="70000"/>
-            </a:srgbClr>
-          </a:solidFill>
-          <a:ln w="12700" cap="flat">
-            <a:solidFill>
-              <a:schemeClr val="tx1">
-                <a:alpha val="70000"/>
-              </a:schemeClr>
-            </a:solidFill>
-            <a:prstDash val="solid"/>
-            <a:round/>
-            <a:headEnd type="none" w="med" len="med"/>
-            <a:tailEnd type="none" w="med" len="med"/>
-          </a:ln>
-        </p:spPr>
-        <p:txBody>
-          <a:bodyPr lIns="0" tIns="0" rIns="0" bIns="0"/>
-          <a:lstStyle/>
-          <a:p>
-            <a:endParaRPr lang="en-US"/>
-          </a:p>
-        </p:txBody>
-      </p:sp>
-      <p:sp>
-        <p:nvSpPr>
-          <p:cNvPr id="8" name="Rectangle 3"/>
-          <p:cNvSpPr>
-            <a:spLocks/>
-          </p:cNvSpPr>
-          <p:nvPr/>
-        </p:nvSpPr>
-        <p:spPr bwMode="auto">
-          <a:xfrm>
-            <a:off x="3652243" y="1929190"/>
-            <a:ext cx="1979961" cy="239271"/>
-          </a:xfrm>
-          <a:prstGeom prst="rect">
-            <a:avLst/>
-          </a:prstGeom>
-          <a:solidFill>
-            <a:srgbClr val="D90B00">
-              <a:alpha val="70000"/>
-            </a:srgbClr>
-          </a:solidFill>
-          <a:ln w="12700" cap="flat">
-            <a:solidFill>
-              <a:schemeClr val="tx1">
-                <a:alpha val="70000"/>
-              </a:schemeClr>
-            </a:solidFill>
-            <a:prstDash val="solid"/>
-            <a:round/>
-            <a:headEnd type="none" w="med" len="med"/>
-            <a:tailEnd type="none" w="med" len="med"/>
-          </a:ln>
-        </p:spPr>
-        <p:txBody>
-          <a:bodyPr lIns="0" tIns="0" rIns="0" bIns="0"/>
-          <a:lstStyle/>
-          <a:p>
-            <a:endParaRPr lang="en-US"/>
-          </a:p>
-        </p:txBody>
-      </p:sp>
-      <p:sp>
-        <p:nvSpPr>
-          <p:cNvPr id="10" name="Rectangle 4"/>
-          <p:cNvSpPr>
-            <a:spLocks/>
-          </p:cNvSpPr>
-          <p:nvPr/>
-        </p:nvSpPr>
-        <p:spPr bwMode="auto">
-          <a:xfrm>
-            <a:off x="838574" y="2427988"/>
-            <a:ext cx="4098060" cy="239271"/>
-          </a:xfrm>
-          <a:prstGeom prst="rect">
-            <a:avLst/>
-          </a:prstGeom>
-          <a:solidFill>
-            <a:srgbClr val="D90B00">
-              <a:alpha val="70000"/>
-            </a:srgbClr>
-          </a:solidFill>
-          <a:ln w="12700" cap="flat">
-            <a:solidFill>
-              <a:schemeClr val="tx1">
-                <a:alpha val="70000"/>
-              </a:schemeClr>
-            </a:solidFill>
-            <a:prstDash val="solid"/>
-            <a:round/>
-            <a:headEnd type="none" w="med" len="med"/>
-            <a:tailEnd type="none" w="med" len="med"/>
-          </a:ln>
-        </p:spPr>
-        <p:txBody>
-          <a:bodyPr lIns="0" tIns="0" rIns="0" bIns="0"/>
-          <a:lstStyle/>
-          <a:p>
-            <a:endParaRPr lang="en-US" dirty="0"/>
-          </a:p>
-        </p:txBody>
-      </p:sp>
-      <p:sp>
-        <p:nvSpPr>
-          <p:cNvPr id="11" name="Rectangle 5"/>
-          <p:cNvSpPr>
-            <a:spLocks/>
-          </p:cNvSpPr>
-          <p:nvPr/>
-        </p:nvSpPr>
-        <p:spPr bwMode="auto">
-          <a:xfrm>
-            <a:off x="1680908" y="2914692"/>
-            <a:ext cx="1979961" cy="239271"/>
-          </a:xfrm>
-          <a:prstGeom prst="rect">
-            <a:avLst/>
-          </a:prstGeom>
-          <a:solidFill>
-            <a:srgbClr val="D90B00">
-              <a:alpha val="70000"/>
-            </a:srgbClr>
-          </a:solidFill>
-          <a:ln w="12700" cap="flat">
-            <a:solidFill>
-              <a:schemeClr val="tx1">
-                <a:alpha val="70000"/>
-              </a:schemeClr>
-            </a:solidFill>
-            <a:prstDash val="solid"/>
-            <a:round/>
-            <a:headEnd type="none" w="med" len="med"/>
-            <a:tailEnd type="none" w="med" len="med"/>
-          </a:ln>
-        </p:spPr>
-        <p:txBody>
-          <a:bodyPr lIns="0" tIns="0" rIns="0" bIns="0"/>
-          <a:lstStyle/>
-          <a:p>
-            <a:endParaRPr lang="en-US"/>
-          </a:p>
-        </p:txBody>
-      </p:sp>
-      <p:sp>
-        <p:nvSpPr>
-          <p:cNvPr id="12" name="Rectangle 6"/>
-          <p:cNvSpPr>
-            <a:spLocks/>
-          </p:cNvSpPr>
-          <p:nvPr/>
-        </p:nvSpPr>
-        <p:spPr bwMode="auto">
-          <a:xfrm>
-            <a:off x="4231208" y="2908644"/>
-            <a:ext cx="1979961" cy="239271"/>
-          </a:xfrm>
-          <a:prstGeom prst="rect">
-            <a:avLst/>
-          </a:prstGeom>
-          <a:solidFill>
-            <a:srgbClr val="D90B00">
-              <a:alpha val="70000"/>
-            </a:srgbClr>
-          </a:solidFill>
-          <a:ln w="12700" cap="flat">
-            <a:solidFill>
-              <a:schemeClr val="tx1">
-                <a:alpha val="70000"/>
-              </a:schemeClr>
-            </a:solidFill>
-            <a:prstDash val="solid"/>
-            <a:round/>
-            <a:headEnd type="none" w="med" len="med"/>
-            <a:tailEnd type="none" w="med" len="med"/>
-          </a:ln>
-        </p:spPr>
-        <p:txBody>
-          <a:bodyPr lIns="0" tIns="0" rIns="0" bIns="0"/>
-          <a:lstStyle/>
-          <a:p>
-            <a:endParaRPr lang="en-US"/>
-          </a:p>
-        </p:txBody>
-      </p:sp>
-      <p:sp>
-        <p:nvSpPr>
-          <p:cNvPr id="13" name="Rectangle 7"/>
-          <p:cNvSpPr>
-            <a:spLocks/>
-          </p:cNvSpPr>
-          <p:nvPr/>
-        </p:nvSpPr>
-        <p:spPr bwMode="auto">
-          <a:xfrm>
-            <a:off x="812756" y="3395348"/>
-            <a:ext cx="4213174" cy="239271"/>
-          </a:xfrm>
-          <a:prstGeom prst="rect">
-            <a:avLst/>
-          </a:prstGeom>
-          <a:solidFill>
-            <a:srgbClr val="D90B00">
-              <a:alpha val="70000"/>
-            </a:srgbClr>
-          </a:solidFill>
-          <a:ln w="12700" cap="flat">
-            <a:solidFill>
-              <a:schemeClr val="tx1">
-                <a:alpha val="70000"/>
-              </a:schemeClr>
-            </a:solidFill>
-            <a:prstDash val="solid"/>
-            <a:round/>
-            <a:headEnd type="none" w="med" len="med"/>
-            <a:tailEnd type="none" w="med" len="med"/>
-          </a:ln>
-        </p:spPr>
-        <p:txBody>
-          <a:bodyPr lIns="0" tIns="0" rIns="0" bIns="0"/>
-          <a:lstStyle/>
-          <a:p>
-            <a:endParaRPr lang="en-US"/>
-          </a:p>
-        </p:txBody>
-      </p:sp>
-      <p:sp>
-        <p:nvSpPr>
-          <p:cNvPr id="17" name="Rectangle 8"/>
-          <p:cNvSpPr>
-            <a:spLocks/>
-          </p:cNvSpPr>
-          <p:nvPr/>
-        </p:nvSpPr>
-        <p:spPr bwMode="auto">
-          <a:xfrm>
-            <a:off x="1040191" y="1929190"/>
-            <a:ext cx="529525" cy="239271"/>
-          </a:xfrm>
-          <a:prstGeom prst="rect">
-            <a:avLst/>
-          </a:prstGeom>
-          <a:solidFill>
-            <a:srgbClr val="00BAFB">
-              <a:alpha val="29999"/>
-            </a:srgbClr>
-          </a:solidFill>
-          <a:ln w="12700" cap="flat">
-            <a:solidFill>
-              <a:schemeClr val="tx1">
-                <a:alpha val="29999"/>
-              </a:schemeClr>
-            </a:solidFill>
-            <a:prstDash val="solid"/>
-            <a:round/>
-            <a:headEnd type="none" w="med" len="med"/>
-            <a:tailEnd type="none" w="med" len="med"/>
-          </a:ln>
-        </p:spPr>
-        <p:txBody>
-          <a:bodyPr lIns="0" tIns="0" rIns="0" bIns="0"/>
-          <a:lstStyle/>
-          <a:p>
-            <a:endParaRPr lang="en-US"/>
-          </a:p>
-        </p:txBody>
-      </p:sp>
-      <p:sp>
-        <p:nvSpPr>
-          <p:cNvPr id="18" name="Rectangle 9"/>
-          <p:cNvSpPr>
-            <a:spLocks/>
-          </p:cNvSpPr>
-          <p:nvPr/>
-        </p:nvSpPr>
-        <p:spPr bwMode="auto">
-          <a:xfrm>
-            <a:off x="3650967" y="1929190"/>
-            <a:ext cx="529525" cy="239271"/>
-          </a:xfrm>
-          <a:prstGeom prst="rect">
-            <a:avLst/>
-          </a:prstGeom>
-          <a:solidFill>
-            <a:srgbClr val="00BAFB">
-              <a:alpha val="29999"/>
-            </a:srgbClr>
-          </a:solidFill>
-          <a:ln w="12700" cap="flat">
-            <a:solidFill>
-              <a:schemeClr val="tx1">
-                <a:alpha val="29999"/>
-              </a:schemeClr>
-            </a:solidFill>
-            <a:prstDash val="solid"/>
-            <a:round/>
-            <a:headEnd type="none" w="med" len="med"/>
-            <a:tailEnd type="none" w="med" len="med"/>
-          </a:ln>
-        </p:spPr>
-        <p:txBody>
-          <a:bodyPr lIns="0" tIns="0" rIns="0" bIns="0"/>
-          <a:lstStyle/>
-          <a:p>
-            <a:endParaRPr lang="en-US"/>
-          </a:p>
-        </p:txBody>
-      </p:sp>
-      <p:sp>
-        <p:nvSpPr>
-          <p:cNvPr id="19" name="Rectangle 10"/>
-          <p:cNvSpPr>
-            <a:spLocks/>
-          </p:cNvSpPr>
-          <p:nvPr/>
-        </p:nvSpPr>
-        <p:spPr bwMode="auto">
-          <a:xfrm>
-            <a:off x="840619" y="2415894"/>
-            <a:ext cx="529525" cy="239271"/>
-          </a:xfrm>
-          <a:prstGeom prst="rect">
-            <a:avLst/>
-          </a:prstGeom>
-          <a:solidFill>
-            <a:srgbClr val="00BAFB">
-              <a:alpha val="29999"/>
-            </a:srgbClr>
-          </a:solidFill>
-          <a:ln w="12700" cap="flat">
-            <a:solidFill>
-              <a:schemeClr val="tx1">
-                <a:alpha val="29999"/>
-              </a:schemeClr>
-            </a:solidFill>
-            <a:prstDash val="solid"/>
-            <a:round/>
-            <a:headEnd type="none" w="med" len="med"/>
-            <a:tailEnd type="none" w="med" len="med"/>
-          </a:ln>
-        </p:spPr>
-        <p:txBody>
-          <a:bodyPr lIns="0" tIns="0" rIns="0" bIns="0"/>
-          <a:lstStyle/>
-          <a:p>
-            <a:endParaRPr lang="en-US"/>
-          </a:p>
-        </p:txBody>
-      </p:sp>
-      <p:sp>
-        <p:nvSpPr>
-          <p:cNvPr id="20" name="Rectangle 11"/>
-          <p:cNvSpPr>
-            <a:spLocks/>
-          </p:cNvSpPr>
-          <p:nvPr/>
-        </p:nvSpPr>
-        <p:spPr bwMode="auto">
-          <a:xfrm>
-            <a:off x="1676467" y="2914692"/>
-            <a:ext cx="529525" cy="239271"/>
-          </a:xfrm>
-          <a:prstGeom prst="rect">
-            <a:avLst/>
-          </a:prstGeom>
-          <a:solidFill>
-            <a:srgbClr val="00BAFB">
-              <a:alpha val="29999"/>
-            </a:srgbClr>
-          </a:solidFill>
-          <a:ln w="12700" cap="flat">
-            <a:solidFill>
-              <a:schemeClr val="tx1">
-                <a:alpha val="29999"/>
-              </a:schemeClr>
-            </a:solidFill>
-            <a:prstDash val="solid"/>
-            <a:round/>
-            <a:headEnd type="none" w="med" len="med"/>
-            <a:tailEnd type="none" w="med" len="med"/>
-          </a:ln>
-        </p:spPr>
-        <p:txBody>
-          <a:bodyPr lIns="0" tIns="0" rIns="0" bIns="0"/>
-          <a:lstStyle/>
-          <a:p>
-            <a:endParaRPr lang="en-US"/>
-          </a:p>
-        </p:txBody>
-      </p:sp>
-      <p:sp>
-        <p:nvSpPr>
-          <p:cNvPr id="21" name="Rectangle 12"/>
-          <p:cNvSpPr>
-            <a:spLocks/>
-          </p:cNvSpPr>
-          <p:nvPr/>
-        </p:nvSpPr>
-        <p:spPr bwMode="auto">
-          <a:xfrm>
-            <a:off x="4232815" y="2908644"/>
-            <a:ext cx="529525" cy="239271"/>
-          </a:xfrm>
-          <a:prstGeom prst="rect">
-            <a:avLst/>
-          </a:prstGeom>
-          <a:solidFill>
-            <a:srgbClr val="00BAFB">
-              <a:alpha val="29999"/>
-            </a:srgbClr>
-          </a:solidFill>
-          <a:ln w="12700" cap="flat">
-            <a:solidFill>
-              <a:schemeClr val="tx1">
-                <a:alpha val="29999"/>
-              </a:schemeClr>
-            </a:solidFill>
-            <a:prstDash val="solid"/>
-            <a:round/>
-            <a:headEnd type="none" w="med" len="med"/>
-            <a:tailEnd type="none" w="med" len="med"/>
-          </a:ln>
-        </p:spPr>
-        <p:txBody>
-          <a:bodyPr lIns="0" tIns="0" rIns="0" bIns="0"/>
-          <a:lstStyle/>
-          <a:p>
-            <a:endParaRPr lang="en-US"/>
-          </a:p>
-        </p:txBody>
-      </p:sp>
-      <p:sp>
-        <p:nvSpPr>
-          <p:cNvPr id="22" name="Rectangle 13"/>
-          <p:cNvSpPr>
-            <a:spLocks/>
-          </p:cNvSpPr>
-          <p:nvPr/>
-        </p:nvSpPr>
-        <p:spPr bwMode="auto">
-          <a:xfrm>
-            <a:off x="810382" y="3401396"/>
-            <a:ext cx="529525" cy="239271"/>
-          </a:xfrm>
-          <a:prstGeom prst="rect">
-            <a:avLst/>
-          </a:prstGeom>
-          <a:solidFill>
-            <a:srgbClr val="00BAFB">
-              <a:alpha val="29999"/>
-            </a:srgbClr>
-          </a:solidFill>
-          <a:ln w="12700" cap="flat">
-            <a:solidFill>
-              <a:schemeClr val="tx1">
-                <a:alpha val="29999"/>
-              </a:schemeClr>
-            </a:solidFill>
-            <a:prstDash val="solid"/>
-            <a:round/>
-            <a:headEnd type="none" w="med" len="med"/>
-            <a:tailEnd type="none" w="med" len="med"/>
-          </a:ln>
-        </p:spPr>
-        <p:txBody>
-          <a:bodyPr lIns="0" tIns="0" rIns="0" bIns="0"/>
-          <a:lstStyle/>
-          <a:p>
-            <a:endParaRPr lang="en-US"/>
-          </a:p>
-        </p:txBody>
-      </p:sp>
-    </p:spTree>
-    <p:extLst>
-      <p:ext uri="{BB962C8B-B14F-4D97-AF65-F5344CB8AC3E}">
-        <p14:creationId xmlns:p14="http://schemas.microsoft.com/office/powerpoint/2010/main" val="674407513"/>
-      </p:ext>
-    </p:extLst>
-  </p:cSld>
-  <p:clrMapOvr>
-    <a:masterClrMapping/>
-  </p:clrMapOvr>
-  <p:transition>
-    <p:fade/>
-  </p:transition>
-  <p:timing>
-    <p:tnLst>
-      <p:par>
-        <p:cTn id="1" dur="indefinite" restart="never" nodeType="tmRoot">
-          <p:childTnLst>
-            <p:seq concurrent="1" nextAc="seek">
-              <p:cTn id="2" dur="indefinite" nodeType="mainSeq">
-                <p:childTnLst>
-                  <p:par>
-                    <p:cTn id="3" fill="hold">
-                      <p:stCondLst>
-                        <p:cond delay="indefinite"/>
-                      </p:stCondLst>
-                      <p:childTnLst>
-                        <p:par>
-                          <p:cTn id="4" fill="hold">
-                            <p:stCondLst>
-                              <p:cond delay="0"/>
-                            </p:stCondLst>
-                            <p:childTnLst>
-                              <p:par>
-                                <p:cTn id="5" presetID="1" presetClass="entr" presetSubtype="0" fill="hold" grpId="0" nodeType="clickEffect">
-                                  <p:stCondLst>
-                                    <p:cond delay="0"/>
-                                  </p:stCondLst>
-                                  <p:childTnLst>
-                                    <p:set>
-                                      <p:cBhvr>
-                                        <p:cTn id="6" dur="1" fill="hold">
-                                          <p:stCondLst>
-                                            <p:cond delay="499"/>
-                                          </p:stCondLst>
-                                        </p:cTn>
-                                        <p:tgtEl>
-                                          <p:spTgt spid="7"/>
-                                        </p:tgtEl>
-                                        <p:attrNameLst>
-                                          <p:attrName>style.visibility</p:attrName>
-                                        </p:attrNameLst>
-                                      </p:cBhvr>
-                                      <p:to>
-                                        <p:strVal val="visible"/>
-                                      </p:to>
-                                    </p:set>
-                                  </p:childTnLst>
-                                </p:cTn>
-                              </p:par>
-                            </p:childTnLst>
-                          </p:cTn>
-                        </p:par>
-                      </p:childTnLst>
-                    </p:cTn>
-                  </p:par>
-                  <p:par>
-                    <p:cTn id="7" fill="hold">
-                      <p:stCondLst>
-                        <p:cond delay="indefinite"/>
-                      </p:stCondLst>
-                      <p:childTnLst>
-                        <p:par>
-                          <p:cTn id="8" fill="hold">
-                            <p:stCondLst>
-                              <p:cond delay="0"/>
-                            </p:stCondLst>
-                            <p:childTnLst>
-                              <p:par>
-                                <p:cTn id="9" presetID="1" presetClass="entr" presetSubtype="0" fill="hold" grpId="0" nodeType="clickEffect">
-                                  <p:stCondLst>
-                                    <p:cond delay="0"/>
-                                  </p:stCondLst>
-                                  <p:childTnLst>
-                                    <p:set>
-                                      <p:cBhvr>
-                                        <p:cTn id="10" dur="1" fill="hold">
-                                          <p:stCondLst>
-                                            <p:cond delay="499"/>
-                                          </p:stCondLst>
-                                        </p:cTn>
-                                        <p:tgtEl>
-                                          <p:spTgt spid="8"/>
-                                        </p:tgtEl>
-                                        <p:attrNameLst>
-                                          <p:attrName>style.visibility</p:attrName>
-                                        </p:attrNameLst>
-                                      </p:cBhvr>
-                                      <p:to>
-                                        <p:strVal val="visible"/>
-                                      </p:to>
-                                    </p:set>
-                                  </p:childTnLst>
-                                </p:cTn>
-                              </p:par>
-                            </p:childTnLst>
-                          </p:cTn>
-                        </p:par>
-                      </p:childTnLst>
-                    </p:cTn>
-                  </p:par>
-                  <p:par>
-                    <p:cTn id="11" fill="hold">
-                      <p:stCondLst>
-                        <p:cond delay="indefinite"/>
-                      </p:stCondLst>
-                      <p:childTnLst>
-                        <p:par>
-                          <p:cTn id="12" fill="hold">
-                            <p:stCondLst>
-                              <p:cond delay="0"/>
-                            </p:stCondLst>
-                            <p:childTnLst>
-                              <p:par>
-                                <p:cTn id="13" presetID="1" presetClass="entr" presetSubtype="0" fill="hold" grpId="0" nodeType="clickEffect">
-                                  <p:stCondLst>
-                                    <p:cond delay="0"/>
-                                  </p:stCondLst>
-                                  <p:childTnLst>
-                                    <p:set>
-                                      <p:cBhvr>
-                                        <p:cTn id="14" dur="1" fill="hold">
-                                          <p:stCondLst>
-                                            <p:cond delay="499"/>
-                                          </p:stCondLst>
-                                        </p:cTn>
-                                        <p:tgtEl>
-                                          <p:spTgt spid="10"/>
-                                        </p:tgtEl>
-                                        <p:attrNameLst>
-                                          <p:attrName>style.visibility</p:attrName>
-                                        </p:attrNameLst>
-                                      </p:cBhvr>
-                                      <p:to>
-                                        <p:strVal val="visible"/>
-                                      </p:to>
-                                    </p:set>
-                                  </p:childTnLst>
-                                </p:cTn>
-                              </p:par>
-                            </p:childTnLst>
-                          </p:cTn>
-                        </p:par>
-                      </p:childTnLst>
-                    </p:cTn>
-                  </p:par>
-                  <p:par>
-                    <p:cTn id="15" fill="hold">
-                      <p:stCondLst>
-                        <p:cond delay="indefinite"/>
-                      </p:stCondLst>
-                      <p:childTnLst>
-                        <p:par>
-                          <p:cTn id="16" fill="hold">
-                            <p:stCondLst>
-                              <p:cond delay="0"/>
-                            </p:stCondLst>
-                            <p:childTnLst>
-                              <p:par>
-                                <p:cTn id="17" presetID="1" presetClass="entr" presetSubtype="0" fill="hold" grpId="0" nodeType="clickEffect">
-                                  <p:stCondLst>
-                                    <p:cond delay="0"/>
-                                  </p:stCondLst>
-                                  <p:childTnLst>
-                                    <p:set>
-                                      <p:cBhvr>
-                                        <p:cTn id="18" dur="1" fill="hold">
-                                          <p:stCondLst>
-                                            <p:cond delay="499"/>
-                                          </p:stCondLst>
-                                        </p:cTn>
-                                        <p:tgtEl>
-                                          <p:spTgt spid="11"/>
-                                        </p:tgtEl>
-                                        <p:attrNameLst>
-                                          <p:attrName>style.visibility</p:attrName>
-                                        </p:attrNameLst>
-                                      </p:cBhvr>
-                                      <p:to>
-                                        <p:strVal val="visible"/>
-                                      </p:to>
-                                    </p:set>
-                                  </p:childTnLst>
-                                </p:cTn>
-                              </p:par>
-                            </p:childTnLst>
-                          </p:cTn>
-                        </p:par>
-                      </p:childTnLst>
-                    </p:cTn>
-                  </p:par>
-                  <p:par>
-                    <p:cTn id="19" fill="hold">
-                      <p:stCondLst>
-                        <p:cond delay="indefinite"/>
-                      </p:stCondLst>
-                      <p:childTnLst>
-                        <p:par>
-                          <p:cTn id="20" fill="hold">
-                            <p:stCondLst>
-                              <p:cond delay="0"/>
-                            </p:stCondLst>
-                            <p:childTnLst>
-                              <p:par>
-                                <p:cTn id="21" presetID="1" presetClass="entr" presetSubtype="0" fill="hold" grpId="0" nodeType="clickEffect">
-                                  <p:stCondLst>
-                                    <p:cond delay="0"/>
-                                  </p:stCondLst>
-                                  <p:childTnLst>
-                                    <p:set>
-                                      <p:cBhvr>
-                                        <p:cTn id="22" dur="1" fill="hold">
-                                          <p:stCondLst>
-                                            <p:cond delay="499"/>
-                                          </p:stCondLst>
-                                        </p:cTn>
-                                        <p:tgtEl>
-                                          <p:spTgt spid="12"/>
-                                        </p:tgtEl>
-                                        <p:attrNameLst>
-                                          <p:attrName>style.visibility</p:attrName>
-                                        </p:attrNameLst>
-                                      </p:cBhvr>
-                                      <p:to>
-                                        <p:strVal val="visible"/>
-                                      </p:to>
-                                    </p:set>
-                                  </p:childTnLst>
-                                </p:cTn>
-                              </p:par>
-                            </p:childTnLst>
-                          </p:cTn>
-                        </p:par>
-                      </p:childTnLst>
-                    </p:cTn>
-                  </p:par>
-                  <p:par>
-                    <p:cTn id="23" fill="hold">
-                      <p:stCondLst>
-                        <p:cond delay="indefinite"/>
-                      </p:stCondLst>
-                      <p:childTnLst>
-                        <p:par>
-                          <p:cTn id="24" fill="hold">
-                            <p:stCondLst>
-                              <p:cond delay="0"/>
-                            </p:stCondLst>
-                            <p:childTnLst>
-                              <p:par>
-                                <p:cTn id="25" presetID="1" presetClass="entr" presetSubtype="0" fill="hold" grpId="0" nodeType="clickEffect">
-                                  <p:stCondLst>
-                                    <p:cond delay="0"/>
-                                  </p:stCondLst>
-                                  <p:childTnLst>
-                                    <p:set>
-                                      <p:cBhvr>
-                                        <p:cTn id="26" dur="1" fill="hold">
-                                          <p:stCondLst>
-                                            <p:cond delay="499"/>
-                                          </p:stCondLst>
-                                        </p:cTn>
-                                        <p:tgtEl>
-                                          <p:spTgt spid="13"/>
-                                        </p:tgtEl>
-                                        <p:attrNameLst>
-                                          <p:attrName>style.visibility</p:attrName>
-                                        </p:attrNameLst>
-                                      </p:cBhvr>
-                                      <p:to>
-                                        <p:strVal val="visible"/>
-                                      </p:to>
-                                    </p:set>
-                                  </p:childTnLst>
-                                </p:cTn>
-                              </p:par>
-                            </p:childTnLst>
-                          </p:cTn>
-                        </p:par>
-                      </p:childTnLst>
-                    </p:cTn>
-                  </p:par>
-                  <p:par>
-                    <p:cTn id="27" fill="hold">
-                      <p:stCondLst>
-                        <p:cond delay="indefinite"/>
-                      </p:stCondLst>
-                      <p:childTnLst>
-                        <p:par>
-                          <p:cTn id="28" fill="hold">
-                            <p:stCondLst>
-                              <p:cond delay="0"/>
-                            </p:stCondLst>
-                            <p:childTnLst>
-                              <p:par>
-                                <p:cTn id="29" presetID="1" presetClass="entr" presetSubtype="0" fill="hold" grpId="0" nodeType="clickEffect">
-                                  <p:stCondLst>
-                                    <p:cond delay="0"/>
-                                  </p:stCondLst>
-                                  <p:childTnLst>
-                                    <p:set>
-                                      <p:cBhvr>
-                                        <p:cTn id="30" dur="1" fill="hold">
-                                          <p:stCondLst>
-                                            <p:cond delay="499"/>
-                                          </p:stCondLst>
-                                        </p:cTn>
-                                        <p:tgtEl>
-                                          <p:spTgt spid="17"/>
-                                        </p:tgtEl>
-                                        <p:attrNameLst>
-                                          <p:attrName>style.visibility</p:attrName>
-                                        </p:attrNameLst>
-                                      </p:cBhvr>
-                                      <p:to>
-                                        <p:strVal val="visible"/>
-                                      </p:to>
-                                    </p:set>
-                                  </p:childTnLst>
-                                </p:cTn>
-                              </p:par>
-                            </p:childTnLst>
-                          </p:cTn>
-                        </p:par>
-                        <p:par>
-                          <p:cTn id="31" fill="hold">
-                            <p:stCondLst>
-                              <p:cond delay="500"/>
-                            </p:stCondLst>
-                            <p:childTnLst>
-                              <p:par>
-                                <p:cTn id="32" presetID="1" presetClass="entr" presetSubtype="0" fill="hold" grpId="0" nodeType="afterEffect">
-                                  <p:stCondLst>
-                                    <p:cond delay="0"/>
-                                  </p:stCondLst>
-                                  <p:childTnLst>
-                                    <p:set>
-                                      <p:cBhvr>
-                                        <p:cTn id="33" dur="1" fill="hold">
-                                          <p:stCondLst>
-                                            <p:cond delay="499"/>
-                                          </p:stCondLst>
-                                        </p:cTn>
-                                        <p:tgtEl>
-                                          <p:spTgt spid="18"/>
-                                        </p:tgtEl>
-                                        <p:attrNameLst>
-                                          <p:attrName>style.visibility</p:attrName>
-                                        </p:attrNameLst>
-                                      </p:cBhvr>
-                                      <p:to>
-                                        <p:strVal val="visible"/>
-                                      </p:to>
-                                    </p:set>
-                                  </p:childTnLst>
-                                </p:cTn>
-                              </p:par>
-                            </p:childTnLst>
-                          </p:cTn>
-                        </p:par>
-                        <p:par>
-                          <p:cTn id="34" fill="hold">
-                            <p:stCondLst>
-                              <p:cond delay="1000"/>
-                            </p:stCondLst>
-                            <p:childTnLst>
-                              <p:par>
-                                <p:cTn id="35" presetID="1" presetClass="entr" presetSubtype="0" fill="hold" grpId="0" nodeType="afterEffect">
-                                  <p:stCondLst>
-                                    <p:cond delay="0"/>
-                                  </p:stCondLst>
-                                  <p:childTnLst>
-                                    <p:set>
-                                      <p:cBhvr>
-                                        <p:cTn id="36" dur="1" fill="hold">
-                                          <p:stCondLst>
-                                            <p:cond delay="499"/>
-                                          </p:stCondLst>
-                                        </p:cTn>
-                                        <p:tgtEl>
-                                          <p:spTgt spid="19"/>
-                                        </p:tgtEl>
-                                        <p:attrNameLst>
-                                          <p:attrName>style.visibility</p:attrName>
-                                        </p:attrNameLst>
-                                      </p:cBhvr>
-                                      <p:to>
-                                        <p:strVal val="visible"/>
-                                      </p:to>
-                                    </p:set>
-                                  </p:childTnLst>
-                                </p:cTn>
-                              </p:par>
-                            </p:childTnLst>
-                          </p:cTn>
-                        </p:par>
-                        <p:par>
-                          <p:cTn id="37" fill="hold">
-                            <p:stCondLst>
-                              <p:cond delay="1500"/>
-                            </p:stCondLst>
-                            <p:childTnLst>
-                              <p:par>
-                                <p:cTn id="38" presetID="1" presetClass="entr" presetSubtype="0" fill="hold" grpId="0" nodeType="afterEffect">
-                                  <p:stCondLst>
-                                    <p:cond delay="0"/>
-                                  </p:stCondLst>
-                                  <p:childTnLst>
-                                    <p:set>
-                                      <p:cBhvr>
-                                        <p:cTn id="39" dur="1" fill="hold">
-                                          <p:stCondLst>
-                                            <p:cond delay="499"/>
-                                          </p:stCondLst>
-                                        </p:cTn>
-                                        <p:tgtEl>
-                                          <p:spTgt spid="20"/>
-                                        </p:tgtEl>
-                                        <p:attrNameLst>
-                                          <p:attrName>style.visibility</p:attrName>
-                                        </p:attrNameLst>
-                                      </p:cBhvr>
-                                      <p:to>
-                                        <p:strVal val="visible"/>
-                                      </p:to>
-                                    </p:set>
-                                  </p:childTnLst>
-                                </p:cTn>
-                              </p:par>
-                            </p:childTnLst>
-                          </p:cTn>
-                        </p:par>
-                        <p:par>
-                          <p:cTn id="40" fill="hold">
-                            <p:stCondLst>
-                              <p:cond delay="2000"/>
-                            </p:stCondLst>
-                            <p:childTnLst>
-                              <p:par>
-                                <p:cTn id="41" presetID="1" presetClass="entr" presetSubtype="0" fill="hold" grpId="0" nodeType="afterEffect">
-                                  <p:stCondLst>
-                                    <p:cond delay="0"/>
-                                  </p:stCondLst>
-                                  <p:childTnLst>
-                                    <p:set>
-                                      <p:cBhvr>
-                                        <p:cTn id="42" dur="1" fill="hold">
-                                          <p:stCondLst>
-                                            <p:cond delay="499"/>
-                                          </p:stCondLst>
-                                        </p:cTn>
-                                        <p:tgtEl>
-                                          <p:spTgt spid="21"/>
-                                        </p:tgtEl>
-                                        <p:attrNameLst>
-                                          <p:attrName>style.visibility</p:attrName>
-                                        </p:attrNameLst>
-                                      </p:cBhvr>
-                                      <p:to>
-                                        <p:strVal val="visible"/>
-                                      </p:to>
-                                    </p:set>
-                                  </p:childTnLst>
-                                </p:cTn>
-                              </p:par>
-                            </p:childTnLst>
-                          </p:cTn>
-                        </p:par>
-                        <p:par>
-                          <p:cTn id="43" fill="hold">
-                            <p:stCondLst>
-                              <p:cond delay="2500"/>
-                            </p:stCondLst>
-                            <p:childTnLst>
-                              <p:par>
-                                <p:cTn id="44" presetID="1" presetClass="entr" presetSubtype="0" fill="hold" grpId="0" nodeType="afterEffect">
-                                  <p:stCondLst>
-                                    <p:cond delay="0"/>
-                                  </p:stCondLst>
-                                  <p:childTnLst>
-                                    <p:set>
-                                      <p:cBhvr>
-                                        <p:cTn id="45" dur="1" fill="hold">
-                                          <p:stCondLst>
-                                            <p:cond delay="499"/>
-                                          </p:stCondLst>
-                                        </p:cTn>
-                                        <p:tgtEl>
-                                          <p:spTgt spid="22"/>
-                                        </p:tgtEl>
-                                        <p:attrNameLst>
-                                          <p:attrName>style.visibility</p:attrName>
-                                        </p:attrNameLst>
-                                      </p:cBhvr>
-                                      <p:to>
-                                        <p:strVal val="visible"/>
-                                      </p:to>
-                                    </p:set>
-                                  </p:childTnLst>
-                                </p:cTn>
-                              </p:par>
-                            </p:childTnLst>
-                          </p:cTn>
-                        </p:par>
-                      </p:childTnLst>
-                    </p:cTn>
-                  </p:par>
-                </p:childTnLst>
-              </p:cTn>
-              <p:prevCondLst>
-                <p:cond evt="onPrev" delay="0">
-                  <p:tgtEl>
-                    <p:sldTgt/>
-                  </p:tgtEl>
-                </p:cond>
-              </p:prevCondLst>
-              <p:nextCondLst>
-                <p:cond evt="onNext" delay="0">
-                  <p:tgtEl>
-                    <p:sldTgt/>
-                  </p:tgtEl>
-                </p:cond>
-              </p:nextCondLst>
-            </p:seq>
-          </p:childTnLst>
-        </p:cTn>
-      </p:par>
-    </p:tnLst>
-    <p:bldLst>
-      <p:bldP spid="7" grpId="0" animBg="1"/>
-      <p:bldP spid="8" grpId="0" animBg="1"/>
-      <p:bldP spid="10" grpId="0" animBg="1"/>
-      <p:bldP spid="11" grpId="0" animBg="1"/>
-      <p:bldP spid="12" grpId="0" animBg="1"/>
-      <p:bldP spid="13" grpId="0" animBg="1"/>
-      <p:bldP spid="17" grpId="0" animBg="1"/>
-      <p:bldP spid="18" grpId="0" animBg="1"/>
-      <p:bldP spid="19" grpId="0" animBg="1"/>
-      <p:bldP spid="20" grpId="0" animBg="1"/>
-      <p:bldP spid="21" grpId="0" animBg="1"/>
-      <p:bldP spid="22" grpId="0" animBg="1"/>
     </p:bldLst>
   </p:timing>
 </p:sld>
@@ -18494,12 +18817,6 @@
 </file>
 
 <file path=customXml/item1.xml><?xml version="1.0" encoding="utf-8"?>
-<p:properties xmlns:p="http://schemas.microsoft.com/office/2006/metadata/properties" xmlns:xsi="http://www.w3.org/2001/XMLSchema-instance">
-  <documentManagement/>
-</p:properties>
-</file>
-
-<file path=customXml/item2.xml><?xml version="1.0" encoding="utf-8"?>
 <ct:contentTypeSchema xmlns:ct="http://schemas.microsoft.com/office/2006/metadata/contentType" xmlns:ma="http://schemas.microsoft.com/office/2006/metadata/properties/metaAttributes" ct:_="" ma:_="" ma:contentTypeName="Document" ma:contentTypeID="0x010100FFAD18D62016C640A18B4602AF84C96B" ma:contentTypeVersion="0" ma:contentTypeDescription="Create a new document." ma:contentTypeScope="" ma:versionID="caa81f01dd96cdfbc3682f85211525f3">
   <xsd:schema xmlns:xsd="http://www.w3.org/2001/XMLSchema" xmlns:p="http://schemas.microsoft.com/office/2006/metadata/properties" targetNamespace="http://schemas.microsoft.com/office/2006/metadata/properties" ma:root="true" ma:fieldsID="4aeb20c0e3442673af7ee10786458764">
     <xsd:element name="properties">
@@ -18548,6 +18865,12 @@
 </ct:contentTypeSchema>
 </file>
 
+<file path=customXml/item2.xml><?xml version="1.0" encoding="utf-8"?>
+<p:properties xmlns:p="http://schemas.microsoft.com/office/2006/metadata/properties" xmlns:xsi="http://www.w3.org/2001/XMLSchema-instance">
+  <documentManagement/>
+</p:properties>
+</file>
+
 <file path=customXml/item3.xml><?xml version="1.0" encoding="utf-8"?>
 <?mso-contentType ?>
 <FormTemplates xmlns="http://schemas.microsoft.com/sharepoint/v3/contenttype/forms">
@@ -18558,20 +18881,6 @@
 </file>
 
 <file path=customXml/itemProps1.xml><?xml version="1.0" encoding="utf-8"?>
-<ds:datastoreItem xmlns:ds="http://schemas.openxmlformats.org/officeDocument/2006/customXml" ds:itemID="{36E36A69-20AF-4475-8E56-46E6A5BAB14A}">
-  <ds:schemaRefs>
-    <ds:schemaRef ds:uri="http://schemas.openxmlformats.org/package/2006/metadata/core-properties"/>
-    <ds:schemaRef ds:uri="http://purl.org/dc/dcmitype/"/>
-    <ds:schemaRef ds:uri="http://schemas.microsoft.com/office/2006/documentManagement/types"/>
-    <ds:schemaRef ds:uri="http://purl.org/dc/elements/1.1/"/>
-    <ds:schemaRef ds:uri="http://schemas.microsoft.com/office/2006/metadata/properties"/>
-    <ds:schemaRef ds:uri="http://purl.org/dc/terms/"/>
-    <ds:schemaRef ds:uri="http://www.w3.org/XML/1998/namespace"/>
-  </ds:schemaRefs>
-</ds:datastoreItem>
-</file>
-
-<file path=customXml/itemProps2.xml><?xml version="1.0" encoding="utf-8"?>
 <ds:datastoreItem xmlns:ds="http://schemas.openxmlformats.org/officeDocument/2006/customXml" ds:itemID="{C720BFF8-353C-459A-AFEF-E21478A415F8}">
   <ds:schemaRefs>
     <ds:schemaRef ds:uri="http://schemas.microsoft.com/office/2006/metadata/contentType"/>
@@ -18586,6 +18895,20 @@
 </ds:datastoreItem>
 </file>
 
+<file path=customXml/itemProps2.xml><?xml version="1.0" encoding="utf-8"?>
+<ds:datastoreItem xmlns:ds="http://schemas.openxmlformats.org/officeDocument/2006/customXml" ds:itemID="{36E36A69-20AF-4475-8E56-46E6A5BAB14A}">
+  <ds:schemaRefs>
+    <ds:schemaRef ds:uri="http://schemas.openxmlformats.org/package/2006/metadata/core-properties"/>
+    <ds:schemaRef ds:uri="http://purl.org/dc/dcmitype/"/>
+    <ds:schemaRef ds:uri="http://schemas.microsoft.com/office/2006/documentManagement/types"/>
+    <ds:schemaRef ds:uri="http://purl.org/dc/elements/1.1/"/>
+    <ds:schemaRef ds:uri="http://schemas.microsoft.com/office/2006/metadata/properties"/>
+    <ds:schemaRef ds:uri="http://purl.org/dc/terms/"/>
+    <ds:schemaRef ds:uri="http://www.w3.org/XML/1998/namespace"/>
+  </ds:schemaRefs>
+</ds:datastoreItem>
+</file>
+
 <file path=customXml/itemProps3.xml><?xml version="1.0" encoding="utf-8"?>
 <ds:datastoreItem xmlns:ds="http://schemas.openxmlformats.org/officeDocument/2006/customXml" ds:itemID="{727A27AF-67A1-4A64-B04E-6572043AD347}">
   <ds:schemaRefs>
